--- a/presentation/Presentation - Ferlin Orsenigo Saccani.pptx
+++ b/presentation/Presentation - Ferlin Orsenigo Saccani.pptx
@@ -5208,11 +5208,7 @@
           <a:bodyPr/>
           <a:lstStyle/>
           <a:p>
-            <a:endParaRPr lang="it-IT" b="0">
-              <a:solidFill>
-                <a:srgbClr val="FF0000"/>
-              </a:solidFill>
-            </a:endParaRPr>
+            <a:endParaRPr lang="it-IT" dirty="0"/>
           </a:p>
         </p:txBody>
       </p:sp>
@@ -5233,7 +5229,7 @@
           <a:p>
             <a:fld id="{1EEEB9C4-2C44-416F-8AE9-56A3B0181F3B}" type="slidenum">
               <a:rPr lang="it-IT" smtClean="0"/>
-              <a:t>2</a:t>
+              <a:t>1</a:t>
             </a:fld>
             <a:endParaRPr lang="it-IT"/>
           </a:p>
@@ -5242,7 +5238,273 @@
     </p:spTree>
     <p:extLst>
       <p:ext uri="{BB962C8B-B14F-4D97-AF65-F5344CB8AC3E}">
-        <p14:creationId xmlns:p14="http://schemas.microsoft.com/office/powerpoint/2010/main" val="1528310201"/>
+        <p14:creationId xmlns:p14="http://schemas.microsoft.com/office/powerpoint/2010/main" val="4060172671"/>
+      </p:ext>
+    </p:extLst>
+  </p:cSld>
+  <p:clrMapOvr>
+    <a:masterClrMapping/>
+  </p:clrMapOvr>
+</p:notes>
+</file>
+
+<file path=ppt/notesSlides/notesSlide10.xml><?xml version="1.0" encoding="utf-8"?>
+<p:notes xmlns:a="http://schemas.openxmlformats.org/drawingml/2006/main" xmlns:r="http://schemas.openxmlformats.org/officeDocument/2006/relationships" xmlns:p="http://schemas.openxmlformats.org/presentationml/2006/main">
+  <p:cSld>
+    <p:spTree>
+      <p:nvGrpSpPr>
+        <p:cNvPr id="1" name=""/>
+        <p:cNvGrpSpPr/>
+        <p:nvPr/>
+      </p:nvGrpSpPr>
+      <p:grpSpPr>
+        <a:xfrm>
+          <a:off x="0" y="0"/>
+          <a:ext cx="0" cy="0"/>
+          <a:chOff x="0" y="0"/>
+          <a:chExt cx="0" cy="0"/>
+        </a:xfrm>
+      </p:grpSpPr>
+      <p:sp>
+        <p:nvSpPr>
+          <p:cNvPr id="2" name="Segnaposto immagine diapositiva 1"/>
+          <p:cNvSpPr>
+            <a:spLocks noGrp="1" noRot="1" noChangeAspect="1"/>
+          </p:cNvSpPr>
+          <p:nvPr>
+            <p:ph type="sldImg"/>
+          </p:nvPr>
+        </p:nvSpPr>
+        <p:spPr/>
+      </p:sp>
+      <p:sp>
+        <p:nvSpPr>
+          <p:cNvPr id="3" name="Segnaposto note 2"/>
+          <p:cNvSpPr>
+            <a:spLocks noGrp="1"/>
+          </p:cNvSpPr>
+          <p:nvPr>
+            <p:ph type="body" idx="1"/>
+          </p:nvPr>
+        </p:nvSpPr>
+        <p:spPr/>
+        <p:txBody>
+          <a:bodyPr/>
+          <a:lstStyle/>
+          <a:p>
+            <a:r>
+              <a:rPr lang="it-IT" b="1" dirty="0"/>
+              <a:t>After </a:t>
+            </a:r>
+            <a:r>
+              <a:rPr lang="it-IT" b="1" dirty="0" err="1"/>
+              <a:t>this</a:t>
+            </a:r>
+            <a:r>
+              <a:rPr lang="it-IT" b="1" dirty="0"/>
+              <a:t> slide RASD part </a:t>
+            </a:r>
+            <a:r>
+              <a:rPr lang="it-IT" b="1" dirty="0" err="1"/>
+              <a:t>completed</a:t>
+            </a:r>
+            <a:r>
+              <a:rPr lang="it-IT" b="1" dirty="0"/>
+              <a:t>  -&gt; </a:t>
+            </a:r>
+            <a:r>
+              <a:rPr lang="it-IT" b="1" dirty="0" err="1"/>
+              <a:t>We</a:t>
+            </a:r>
+            <a:r>
+              <a:rPr lang="it-IT" b="1" dirty="0"/>
+              <a:t> </a:t>
+            </a:r>
+            <a:r>
+              <a:rPr lang="it-IT" b="1" dirty="0" err="1"/>
+              <a:t>will</a:t>
+            </a:r>
+            <a:r>
+              <a:rPr lang="it-IT" b="1" dirty="0"/>
+              <a:t> start </a:t>
+            </a:r>
+            <a:r>
+              <a:rPr lang="it-IT" b="1" dirty="0" err="1"/>
+              <a:t>talking</a:t>
+            </a:r>
+            <a:r>
+              <a:rPr lang="it-IT" b="1" dirty="0"/>
+              <a:t> </a:t>
+            </a:r>
+            <a:r>
+              <a:rPr lang="it-IT" b="1" dirty="0" err="1"/>
+              <a:t>about</a:t>
+            </a:r>
+            <a:r>
+              <a:rPr lang="it-IT" b="1" dirty="0"/>
+              <a:t> DD</a:t>
+            </a:r>
+            <a:br>
+              <a:rPr lang="it-IT" b="1" dirty="0"/>
+            </a:br>
+            <a:r>
+              <a:rPr lang="it-IT" b="1" dirty="0" err="1"/>
+              <a:t>Change</a:t>
+            </a:r>
+            <a:r>
+              <a:rPr lang="it-IT" b="1" dirty="0"/>
+              <a:t> </a:t>
+            </a:r>
+            <a:r>
+              <a:rPr lang="it-IT" b="1" dirty="0" err="1"/>
+              <a:t>person</a:t>
+            </a:r>
+            <a:r>
+              <a:rPr lang="it-IT" b="1" dirty="0"/>
+              <a:t> </a:t>
+            </a:r>
+            <a:r>
+              <a:rPr lang="it-IT" b="1" dirty="0" err="1"/>
+              <a:t>speaking</a:t>
+            </a:r>
+            <a:r>
+              <a:rPr lang="it-IT" b="1" dirty="0"/>
+              <a:t> (Orsenigo </a:t>
+            </a:r>
+            <a:r>
+              <a:rPr lang="it-IT" b="1" dirty="0" err="1"/>
+              <a:t>Now</a:t>
+            </a:r>
+            <a:r>
+              <a:rPr lang="it-IT" b="1" dirty="0"/>
+              <a:t> </a:t>
+            </a:r>
+            <a:r>
+              <a:rPr lang="it-IT" b="1" dirty="0" err="1"/>
+              <a:t>Speaking</a:t>
+            </a:r>
+            <a:r>
+              <a:rPr lang="it-IT" b="1" dirty="0"/>
+              <a:t>) </a:t>
+            </a:r>
+          </a:p>
+        </p:txBody>
+      </p:sp>
+      <p:sp>
+        <p:nvSpPr>
+          <p:cNvPr id="4" name="Segnaposto numero diapositiva 3"/>
+          <p:cNvSpPr>
+            <a:spLocks noGrp="1"/>
+          </p:cNvSpPr>
+          <p:nvPr>
+            <p:ph type="sldNum" sz="quarter" idx="5"/>
+          </p:nvPr>
+        </p:nvSpPr>
+        <p:spPr/>
+        <p:txBody>
+          <a:bodyPr/>
+          <a:lstStyle/>
+          <a:p>
+            <a:fld id="{1EEEB9C4-2C44-416F-8AE9-56A3B0181F3B}" type="slidenum">
+              <a:rPr lang="it-IT" smtClean="0"/>
+              <a:t>12</a:t>
+            </a:fld>
+            <a:endParaRPr lang="it-IT"/>
+          </a:p>
+        </p:txBody>
+      </p:sp>
+    </p:spTree>
+    <p:extLst>
+      <p:ext uri="{BB962C8B-B14F-4D97-AF65-F5344CB8AC3E}">
+        <p14:creationId xmlns:p14="http://schemas.microsoft.com/office/powerpoint/2010/main" val="2581798687"/>
+      </p:ext>
+    </p:extLst>
+  </p:cSld>
+  <p:clrMapOvr>
+    <a:masterClrMapping/>
+  </p:clrMapOvr>
+</p:notes>
+</file>
+
+<file path=ppt/notesSlides/notesSlide11.xml><?xml version="1.0" encoding="utf-8"?>
+<p:notes xmlns:a="http://schemas.openxmlformats.org/drawingml/2006/main" xmlns:r="http://schemas.openxmlformats.org/officeDocument/2006/relationships" xmlns:p="http://schemas.openxmlformats.org/presentationml/2006/main">
+  <p:cSld>
+    <p:spTree>
+      <p:nvGrpSpPr>
+        <p:cNvPr id="1" name=""/>
+        <p:cNvGrpSpPr/>
+        <p:nvPr/>
+      </p:nvGrpSpPr>
+      <p:grpSpPr>
+        <a:xfrm>
+          <a:off x="0" y="0"/>
+          <a:ext cx="0" cy="0"/>
+          <a:chOff x="0" y="0"/>
+          <a:chExt cx="0" cy="0"/>
+        </a:xfrm>
+      </p:grpSpPr>
+      <p:sp>
+        <p:nvSpPr>
+          <p:cNvPr id="2" name="Segnaposto immagine diapositiva 1"/>
+          <p:cNvSpPr>
+            <a:spLocks noGrp="1" noRot="1" noChangeAspect="1"/>
+          </p:cNvSpPr>
+          <p:nvPr>
+            <p:ph type="sldImg"/>
+          </p:nvPr>
+        </p:nvSpPr>
+        <p:spPr/>
+      </p:sp>
+      <p:sp>
+        <p:nvSpPr>
+          <p:cNvPr id="3" name="Segnaposto note 2"/>
+          <p:cNvSpPr>
+            <a:spLocks noGrp="1"/>
+          </p:cNvSpPr>
+          <p:nvPr>
+            <p:ph type="body" idx="1"/>
+          </p:nvPr>
+        </p:nvSpPr>
+        <p:spPr/>
+        <p:txBody>
+          <a:bodyPr/>
+          <a:lstStyle/>
+          <a:p>
+            <a:endParaRPr lang="it-IT" b="0">
+              <a:solidFill>
+                <a:srgbClr val="FF0000"/>
+              </a:solidFill>
+            </a:endParaRPr>
+          </a:p>
+        </p:txBody>
+      </p:sp>
+      <p:sp>
+        <p:nvSpPr>
+          <p:cNvPr id="4" name="Segnaposto numero diapositiva 3"/>
+          <p:cNvSpPr>
+            <a:spLocks noGrp="1"/>
+          </p:cNvSpPr>
+          <p:nvPr>
+            <p:ph type="sldNum" sz="quarter" idx="5"/>
+          </p:nvPr>
+        </p:nvSpPr>
+        <p:spPr/>
+        <p:txBody>
+          <a:bodyPr/>
+          <a:lstStyle/>
+          <a:p>
+            <a:fld id="{1EEEB9C4-2C44-416F-8AE9-56A3B0181F3B}" type="slidenum">
+              <a:rPr lang="it-IT" smtClean="0"/>
+              <a:t>13</a:t>
+            </a:fld>
+            <a:endParaRPr lang="it-IT"/>
+          </a:p>
+        </p:txBody>
+      </p:sp>
+    </p:spTree>
+    <p:extLst>
+      <p:ext uri="{BB962C8B-B14F-4D97-AF65-F5344CB8AC3E}">
+        <p14:creationId xmlns:p14="http://schemas.microsoft.com/office/powerpoint/2010/main" val="326147060"/>
       </p:ext>
     </p:extLst>
   </p:cSld>
@@ -5296,11 +5558,46 @@
           <a:bodyPr/>
           <a:lstStyle/>
           <a:p>
-            <a:endParaRPr lang="it-IT" b="0">
-              <a:solidFill>
-                <a:srgbClr val="FF0000"/>
-              </a:solidFill>
-            </a:endParaRPr>
+            <a:r>
+              <a:rPr lang="it-IT" b="1" dirty="0">
+                <a:solidFill>
+                  <a:srgbClr val="FF0000"/>
+                </a:solidFill>
+              </a:rPr>
+              <a:t>Start </a:t>
+            </a:r>
+            <a:r>
+              <a:rPr lang="it-IT" b="1" dirty="0" err="1">
+                <a:solidFill>
+                  <a:srgbClr val="FF0000"/>
+                </a:solidFill>
+              </a:rPr>
+              <a:t>person</a:t>
+            </a:r>
+            <a:r>
+              <a:rPr lang="it-IT" b="1" dirty="0">
+                <a:solidFill>
+                  <a:srgbClr val="FF0000"/>
+                </a:solidFill>
+              </a:rPr>
+              <a:t> </a:t>
+            </a:r>
+            <a:r>
+              <a:rPr lang="it-IT" b="1" dirty="0" err="1">
+                <a:solidFill>
+                  <a:srgbClr val="FF0000"/>
+                </a:solidFill>
+              </a:rPr>
+              <a:t>talking</a:t>
+            </a:r>
+            <a:r>
+              <a:rPr lang="it-IT" b="1" dirty="0">
+                <a:solidFill>
+                  <a:srgbClr val="FF0000"/>
+                </a:solidFill>
+              </a:rPr>
+              <a:t> (Orsenigo)</a:t>
+            </a:r>
           </a:p>
         </p:txBody>
       </p:sp>
@@ -5321,7 +5618,7 @@
           <a:p>
             <a:fld id="{1EEEB9C4-2C44-416F-8AE9-56A3B0181F3B}" type="slidenum">
               <a:rPr lang="it-IT" smtClean="0"/>
-              <a:t>13</a:t>
+              <a:t>2</a:t>
             </a:fld>
             <a:endParaRPr lang="it-IT"/>
           </a:p>
@@ -5330,7 +5627,1048 @@
     </p:spTree>
     <p:extLst>
       <p:ext uri="{BB962C8B-B14F-4D97-AF65-F5344CB8AC3E}">
-        <p14:creationId xmlns:p14="http://schemas.microsoft.com/office/powerpoint/2010/main" val="326147060"/>
+        <p14:creationId xmlns:p14="http://schemas.microsoft.com/office/powerpoint/2010/main" val="1528310201"/>
+      </p:ext>
+    </p:extLst>
+  </p:cSld>
+  <p:clrMapOvr>
+    <a:masterClrMapping/>
+  </p:clrMapOvr>
+</p:notes>
+</file>
+
+<file path=ppt/notesSlides/notesSlide3.xml><?xml version="1.0" encoding="utf-8"?>
+<p:notes xmlns:a="http://schemas.openxmlformats.org/drawingml/2006/main" xmlns:r="http://schemas.openxmlformats.org/officeDocument/2006/relationships" xmlns:p="http://schemas.openxmlformats.org/presentationml/2006/main">
+  <p:cSld>
+    <p:spTree>
+      <p:nvGrpSpPr>
+        <p:cNvPr id="1" name=""/>
+        <p:cNvGrpSpPr/>
+        <p:nvPr/>
+      </p:nvGrpSpPr>
+      <p:grpSpPr>
+        <a:xfrm>
+          <a:off x="0" y="0"/>
+          <a:ext cx="0" cy="0"/>
+          <a:chOff x="0" y="0"/>
+          <a:chExt cx="0" cy="0"/>
+        </a:xfrm>
+      </p:grpSpPr>
+      <p:sp>
+        <p:nvSpPr>
+          <p:cNvPr id="2" name="Segnaposto immagine diapositiva 1"/>
+          <p:cNvSpPr>
+            <a:spLocks noGrp="1" noRot="1" noChangeAspect="1"/>
+          </p:cNvSpPr>
+          <p:nvPr>
+            <p:ph type="sldImg"/>
+          </p:nvPr>
+        </p:nvSpPr>
+        <p:spPr/>
+      </p:sp>
+      <p:sp>
+        <p:nvSpPr>
+          <p:cNvPr id="3" name="Segnaposto note 2"/>
+          <p:cNvSpPr>
+            <a:spLocks noGrp="1"/>
+          </p:cNvSpPr>
+          <p:nvPr>
+            <p:ph type="body" idx="1"/>
+          </p:nvPr>
+        </p:nvSpPr>
+        <p:spPr/>
+        <p:txBody>
+          <a:bodyPr/>
+          <a:lstStyle/>
+          <a:p>
+            <a:r>
+              <a:rPr lang="it-IT" dirty="0"/>
+              <a:t>Skip </a:t>
+            </a:r>
+            <a:r>
+              <a:rPr lang="it-IT" b="1" dirty="0" err="1"/>
+              <a:t>immediatly</a:t>
+            </a:r>
+            <a:r>
+              <a:rPr lang="it-IT" dirty="0"/>
+              <a:t> to the </a:t>
+            </a:r>
+            <a:r>
+              <a:rPr lang="it-IT" dirty="0" err="1"/>
+              <a:t>next</a:t>
+            </a:r>
+            <a:r>
+              <a:rPr lang="it-IT" dirty="0"/>
+              <a:t> slide to </a:t>
+            </a:r>
+            <a:r>
+              <a:rPr lang="it-IT" dirty="0" err="1"/>
+              <a:t>see</a:t>
+            </a:r>
+            <a:r>
+              <a:rPr lang="it-IT" dirty="0"/>
+              <a:t> the </a:t>
+            </a:r>
+            <a:r>
+              <a:rPr lang="it-IT" dirty="0" err="1"/>
+              <a:t>subdivision</a:t>
+            </a:r>
+            <a:endParaRPr lang="it-IT" dirty="0"/>
+          </a:p>
+        </p:txBody>
+      </p:sp>
+      <p:sp>
+        <p:nvSpPr>
+          <p:cNvPr id="4" name="Segnaposto numero diapositiva 3"/>
+          <p:cNvSpPr>
+            <a:spLocks noGrp="1"/>
+          </p:cNvSpPr>
+          <p:nvPr>
+            <p:ph type="sldNum" sz="quarter" idx="5"/>
+          </p:nvPr>
+        </p:nvSpPr>
+        <p:spPr/>
+        <p:txBody>
+          <a:bodyPr/>
+          <a:lstStyle/>
+          <a:p>
+            <a:fld id="{1EEEB9C4-2C44-416F-8AE9-56A3B0181F3B}" type="slidenum">
+              <a:rPr lang="it-IT" smtClean="0"/>
+              <a:t>3</a:t>
+            </a:fld>
+            <a:endParaRPr lang="it-IT"/>
+          </a:p>
+        </p:txBody>
+      </p:sp>
+    </p:spTree>
+    <p:extLst>
+      <p:ext uri="{BB962C8B-B14F-4D97-AF65-F5344CB8AC3E}">
+        <p14:creationId xmlns:p14="http://schemas.microsoft.com/office/powerpoint/2010/main" val="2172660171"/>
+      </p:ext>
+    </p:extLst>
+  </p:cSld>
+  <p:clrMapOvr>
+    <a:masterClrMapping/>
+  </p:clrMapOvr>
+</p:notes>
+</file>
+
+<file path=ppt/notesSlides/notesSlide4.xml><?xml version="1.0" encoding="utf-8"?>
+<p:notes xmlns:a="http://schemas.openxmlformats.org/drawingml/2006/main" xmlns:r="http://schemas.openxmlformats.org/officeDocument/2006/relationships" xmlns:p="http://schemas.openxmlformats.org/presentationml/2006/main">
+  <p:cSld>
+    <p:spTree>
+      <p:nvGrpSpPr>
+        <p:cNvPr id="1" name=""/>
+        <p:cNvGrpSpPr/>
+        <p:nvPr/>
+      </p:nvGrpSpPr>
+      <p:grpSpPr>
+        <a:xfrm>
+          <a:off x="0" y="0"/>
+          <a:ext cx="0" cy="0"/>
+          <a:chOff x="0" y="0"/>
+          <a:chExt cx="0" cy="0"/>
+        </a:xfrm>
+      </p:grpSpPr>
+      <p:sp>
+        <p:nvSpPr>
+          <p:cNvPr id="2" name="Segnaposto immagine diapositiva 1"/>
+          <p:cNvSpPr>
+            <a:spLocks noGrp="1" noRot="1" noChangeAspect="1"/>
+          </p:cNvSpPr>
+          <p:nvPr>
+            <p:ph type="sldImg"/>
+          </p:nvPr>
+        </p:nvSpPr>
+        <p:spPr/>
+      </p:sp>
+      <p:sp>
+        <p:nvSpPr>
+          <p:cNvPr id="3" name="Segnaposto note 2"/>
+          <p:cNvSpPr>
+            <a:spLocks noGrp="1"/>
+          </p:cNvSpPr>
+          <p:nvPr>
+            <p:ph type="body" idx="1"/>
+          </p:nvPr>
+        </p:nvSpPr>
+        <p:spPr/>
+        <p:txBody>
+          <a:bodyPr/>
+          <a:lstStyle/>
+          <a:p>
+            <a:r>
+              <a:rPr lang="it-IT" dirty="0" err="1"/>
+              <a:t>Say</a:t>
+            </a:r>
+            <a:r>
+              <a:rPr lang="it-IT" dirty="0"/>
+              <a:t> the </a:t>
+            </a:r>
+            <a:r>
+              <a:rPr lang="it-IT" dirty="0" err="1"/>
+              <a:t>most</a:t>
+            </a:r>
+            <a:r>
+              <a:rPr lang="it-IT" dirty="0"/>
+              <a:t> </a:t>
+            </a:r>
+            <a:r>
+              <a:rPr lang="it-IT" dirty="0" err="1"/>
+              <a:t>important</a:t>
+            </a:r>
+            <a:r>
+              <a:rPr lang="it-IT" dirty="0"/>
+              <a:t> </a:t>
+            </a:r>
+            <a:r>
+              <a:rPr lang="it-IT" dirty="0" err="1"/>
+              <a:t>phenomena</a:t>
+            </a:r>
+            <a:r>
+              <a:rPr lang="it-IT" dirty="0"/>
+              <a:t> </a:t>
+            </a:r>
+            <a:r>
+              <a:rPr lang="it-IT" b="1" dirty="0" err="1"/>
+              <a:t>very</a:t>
+            </a:r>
+            <a:r>
+              <a:rPr lang="it-IT" b="1" dirty="0"/>
+              <a:t> </a:t>
+            </a:r>
+            <a:r>
+              <a:rPr lang="it-IT" b="1" dirty="0" err="1"/>
+              <a:t>quickly</a:t>
+            </a:r>
+            <a:br>
+              <a:rPr lang="it-IT" b="1" dirty="0"/>
+            </a:br>
+            <a:r>
+              <a:rPr lang="it-IT" b="1" dirty="0"/>
+              <a:t>After </a:t>
+            </a:r>
+            <a:r>
+              <a:rPr lang="it-IT" b="1" dirty="0" err="1"/>
+              <a:t>this</a:t>
+            </a:r>
+            <a:r>
+              <a:rPr lang="it-IT" b="1" dirty="0"/>
+              <a:t> slide, </a:t>
+            </a:r>
+            <a:r>
+              <a:rPr lang="it-IT" b="1" dirty="0" err="1"/>
+              <a:t>change</a:t>
+            </a:r>
+            <a:r>
+              <a:rPr lang="it-IT" b="1" dirty="0"/>
+              <a:t> </a:t>
+            </a:r>
+            <a:r>
+              <a:rPr lang="it-IT" b="1" dirty="0" err="1"/>
+              <a:t>person</a:t>
+            </a:r>
+            <a:r>
+              <a:rPr lang="it-IT" b="1" dirty="0"/>
+              <a:t> </a:t>
+            </a:r>
+            <a:r>
+              <a:rPr lang="it-IT" b="1" dirty="0" err="1"/>
+              <a:t>speaking</a:t>
+            </a:r>
+            <a:r>
+              <a:rPr lang="it-IT" b="1" dirty="0"/>
+              <a:t> (Saccani </a:t>
+            </a:r>
+            <a:r>
+              <a:rPr lang="it-IT" b="1" dirty="0" err="1"/>
+              <a:t>now</a:t>
+            </a:r>
+            <a:r>
+              <a:rPr lang="it-IT" b="1" dirty="0"/>
+              <a:t> </a:t>
+            </a:r>
+            <a:r>
+              <a:rPr lang="it-IT" b="1" dirty="0" err="1"/>
+              <a:t>talking</a:t>
+            </a:r>
+            <a:r>
+              <a:rPr lang="it-IT" b="1" dirty="0"/>
+              <a:t>)</a:t>
+            </a:r>
+          </a:p>
+        </p:txBody>
+      </p:sp>
+      <p:sp>
+        <p:nvSpPr>
+          <p:cNvPr id="4" name="Segnaposto numero diapositiva 3"/>
+          <p:cNvSpPr>
+            <a:spLocks noGrp="1"/>
+          </p:cNvSpPr>
+          <p:nvPr>
+            <p:ph type="sldNum" sz="quarter" idx="5"/>
+          </p:nvPr>
+        </p:nvSpPr>
+        <p:spPr/>
+        <p:txBody>
+          <a:bodyPr/>
+          <a:lstStyle/>
+          <a:p>
+            <a:fld id="{1EEEB9C4-2C44-416F-8AE9-56A3B0181F3B}" type="slidenum">
+              <a:rPr lang="it-IT" smtClean="0"/>
+              <a:t>5</a:t>
+            </a:fld>
+            <a:endParaRPr lang="it-IT"/>
+          </a:p>
+        </p:txBody>
+      </p:sp>
+    </p:spTree>
+    <p:extLst>
+      <p:ext uri="{BB962C8B-B14F-4D97-AF65-F5344CB8AC3E}">
+        <p14:creationId xmlns:p14="http://schemas.microsoft.com/office/powerpoint/2010/main" val="1196950937"/>
+      </p:ext>
+    </p:extLst>
+  </p:cSld>
+  <p:clrMapOvr>
+    <a:masterClrMapping/>
+  </p:clrMapOvr>
+</p:notes>
+</file>
+
+<file path=ppt/notesSlides/notesSlide5.xml><?xml version="1.0" encoding="utf-8"?>
+<p:notes xmlns:a="http://schemas.openxmlformats.org/drawingml/2006/main" xmlns:r="http://schemas.openxmlformats.org/officeDocument/2006/relationships" xmlns:p="http://schemas.openxmlformats.org/presentationml/2006/main">
+  <p:cSld>
+    <p:spTree>
+      <p:nvGrpSpPr>
+        <p:cNvPr id="1" name=""/>
+        <p:cNvGrpSpPr/>
+        <p:nvPr/>
+      </p:nvGrpSpPr>
+      <p:grpSpPr>
+        <a:xfrm>
+          <a:off x="0" y="0"/>
+          <a:ext cx="0" cy="0"/>
+          <a:chOff x="0" y="0"/>
+          <a:chExt cx="0" cy="0"/>
+        </a:xfrm>
+      </p:grpSpPr>
+      <p:sp>
+        <p:nvSpPr>
+          <p:cNvPr id="2" name="Segnaposto immagine diapositiva 1"/>
+          <p:cNvSpPr>
+            <a:spLocks noGrp="1" noRot="1" noChangeAspect="1"/>
+          </p:cNvSpPr>
+          <p:nvPr>
+            <p:ph type="sldImg"/>
+          </p:nvPr>
+        </p:nvSpPr>
+        <p:spPr/>
+      </p:sp>
+      <p:sp>
+        <p:nvSpPr>
+          <p:cNvPr id="3" name="Segnaposto note 2"/>
+          <p:cNvSpPr>
+            <a:spLocks noGrp="1"/>
+          </p:cNvSpPr>
+          <p:nvPr>
+            <p:ph type="body" idx="1"/>
+          </p:nvPr>
+        </p:nvSpPr>
+        <p:spPr/>
+        <p:txBody>
+          <a:bodyPr/>
+          <a:lstStyle/>
+          <a:p>
+            <a:r>
+              <a:rPr lang="it-IT" dirty="0"/>
+              <a:t>No more </a:t>
+            </a:r>
+            <a:r>
+              <a:rPr lang="it-IT" dirty="0" err="1"/>
+              <a:t>animations</a:t>
+            </a:r>
+            <a:r>
+              <a:rPr lang="it-IT" dirty="0"/>
+              <a:t> after </a:t>
+            </a:r>
+            <a:r>
+              <a:rPr lang="it-IT" dirty="0" err="1"/>
+              <a:t>purple</a:t>
+            </a:r>
+            <a:r>
+              <a:rPr lang="it-IT" dirty="0"/>
+              <a:t> </a:t>
+            </a:r>
+            <a:r>
+              <a:rPr lang="it-IT" dirty="0" err="1"/>
+              <a:t>animation</a:t>
+            </a:r>
+            <a:endParaRPr lang="it-IT" dirty="0"/>
+          </a:p>
+        </p:txBody>
+      </p:sp>
+      <p:sp>
+        <p:nvSpPr>
+          <p:cNvPr id="4" name="Segnaposto numero diapositiva 3"/>
+          <p:cNvSpPr>
+            <a:spLocks noGrp="1"/>
+          </p:cNvSpPr>
+          <p:nvPr>
+            <p:ph type="sldNum" sz="quarter" idx="5"/>
+          </p:nvPr>
+        </p:nvSpPr>
+        <p:spPr/>
+        <p:txBody>
+          <a:bodyPr/>
+          <a:lstStyle/>
+          <a:p>
+            <a:fld id="{1EEEB9C4-2C44-416F-8AE9-56A3B0181F3B}" type="slidenum">
+              <a:rPr lang="it-IT" smtClean="0"/>
+              <a:t>6</a:t>
+            </a:fld>
+            <a:endParaRPr lang="it-IT"/>
+          </a:p>
+        </p:txBody>
+      </p:sp>
+    </p:spTree>
+    <p:extLst>
+      <p:ext uri="{BB962C8B-B14F-4D97-AF65-F5344CB8AC3E}">
+        <p14:creationId xmlns:p14="http://schemas.microsoft.com/office/powerpoint/2010/main" val="3938821147"/>
+      </p:ext>
+    </p:extLst>
+  </p:cSld>
+  <p:clrMapOvr>
+    <a:masterClrMapping/>
+  </p:clrMapOvr>
+</p:notes>
+</file>
+
+<file path=ppt/notesSlides/notesSlide6.xml><?xml version="1.0" encoding="utf-8"?>
+<p:notes xmlns:a="http://schemas.openxmlformats.org/drawingml/2006/main" xmlns:r="http://schemas.openxmlformats.org/officeDocument/2006/relationships" xmlns:p="http://schemas.openxmlformats.org/presentationml/2006/main">
+  <p:cSld>
+    <p:spTree>
+      <p:nvGrpSpPr>
+        <p:cNvPr id="1" name=""/>
+        <p:cNvGrpSpPr/>
+        <p:nvPr/>
+      </p:nvGrpSpPr>
+      <p:grpSpPr>
+        <a:xfrm>
+          <a:off x="0" y="0"/>
+          <a:ext cx="0" cy="0"/>
+          <a:chOff x="0" y="0"/>
+          <a:chExt cx="0" cy="0"/>
+        </a:xfrm>
+      </p:grpSpPr>
+      <p:sp>
+        <p:nvSpPr>
+          <p:cNvPr id="2" name="Segnaposto immagine diapositiva 1"/>
+          <p:cNvSpPr>
+            <a:spLocks noGrp="1" noRot="1" noChangeAspect="1"/>
+          </p:cNvSpPr>
+          <p:nvPr>
+            <p:ph type="sldImg"/>
+          </p:nvPr>
+        </p:nvSpPr>
+        <p:spPr/>
+      </p:sp>
+      <p:sp>
+        <p:nvSpPr>
+          <p:cNvPr id="3" name="Segnaposto note 2"/>
+          <p:cNvSpPr>
+            <a:spLocks noGrp="1"/>
+          </p:cNvSpPr>
+          <p:nvPr>
+            <p:ph type="body" idx="1"/>
+          </p:nvPr>
+        </p:nvSpPr>
+        <p:spPr/>
+        <p:txBody>
+          <a:bodyPr/>
+          <a:lstStyle/>
+          <a:p>
+            <a:r>
+              <a:rPr lang="it-IT" dirty="0"/>
+              <a:t>First </a:t>
+            </a:r>
+            <a:r>
+              <a:rPr lang="it-IT" dirty="0" err="1"/>
+              <a:t>animation</a:t>
+            </a:r>
+            <a:r>
+              <a:rPr lang="it-IT" dirty="0"/>
+              <a:t>: red </a:t>
+            </a:r>
+            <a:r>
+              <a:rPr lang="it-IT" dirty="0" err="1"/>
+              <a:t>circles</a:t>
+            </a:r>
+            <a:r>
+              <a:rPr lang="it-IT" dirty="0"/>
+              <a:t> </a:t>
+            </a:r>
+            <a:r>
+              <a:rPr lang="it-IT" dirty="0" err="1"/>
+              <a:t>wrt</a:t>
+            </a:r>
+            <a:r>
+              <a:rPr lang="it-IT" dirty="0"/>
+              <a:t> </a:t>
+            </a:r>
+            <a:r>
+              <a:rPr lang="it-IT" dirty="0" err="1"/>
+              <a:t>previus</a:t>
+            </a:r>
+            <a:r>
+              <a:rPr lang="it-IT" dirty="0"/>
+              <a:t> </a:t>
+            </a:r>
+            <a:r>
+              <a:rPr lang="it-IT" dirty="0" err="1"/>
+              <a:t>important</a:t>
+            </a:r>
+            <a:r>
+              <a:rPr lang="it-IT" dirty="0"/>
+              <a:t> </a:t>
+            </a:r>
+            <a:r>
+              <a:rPr lang="it-IT" dirty="0" err="1"/>
+              <a:t>requirements</a:t>
+            </a:r>
+            <a:r>
+              <a:rPr lang="it-IT" dirty="0"/>
+              <a:t> </a:t>
+            </a:r>
+            <a:br>
+              <a:rPr lang="it-IT" dirty="0"/>
+            </a:br>
+            <a:r>
+              <a:rPr lang="it-IT" dirty="0"/>
+              <a:t>Second </a:t>
+            </a:r>
+            <a:r>
+              <a:rPr lang="it-IT" dirty="0" err="1"/>
+              <a:t>animation</a:t>
+            </a:r>
+            <a:r>
+              <a:rPr lang="it-IT" dirty="0"/>
+              <a:t>: </a:t>
+            </a:r>
+            <a:r>
+              <a:rPr lang="it-IT" dirty="0" err="1"/>
+              <a:t>obvious</a:t>
+            </a:r>
+            <a:r>
+              <a:rPr lang="it-IT" dirty="0"/>
+              <a:t> R1 </a:t>
+            </a:r>
+            <a:r>
+              <a:rPr lang="it-IT" dirty="0" err="1"/>
+              <a:t>requirments</a:t>
+            </a:r>
+            <a:r>
+              <a:rPr lang="it-IT" dirty="0"/>
+              <a:t> to </a:t>
+            </a:r>
+            <a:r>
+              <a:rPr lang="it-IT" dirty="0" err="1"/>
+              <a:t>allow</a:t>
+            </a:r>
+            <a:r>
+              <a:rPr lang="it-IT" dirty="0"/>
+              <a:t> </a:t>
+            </a:r>
+            <a:r>
+              <a:rPr lang="it-IT" dirty="0" err="1"/>
+              <a:t>students</a:t>
+            </a:r>
+            <a:r>
+              <a:rPr lang="it-IT" dirty="0"/>
+              <a:t> to log in </a:t>
+            </a:r>
+          </a:p>
+        </p:txBody>
+      </p:sp>
+      <p:sp>
+        <p:nvSpPr>
+          <p:cNvPr id="4" name="Segnaposto numero diapositiva 3"/>
+          <p:cNvSpPr>
+            <a:spLocks noGrp="1"/>
+          </p:cNvSpPr>
+          <p:nvPr>
+            <p:ph type="sldNum" sz="quarter" idx="5"/>
+          </p:nvPr>
+        </p:nvSpPr>
+        <p:spPr/>
+        <p:txBody>
+          <a:bodyPr/>
+          <a:lstStyle/>
+          <a:p>
+            <a:fld id="{1EEEB9C4-2C44-416F-8AE9-56A3B0181F3B}" type="slidenum">
+              <a:rPr lang="it-IT" smtClean="0"/>
+              <a:t>8</a:t>
+            </a:fld>
+            <a:endParaRPr lang="it-IT"/>
+          </a:p>
+        </p:txBody>
+      </p:sp>
+    </p:spTree>
+    <p:extLst>
+      <p:ext uri="{BB962C8B-B14F-4D97-AF65-F5344CB8AC3E}">
+        <p14:creationId xmlns:p14="http://schemas.microsoft.com/office/powerpoint/2010/main" val="1731093520"/>
+      </p:ext>
+    </p:extLst>
+  </p:cSld>
+  <p:clrMapOvr>
+    <a:masterClrMapping/>
+  </p:clrMapOvr>
+</p:notes>
+</file>
+
+<file path=ppt/notesSlides/notesSlide7.xml><?xml version="1.0" encoding="utf-8"?>
+<p:notes xmlns:a="http://schemas.openxmlformats.org/drawingml/2006/main" xmlns:r="http://schemas.openxmlformats.org/officeDocument/2006/relationships" xmlns:p="http://schemas.openxmlformats.org/presentationml/2006/main">
+  <p:cSld>
+    <p:spTree>
+      <p:nvGrpSpPr>
+        <p:cNvPr id="1" name=""/>
+        <p:cNvGrpSpPr/>
+        <p:nvPr/>
+      </p:nvGrpSpPr>
+      <p:grpSpPr>
+        <a:xfrm>
+          <a:off x="0" y="0"/>
+          <a:ext cx="0" cy="0"/>
+          <a:chOff x="0" y="0"/>
+          <a:chExt cx="0" cy="0"/>
+        </a:xfrm>
+      </p:grpSpPr>
+      <p:sp>
+        <p:nvSpPr>
+          <p:cNvPr id="2" name="Segnaposto immagine diapositiva 1"/>
+          <p:cNvSpPr>
+            <a:spLocks noGrp="1" noRot="1" noChangeAspect="1"/>
+          </p:cNvSpPr>
+          <p:nvPr>
+            <p:ph type="sldImg"/>
+          </p:nvPr>
+        </p:nvSpPr>
+        <p:spPr/>
+      </p:sp>
+      <p:sp>
+        <p:nvSpPr>
+          <p:cNvPr id="3" name="Segnaposto note 2"/>
+          <p:cNvSpPr>
+            <a:spLocks noGrp="1"/>
+          </p:cNvSpPr>
+          <p:nvPr>
+            <p:ph type="body" idx="1"/>
+          </p:nvPr>
+        </p:nvSpPr>
+        <p:spPr/>
+        <p:txBody>
+          <a:bodyPr/>
+          <a:lstStyle/>
+          <a:p>
+            <a:r>
+              <a:rPr lang="it-IT" dirty="0"/>
+              <a:t>After </a:t>
+            </a:r>
+            <a:r>
+              <a:rPr lang="it-IT" dirty="0" err="1"/>
+              <a:t>this</a:t>
+            </a:r>
+            <a:r>
+              <a:rPr lang="it-IT" dirty="0"/>
+              <a:t> slide </a:t>
+            </a:r>
+            <a:r>
+              <a:rPr lang="it-IT" b="1" dirty="0" err="1"/>
+              <a:t>change</a:t>
+            </a:r>
+            <a:r>
+              <a:rPr lang="it-IT" b="1" dirty="0"/>
+              <a:t> </a:t>
+            </a:r>
+            <a:r>
+              <a:rPr lang="it-IT" b="1" dirty="0" err="1"/>
+              <a:t>person</a:t>
+            </a:r>
+            <a:r>
+              <a:rPr lang="it-IT" b="1" dirty="0"/>
+              <a:t> </a:t>
+            </a:r>
+            <a:r>
+              <a:rPr lang="it-IT" b="1" dirty="0" err="1"/>
+              <a:t>speaking</a:t>
+            </a:r>
+            <a:r>
+              <a:rPr lang="it-IT" b="1" dirty="0"/>
+              <a:t> (</a:t>
+            </a:r>
+            <a:r>
+              <a:rPr lang="it-IT" b="1" dirty="0" err="1"/>
+              <a:t>Ferlin</a:t>
+            </a:r>
+            <a:r>
+              <a:rPr lang="it-IT" b="1" dirty="0"/>
+              <a:t> </a:t>
+            </a:r>
+            <a:r>
+              <a:rPr lang="it-IT" b="1" dirty="0" err="1"/>
+              <a:t>now</a:t>
+            </a:r>
+            <a:r>
+              <a:rPr lang="it-IT" b="1" dirty="0"/>
+              <a:t> </a:t>
+            </a:r>
+            <a:r>
+              <a:rPr lang="it-IT" b="1" dirty="0" err="1"/>
+              <a:t>talking</a:t>
+            </a:r>
+            <a:r>
+              <a:rPr lang="it-IT" b="1" dirty="0"/>
+              <a:t>)</a:t>
+            </a:r>
+          </a:p>
+        </p:txBody>
+      </p:sp>
+      <p:sp>
+        <p:nvSpPr>
+          <p:cNvPr id="4" name="Segnaposto numero diapositiva 3"/>
+          <p:cNvSpPr>
+            <a:spLocks noGrp="1"/>
+          </p:cNvSpPr>
+          <p:nvPr>
+            <p:ph type="sldNum" sz="quarter" idx="5"/>
+          </p:nvPr>
+        </p:nvSpPr>
+        <p:spPr/>
+        <p:txBody>
+          <a:bodyPr/>
+          <a:lstStyle/>
+          <a:p>
+            <a:fld id="{1EEEB9C4-2C44-416F-8AE9-56A3B0181F3B}" type="slidenum">
+              <a:rPr lang="it-IT" smtClean="0"/>
+              <a:t>9</a:t>
+            </a:fld>
+            <a:endParaRPr lang="it-IT"/>
+          </a:p>
+        </p:txBody>
+      </p:sp>
+    </p:spTree>
+    <p:extLst>
+      <p:ext uri="{BB962C8B-B14F-4D97-AF65-F5344CB8AC3E}">
+        <p14:creationId xmlns:p14="http://schemas.microsoft.com/office/powerpoint/2010/main" val="1984787346"/>
+      </p:ext>
+    </p:extLst>
+  </p:cSld>
+  <p:clrMapOvr>
+    <a:masterClrMapping/>
+  </p:clrMapOvr>
+</p:notes>
+</file>
+
+<file path=ppt/notesSlides/notesSlide8.xml><?xml version="1.0" encoding="utf-8"?>
+<p:notes xmlns:a="http://schemas.openxmlformats.org/drawingml/2006/main" xmlns:r="http://schemas.openxmlformats.org/officeDocument/2006/relationships" xmlns:p="http://schemas.openxmlformats.org/presentationml/2006/main">
+  <p:cSld>
+    <p:spTree>
+      <p:nvGrpSpPr>
+        <p:cNvPr id="1" name=""/>
+        <p:cNvGrpSpPr/>
+        <p:nvPr/>
+      </p:nvGrpSpPr>
+      <p:grpSpPr>
+        <a:xfrm>
+          <a:off x="0" y="0"/>
+          <a:ext cx="0" cy="0"/>
+          <a:chOff x="0" y="0"/>
+          <a:chExt cx="0" cy="0"/>
+        </a:xfrm>
+      </p:grpSpPr>
+      <p:sp>
+        <p:nvSpPr>
+          <p:cNvPr id="2" name="Segnaposto immagine diapositiva 1"/>
+          <p:cNvSpPr>
+            <a:spLocks noGrp="1" noRot="1" noChangeAspect="1"/>
+          </p:cNvSpPr>
+          <p:nvPr>
+            <p:ph type="sldImg"/>
+          </p:nvPr>
+        </p:nvSpPr>
+        <p:spPr/>
+      </p:sp>
+      <p:sp>
+        <p:nvSpPr>
+          <p:cNvPr id="3" name="Segnaposto note 2"/>
+          <p:cNvSpPr>
+            <a:spLocks noGrp="1"/>
+          </p:cNvSpPr>
+          <p:nvPr>
+            <p:ph type="body" idx="1"/>
+          </p:nvPr>
+        </p:nvSpPr>
+        <p:spPr/>
+        <p:txBody>
+          <a:bodyPr/>
+          <a:lstStyle/>
+          <a:p>
+            <a:r>
+              <a:rPr lang="it-IT" dirty="0" err="1"/>
+              <a:t>Now</a:t>
+            </a:r>
+            <a:r>
+              <a:rPr lang="it-IT" dirty="0"/>
+              <a:t> </a:t>
+            </a:r>
+            <a:r>
+              <a:rPr lang="it-IT" dirty="0" err="1"/>
+              <a:t>we</a:t>
+            </a:r>
+            <a:r>
+              <a:rPr lang="it-IT" dirty="0"/>
+              <a:t> can </a:t>
+            </a:r>
+            <a:r>
+              <a:rPr lang="it-IT" dirty="0" err="1"/>
+              <a:t>also</a:t>
+            </a:r>
+            <a:r>
+              <a:rPr lang="it-IT" dirty="0"/>
+              <a:t> show the Class </a:t>
+            </a:r>
+            <a:r>
+              <a:rPr lang="it-IT" dirty="0" err="1"/>
+              <a:t>Diagram</a:t>
+            </a:r>
+            <a:r>
+              <a:rPr lang="it-IT" dirty="0"/>
+              <a:t> and </a:t>
+            </a:r>
+            <a:r>
+              <a:rPr lang="it-IT" dirty="0" err="1"/>
+              <a:t>say</a:t>
+            </a:r>
+            <a:r>
+              <a:rPr lang="it-IT" dirty="0"/>
+              <a:t> </a:t>
+            </a:r>
+            <a:r>
+              <a:rPr lang="it-IT" dirty="0" err="1"/>
+              <a:t>that</a:t>
+            </a:r>
+            <a:r>
+              <a:rPr lang="it-IT" dirty="0"/>
+              <a:t> </a:t>
+            </a:r>
+            <a:r>
+              <a:rPr lang="it-IT" dirty="0" err="1"/>
+              <a:t>we</a:t>
+            </a:r>
+            <a:r>
+              <a:rPr lang="it-IT" dirty="0"/>
+              <a:t> </a:t>
+            </a:r>
+            <a:r>
+              <a:rPr lang="it-IT" dirty="0" err="1"/>
+              <a:t>translated</a:t>
+            </a:r>
+            <a:r>
+              <a:rPr lang="it-IT" dirty="0"/>
+              <a:t> </a:t>
+            </a:r>
+            <a:r>
+              <a:rPr lang="it-IT" dirty="0" err="1"/>
+              <a:t>all</a:t>
+            </a:r>
+            <a:r>
+              <a:rPr lang="it-IT" dirty="0"/>
+              <a:t> the </a:t>
+            </a:r>
+            <a:r>
+              <a:rPr lang="it-IT" dirty="0" err="1"/>
+              <a:t>elements</a:t>
+            </a:r>
+            <a:r>
+              <a:rPr lang="it-IT" dirty="0"/>
+              <a:t> in the </a:t>
+            </a:r>
+            <a:r>
+              <a:rPr lang="it-IT" dirty="0" err="1"/>
+              <a:t>Alloy</a:t>
+            </a:r>
+            <a:r>
+              <a:rPr lang="it-IT" dirty="0"/>
+              <a:t> Code</a:t>
+            </a:r>
+          </a:p>
+        </p:txBody>
+      </p:sp>
+      <p:sp>
+        <p:nvSpPr>
+          <p:cNvPr id="4" name="Segnaposto numero diapositiva 3"/>
+          <p:cNvSpPr>
+            <a:spLocks noGrp="1"/>
+          </p:cNvSpPr>
+          <p:nvPr>
+            <p:ph type="sldNum" sz="quarter" idx="5"/>
+          </p:nvPr>
+        </p:nvSpPr>
+        <p:spPr/>
+        <p:txBody>
+          <a:bodyPr/>
+          <a:lstStyle/>
+          <a:p>
+            <a:fld id="{1EEEB9C4-2C44-416F-8AE9-56A3B0181F3B}" type="slidenum">
+              <a:rPr lang="it-IT" smtClean="0"/>
+              <a:t>10</a:t>
+            </a:fld>
+            <a:endParaRPr lang="it-IT"/>
+          </a:p>
+        </p:txBody>
+      </p:sp>
+    </p:spTree>
+    <p:extLst>
+      <p:ext uri="{BB962C8B-B14F-4D97-AF65-F5344CB8AC3E}">
+        <p14:creationId xmlns:p14="http://schemas.microsoft.com/office/powerpoint/2010/main" val="2352873539"/>
+      </p:ext>
+    </p:extLst>
+  </p:cSld>
+  <p:clrMapOvr>
+    <a:masterClrMapping/>
+  </p:clrMapOvr>
+</p:notes>
+</file>
+
+<file path=ppt/notesSlides/notesSlide9.xml><?xml version="1.0" encoding="utf-8"?>
+<p:notes xmlns:a="http://schemas.openxmlformats.org/drawingml/2006/main" xmlns:r="http://schemas.openxmlformats.org/officeDocument/2006/relationships" xmlns:p="http://schemas.openxmlformats.org/presentationml/2006/main">
+  <p:cSld>
+    <p:spTree>
+      <p:nvGrpSpPr>
+        <p:cNvPr id="1" name=""/>
+        <p:cNvGrpSpPr/>
+        <p:nvPr/>
+      </p:nvGrpSpPr>
+      <p:grpSpPr>
+        <a:xfrm>
+          <a:off x="0" y="0"/>
+          <a:ext cx="0" cy="0"/>
+          <a:chOff x="0" y="0"/>
+          <a:chExt cx="0" cy="0"/>
+        </a:xfrm>
+      </p:grpSpPr>
+      <p:sp>
+        <p:nvSpPr>
+          <p:cNvPr id="2" name="Segnaposto immagine diapositiva 1"/>
+          <p:cNvSpPr>
+            <a:spLocks noGrp="1" noRot="1" noChangeAspect="1"/>
+          </p:cNvSpPr>
+          <p:nvPr>
+            <p:ph type="sldImg"/>
+          </p:nvPr>
+        </p:nvSpPr>
+        <p:spPr/>
+      </p:sp>
+      <p:sp>
+        <p:nvSpPr>
+          <p:cNvPr id="3" name="Segnaposto note 2"/>
+          <p:cNvSpPr>
+            <a:spLocks noGrp="1"/>
+          </p:cNvSpPr>
+          <p:nvPr>
+            <p:ph type="body" idx="1"/>
+          </p:nvPr>
+        </p:nvSpPr>
+        <p:spPr/>
+        <p:txBody>
+          <a:bodyPr/>
+          <a:lstStyle/>
+          <a:p>
+            <a:r>
+              <a:rPr lang="it-IT" dirty="0" err="1"/>
+              <a:t>This</a:t>
+            </a:r>
+            <a:r>
+              <a:rPr lang="it-IT" dirty="0"/>
+              <a:t> show some </a:t>
+            </a:r>
+            <a:r>
+              <a:rPr lang="it-IT" dirty="0" err="1"/>
+              <a:t>important</a:t>
+            </a:r>
+            <a:r>
+              <a:rPr lang="it-IT" dirty="0"/>
+              <a:t> </a:t>
+            </a:r>
+            <a:r>
+              <a:rPr lang="it-IT" dirty="0" err="1"/>
+              <a:t>properties</a:t>
+            </a:r>
+            <a:r>
+              <a:rPr lang="it-IT" dirty="0"/>
+              <a:t> like the </a:t>
+            </a:r>
+            <a:r>
+              <a:rPr lang="it-IT" dirty="0" err="1"/>
+              <a:t>invitation</a:t>
+            </a:r>
+            <a:r>
+              <a:rPr lang="it-IT" dirty="0"/>
+              <a:t> part (</a:t>
+            </a:r>
+            <a:r>
+              <a:rPr lang="it-IT" dirty="0" err="1"/>
+              <a:t>discussed</a:t>
+            </a:r>
+            <a:r>
+              <a:rPr lang="it-IT" dirty="0"/>
+              <a:t> more in </a:t>
+            </a:r>
+            <a:r>
+              <a:rPr lang="it-IT" dirty="0" err="1"/>
+              <a:t>detail</a:t>
+            </a:r>
+            <a:r>
+              <a:rPr lang="it-IT" dirty="0"/>
+              <a:t> with code in the </a:t>
+            </a:r>
+            <a:r>
+              <a:rPr lang="it-IT" dirty="0" err="1"/>
+              <a:t>next</a:t>
+            </a:r>
+            <a:r>
+              <a:rPr lang="it-IT" dirty="0"/>
+              <a:t> slide)</a:t>
+            </a:r>
+          </a:p>
+        </p:txBody>
+      </p:sp>
+      <p:sp>
+        <p:nvSpPr>
+          <p:cNvPr id="4" name="Segnaposto numero diapositiva 3"/>
+          <p:cNvSpPr>
+            <a:spLocks noGrp="1"/>
+          </p:cNvSpPr>
+          <p:nvPr>
+            <p:ph type="sldNum" sz="quarter" idx="5"/>
+          </p:nvPr>
+        </p:nvSpPr>
+        <p:spPr/>
+        <p:txBody>
+          <a:bodyPr/>
+          <a:lstStyle/>
+          <a:p>
+            <a:fld id="{1EEEB9C4-2C44-416F-8AE9-56A3B0181F3B}" type="slidenum">
+              <a:rPr lang="it-IT" smtClean="0"/>
+              <a:t>11</a:t>
+            </a:fld>
+            <a:endParaRPr lang="it-IT"/>
+          </a:p>
+        </p:txBody>
+      </p:sp>
+    </p:spTree>
+    <p:extLst>
+      <p:ext uri="{BB962C8B-B14F-4D97-AF65-F5344CB8AC3E}">
+        <p14:creationId xmlns:p14="http://schemas.microsoft.com/office/powerpoint/2010/main" val="2039253520"/>
       </p:ext>
     </p:extLst>
   </p:cSld>
@@ -9820,7 +11158,7 @@
           <p:nvPr/>
         </p:nvPicPr>
         <p:blipFill rotWithShape="1">
-          <a:blip r:embed="rId2" cstate="print">
+          <a:blip r:embed="rId3" cstate="print">
             <a:extLst>
               <a:ext uri="{28A0092B-C50C-407E-A947-70E740481C1C}">
                 <a14:useLocalDpi xmlns:a14="http://schemas.microsoft.com/office/drawing/2010/main" val="0"/>
@@ -11215,13 +12553,13 @@
           <p:nvPr/>
         </p:nvPicPr>
         <p:blipFill>
-          <a:blip r:embed="rId2">
+          <a:blip r:embed="rId3">
             <a:extLst>
               <a:ext uri="{28A0092B-C50C-407E-A947-70E740481C1C}">
                 <a14:useLocalDpi xmlns:a14="http://schemas.microsoft.com/office/drawing/2010/main" val="0"/>
               </a:ext>
               <a:ext uri="{96DAC541-7B7A-43D3-8B79-37D633B846F1}">
-                <asvg:svgBlip xmlns:asvg="http://schemas.microsoft.com/office/drawing/2016/SVG/main" r:embed="rId3"/>
+                <asvg:svgBlip xmlns:asvg="http://schemas.microsoft.com/office/drawing/2016/SVG/main" r:embed="rId4"/>
               </a:ext>
             </a:extLst>
           </a:blip>
@@ -11388,7 +12726,7 @@
           <p:nvPr/>
         </p:nvPicPr>
         <p:blipFill>
-          <a:blip r:embed="rId2">
+          <a:blip r:embed="rId3">
             <a:extLst>
               <a:ext uri="{28A0092B-C50C-407E-A947-70E740481C1C}">
                 <a14:useLocalDpi xmlns:a14="http://schemas.microsoft.com/office/drawing/2010/main" val="0"/>
@@ -11424,7 +12762,7 @@
           <p:nvPr/>
         </p:nvPicPr>
         <p:blipFill>
-          <a:blip r:embed="rId3">
+          <a:blip r:embed="rId4">
             <a:extLst>
               <a:ext uri="{28A0092B-C50C-407E-A947-70E740481C1C}">
                 <a14:useLocalDpi xmlns:a14="http://schemas.microsoft.com/office/drawing/2010/main" val="0"/>
@@ -11594,7 +12932,7 @@
           <p:nvPr/>
         </p:nvPicPr>
         <p:blipFill>
-          <a:blip r:embed="rId2">
+          <a:blip r:embed="rId3">
             <a:extLst>
               <a:ext uri="{28A0092B-C50C-407E-A947-70E740481C1C}">
                 <a14:useLocalDpi xmlns:a14="http://schemas.microsoft.com/office/drawing/2010/main" val="0"/>
@@ -11630,7 +12968,7 @@
           <p:nvPr/>
         </p:nvPicPr>
         <p:blipFill>
-          <a:blip r:embed="rId3">
+          <a:blip r:embed="rId4">
             <a:extLst>
               <a:ext uri="{28A0092B-C50C-407E-A947-70E740481C1C}">
                 <a14:useLocalDpi xmlns:a14="http://schemas.microsoft.com/office/drawing/2010/main" val="0"/>
@@ -17364,7 +18702,7 @@
           <p:nvPr/>
         </p:nvPicPr>
         <p:blipFill>
-          <a:blip r:embed="rId2">
+          <a:blip r:embed="rId3">
             <a:extLst>
               <a:ext uri="{28A0092B-C50C-407E-A947-70E740481C1C}">
                 <a14:useLocalDpi xmlns:a14="http://schemas.microsoft.com/office/drawing/2010/main" val="0"/>
@@ -17841,13 +19179,13 @@
           <p:nvPr/>
         </p:nvPicPr>
         <p:blipFill>
-          <a:blip r:embed="rId3">
+          <a:blip r:embed="rId4">
             <a:extLst>
               <a:ext uri="{28A0092B-C50C-407E-A947-70E740481C1C}">
                 <a14:useLocalDpi xmlns:a14="http://schemas.microsoft.com/office/drawing/2010/main" val="0"/>
               </a:ext>
               <a:ext uri="{96DAC541-7B7A-43D3-8B79-37D633B846F1}">
-                <asvg:svgBlip xmlns:asvg="http://schemas.microsoft.com/office/drawing/2016/SVG/main" r:embed="rId4"/>
+                <asvg:svgBlip xmlns:asvg="http://schemas.microsoft.com/office/drawing/2016/SVG/main" r:embed="rId5"/>
               </a:ext>
             </a:extLst>
           </a:blip>
@@ -19271,7 +20609,7 @@
           <p:nvPr/>
         </p:nvPicPr>
         <p:blipFill>
-          <a:blip r:embed="rId2">
+          <a:blip r:embed="rId3">
             <a:extLst>
               <a:ext uri="{28A0092B-C50C-407E-A947-70E740481C1C}">
                 <a14:useLocalDpi xmlns:a14="http://schemas.microsoft.com/office/drawing/2010/main" val="0"/>

--- a/presentation/Presentation - Ferlin Orsenigo Saccani.pptx
+++ b/presentation/Presentation - Ferlin Orsenigo Saccani.pptx
@@ -5,7 +5,7 @@
     <p:sldMasterId id="2147483673" r:id="rId1"/>
   </p:sldMasterIdLst>
   <p:notesMasterIdLst>
-    <p:notesMasterId r:id="rId15"/>
+    <p:notesMasterId r:id="rId27"/>
   </p:notesMasterIdLst>
   <p:sldIdLst>
     <p:sldId id="256" r:id="rId2"/>
@@ -21,6 +21,18 @@
     <p:sldId id="313" r:id="rId12"/>
     <p:sldId id="314" r:id="rId13"/>
     <p:sldId id="301" r:id="rId14"/>
+    <p:sldId id="315" r:id="rId15"/>
+    <p:sldId id="317" r:id="rId16"/>
+    <p:sldId id="316" r:id="rId17"/>
+    <p:sldId id="318" r:id="rId18"/>
+    <p:sldId id="322" r:id="rId19"/>
+    <p:sldId id="319" r:id="rId20"/>
+    <p:sldId id="321" r:id="rId21"/>
+    <p:sldId id="320" r:id="rId22"/>
+    <p:sldId id="323" r:id="rId23"/>
+    <p:sldId id="324" r:id="rId24"/>
+    <p:sldId id="325" r:id="rId25"/>
+    <p:sldId id="326" r:id="rId26"/>
   </p:sldIdLst>
   <p:sldSz cx="12192000" cy="6858000"/>
   <p:notesSz cx="6858000" cy="9144000"/>
@@ -5514,6 +5526,678 @@
 </p:notes>
 </file>
 
+<file path=ppt/notesSlides/notesSlide12.xml><?xml version="1.0" encoding="utf-8"?>
+<p:notes xmlns:a="http://schemas.openxmlformats.org/drawingml/2006/main" xmlns:r="http://schemas.openxmlformats.org/officeDocument/2006/relationships" xmlns:p="http://schemas.openxmlformats.org/presentationml/2006/main">
+  <p:cSld>
+    <p:spTree>
+      <p:nvGrpSpPr>
+        <p:cNvPr id="1" name=""/>
+        <p:cNvGrpSpPr/>
+        <p:nvPr/>
+      </p:nvGrpSpPr>
+      <p:grpSpPr>
+        <a:xfrm>
+          <a:off x="0" y="0"/>
+          <a:ext cx="0" cy="0"/>
+          <a:chOff x="0" y="0"/>
+          <a:chExt cx="0" cy="0"/>
+        </a:xfrm>
+      </p:grpSpPr>
+      <p:sp>
+        <p:nvSpPr>
+          <p:cNvPr id="2" name="Segnaposto immagine diapositiva 1"/>
+          <p:cNvSpPr>
+            <a:spLocks noGrp="1" noRot="1" noChangeAspect="1"/>
+          </p:cNvSpPr>
+          <p:nvPr>
+            <p:ph type="sldImg"/>
+          </p:nvPr>
+        </p:nvSpPr>
+        <p:spPr/>
+      </p:sp>
+      <p:sp>
+        <p:nvSpPr>
+          <p:cNvPr id="3" name="Segnaposto note 2"/>
+          <p:cNvSpPr>
+            <a:spLocks noGrp="1"/>
+          </p:cNvSpPr>
+          <p:nvPr>
+            <p:ph type="body" idx="1"/>
+          </p:nvPr>
+        </p:nvSpPr>
+        <p:spPr/>
+        <p:txBody>
+          <a:bodyPr/>
+          <a:lstStyle/>
+          <a:p>
+            <a:endParaRPr lang="it-IT" dirty="0"/>
+          </a:p>
+        </p:txBody>
+      </p:sp>
+      <p:sp>
+        <p:nvSpPr>
+          <p:cNvPr id="4" name="Segnaposto numero diapositiva 3"/>
+          <p:cNvSpPr>
+            <a:spLocks noGrp="1"/>
+          </p:cNvSpPr>
+          <p:nvPr>
+            <p:ph type="sldNum" sz="quarter" idx="5"/>
+          </p:nvPr>
+        </p:nvSpPr>
+        <p:spPr/>
+        <p:txBody>
+          <a:bodyPr/>
+          <a:lstStyle/>
+          <a:p>
+            <a:fld id="{1EEEB9C4-2C44-416F-8AE9-56A3B0181F3B}" type="slidenum">
+              <a:rPr lang="it-IT" smtClean="0"/>
+              <a:t>14</a:t>
+            </a:fld>
+            <a:endParaRPr lang="it-IT"/>
+          </a:p>
+        </p:txBody>
+      </p:sp>
+    </p:spTree>
+    <p:extLst>
+      <p:ext uri="{BB962C8B-B14F-4D97-AF65-F5344CB8AC3E}">
+        <p14:creationId xmlns:p14="http://schemas.microsoft.com/office/powerpoint/2010/main" val="3507854099"/>
+      </p:ext>
+    </p:extLst>
+  </p:cSld>
+  <p:clrMapOvr>
+    <a:masterClrMapping/>
+  </p:clrMapOvr>
+</p:notes>
+</file>
+
+<file path=ppt/notesSlides/notesSlide13.xml><?xml version="1.0" encoding="utf-8"?>
+<p:notes xmlns:a="http://schemas.openxmlformats.org/drawingml/2006/main" xmlns:r="http://schemas.openxmlformats.org/officeDocument/2006/relationships" xmlns:p="http://schemas.openxmlformats.org/presentationml/2006/main">
+  <p:cSld>
+    <p:spTree>
+      <p:nvGrpSpPr>
+        <p:cNvPr id="1" name=""/>
+        <p:cNvGrpSpPr/>
+        <p:nvPr/>
+      </p:nvGrpSpPr>
+      <p:grpSpPr>
+        <a:xfrm>
+          <a:off x="0" y="0"/>
+          <a:ext cx="0" cy="0"/>
+          <a:chOff x="0" y="0"/>
+          <a:chExt cx="0" cy="0"/>
+        </a:xfrm>
+      </p:grpSpPr>
+      <p:sp>
+        <p:nvSpPr>
+          <p:cNvPr id="2" name="Segnaposto immagine diapositiva 1"/>
+          <p:cNvSpPr>
+            <a:spLocks noGrp="1" noRot="1" noChangeAspect="1"/>
+          </p:cNvSpPr>
+          <p:nvPr>
+            <p:ph type="sldImg"/>
+          </p:nvPr>
+        </p:nvSpPr>
+        <p:spPr/>
+      </p:sp>
+      <p:sp>
+        <p:nvSpPr>
+          <p:cNvPr id="3" name="Segnaposto note 2"/>
+          <p:cNvSpPr>
+            <a:spLocks noGrp="1"/>
+          </p:cNvSpPr>
+          <p:nvPr>
+            <p:ph type="body" idx="1"/>
+          </p:nvPr>
+        </p:nvSpPr>
+        <p:spPr/>
+        <p:txBody>
+          <a:bodyPr/>
+          <a:lstStyle/>
+          <a:p>
+            <a:endParaRPr lang="it-IT" dirty="0"/>
+          </a:p>
+        </p:txBody>
+      </p:sp>
+      <p:sp>
+        <p:nvSpPr>
+          <p:cNvPr id="4" name="Segnaposto numero diapositiva 3"/>
+          <p:cNvSpPr>
+            <a:spLocks noGrp="1"/>
+          </p:cNvSpPr>
+          <p:nvPr>
+            <p:ph type="sldNum" sz="quarter" idx="5"/>
+          </p:nvPr>
+        </p:nvSpPr>
+        <p:spPr/>
+        <p:txBody>
+          <a:bodyPr/>
+          <a:lstStyle/>
+          <a:p>
+            <a:fld id="{1EEEB9C4-2C44-416F-8AE9-56A3B0181F3B}" type="slidenum">
+              <a:rPr lang="it-IT" smtClean="0"/>
+              <a:t>15</a:t>
+            </a:fld>
+            <a:endParaRPr lang="it-IT"/>
+          </a:p>
+        </p:txBody>
+      </p:sp>
+    </p:spTree>
+    <p:extLst>
+      <p:ext uri="{BB962C8B-B14F-4D97-AF65-F5344CB8AC3E}">
+        <p14:creationId xmlns:p14="http://schemas.microsoft.com/office/powerpoint/2010/main" val="862984733"/>
+      </p:ext>
+    </p:extLst>
+  </p:cSld>
+  <p:clrMapOvr>
+    <a:masterClrMapping/>
+  </p:clrMapOvr>
+</p:notes>
+</file>
+
+<file path=ppt/notesSlides/notesSlide14.xml><?xml version="1.0" encoding="utf-8"?>
+<p:notes xmlns:a="http://schemas.openxmlformats.org/drawingml/2006/main" xmlns:r="http://schemas.openxmlformats.org/officeDocument/2006/relationships" xmlns:p="http://schemas.openxmlformats.org/presentationml/2006/main">
+  <p:cSld>
+    <p:spTree>
+      <p:nvGrpSpPr>
+        <p:cNvPr id="1" name=""/>
+        <p:cNvGrpSpPr/>
+        <p:nvPr/>
+      </p:nvGrpSpPr>
+      <p:grpSpPr>
+        <a:xfrm>
+          <a:off x="0" y="0"/>
+          <a:ext cx="0" cy="0"/>
+          <a:chOff x="0" y="0"/>
+          <a:chExt cx="0" cy="0"/>
+        </a:xfrm>
+      </p:grpSpPr>
+      <p:sp>
+        <p:nvSpPr>
+          <p:cNvPr id="2" name="Segnaposto immagine diapositiva 1"/>
+          <p:cNvSpPr>
+            <a:spLocks noGrp="1" noRot="1" noChangeAspect="1"/>
+          </p:cNvSpPr>
+          <p:nvPr>
+            <p:ph type="sldImg"/>
+          </p:nvPr>
+        </p:nvSpPr>
+        <p:spPr/>
+      </p:sp>
+      <p:sp>
+        <p:nvSpPr>
+          <p:cNvPr id="3" name="Segnaposto note 2"/>
+          <p:cNvSpPr>
+            <a:spLocks noGrp="1"/>
+          </p:cNvSpPr>
+          <p:nvPr>
+            <p:ph type="body" idx="1"/>
+          </p:nvPr>
+        </p:nvSpPr>
+        <p:spPr/>
+        <p:txBody>
+          <a:bodyPr/>
+          <a:lstStyle/>
+          <a:p>
+            <a:endParaRPr lang="it-IT" dirty="0"/>
+          </a:p>
+        </p:txBody>
+      </p:sp>
+      <p:sp>
+        <p:nvSpPr>
+          <p:cNvPr id="4" name="Segnaposto numero diapositiva 3"/>
+          <p:cNvSpPr>
+            <a:spLocks noGrp="1"/>
+          </p:cNvSpPr>
+          <p:nvPr>
+            <p:ph type="sldNum" sz="quarter" idx="5"/>
+          </p:nvPr>
+        </p:nvSpPr>
+        <p:spPr/>
+        <p:txBody>
+          <a:bodyPr/>
+          <a:lstStyle/>
+          <a:p>
+            <a:fld id="{1EEEB9C4-2C44-416F-8AE9-56A3B0181F3B}" type="slidenum">
+              <a:rPr lang="it-IT" smtClean="0"/>
+              <a:t>16</a:t>
+            </a:fld>
+            <a:endParaRPr lang="it-IT"/>
+          </a:p>
+        </p:txBody>
+      </p:sp>
+    </p:spTree>
+    <p:extLst>
+      <p:ext uri="{BB962C8B-B14F-4D97-AF65-F5344CB8AC3E}">
+        <p14:creationId xmlns:p14="http://schemas.microsoft.com/office/powerpoint/2010/main" val="223906828"/>
+      </p:ext>
+    </p:extLst>
+  </p:cSld>
+  <p:clrMapOvr>
+    <a:masterClrMapping/>
+  </p:clrMapOvr>
+</p:notes>
+</file>
+
+<file path=ppt/notesSlides/notesSlide15.xml><?xml version="1.0" encoding="utf-8"?>
+<p:notes xmlns:a="http://schemas.openxmlformats.org/drawingml/2006/main" xmlns:r="http://schemas.openxmlformats.org/officeDocument/2006/relationships" xmlns:p="http://schemas.openxmlformats.org/presentationml/2006/main">
+  <p:cSld>
+    <p:spTree>
+      <p:nvGrpSpPr>
+        <p:cNvPr id="1" name=""/>
+        <p:cNvGrpSpPr/>
+        <p:nvPr/>
+      </p:nvGrpSpPr>
+      <p:grpSpPr>
+        <a:xfrm>
+          <a:off x="0" y="0"/>
+          <a:ext cx="0" cy="0"/>
+          <a:chOff x="0" y="0"/>
+          <a:chExt cx="0" cy="0"/>
+        </a:xfrm>
+      </p:grpSpPr>
+      <p:sp>
+        <p:nvSpPr>
+          <p:cNvPr id="2" name="Segnaposto immagine diapositiva 1"/>
+          <p:cNvSpPr>
+            <a:spLocks noGrp="1" noRot="1" noChangeAspect="1"/>
+          </p:cNvSpPr>
+          <p:nvPr>
+            <p:ph type="sldImg"/>
+          </p:nvPr>
+        </p:nvSpPr>
+        <p:spPr/>
+      </p:sp>
+      <p:sp>
+        <p:nvSpPr>
+          <p:cNvPr id="3" name="Segnaposto note 2"/>
+          <p:cNvSpPr>
+            <a:spLocks noGrp="1"/>
+          </p:cNvSpPr>
+          <p:nvPr>
+            <p:ph type="body" idx="1"/>
+          </p:nvPr>
+        </p:nvSpPr>
+        <p:spPr/>
+        <p:txBody>
+          <a:bodyPr/>
+          <a:lstStyle/>
+          <a:p>
+            <a:endParaRPr lang="it-IT" dirty="0"/>
+          </a:p>
+        </p:txBody>
+      </p:sp>
+      <p:sp>
+        <p:nvSpPr>
+          <p:cNvPr id="4" name="Segnaposto numero diapositiva 3"/>
+          <p:cNvSpPr>
+            <a:spLocks noGrp="1"/>
+          </p:cNvSpPr>
+          <p:nvPr>
+            <p:ph type="sldNum" sz="quarter" idx="5"/>
+          </p:nvPr>
+        </p:nvSpPr>
+        <p:spPr/>
+        <p:txBody>
+          <a:bodyPr/>
+          <a:lstStyle/>
+          <a:p>
+            <a:fld id="{1EEEB9C4-2C44-416F-8AE9-56A3B0181F3B}" type="slidenum">
+              <a:rPr lang="it-IT" smtClean="0"/>
+              <a:t>17</a:t>
+            </a:fld>
+            <a:endParaRPr lang="it-IT"/>
+          </a:p>
+        </p:txBody>
+      </p:sp>
+    </p:spTree>
+    <p:extLst>
+      <p:ext uri="{BB962C8B-B14F-4D97-AF65-F5344CB8AC3E}">
+        <p14:creationId xmlns:p14="http://schemas.microsoft.com/office/powerpoint/2010/main" val="1656350663"/>
+      </p:ext>
+    </p:extLst>
+  </p:cSld>
+  <p:clrMapOvr>
+    <a:masterClrMapping/>
+  </p:clrMapOvr>
+</p:notes>
+</file>
+
+<file path=ppt/notesSlides/notesSlide16.xml><?xml version="1.0" encoding="utf-8"?>
+<p:notes xmlns:a="http://schemas.openxmlformats.org/drawingml/2006/main" xmlns:r="http://schemas.openxmlformats.org/officeDocument/2006/relationships" xmlns:p="http://schemas.openxmlformats.org/presentationml/2006/main">
+  <p:cSld>
+    <p:spTree>
+      <p:nvGrpSpPr>
+        <p:cNvPr id="1" name=""/>
+        <p:cNvGrpSpPr/>
+        <p:nvPr/>
+      </p:nvGrpSpPr>
+      <p:grpSpPr>
+        <a:xfrm>
+          <a:off x="0" y="0"/>
+          <a:ext cx="0" cy="0"/>
+          <a:chOff x="0" y="0"/>
+          <a:chExt cx="0" cy="0"/>
+        </a:xfrm>
+      </p:grpSpPr>
+      <p:sp>
+        <p:nvSpPr>
+          <p:cNvPr id="2" name="Segnaposto immagine diapositiva 1"/>
+          <p:cNvSpPr>
+            <a:spLocks noGrp="1" noRot="1" noChangeAspect="1"/>
+          </p:cNvSpPr>
+          <p:nvPr>
+            <p:ph type="sldImg"/>
+          </p:nvPr>
+        </p:nvSpPr>
+        <p:spPr/>
+      </p:sp>
+      <p:sp>
+        <p:nvSpPr>
+          <p:cNvPr id="3" name="Segnaposto note 2"/>
+          <p:cNvSpPr>
+            <a:spLocks noGrp="1"/>
+          </p:cNvSpPr>
+          <p:nvPr>
+            <p:ph type="body" idx="1"/>
+          </p:nvPr>
+        </p:nvSpPr>
+        <p:spPr/>
+        <p:txBody>
+          <a:bodyPr/>
+          <a:lstStyle/>
+          <a:p>
+            <a:endParaRPr lang="it-IT" dirty="0"/>
+          </a:p>
+        </p:txBody>
+      </p:sp>
+      <p:sp>
+        <p:nvSpPr>
+          <p:cNvPr id="4" name="Segnaposto numero diapositiva 3"/>
+          <p:cNvSpPr>
+            <a:spLocks noGrp="1"/>
+          </p:cNvSpPr>
+          <p:nvPr>
+            <p:ph type="sldNum" sz="quarter" idx="5"/>
+          </p:nvPr>
+        </p:nvSpPr>
+        <p:spPr/>
+        <p:txBody>
+          <a:bodyPr/>
+          <a:lstStyle/>
+          <a:p>
+            <a:fld id="{1EEEB9C4-2C44-416F-8AE9-56A3B0181F3B}" type="slidenum">
+              <a:rPr lang="it-IT" smtClean="0"/>
+              <a:t>18</a:t>
+            </a:fld>
+            <a:endParaRPr lang="it-IT"/>
+          </a:p>
+        </p:txBody>
+      </p:sp>
+    </p:spTree>
+    <p:extLst>
+      <p:ext uri="{BB962C8B-B14F-4D97-AF65-F5344CB8AC3E}">
+        <p14:creationId xmlns:p14="http://schemas.microsoft.com/office/powerpoint/2010/main" val="2329863299"/>
+      </p:ext>
+    </p:extLst>
+  </p:cSld>
+  <p:clrMapOvr>
+    <a:masterClrMapping/>
+  </p:clrMapOvr>
+</p:notes>
+</file>
+
+<file path=ppt/notesSlides/notesSlide17.xml><?xml version="1.0" encoding="utf-8"?>
+<p:notes xmlns:a="http://schemas.openxmlformats.org/drawingml/2006/main" xmlns:r="http://schemas.openxmlformats.org/officeDocument/2006/relationships" xmlns:p="http://schemas.openxmlformats.org/presentationml/2006/main">
+  <p:cSld>
+    <p:spTree>
+      <p:nvGrpSpPr>
+        <p:cNvPr id="1" name=""/>
+        <p:cNvGrpSpPr/>
+        <p:nvPr/>
+      </p:nvGrpSpPr>
+      <p:grpSpPr>
+        <a:xfrm>
+          <a:off x="0" y="0"/>
+          <a:ext cx="0" cy="0"/>
+          <a:chOff x="0" y="0"/>
+          <a:chExt cx="0" cy="0"/>
+        </a:xfrm>
+      </p:grpSpPr>
+      <p:sp>
+        <p:nvSpPr>
+          <p:cNvPr id="2" name="Segnaposto immagine diapositiva 1"/>
+          <p:cNvSpPr>
+            <a:spLocks noGrp="1" noRot="1" noChangeAspect="1"/>
+          </p:cNvSpPr>
+          <p:nvPr>
+            <p:ph type="sldImg"/>
+          </p:nvPr>
+        </p:nvSpPr>
+        <p:spPr/>
+      </p:sp>
+      <p:sp>
+        <p:nvSpPr>
+          <p:cNvPr id="3" name="Segnaposto note 2"/>
+          <p:cNvSpPr>
+            <a:spLocks noGrp="1"/>
+          </p:cNvSpPr>
+          <p:nvPr>
+            <p:ph type="body" idx="1"/>
+          </p:nvPr>
+        </p:nvSpPr>
+        <p:spPr/>
+        <p:txBody>
+          <a:bodyPr/>
+          <a:lstStyle/>
+          <a:p>
+            <a:endParaRPr lang="it-IT" dirty="0"/>
+          </a:p>
+        </p:txBody>
+      </p:sp>
+      <p:sp>
+        <p:nvSpPr>
+          <p:cNvPr id="4" name="Segnaposto numero diapositiva 3"/>
+          <p:cNvSpPr>
+            <a:spLocks noGrp="1"/>
+          </p:cNvSpPr>
+          <p:nvPr>
+            <p:ph type="sldNum" sz="quarter" idx="5"/>
+          </p:nvPr>
+        </p:nvSpPr>
+        <p:spPr/>
+        <p:txBody>
+          <a:bodyPr/>
+          <a:lstStyle/>
+          <a:p>
+            <a:fld id="{1EEEB9C4-2C44-416F-8AE9-56A3B0181F3B}" type="slidenum">
+              <a:rPr lang="it-IT" smtClean="0"/>
+              <a:t>19</a:t>
+            </a:fld>
+            <a:endParaRPr lang="it-IT"/>
+          </a:p>
+        </p:txBody>
+      </p:sp>
+    </p:spTree>
+    <p:extLst>
+      <p:ext uri="{BB962C8B-B14F-4D97-AF65-F5344CB8AC3E}">
+        <p14:creationId xmlns:p14="http://schemas.microsoft.com/office/powerpoint/2010/main" val="267099717"/>
+      </p:ext>
+    </p:extLst>
+  </p:cSld>
+  <p:clrMapOvr>
+    <a:masterClrMapping/>
+  </p:clrMapOvr>
+</p:notes>
+</file>
+
+<file path=ppt/notesSlides/notesSlide18.xml><?xml version="1.0" encoding="utf-8"?>
+<p:notes xmlns:a="http://schemas.openxmlformats.org/drawingml/2006/main" xmlns:r="http://schemas.openxmlformats.org/officeDocument/2006/relationships" xmlns:p="http://schemas.openxmlformats.org/presentationml/2006/main">
+  <p:cSld>
+    <p:spTree>
+      <p:nvGrpSpPr>
+        <p:cNvPr id="1" name=""/>
+        <p:cNvGrpSpPr/>
+        <p:nvPr/>
+      </p:nvGrpSpPr>
+      <p:grpSpPr>
+        <a:xfrm>
+          <a:off x="0" y="0"/>
+          <a:ext cx="0" cy="0"/>
+          <a:chOff x="0" y="0"/>
+          <a:chExt cx="0" cy="0"/>
+        </a:xfrm>
+      </p:grpSpPr>
+      <p:sp>
+        <p:nvSpPr>
+          <p:cNvPr id="2" name="Segnaposto immagine diapositiva 1"/>
+          <p:cNvSpPr>
+            <a:spLocks noGrp="1" noRot="1" noChangeAspect="1"/>
+          </p:cNvSpPr>
+          <p:nvPr>
+            <p:ph type="sldImg"/>
+          </p:nvPr>
+        </p:nvSpPr>
+        <p:spPr/>
+      </p:sp>
+      <p:sp>
+        <p:nvSpPr>
+          <p:cNvPr id="3" name="Segnaposto note 2"/>
+          <p:cNvSpPr>
+            <a:spLocks noGrp="1"/>
+          </p:cNvSpPr>
+          <p:nvPr>
+            <p:ph type="body" idx="1"/>
+          </p:nvPr>
+        </p:nvSpPr>
+        <p:spPr/>
+        <p:txBody>
+          <a:bodyPr/>
+          <a:lstStyle/>
+          <a:p>
+            <a:endParaRPr lang="it-IT" dirty="0"/>
+          </a:p>
+        </p:txBody>
+      </p:sp>
+      <p:sp>
+        <p:nvSpPr>
+          <p:cNvPr id="4" name="Segnaposto numero diapositiva 3"/>
+          <p:cNvSpPr>
+            <a:spLocks noGrp="1"/>
+          </p:cNvSpPr>
+          <p:nvPr>
+            <p:ph type="sldNum" sz="quarter" idx="5"/>
+          </p:nvPr>
+        </p:nvSpPr>
+        <p:spPr/>
+        <p:txBody>
+          <a:bodyPr/>
+          <a:lstStyle/>
+          <a:p>
+            <a:fld id="{1EEEB9C4-2C44-416F-8AE9-56A3B0181F3B}" type="slidenum">
+              <a:rPr lang="it-IT" smtClean="0"/>
+              <a:t>20</a:t>
+            </a:fld>
+            <a:endParaRPr lang="it-IT"/>
+          </a:p>
+        </p:txBody>
+      </p:sp>
+    </p:spTree>
+    <p:extLst>
+      <p:ext uri="{BB962C8B-B14F-4D97-AF65-F5344CB8AC3E}">
+        <p14:creationId xmlns:p14="http://schemas.microsoft.com/office/powerpoint/2010/main" val="3172582572"/>
+      </p:ext>
+    </p:extLst>
+  </p:cSld>
+  <p:clrMapOvr>
+    <a:masterClrMapping/>
+  </p:clrMapOvr>
+</p:notes>
+</file>
+
+<file path=ppt/notesSlides/notesSlide19.xml><?xml version="1.0" encoding="utf-8"?>
+<p:notes xmlns:a="http://schemas.openxmlformats.org/drawingml/2006/main" xmlns:r="http://schemas.openxmlformats.org/officeDocument/2006/relationships" xmlns:p="http://schemas.openxmlformats.org/presentationml/2006/main">
+  <p:cSld>
+    <p:spTree>
+      <p:nvGrpSpPr>
+        <p:cNvPr id="1" name=""/>
+        <p:cNvGrpSpPr/>
+        <p:nvPr/>
+      </p:nvGrpSpPr>
+      <p:grpSpPr>
+        <a:xfrm>
+          <a:off x="0" y="0"/>
+          <a:ext cx="0" cy="0"/>
+          <a:chOff x="0" y="0"/>
+          <a:chExt cx="0" cy="0"/>
+        </a:xfrm>
+      </p:grpSpPr>
+      <p:sp>
+        <p:nvSpPr>
+          <p:cNvPr id="2" name="Segnaposto immagine diapositiva 1"/>
+          <p:cNvSpPr>
+            <a:spLocks noGrp="1" noRot="1" noChangeAspect="1"/>
+          </p:cNvSpPr>
+          <p:nvPr>
+            <p:ph type="sldImg"/>
+          </p:nvPr>
+        </p:nvSpPr>
+        <p:spPr/>
+      </p:sp>
+      <p:sp>
+        <p:nvSpPr>
+          <p:cNvPr id="3" name="Segnaposto note 2"/>
+          <p:cNvSpPr>
+            <a:spLocks noGrp="1"/>
+          </p:cNvSpPr>
+          <p:nvPr>
+            <p:ph type="body" idx="1"/>
+          </p:nvPr>
+        </p:nvSpPr>
+        <p:spPr/>
+        <p:txBody>
+          <a:bodyPr/>
+          <a:lstStyle/>
+          <a:p>
+            <a:endParaRPr lang="it-IT" dirty="0"/>
+          </a:p>
+        </p:txBody>
+      </p:sp>
+      <p:sp>
+        <p:nvSpPr>
+          <p:cNvPr id="4" name="Segnaposto numero diapositiva 3"/>
+          <p:cNvSpPr>
+            <a:spLocks noGrp="1"/>
+          </p:cNvSpPr>
+          <p:nvPr>
+            <p:ph type="sldNum" sz="quarter" idx="5"/>
+          </p:nvPr>
+        </p:nvSpPr>
+        <p:spPr/>
+        <p:txBody>
+          <a:bodyPr/>
+          <a:lstStyle/>
+          <a:p>
+            <a:fld id="{1EEEB9C4-2C44-416F-8AE9-56A3B0181F3B}" type="slidenum">
+              <a:rPr lang="it-IT" smtClean="0"/>
+              <a:t>21</a:t>
+            </a:fld>
+            <a:endParaRPr lang="it-IT"/>
+          </a:p>
+        </p:txBody>
+      </p:sp>
+    </p:spTree>
+    <p:extLst>
+      <p:ext uri="{BB962C8B-B14F-4D97-AF65-F5344CB8AC3E}">
+        <p14:creationId xmlns:p14="http://schemas.microsoft.com/office/powerpoint/2010/main" val="321487763"/>
+      </p:ext>
+    </p:extLst>
+  </p:cSld>
+  <p:clrMapOvr>
+    <a:masterClrMapping/>
+  </p:clrMapOvr>
+</p:notes>
+</file>
+
 <file path=ppt/notesSlides/notesSlide2.xml><?xml version="1.0" encoding="utf-8"?>
 <p:notes xmlns:a="http://schemas.openxmlformats.org/drawingml/2006/main" xmlns:r="http://schemas.openxmlformats.org/officeDocument/2006/relationships" xmlns:p="http://schemas.openxmlformats.org/presentationml/2006/main">
   <p:cSld>
@@ -5628,6 +6312,342 @@
     <p:extLst>
       <p:ext uri="{BB962C8B-B14F-4D97-AF65-F5344CB8AC3E}">
         <p14:creationId xmlns:p14="http://schemas.microsoft.com/office/powerpoint/2010/main" val="1528310201"/>
+      </p:ext>
+    </p:extLst>
+  </p:cSld>
+  <p:clrMapOvr>
+    <a:masterClrMapping/>
+  </p:clrMapOvr>
+</p:notes>
+</file>
+
+<file path=ppt/notesSlides/notesSlide20.xml><?xml version="1.0" encoding="utf-8"?>
+<p:notes xmlns:a="http://schemas.openxmlformats.org/drawingml/2006/main" xmlns:r="http://schemas.openxmlformats.org/officeDocument/2006/relationships" xmlns:p="http://schemas.openxmlformats.org/presentationml/2006/main">
+  <p:cSld>
+    <p:spTree>
+      <p:nvGrpSpPr>
+        <p:cNvPr id="1" name=""/>
+        <p:cNvGrpSpPr/>
+        <p:nvPr/>
+      </p:nvGrpSpPr>
+      <p:grpSpPr>
+        <a:xfrm>
+          <a:off x="0" y="0"/>
+          <a:ext cx="0" cy="0"/>
+          <a:chOff x="0" y="0"/>
+          <a:chExt cx="0" cy="0"/>
+        </a:xfrm>
+      </p:grpSpPr>
+      <p:sp>
+        <p:nvSpPr>
+          <p:cNvPr id="2" name="Segnaposto immagine diapositiva 1"/>
+          <p:cNvSpPr>
+            <a:spLocks noGrp="1" noRot="1" noChangeAspect="1"/>
+          </p:cNvSpPr>
+          <p:nvPr>
+            <p:ph type="sldImg"/>
+          </p:nvPr>
+        </p:nvSpPr>
+        <p:spPr/>
+      </p:sp>
+      <p:sp>
+        <p:nvSpPr>
+          <p:cNvPr id="3" name="Segnaposto note 2"/>
+          <p:cNvSpPr>
+            <a:spLocks noGrp="1"/>
+          </p:cNvSpPr>
+          <p:nvPr>
+            <p:ph type="body" idx="1"/>
+          </p:nvPr>
+        </p:nvSpPr>
+        <p:spPr/>
+        <p:txBody>
+          <a:bodyPr/>
+          <a:lstStyle/>
+          <a:p>
+            <a:endParaRPr lang="it-IT" dirty="0"/>
+          </a:p>
+        </p:txBody>
+      </p:sp>
+      <p:sp>
+        <p:nvSpPr>
+          <p:cNvPr id="4" name="Segnaposto numero diapositiva 3"/>
+          <p:cNvSpPr>
+            <a:spLocks noGrp="1"/>
+          </p:cNvSpPr>
+          <p:nvPr>
+            <p:ph type="sldNum" sz="quarter" idx="5"/>
+          </p:nvPr>
+        </p:nvSpPr>
+        <p:spPr/>
+        <p:txBody>
+          <a:bodyPr/>
+          <a:lstStyle/>
+          <a:p>
+            <a:fld id="{1EEEB9C4-2C44-416F-8AE9-56A3B0181F3B}" type="slidenum">
+              <a:rPr lang="it-IT" smtClean="0"/>
+              <a:t>22</a:t>
+            </a:fld>
+            <a:endParaRPr lang="it-IT"/>
+          </a:p>
+        </p:txBody>
+      </p:sp>
+    </p:spTree>
+    <p:extLst>
+      <p:ext uri="{BB962C8B-B14F-4D97-AF65-F5344CB8AC3E}">
+        <p14:creationId xmlns:p14="http://schemas.microsoft.com/office/powerpoint/2010/main" val="657448934"/>
+      </p:ext>
+    </p:extLst>
+  </p:cSld>
+  <p:clrMapOvr>
+    <a:masterClrMapping/>
+  </p:clrMapOvr>
+</p:notes>
+</file>
+
+<file path=ppt/notesSlides/notesSlide21.xml><?xml version="1.0" encoding="utf-8"?>
+<p:notes xmlns:a="http://schemas.openxmlformats.org/drawingml/2006/main" xmlns:r="http://schemas.openxmlformats.org/officeDocument/2006/relationships" xmlns:p="http://schemas.openxmlformats.org/presentationml/2006/main">
+  <p:cSld>
+    <p:spTree>
+      <p:nvGrpSpPr>
+        <p:cNvPr id="1" name=""/>
+        <p:cNvGrpSpPr/>
+        <p:nvPr/>
+      </p:nvGrpSpPr>
+      <p:grpSpPr>
+        <a:xfrm>
+          <a:off x="0" y="0"/>
+          <a:ext cx="0" cy="0"/>
+          <a:chOff x="0" y="0"/>
+          <a:chExt cx="0" cy="0"/>
+        </a:xfrm>
+      </p:grpSpPr>
+      <p:sp>
+        <p:nvSpPr>
+          <p:cNvPr id="2" name="Segnaposto immagine diapositiva 1"/>
+          <p:cNvSpPr>
+            <a:spLocks noGrp="1" noRot="1" noChangeAspect="1"/>
+          </p:cNvSpPr>
+          <p:nvPr>
+            <p:ph type="sldImg"/>
+          </p:nvPr>
+        </p:nvSpPr>
+        <p:spPr/>
+      </p:sp>
+      <p:sp>
+        <p:nvSpPr>
+          <p:cNvPr id="3" name="Segnaposto note 2"/>
+          <p:cNvSpPr>
+            <a:spLocks noGrp="1"/>
+          </p:cNvSpPr>
+          <p:nvPr>
+            <p:ph type="body" idx="1"/>
+          </p:nvPr>
+        </p:nvSpPr>
+        <p:spPr/>
+        <p:txBody>
+          <a:bodyPr/>
+          <a:lstStyle/>
+          <a:p>
+            <a:endParaRPr lang="it-IT" dirty="0"/>
+          </a:p>
+        </p:txBody>
+      </p:sp>
+      <p:sp>
+        <p:nvSpPr>
+          <p:cNvPr id="4" name="Segnaposto numero diapositiva 3"/>
+          <p:cNvSpPr>
+            <a:spLocks noGrp="1"/>
+          </p:cNvSpPr>
+          <p:nvPr>
+            <p:ph type="sldNum" sz="quarter" idx="5"/>
+          </p:nvPr>
+        </p:nvSpPr>
+        <p:spPr/>
+        <p:txBody>
+          <a:bodyPr/>
+          <a:lstStyle/>
+          <a:p>
+            <a:fld id="{1EEEB9C4-2C44-416F-8AE9-56A3B0181F3B}" type="slidenum">
+              <a:rPr lang="it-IT" smtClean="0"/>
+              <a:t>23</a:t>
+            </a:fld>
+            <a:endParaRPr lang="it-IT"/>
+          </a:p>
+        </p:txBody>
+      </p:sp>
+    </p:spTree>
+    <p:extLst>
+      <p:ext uri="{BB962C8B-B14F-4D97-AF65-F5344CB8AC3E}">
+        <p14:creationId xmlns:p14="http://schemas.microsoft.com/office/powerpoint/2010/main" val="3606983060"/>
+      </p:ext>
+    </p:extLst>
+  </p:cSld>
+  <p:clrMapOvr>
+    <a:masterClrMapping/>
+  </p:clrMapOvr>
+</p:notes>
+</file>
+
+<file path=ppt/notesSlides/notesSlide22.xml><?xml version="1.0" encoding="utf-8"?>
+<p:notes xmlns:a="http://schemas.openxmlformats.org/drawingml/2006/main" xmlns:r="http://schemas.openxmlformats.org/officeDocument/2006/relationships" xmlns:p="http://schemas.openxmlformats.org/presentationml/2006/main">
+  <p:cSld>
+    <p:spTree>
+      <p:nvGrpSpPr>
+        <p:cNvPr id="1" name=""/>
+        <p:cNvGrpSpPr/>
+        <p:nvPr/>
+      </p:nvGrpSpPr>
+      <p:grpSpPr>
+        <a:xfrm>
+          <a:off x="0" y="0"/>
+          <a:ext cx="0" cy="0"/>
+          <a:chOff x="0" y="0"/>
+          <a:chExt cx="0" cy="0"/>
+        </a:xfrm>
+      </p:grpSpPr>
+      <p:sp>
+        <p:nvSpPr>
+          <p:cNvPr id="2" name="Segnaposto immagine diapositiva 1"/>
+          <p:cNvSpPr>
+            <a:spLocks noGrp="1" noRot="1" noChangeAspect="1"/>
+          </p:cNvSpPr>
+          <p:nvPr>
+            <p:ph type="sldImg"/>
+          </p:nvPr>
+        </p:nvSpPr>
+        <p:spPr/>
+      </p:sp>
+      <p:sp>
+        <p:nvSpPr>
+          <p:cNvPr id="3" name="Segnaposto note 2"/>
+          <p:cNvSpPr>
+            <a:spLocks noGrp="1"/>
+          </p:cNvSpPr>
+          <p:nvPr>
+            <p:ph type="body" idx="1"/>
+          </p:nvPr>
+        </p:nvSpPr>
+        <p:spPr/>
+        <p:txBody>
+          <a:bodyPr/>
+          <a:lstStyle/>
+          <a:p>
+            <a:endParaRPr lang="it-IT" dirty="0"/>
+          </a:p>
+        </p:txBody>
+      </p:sp>
+      <p:sp>
+        <p:nvSpPr>
+          <p:cNvPr id="4" name="Segnaposto numero diapositiva 3"/>
+          <p:cNvSpPr>
+            <a:spLocks noGrp="1"/>
+          </p:cNvSpPr>
+          <p:nvPr>
+            <p:ph type="sldNum" sz="quarter" idx="5"/>
+          </p:nvPr>
+        </p:nvSpPr>
+        <p:spPr/>
+        <p:txBody>
+          <a:bodyPr/>
+          <a:lstStyle/>
+          <a:p>
+            <a:fld id="{1EEEB9C4-2C44-416F-8AE9-56A3B0181F3B}" type="slidenum">
+              <a:rPr lang="it-IT" smtClean="0"/>
+              <a:t>24</a:t>
+            </a:fld>
+            <a:endParaRPr lang="it-IT"/>
+          </a:p>
+        </p:txBody>
+      </p:sp>
+    </p:spTree>
+    <p:extLst>
+      <p:ext uri="{BB962C8B-B14F-4D97-AF65-F5344CB8AC3E}">
+        <p14:creationId xmlns:p14="http://schemas.microsoft.com/office/powerpoint/2010/main" val="1803901458"/>
+      </p:ext>
+    </p:extLst>
+  </p:cSld>
+  <p:clrMapOvr>
+    <a:masterClrMapping/>
+  </p:clrMapOvr>
+</p:notes>
+</file>
+
+<file path=ppt/notesSlides/notesSlide23.xml><?xml version="1.0" encoding="utf-8"?>
+<p:notes xmlns:a="http://schemas.openxmlformats.org/drawingml/2006/main" xmlns:r="http://schemas.openxmlformats.org/officeDocument/2006/relationships" xmlns:p="http://schemas.openxmlformats.org/presentationml/2006/main">
+  <p:cSld>
+    <p:spTree>
+      <p:nvGrpSpPr>
+        <p:cNvPr id="1" name=""/>
+        <p:cNvGrpSpPr/>
+        <p:nvPr/>
+      </p:nvGrpSpPr>
+      <p:grpSpPr>
+        <a:xfrm>
+          <a:off x="0" y="0"/>
+          <a:ext cx="0" cy="0"/>
+          <a:chOff x="0" y="0"/>
+          <a:chExt cx="0" cy="0"/>
+        </a:xfrm>
+      </p:grpSpPr>
+      <p:sp>
+        <p:nvSpPr>
+          <p:cNvPr id="2" name="Segnaposto immagine diapositiva 1"/>
+          <p:cNvSpPr>
+            <a:spLocks noGrp="1" noRot="1" noChangeAspect="1"/>
+          </p:cNvSpPr>
+          <p:nvPr>
+            <p:ph type="sldImg"/>
+          </p:nvPr>
+        </p:nvSpPr>
+        <p:spPr/>
+      </p:sp>
+      <p:sp>
+        <p:nvSpPr>
+          <p:cNvPr id="3" name="Segnaposto note 2"/>
+          <p:cNvSpPr>
+            <a:spLocks noGrp="1"/>
+          </p:cNvSpPr>
+          <p:nvPr>
+            <p:ph type="body" idx="1"/>
+          </p:nvPr>
+        </p:nvSpPr>
+        <p:spPr/>
+        <p:txBody>
+          <a:bodyPr/>
+          <a:lstStyle/>
+          <a:p>
+            <a:endParaRPr lang="it-IT" dirty="0"/>
+          </a:p>
+        </p:txBody>
+      </p:sp>
+      <p:sp>
+        <p:nvSpPr>
+          <p:cNvPr id="4" name="Segnaposto numero diapositiva 3"/>
+          <p:cNvSpPr>
+            <a:spLocks noGrp="1"/>
+          </p:cNvSpPr>
+          <p:nvPr>
+            <p:ph type="sldNum" sz="quarter" idx="5"/>
+          </p:nvPr>
+        </p:nvSpPr>
+        <p:spPr/>
+        <p:txBody>
+          <a:bodyPr/>
+          <a:lstStyle/>
+          <a:p>
+            <a:fld id="{1EEEB9C4-2C44-416F-8AE9-56A3B0181F3B}" type="slidenum">
+              <a:rPr lang="it-IT" smtClean="0"/>
+              <a:t>25</a:t>
+            </a:fld>
+            <a:endParaRPr lang="it-IT"/>
+          </a:p>
+        </p:txBody>
+      </p:sp>
+    </p:spTree>
+    <p:extLst>
+      <p:ext uri="{BB962C8B-B14F-4D97-AF65-F5344CB8AC3E}">
+        <p14:creationId xmlns:p14="http://schemas.microsoft.com/office/powerpoint/2010/main" val="1924417051"/>
       </p:ext>
     </p:extLst>
   </p:cSld>
@@ -13229,6 +14249,3378 @@
 </p:sld>
 </file>
 
+<file path=ppt/slides/slide14.xml><?xml version="1.0" encoding="utf-8"?>
+<p:sld xmlns:a="http://schemas.openxmlformats.org/drawingml/2006/main" xmlns:r="http://schemas.openxmlformats.org/officeDocument/2006/relationships" xmlns:p="http://schemas.openxmlformats.org/presentationml/2006/main">
+  <p:cSld>
+    <p:spTree>
+      <p:nvGrpSpPr>
+        <p:cNvPr id="1" name=""/>
+        <p:cNvGrpSpPr/>
+        <p:nvPr/>
+      </p:nvGrpSpPr>
+      <p:grpSpPr>
+        <a:xfrm>
+          <a:off x="0" y="0"/>
+          <a:ext cx="0" cy="0"/>
+          <a:chOff x="0" y="0"/>
+          <a:chExt cx="0" cy="0"/>
+        </a:xfrm>
+      </p:grpSpPr>
+      <p:sp>
+        <p:nvSpPr>
+          <p:cNvPr id="2" name="Titolo 1">
+            <a:extLst>
+              <a:ext uri="{FF2B5EF4-FFF2-40B4-BE49-F238E27FC236}">
+                <a16:creationId xmlns:a16="http://schemas.microsoft.com/office/drawing/2014/main" id="{2F0F54F1-30A2-8CB0-FB41-D453BFB68609}"/>
+              </a:ext>
+            </a:extLst>
+          </p:cNvPr>
+          <p:cNvSpPr>
+            <a:spLocks noGrp="1"/>
+          </p:cNvSpPr>
+          <p:nvPr>
+            <p:ph type="title"/>
+          </p:nvPr>
+        </p:nvSpPr>
+        <p:spPr>
+          <a:xfrm>
+            <a:off x="514351" y="66675"/>
+            <a:ext cx="11306174" cy="801575"/>
+          </a:xfrm>
+        </p:spPr>
+        <p:txBody>
+          <a:bodyPr>
+            <a:normAutofit/>
+          </a:bodyPr>
+          <a:lstStyle/>
+          <a:p>
+            <a:r>
+              <a:rPr lang="it-IT" dirty="0"/>
+              <a:t>Component </a:t>
+            </a:r>
+            <a:r>
+              <a:rPr lang="it-IT" dirty="0" err="1"/>
+              <a:t>View</a:t>
+            </a:r>
+            <a:r>
+              <a:rPr lang="it-IT" dirty="0"/>
+              <a:t> (1/3)</a:t>
+            </a:r>
+          </a:p>
+        </p:txBody>
+      </p:sp>
+      <p:sp>
+        <p:nvSpPr>
+          <p:cNvPr id="5" name="Segnaposto numero diapositiva 4">
+            <a:extLst>
+              <a:ext uri="{FF2B5EF4-FFF2-40B4-BE49-F238E27FC236}">
+                <a16:creationId xmlns:a16="http://schemas.microsoft.com/office/drawing/2014/main" id="{79AF0F05-DA26-47DA-F61A-771A61AB86B8}"/>
+              </a:ext>
+            </a:extLst>
+          </p:cNvPr>
+          <p:cNvSpPr>
+            <a:spLocks noGrp="1"/>
+          </p:cNvSpPr>
+          <p:nvPr>
+            <p:ph type="sldNum" sz="quarter" idx="12"/>
+          </p:nvPr>
+        </p:nvSpPr>
+        <p:spPr/>
+        <p:txBody>
+          <a:bodyPr/>
+          <a:lstStyle/>
+          <a:p>
+            <a:fld id="{9732ED0D-4952-4698-A180-3B5BCDA8B725}" type="slidenum">
+              <a:rPr lang="it-IT" smtClean="0"/>
+              <a:t>14</a:t>
+            </a:fld>
+            <a:endParaRPr lang="it-IT"/>
+          </a:p>
+        </p:txBody>
+      </p:sp>
+      <p:sp>
+        <p:nvSpPr>
+          <p:cNvPr id="8" name="Segnaposto contenuto 2">
+            <a:extLst>
+              <a:ext uri="{FF2B5EF4-FFF2-40B4-BE49-F238E27FC236}">
+                <a16:creationId xmlns:a16="http://schemas.microsoft.com/office/drawing/2014/main" id="{00A184C7-7E48-8532-E4A7-67F41E4C2C88}"/>
+              </a:ext>
+            </a:extLst>
+          </p:cNvPr>
+          <p:cNvSpPr>
+            <a:spLocks noGrp="1"/>
+          </p:cNvSpPr>
+          <p:nvPr>
+            <p:ph idx="1"/>
+          </p:nvPr>
+        </p:nvSpPr>
+        <p:spPr>
+          <a:xfrm>
+            <a:off x="719139" y="910375"/>
+            <a:ext cx="11306173" cy="5380149"/>
+          </a:xfrm>
+        </p:spPr>
+        <p:txBody>
+          <a:bodyPr>
+            <a:noAutofit/>
+          </a:bodyPr>
+          <a:lstStyle/>
+          <a:p>
+            <a:pPr marL="0" indent="0">
+              <a:buNone/>
+            </a:pPr>
+            <a:r>
+              <a:rPr lang="it-IT" sz="2400" b="1" dirty="0" err="1">
+                <a:latin typeface="Calibri" panose="020F0502020204030204" pitchFamily="34" charset="0"/>
+              </a:rPr>
+              <a:t>Microservices</a:t>
+            </a:r>
+            <a:r>
+              <a:rPr lang="it-IT" sz="2400" b="1" dirty="0">
+                <a:latin typeface="Calibri" panose="020F0502020204030204" pitchFamily="34" charset="0"/>
+              </a:rPr>
+              <a:t> Architecture</a:t>
+            </a:r>
+          </a:p>
+          <a:p>
+            <a:r>
+              <a:rPr lang="it-IT" sz="2000" b="1" dirty="0">
+                <a:latin typeface="Calibri" panose="020F0502020204030204" pitchFamily="34" charset="0"/>
+              </a:rPr>
+              <a:t>Low </a:t>
+            </a:r>
+            <a:r>
+              <a:rPr lang="it-IT" sz="2000" b="1" dirty="0" err="1">
+                <a:latin typeface="Calibri" panose="020F0502020204030204" pitchFamily="34" charset="0"/>
+              </a:rPr>
+              <a:t>coupling</a:t>
+            </a:r>
+            <a:endParaRPr lang="it-IT" sz="2000" b="1" dirty="0">
+              <a:latin typeface="Calibri" panose="020F0502020204030204" pitchFamily="34" charset="0"/>
+            </a:endParaRPr>
+          </a:p>
+          <a:p>
+            <a:r>
+              <a:rPr lang="it-IT" sz="2000" b="1" dirty="0">
+                <a:latin typeface="Calibri" panose="020F0502020204030204" pitchFamily="34" charset="0"/>
+              </a:rPr>
+              <a:t>High </a:t>
+            </a:r>
+            <a:r>
+              <a:rPr lang="it-IT" sz="2000" b="1" dirty="0" err="1">
+                <a:latin typeface="Calibri" panose="020F0502020204030204" pitchFamily="34" charset="0"/>
+              </a:rPr>
+              <a:t>cohesion</a:t>
+            </a:r>
+            <a:endParaRPr lang="it-IT" sz="2000" b="1" dirty="0">
+              <a:latin typeface="Calibri" panose="020F0502020204030204" pitchFamily="34" charset="0"/>
+            </a:endParaRPr>
+          </a:p>
+          <a:p>
+            <a:r>
+              <a:rPr lang="it-IT" sz="2000" b="1" dirty="0" err="1">
+                <a:latin typeface="Calibri" panose="020F0502020204030204" pitchFamily="34" charset="0"/>
+              </a:rPr>
+              <a:t>Flexibility</a:t>
+            </a:r>
+            <a:r>
+              <a:rPr lang="it-IT" sz="2000" b="1" dirty="0">
+                <a:latin typeface="Calibri" panose="020F0502020204030204" pitchFamily="34" charset="0"/>
+              </a:rPr>
+              <a:t> and </a:t>
+            </a:r>
+            <a:r>
+              <a:rPr lang="it-IT" sz="2000" b="1" dirty="0" err="1">
+                <a:latin typeface="Calibri" panose="020F0502020204030204" pitchFamily="34" charset="0"/>
+              </a:rPr>
+              <a:t>scalability</a:t>
+            </a:r>
+            <a:r>
+              <a:rPr lang="it-IT" sz="2000" dirty="0">
+                <a:latin typeface="Calibri" panose="020F0502020204030204" pitchFamily="34" charset="0"/>
+              </a:rPr>
+              <a:t>: services can be </a:t>
+            </a:r>
+            <a:r>
+              <a:rPr lang="it-IT" sz="2000" dirty="0" err="1">
+                <a:latin typeface="Calibri" panose="020F0502020204030204" pitchFamily="34" charset="0"/>
+              </a:rPr>
+              <a:t>duplicated</a:t>
+            </a:r>
+            <a:r>
+              <a:rPr lang="it-IT" sz="2000" dirty="0">
+                <a:latin typeface="Calibri" panose="020F0502020204030204" pitchFamily="34" charset="0"/>
+              </a:rPr>
+              <a:t> </a:t>
+            </a:r>
+            <a:r>
+              <a:rPr lang="it-IT" sz="2000" dirty="0" err="1">
+                <a:latin typeface="Calibri" panose="020F0502020204030204" pitchFamily="34" charset="0"/>
+              </a:rPr>
+              <a:t>since</a:t>
+            </a:r>
+            <a:r>
+              <a:rPr lang="it-IT" sz="2000" dirty="0">
+                <a:latin typeface="Calibri" panose="020F0502020204030204" pitchFamily="34" charset="0"/>
+              </a:rPr>
+              <a:t> </a:t>
+            </a:r>
+            <a:r>
+              <a:rPr lang="it-IT" sz="2000" dirty="0" err="1">
+                <a:latin typeface="Calibri" panose="020F0502020204030204" pitchFamily="34" charset="0"/>
+              </a:rPr>
+              <a:t>they</a:t>
+            </a:r>
+            <a:r>
+              <a:rPr lang="it-IT" sz="2000" dirty="0">
+                <a:latin typeface="Calibri" panose="020F0502020204030204" pitchFamily="34" charset="0"/>
+              </a:rPr>
+              <a:t> </a:t>
+            </a:r>
+            <a:r>
+              <a:rPr lang="it-IT" sz="2000" dirty="0" err="1">
+                <a:latin typeface="Calibri" panose="020F0502020204030204" pitchFamily="34" charset="0"/>
+              </a:rPr>
+              <a:t>don’t</a:t>
+            </a:r>
+            <a:r>
+              <a:rPr lang="it-IT" sz="2000" dirty="0">
+                <a:latin typeface="Calibri" panose="020F0502020204030204" pitchFamily="34" charset="0"/>
+              </a:rPr>
+              <a:t> </a:t>
+            </a:r>
+            <a:r>
+              <a:rPr lang="it-IT" sz="2000" dirty="0" err="1">
+                <a:latin typeface="Calibri" panose="020F0502020204030204" pitchFamily="34" charset="0"/>
+              </a:rPr>
+              <a:t>have</a:t>
+            </a:r>
+            <a:r>
+              <a:rPr lang="it-IT" sz="2000" dirty="0">
+                <a:latin typeface="Calibri" panose="020F0502020204030204" pitchFamily="34" charset="0"/>
+              </a:rPr>
+              <a:t> to </a:t>
+            </a:r>
+            <a:r>
+              <a:rPr lang="it-IT" sz="2000" dirty="0" err="1">
+                <a:latin typeface="Calibri" panose="020F0502020204030204" pitchFamily="34" charset="0"/>
+              </a:rPr>
+              <a:t>interact</a:t>
+            </a:r>
+            <a:r>
+              <a:rPr lang="it-IT" sz="2000" dirty="0">
+                <a:latin typeface="Calibri" panose="020F0502020204030204" pitchFamily="34" charset="0"/>
+              </a:rPr>
+              <a:t> with </a:t>
+            </a:r>
+            <a:r>
+              <a:rPr lang="it-IT" sz="2000" dirty="0" err="1">
+                <a:latin typeface="Calibri" panose="020F0502020204030204" pitchFamily="34" charset="0"/>
+              </a:rPr>
+              <a:t>shared</a:t>
+            </a:r>
+            <a:r>
+              <a:rPr lang="it-IT" sz="2000" dirty="0">
+                <a:latin typeface="Calibri" panose="020F0502020204030204" pitchFamily="34" charset="0"/>
+              </a:rPr>
+              <a:t> databases </a:t>
+            </a:r>
+            <a:r>
+              <a:rPr lang="it-IT" sz="2000" dirty="0" err="1">
+                <a:latin typeface="Calibri" panose="020F0502020204030204" pitchFamily="34" charset="0"/>
+              </a:rPr>
+              <a:t>that</a:t>
+            </a:r>
+            <a:r>
+              <a:rPr lang="it-IT" sz="2000" dirty="0">
+                <a:latin typeface="Calibri" panose="020F0502020204030204" pitchFamily="34" charset="0"/>
+              </a:rPr>
+              <a:t> </a:t>
+            </a:r>
+            <a:r>
+              <a:rPr lang="it-IT" sz="2000" dirty="0" err="1">
+                <a:latin typeface="Calibri" panose="020F0502020204030204" pitchFamily="34" charset="0"/>
+              </a:rPr>
+              <a:t>could</a:t>
+            </a:r>
+            <a:r>
+              <a:rPr lang="it-IT" sz="2000" dirty="0">
+                <a:latin typeface="Calibri" panose="020F0502020204030204" pitchFamily="34" charset="0"/>
+              </a:rPr>
+              <a:t> </a:t>
+            </a:r>
+            <a:r>
+              <a:rPr lang="it-IT" sz="2000" dirty="0" err="1">
+                <a:latin typeface="Calibri" panose="020F0502020204030204" pitchFamily="34" charset="0"/>
+              </a:rPr>
+              <a:t>become</a:t>
+            </a:r>
+            <a:r>
+              <a:rPr lang="it-IT" sz="2000" dirty="0">
+                <a:latin typeface="Calibri" panose="020F0502020204030204" pitchFamily="34" charset="0"/>
+              </a:rPr>
+              <a:t> </a:t>
+            </a:r>
+            <a:r>
+              <a:rPr lang="it-IT" sz="2000" dirty="0" err="1">
+                <a:latin typeface="Calibri" panose="020F0502020204030204" pitchFamily="34" charset="0"/>
+              </a:rPr>
+              <a:t>bottlenecks</a:t>
+            </a:r>
+            <a:r>
+              <a:rPr lang="it-IT" sz="2000" dirty="0">
+                <a:latin typeface="Calibri" panose="020F0502020204030204" pitchFamily="34" charset="0"/>
+              </a:rPr>
+              <a:t>.</a:t>
+            </a:r>
+          </a:p>
+        </p:txBody>
+      </p:sp>
+      <p:pic>
+        <p:nvPicPr>
+          <p:cNvPr id="13" name="Immagine 12">
+            <a:extLst>
+              <a:ext uri="{FF2B5EF4-FFF2-40B4-BE49-F238E27FC236}">
+                <a16:creationId xmlns:a16="http://schemas.microsoft.com/office/drawing/2014/main" id="{1DB035E6-581A-D4E7-6A44-4D158D7E960B}"/>
+              </a:ext>
+            </a:extLst>
+          </p:cNvPr>
+          <p:cNvPicPr>
+            <a:picLocks noChangeAspect="1"/>
+          </p:cNvPicPr>
+          <p:nvPr/>
+        </p:nvPicPr>
+        <p:blipFill>
+          <a:blip r:embed="rId3">
+            <a:extLst>
+              <a:ext uri="{28A0092B-C50C-407E-A947-70E740481C1C}">
+                <a14:useLocalDpi xmlns:a14="http://schemas.microsoft.com/office/drawing/2010/main" val="0"/>
+              </a:ext>
+            </a:extLst>
+          </a:blip>
+          <a:stretch>
+            <a:fillRect/>
+          </a:stretch>
+        </p:blipFill>
+        <p:spPr>
+          <a:xfrm>
+            <a:off x="2967634" y="2729434"/>
+            <a:ext cx="6256731" cy="4128566"/>
+          </a:xfrm>
+          <a:prstGeom prst="rect">
+            <a:avLst/>
+          </a:prstGeom>
+        </p:spPr>
+      </p:pic>
+    </p:spTree>
+    <p:extLst>
+      <p:ext uri="{BB962C8B-B14F-4D97-AF65-F5344CB8AC3E}">
+        <p14:creationId xmlns:p14="http://schemas.microsoft.com/office/powerpoint/2010/main" val="2444373378"/>
+      </p:ext>
+    </p:extLst>
+  </p:cSld>
+  <p:clrMapOvr>
+    <a:masterClrMapping/>
+  </p:clrMapOvr>
+</p:sld>
+</file>
+
+<file path=ppt/slides/slide15.xml><?xml version="1.0" encoding="utf-8"?>
+<p:sld xmlns:a="http://schemas.openxmlformats.org/drawingml/2006/main" xmlns:r="http://schemas.openxmlformats.org/officeDocument/2006/relationships" xmlns:p="http://schemas.openxmlformats.org/presentationml/2006/main">
+  <p:cSld>
+    <p:spTree>
+      <p:nvGrpSpPr>
+        <p:cNvPr id="1" name=""/>
+        <p:cNvGrpSpPr/>
+        <p:nvPr/>
+      </p:nvGrpSpPr>
+      <p:grpSpPr>
+        <a:xfrm>
+          <a:off x="0" y="0"/>
+          <a:ext cx="0" cy="0"/>
+          <a:chOff x="0" y="0"/>
+          <a:chExt cx="0" cy="0"/>
+        </a:xfrm>
+      </p:grpSpPr>
+      <p:sp>
+        <p:nvSpPr>
+          <p:cNvPr id="2" name="Titolo 1">
+            <a:extLst>
+              <a:ext uri="{FF2B5EF4-FFF2-40B4-BE49-F238E27FC236}">
+                <a16:creationId xmlns:a16="http://schemas.microsoft.com/office/drawing/2014/main" id="{2F0F54F1-30A2-8CB0-FB41-D453BFB68609}"/>
+              </a:ext>
+            </a:extLst>
+          </p:cNvPr>
+          <p:cNvSpPr>
+            <a:spLocks noGrp="1"/>
+          </p:cNvSpPr>
+          <p:nvPr>
+            <p:ph type="title"/>
+          </p:nvPr>
+        </p:nvSpPr>
+        <p:spPr>
+          <a:xfrm>
+            <a:off x="0" y="0"/>
+            <a:ext cx="3588026" cy="801575"/>
+          </a:xfrm>
+        </p:spPr>
+        <p:txBody>
+          <a:bodyPr>
+            <a:normAutofit/>
+          </a:bodyPr>
+          <a:lstStyle/>
+          <a:p>
+            <a:r>
+              <a:rPr lang="it-IT" sz="2800" dirty="0"/>
+              <a:t>Component </a:t>
+            </a:r>
+            <a:r>
+              <a:rPr lang="it-IT" sz="2800" dirty="0" err="1"/>
+              <a:t>View</a:t>
+            </a:r>
+            <a:r>
+              <a:rPr lang="it-IT" sz="2800" dirty="0"/>
+              <a:t> (2/3)</a:t>
+            </a:r>
+          </a:p>
+        </p:txBody>
+      </p:sp>
+      <p:sp>
+        <p:nvSpPr>
+          <p:cNvPr id="5" name="Segnaposto numero diapositiva 4">
+            <a:extLst>
+              <a:ext uri="{FF2B5EF4-FFF2-40B4-BE49-F238E27FC236}">
+                <a16:creationId xmlns:a16="http://schemas.microsoft.com/office/drawing/2014/main" id="{79AF0F05-DA26-47DA-F61A-771A61AB86B8}"/>
+              </a:ext>
+            </a:extLst>
+          </p:cNvPr>
+          <p:cNvSpPr>
+            <a:spLocks noGrp="1"/>
+          </p:cNvSpPr>
+          <p:nvPr>
+            <p:ph type="sldNum" sz="quarter" idx="12"/>
+          </p:nvPr>
+        </p:nvSpPr>
+        <p:spPr/>
+        <p:txBody>
+          <a:bodyPr/>
+          <a:lstStyle/>
+          <a:p>
+            <a:fld id="{9732ED0D-4952-4698-A180-3B5BCDA8B725}" type="slidenum">
+              <a:rPr lang="it-IT" smtClean="0"/>
+              <a:t>15</a:t>
+            </a:fld>
+            <a:endParaRPr lang="it-IT"/>
+          </a:p>
+        </p:txBody>
+      </p:sp>
+      <p:pic>
+        <p:nvPicPr>
+          <p:cNvPr id="7" name="Elemento grafico 6">
+            <a:extLst>
+              <a:ext uri="{FF2B5EF4-FFF2-40B4-BE49-F238E27FC236}">
+                <a16:creationId xmlns:a16="http://schemas.microsoft.com/office/drawing/2014/main" id="{DEA0C523-6563-336B-2F02-FB959541BFAA}"/>
+              </a:ext>
+            </a:extLst>
+          </p:cNvPr>
+          <p:cNvPicPr>
+            <a:picLocks noChangeAspect="1"/>
+          </p:cNvPicPr>
+          <p:nvPr/>
+        </p:nvPicPr>
+        <p:blipFill>
+          <a:blip r:embed="rId3">
+            <a:extLst>
+              <a:ext uri="{28A0092B-C50C-407E-A947-70E740481C1C}">
+                <a14:useLocalDpi xmlns:a14="http://schemas.microsoft.com/office/drawing/2010/main" val="0"/>
+              </a:ext>
+              <a:ext uri="{96DAC541-7B7A-43D3-8B79-37D633B846F1}">
+                <asvg:svgBlip xmlns:asvg="http://schemas.microsoft.com/office/drawing/2016/SVG/main" r:embed="rId4"/>
+              </a:ext>
+            </a:extLst>
+          </a:blip>
+          <a:stretch>
+            <a:fillRect/>
+          </a:stretch>
+        </p:blipFill>
+        <p:spPr>
+          <a:xfrm>
+            <a:off x="3227083" y="0"/>
+            <a:ext cx="8872151" cy="6858000"/>
+          </a:xfrm>
+          <a:prstGeom prst="rect">
+            <a:avLst/>
+          </a:prstGeom>
+        </p:spPr>
+      </p:pic>
+      <p:sp>
+        <p:nvSpPr>
+          <p:cNvPr id="9" name="Segnaposto contenuto 2">
+            <a:extLst>
+              <a:ext uri="{FF2B5EF4-FFF2-40B4-BE49-F238E27FC236}">
+                <a16:creationId xmlns:a16="http://schemas.microsoft.com/office/drawing/2014/main" id="{5234673D-8CC9-F92A-BD8C-747143392887}"/>
+              </a:ext>
+            </a:extLst>
+          </p:cNvPr>
+          <p:cNvSpPr>
+            <a:spLocks noGrp="1"/>
+          </p:cNvSpPr>
+          <p:nvPr>
+            <p:ph idx="1"/>
+          </p:nvPr>
+        </p:nvSpPr>
+        <p:spPr>
+          <a:xfrm>
+            <a:off x="92766" y="808020"/>
+            <a:ext cx="3227083" cy="5380149"/>
+          </a:xfrm>
+        </p:spPr>
+        <p:txBody>
+          <a:bodyPr>
+            <a:noAutofit/>
+          </a:bodyPr>
+          <a:lstStyle/>
+          <a:p>
+            <a:pPr marL="0" indent="0">
+              <a:buNone/>
+            </a:pPr>
+            <a:r>
+              <a:rPr lang="it-IT" sz="2000" b="1" dirty="0">
+                <a:latin typeface="Calibri" panose="020F0502020204030204" pitchFamily="34" charset="0"/>
+              </a:rPr>
+              <a:t>Components</a:t>
+            </a:r>
+          </a:p>
+          <a:p>
+            <a:r>
+              <a:rPr lang="it-IT" sz="2000" dirty="0">
+                <a:solidFill>
+                  <a:srgbClr val="FF0000"/>
+                </a:solidFill>
+                <a:latin typeface="Calibri" panose="020F0502020204030204" pitchFamily="34" charset="0"/>
+              </a:rPr>
+              <a:t>User Service</a:t>
+            </a:r>
+          </a:p>
+          <a:p>
+            <a:r>
+              <a:rPr lang="it-IT" sz="2000" dirty="0">
+                <a:solidFill>
+                  <a:srgbClr val="00B050"/>
+                </a:solidFill>
+                <a:latin typeface="Calibri" panose="020F0502020204030204" pitchFamily="34" charset="0"/>
+              </a:rPr>
+              <a:t>Platform Service</a:t>
+            </a:r>
+          </a:p>
+          <a:p>
+            <a:r>
+              <a:rPr lang="it-IT" sz="2000" dirty="0">
+                <a:solidFill>
+                  <a:srgbClr val="7030A0"/>
+                </a:solidFill>
+                <a:latin typeface="Calibri" panose="020F0502020204030204" pitchFamily="34" charset="0"/>
+              </a:rPr>
+              <a:t>Badge Service</a:t>
+            </a:r>
+          </a:p>
+          <a:p>
+            <a:r>
+              <a:rPr lang="it-IT" sz="2000" dirty="0">
+                <a:solidFill>
+                  <a:srgbClr val="00B0F0"/>
+                </a:solidFill>
+                <a:latin typeface="Calibri" panose="020F0502020204030204" pitchFamily="34" charset="0"/>
+              </a:rPr>
+              <a:t>Build and Test Service</a:t>
+            </a:r>
+          </a:p>
+          <a:p>
+            <a:r>
+              <a:rPr lang="it-IT" sz="2000" dirty="0" err="1">
+                <a:solidFill>
+                  <a:srgbClr val="FFC000"/>
+                </a:solidFill>
+                <a:latin typeface="Calibri" panose="020F0502020204030204" pitchFamily="34" charset="0"/>
+              </a:rPr>
+              <a:t>Static</a:t>
+            </a:r>
+            <a:r>
+              <a:rPr lang="it-IT" sz="2000" dirty="0">
+                <a:solidFill>
+                  <a:srgbClr val="FFC000"/>
+                </a:solidFill>
+                <a:latin typeface="Calibri" panose="020F0502020204030204" pitchFamily="34" charset="0"/>
+              </a:rPr>
+              <a:t> Analysis Service</a:t>
+            </a:r>
+          </a:p>
+          <a:p>
+            <a:r>
+              <a:rPr lang="it-IT" sz="2000" dirty="0">
+                <a:solidFill>
+                  <a:srgbClr val="C00000"/>
+                </a:solidFill>
+                <a:latin typeface="Calibri" panose="020F0502020204030204" pitchFamily="34" charset="0"/>
+              </a:rPr>
+              <a:t>Notification Service</a:t>
+            </a:r>
+          </a:p>
+          <a:p>
+            <a:r>
+              <a:rPr lang="it-IT" sz="2000" dirty="0">
+                <a:latin typeface="Calibri" panose="020F0502020204030204" pitchFamily="34" charset="0"/>
+              </a:rPr>
+              <a:t>Website CDN</a:t>
+            </a:r>
+          </a:p>
+          <a:p>
+            <a:r>
+              <a:rPr lang="it-IT" sz="2000" dirty="0">
+                <a:solidFill>
+                  <a:srgbClr val="002060"/>
+                </a:solidFill>
+                <a:latin typeface="Calibri" panose="020F0502020204030204" pitchFamily="34" charset="0"/>
+              </a:rPr>
+              <a:t>API Gateway</a:t>
+            </a:r>
+          </a:p>
+        </p:txBody>
+      </p:sp>
+      <p:sp>
+        <p:nvSpPr>
+          <p:cNvPr id="3" name="Rettangolo 2">
+            <a:extLst>
+              <a:ext uri="{FF2B5EF4-FFF2-40B4-BE49-F238E27FC236}">
+                <a16:creationId xmlns:a16="http://schemas.microsoft.com/office/drawing/2014/main" id="{2F830400-6D7B-7466-03C5-B74B5B8E23C2}"/>
+              </a:ext>
+            </a:extLst>
+          </p:cNvPr>
+          <p:cNvSpPr/>
+          <p:nvPr/>
+        </p:nvSpPr>
+        <p:spPr>
+          <a:xfrm>
+            <a:off x="6805127" y="3334139"/>
+            <a:ext cx="2214465" cy="1268963"/>
+          </a:xfrm>
+          <a:prstGeom prst="rect">
+            <a:avLst/>
+          </a:prstGeom>
+          <a:noFill/>
+          <a:ln w="28575">
+            <a:solidFill>
+              <a:srgbClr val="FF0000"/>
+            </a:solidFill>
+          </a:ln>
+        </p:spPr>
+        <p:style>
+          <a:lnRef idx="2">
+            <a:schemeClr val="accent1">
+              <a:shade val="15000"/>
+            </a:schemeClr>
+          </a:lnRef>
+          <a:fillRef idx="1">
+            <a:schemeClr val="accent1"/>
+          </a:fillRef>
+          <a:effectRef idx="0">
+            <a:schemeClr val="accent1"/>
+          </a:effectRef>
+          <a:fontRef idx="minor">
+            <a:schemeClr val="lt1"/>
+          </a:fontRef>
+        </p:style>
+        <p:txBody>
+          <a:bodyPr rtlCol="0" anchor="ctr"/>
+          <a:lstStyle/>
+          <a:p>
+            <a:pPr algn="ctr"/>
+            <a:endParaRPr lang="it-IT"/>
+          </a:p>
+        </p:txBody>
+      </p:sp>
+      <p:sp>
+        <p:nvSpPr>
+          <p:cNvPr id="4" name="Rettangolo 3">
+            <a:extLst>
+              <a:ext uri="{FF2B5EF4-FFF2-40B4-BE49-F238E27FC236}">
+                <a16:creationId xmlns:a16="http://schemas.microsoft.com/office/drawing/2014/main" id="{E4A0C544-F106-073A-5826-D891868B9B76}"/>
+              </a:ext>
+            </a:extLst>
+          </p:cNvPr>
+          <p:cNvSpPr/>
+          <p:nvPr/>
+        </p:nvSpPr>
+        <p:spPr>
+          <a:xfrm>
+            <a:off x="3918857" y="2653004"/>
+            <a:ext cx="2842727" cy="1048139"/>
+          </a:xfrm>
+          <a:prstGeom prst="rect">
+            <a:avLst/>
+          </a:prstGeom>
+          <a:noFill/>
+          <a:ln w="28575">
+            <a:solidFill>
+              <a:srgbClr val="00B050"/>
+            </a:solidFill>
+          </a:ln>
+        </p:spPr>
+        <p:style>
+          <a:lnRef idx="2">
+            <a:schemeClr val="accent1">
+              <a:shade val="15000"/>
+            </a:schemeClr>
+          </a:lnRef>
+          <a:fillRef idx="1">
+            <a:schemeClr val="accent1"/>
+          </a:fillRef>
+          <a:effectRef idx="0">
+            <a:schemeClr val="accent1"/>
+          </a:effectRef>
+          <a:fontRef idx="minor">
+            <a:schemeClr val="lt1"/>
+          </a:fontRef>
+        </p:style>
+        <p:txBody>
+          <a:bodyPr rtlCol="0" anchor="ctr"/>
+          <a:lstStyle/>
+          <a:p>
+            <a:pPr algn="ctr"/>
+            <a:endParaRPr lang="it-IT">
+              <a:solidFill>
+                <a:srgbClr val="00B050"/>
+              </a:solidFill>
+            </a:endParaRPr>
+          </a:p>
+        </p:txBody>
+      </p:sp>
+      <p:sp>
+        <p:nvSpPr>
+          <p:cNvPr id="6" name="Rettangolo 5">
+            <a:extLst>
+              <a:ext uri="{FF2B5EF4-FFF2-40B4-BE49-F238E27FC236}">
+                <a16:creationId xmlns:a16="http://schemas.microsoft.com/office/drawing/2014/main" id="{2C850109-03C3-3210-5202-2936B4F5639D}"/>
+              </a:ext>
+            </a:extLst>
+          </p:cNvPr>
+          <p:cNvSpPr/>
+          <p:nvPr/>
+        </p:nvSpPr>
+        <p:spPr>
+          <a:xfrm>
+            <a:off x="10378752" y="2653003"/>
+            <a:ext cx="1676400" cy="1657740"/>
+          </a:xfrm>
+          <a:prstGeom prst="rect">
+            <a:avLst/>
+          </a:prstGeom>
+          <a:noFill/>
+          <a:ln w="28575">
+            <a:solidFill>
+              <a:srgbClr val="7030A0"/>
+            </a:solidFill>
+          </a:ln>
+        </p:spPr>
+        <p:style>
+          <a:lnRef idx="2">
+            <a:schemeClr val="accent1">
+              <a:shade val="15000"/>
+            </a:schemeClr>
+          </a:lnRef>
+          <a:fillRef idx="1">
+            <a:schemeClr val="accent1"/>
+          </a:fillRef>
+          <a:effectRef idx="0">
+            <a:schemeClr val="accent1"/>
+          </a:effectRef>
+          <a:fontRef idx="minor">
+            <a:schemeClr val="lt1"/>
+          </a:fontRef>
+        </p:style>
+        <p:txBody>
+          <a:bodyPr rtlCol="0" anchor="ctr"/>
+          <a:lstStyle/>
+          <a:p>
+            <a:pPr algn="ctr"/>
+            <a:endParaRPr lang="it-IT">
+              <a:solidFill>
+                <a:srgbClr val="00B050"/>
+              </a:solidFill>
+            </a:endParaRPr>
+          </a:p>
+        </p:txBody>
+      </p:sp>
+      <p:sp>
+        <p:nvSpPr>
+          <p:cNvPr id="8" name="Rettangolo 7">
+            <a:extLst>
+              <a:ext uri="{FF2B5EF4-FFF2-40B4-BE49-F238E27FC236}">
+                <a16:creationId xmlns:a16="http://schemas.microsoft.com/office/drawing/2014/main" id="{82482F47-72EF-37B0-65CD-D9EB1DD17AED}"/>
+              </a:ext>
+            </a:extLst>
+          </p:cNvPr>
+          <p:cNvSpPr/>
+          <p:nvPr/>
+        </p:nvSpPr>
+        <p:spPr>
+          <a:xfrm>
+            <a:off x="9088016" y="2516478"/>
+            <a:ext cx="1246654" cy="295146"/>
+          </a:xfrm>
+          <a:prstGeom prst="rect">
+            <a:avLst/>
+          </a:prstGeom>
+          <a:noFill/>
+          <a:ln w="28575">
+            <a:solidFill>
+              <a:srgbClr val="00B0F0"/>
+            </a:solidFill>
+          </a:ln>
+        </p:spPr>
+        <p:style>
+          <a:lnRef idx="2">
+            <a:schemeClr val="accent1">
+              <a:shade val="15000"/>
+            </a:schemeClr>
+          </a:lnRef>
+          <a:fillRef idx="1">
+            <a:schemeClr val="accent1"/>
+          </a:fillRef>
+          <a:effectRef idx="0">
+            <a:schemeClr val="accent1"/>
+          </a:effectRef>
+          <a:fontRef idx="minor">
+            <a:schemeClr val="lt1"/>
+          </a:fontRef>
+        </p:style>
+        <p:txBody>
+          <a:bodyPr rtlCol="0" anchor="ctr"/>
+          <a:lstStyle/>
+          <a:p>
+            <a:pPr algn="ctr"/>
+            <a:endParaRPr lang="it-IT">
+              <a:solidFill>
+                <a:srgbClr val="00B050"/>
+              </a:solidFill>
+            </a:endParaRPr>
+          </a:p>
+        </p:txBody>
+      </p:sp>
+      <p:sp>
+        <p:nvSpPr>
+          <p:cNvPr id="10" name="Rettangolo 9">
+            <a:extLst>
+              <a:ext uri="{FF2B5EF4-FFF2-40B4-BE49-F238E27FC236}">
+                <a16:creationId xmlns:a16="http://schemas.microsoft.com/office/drawing/2014/main" id="{58F6847B-B542-3D08-0D94-5A48BEDC0BE4}"/>
+              </a:ext>
+            </a:extLst>
+          </p:cNvPr>
+          <p:cNvSpPr/>
+          <p:nvPr/>
+        </p:nvSpPr>
+        <p:spPr>
+          <a:xfrm>
+            <a:off x="7610668" y="2523021"/>
+            <a:ext cx="1246655" cy="295146"/>
+          </a:xfrm>
+          <a:prstGeom prst="rect">
+            <a:avLst/>
+          </a:prstGeom>
+          <a:noFill/>
+          <a:ln w="28575">
+            <a:solidFill>
+              <a:srgbClr val="FFC000"/>
+            </a:solidFill>
+          </a:ln>
+        </p:spPr>
+        <p:style>
+          <a:lnRef idx="2">
+            <a:schemeClr val="accent1">
+              <a:shade val="15000"/>
+            </a:schemeClr>
+          </a:lnRef>
+          <a:fillRef idx="1">
+            <a:schemeClr val="accent1"/>
+          </a:fillRef>
+          <a:effectRef idx="0">
+            <a:schemeClr val="accent1"/>
+          </a:effectRef>
+          <a:fontRef idx="minor">
+            <a:schemeClr val="lt1"/>
+          </a:fontRef>
+        </p:style>
+        <p:txBody>
+          <a:bodyPr rtlCol="0" anchor="ctr"/>
+          <a:lstStyle/>
+          <a:p>
+            <a:pPr algn="ctr"/>
+            <a:endParaRPr lang="it-IT">
+              <a:solidFill>
+                <a:srgbClr val="00B050"/>
+              </a:solidFill>
+            </a:endParaRPr>
+          </a:p>
+        </p:txBody>
+      </p:sp>
+      <p:sp>
+        <p:nvSpPr>
+          <p:cNvPr id="11" name="Rettangolo 10">
+            <a:extLst>
+              <a:ext uri="{FF2B5EF4-FFF2-40B4-BE49-F238E27FC236}">
+                <a16:creationId xmlns:a16="http://schemas.microsoft.com/office/drawing/2014/main" id="{95E07A1A-573A-97A6-B9A4-AB628C963788}"/>
+              </a:ext>
+            </a:extLst>
+          </p:cNvPr>
+          <p:cNvSpPr/>
+          <p:nvPr/>
+        </p:nvSpPr>
+        <p:spPr>
+          <a:xfrm>
+            <a:off x="3319849" y="5306008"/>
+            <a:ext cx="2396707" cy="1505339"/>
+          </a:xfrm>
+          <a:prstGeom prst="rect">
+            <a:avLst/>
+          </a:prstGeom>
+          <a:noFill/>
+          <a:ln w="28575">
+            <a:solidFill>
+              <a:srgbClr val="C00000"/>
+            </a:solidFill>
+          </a:ln>
+        </p:spPr>
+        <p:style>
+          <a:lnRef idx="2">
+            <a:schemeClr val="accent1">
+              <a:shade val="15000"/>
+            </a:schemeClr>
+          </a:lnRef>
+          <a:fillRef idx="1">
+            <a:schemeClr val="accent1"/>
+          </a:fillRef>
+          <a:effectRef idx="0">
+            <a:schemeClr val="accent1"/>
+          </a:effectRef>
+          <a:fontRef idx="minor">
+            <a:schemeClr val="lt1"/>
+          </a:fontRef>
+        </p:style>
+        <p:txBody>
+          <a:bodyPr rtlCol="0" anchor="ctr"/>
+          <a:lstStyle/>
+          <a:p>
+            <a:pPr algn="ctr"/>
+            <a:endParaRPr lang="it-IT">
+              <a:solidFill>
+                <a:srgbClr val="00B050"/>
+              </a:solidFill>
+            </a:endParaRPr>
+          </a:p>
+        </p:txBody>
+      </p:sp>
+      <p:sp>
+        <p:nvSpPr>
+          <p:cNvPr id="12" name="Rettangolo 11">
+            <a:extLst>
+              <a:ext uri="{FF2B5EF4-FFF2-40B4-BE49-F238E27FC236}">
+                <a16:creationId xmlns:a16="http://schemas.microsoft.com/office/drawing/2014/main" id="{0531E32E-57AD-015C-AE26-0F1940EE59D4}"/>
+              </a:ext>
+            </a:extLst>
+          </p:cNvPr>
+          <p:cNvSpPr/>
+          <p:nvPr/>
+        </p:nvSpPr>
+        <p:spPr>
+          <a:xfrm>
+            <a:off x="6397689" y="1246414"/>
+            <a:ext cx="799323" cy="290028"/>
+          </a:xfrm>
+          <a:prstGeom prst="rect">
+            <a:avLst/>
+          </a:prstGeom>
+          <a:noFill/>
+          <a:ln w="28575">
+            <a:solidFill>
+              <a:srgbClr val="002060"/>
+            </a:solidFill>
+          </a:ln>
+        </p:spPr>
+        <p:style>
+          <a:lnRef idx="2">
+            <a:schemeClr val="accent1">
+              <a:shade val="15000"/>
+            </a:schemeClr>
+          </a:lnRef>
+          <a:fillRef idx="1">
+            <a:schemeClr val="accent1"/>
+          </a:fillRef>
+          <a:effectRef idx="0">
+            <a:schemeClr val="accent1"/>
+          </a:effectRef>
+          <a:fontRef idx="minor">
+            <a:schemeClr val="lt1"/>
+          </a:fontRef>
+        </p:style>
+        <p:txBody>
+          <a:bodyPr rtlCol="0" anchor="ctr"/>
+          <a:lstStyle/>
+          <a:p>
+            <a:pPr algn="ctr"/>
+            <a:endParaRPr lang="it-IT">
+              <a:solidFill>
+                <a:srgbClr val="00B050"/>
+              </a:solidFill>
+            </a:endParaRPr>
+          </a:p>
+        </p:txBody>
+      </p:sp>
+    </p:spTree>
+    <p:extLst>
+      <p:ext uri="{BB962C8B-B14F-4D97-AF65-F5344CB8AC3E}">
+        <p14:creationId xmlns:p14="http://schemas.microsoft.com/office/powerpoint/2010/main" val="1043817261"/>
+      </p:ext>
+    </p:extLst>
+  </p:cSld>
+  <p:clrMapOvr>
+    <a:masterClrMapping/>
+  </p:clrMapOvr>
+</p:sld>
+</file>
+
+<file path=ppt/slides/slide16.xml><?xml version="1.0" encoding="utf-8"?>
+<p:sld xmlns:a="http://schemas.openxmlformats.org/drawingml/2006/main" xmlns:r="http://schemas.openxmlformats.org/officeDocument/2006/relationships" xmlns:p="http://schemas.openxmlformats.org/presentationml/2006/main">
+  <p:cSld>
+    <p:spTree>
+      <p:nvGrpSpPr>
+        <p:cNvPr id="1" name=""/>
+        <p:cNvGrpSpPr/>
+        <p:nvPr/>
+      </p:nvGrpSpPr>
+      <p:grpSpPr>
+        <a:xfrm>
+          <a:off x="0" y="0"/>
+          <a:ext cx="0" cy="0"/>
+          <a:chOff x="0" y="0"/>
+          <a:chExt cx="0" cy="0"/>
+        </a:xfrm>
+      </p:grpSpPr>
+      <p:sp>
+        <p:nvSpPr>
+          <p:cNvPr id="2" name="Titolo 1">
+            <a:extLst>
+              <a:ext uri="{FF2B5EF4-FFF2-40B4-BE49-F238E27FC236}">
+                <a16:creationId xmlns:a16="http://schemas.microsoft.com/office/drawing/2014/main" id="{2F0F54F1-30A2-8CB0-FB41-D453BFB68609}"/>
+              </a:ext>
+            </a:extLst>
+          </p:cNvPr>
+          <p:cNvSpPr>
+            <a:spLocks noGrp="1"/>
+          </p:cNvSpPr>
+          <p:nvPr>
+            <p:ph type="title"/>
+          </p:nvPr>
+        </p:nvSpPr>
+        <p:spPr>
+          <a:xfrm>
+            <a:off x="0" y="0"/>
+            <a:ext cx="3588026" cy="801575"/>
+          </a:xfrm>
+        </p:spPr>
+        <p:txBody>
+          <a:bodyPr>
+            <a:normAutofit/>
+          </a:bodyPr>
+          <a:lstStyle/>
+          <a:p>
+            <a:r>
+              <a:rPr lang="it-IT" sz="2800" dirty="0"/>
+              <a:t>Component </a:t>
+            </a:r>
+            <a:r>
+              <a:rPr lang="it-IT" sz="2800" dirty="0" err="1"/>
+              <a:t>View</a:t>
+            </a:r>
+            <a:r>
+              <a:rPr lang="it-IT" sz="2800" dirty="0"/>
+              <a:t> (3/3)</a:t>
+            </a:r>
+          </a:p>
+        </p:txBody>
+      </p:sp>
+      <p:sp>
+        <p:nvSpPr>
+          <p:cNvPr id="5" name="Segnaposto numero diapositiva 4">
+            <a:extLst>
+              <a:ext uri="{FF2B5EF4-FFF2-40B4-BE49-F238E27FC236}">
+                <a16:creationId xmlns:a16="http://schemas.microsoft.com/office/drawing/2014/main" id="{79AF0F05-DA26-47DA-F61A-771A61AB86B8}"/>
+              </a:ext>
+            </a:extLst>
+          </p:cNvPr>
+          <p:cNvSpPr>
+            <a:spLocks noGrp="1"/>
+          </p:cNvSpPr>
+          <p:nvPr>
+            <p:ph type="sldNum" sz="quarter" idx="12"/>
+          </p:nvPr>
+        </p:nvSpPr>
+        <p:spPr/>
+        <p:txBody>
+          <a:bodyPr/>
+          <a:lstStyle/>
+          <a:p>
+            <a:fld id="{9732ED0D-4952-4698-A180-3B5BCDA8B725}" type="slidenum">
+              <a:rPr lang="it-IT" smtClean="0"/>
+              <a:t>16</a:t>
+            </a:fld>
+            <a:endParaRPr lang="it-IT"/>
+          </a:p>
+        </p:txBody>
+      </p:sp>
+      <p:pic>
+        <p:nvPicPr>
+          <p:cNvPr id="7" name="Elemento grafico 6">
+            <a:extLst>
+              <a:ext uri="{FF2B5EF4-FFF2-40B4-BE49-F238E27FC236}">
+                <a16:creationId xmlns:a16="http://schemas.microsoft.com/office/drawing/2014/main" id="{DEA0C523-6563-336B-2F02-FB959541BFAA}"/>
+              </a:ext>
+            </a:extLst>
+          </p:cNvPr>
+          <p:cNvPicPr>
+            <a:picLocks noChangeAspect="1"/>
+          </p:cNvPicPr>
+          <p:nvPr/>
+        </p:nvPicPr>
+        <p:blipFill>
+          <a:blip r:embed="rId3">
+            <a:extLst>
+              <a:ext uri="{28A0092B-C50C-407E-A947-70E740481C1C}">
+                <a14:useLocalDpi xmlns:a14="http://schemas.microsoft.com/office/drawing/2010/main" val="0"/>
+              </a:ext>
+              <a:ext uri="{96DAC541-7B7A-43D3-8B79-37D633B846F1}">
+                <asvg:svgBlip xmlns:asvg="http://schemas.microsoft.com/office/drawing/2016/SVG/main" r:embed="rId4"/>
+              </a:ext>
+            </a:extLst>
+          </a:blip>
+          <a:stretch>
+            <a:fillRect/>
+          </a:stretch>
+        </p:blipFill>
+        <p:spPr>
+          <a:xfrm>
+            <a:off x="3227083" y="0"/>
+            <a:ext cx="8872151" cy="6858000"/>
+          </a:xfrm>
+          <a:prstGeom prst="rect">
+            <a:avLst/>
+          </a:prstGeom>
+        </p:spPr>
+      </p:pic>
+      <p:sp>
+        <p:nvSpPr>
+          <p:cNvPr id="9" name="Segnaposto contenuto 2">
+            <a:extLst>
+              <a:ext uri="{FF2B5EF4-FFF2-40B4-BE49-F238E27FC236}">
+                <a16:creationId xmlns:a16="http://schemas.microsoft.com/office/drawing/2014/main" id="{5234673D-8CC9-F92A-BD8C-747143392887}"/>
+              </a:ext>
+            </a:extLst>
+          </p:cNvPr>
+          <p:cNvSpPr>
+            <a:spLocks noGrp="1"/>
+          </p:cNvSpPr>
+          <p:nvPr>
+            <p:ph idx="1"/>
+          </p:nvPr>
+        </p:nvSpPr>
+        <p:spPr>
+          <a:xfrm>
+            <a:off x="0" y="801575"/>
+            <a:ext cx="3227083" cy="5380149"/>
+          </a:xfrm>
+        </p:spPr>
+        <p:txBody>
+          <a:bodyPr>
+            <a:noAutofit/>
+          </a:bodyPr>
+          <a:lstStyle/>
+          <a:p>
+            <a:r>
+              <a:rPr lang="it-IT" sz="2000" b="1" dirty="0">
+                <a:latin typeface="Calibri" panose="020F0502020204030204" pitchFamily="34" charset="0"/>
+              </a:rPr>
+              <a:t>Users </a:t>
+            </a:r>
+            <a:r>
+              <a:rPr lang="it-IT" sz="2000" b="1" dirty="0" err="1">
+                <a:latin typeface="Calibri" panose="020F0502020204030204" pitchFamily="34" charset="0"/>
+              </a:rPr>
+              <a:t>interact</a:t>
+            </a:r>
+            <a:r>
+              <a:rPr lang="it-IT" sz="2000" b="1" dirty="0">
+                <a:latin typeface="Calibri" panose="020F0502020204030204" pitchFamily="34" charset="0"/>
+              </a:rPr>
+              <a:t> with the</a:t>
+            </a:r>
+            <a:br>
+              <a:rPr lang="it-IT" sz="2000" b="1" dirty="0">
+                <a:latin typeface="Calibri" panose="020F0502020204030204" pitchFamily="34" charset="0"/>
+              </a:rPr>
+            </a:br>
+            <a:r>
+              <a:rPr lang="it-IT" sz="2000" b="1" dirty="0">
+                <a:latin typeface="Calibri" panose="020F0502020204030204" pitchFamily="34" charset="0"/>
+              </a:rPr>
+              <a:t>system with SPA</a:t>
+            </a:r>
+            <a:br>
+              <a:rPr lang="it-IT" sz="2000" b="1" dirty="0">
+                <a:latin typeface="Calibri" panose="020F0502020204030204" pitchFamily="34" charset="0"/>
+              </a:rPr>
+            </a:br>
+            <a:r>
+              <a:rPr lang="it-IT" sz="2000" dirty="0">
+                <a:latin typeface="Calibri" panose="020F0502020204030204" pitchFamily="34" charset="0"/>
+              </a:rPr>
+              <a:t>(single page app)</a:t>
+            </a:r>
+          </a:p>
+          <a:p>
+            <a:r>
+              <a:rPr lang="it-IT" sz="2000" b="1" dirty="0">
+                <a:latin typeface="Calibri" panose="020F0502020204030204" pitchFamily="34" charset="0"/>
+              </a:rPr>
+              <a:t>SPA </a:t>
+            </a:r>
+            <a:r>
+              <a:rPr lang="it-IT" sz="2000" b="1" dirty="0" err="1">
+                <a:latin typeface="Calibri" panose="020F0502020204030204" pitchFamily="34" charset="0"/>
+              </a:rPr>
+              <a:t>served</a:t>
+            </a:r>
+            <a:r>
+              <a:rPr lang="it-IT" sz="2000" b="1" dirty="0">
+                <a:latin typeface="Calibri" panose="020F0502020204030204" pitchFamily="34" charset="0"/>
+              </a:rPr>
+              <a:t> by CDN</a:t>
+            </a:r>
+            <a:br>
+              <a:rPr lang="it-IT" sz="2000" b="1" dirty="0">
+                <a:latin typeface="Calibri" panose="020F0502020204030204" pitchFamily="34" charset="0"/>
+              </a:rPr>
+            </a:br>
+            <a:r>
+              <a:rPr lang="it-IT" sz="2000" dirty="0">
+                <a:latin typeface="Calibri" panose="020F0502020204030204" pitchFamily="34" charset="0"/>
+              </a:rPr>
+              <a:t>(</a:t>
+            </a:r>
+            <a:r>
+              <a:rPr lang="it-IT" sz="2000" dirty="0" err="1">
+                <a:latin typeface="Calibri" panose="020F0502020204030204" pitchFamily="34" charset="0"/>
+              </a:rPr>
+              <a:t>content</a:t>
+            </a:r>
+            <a:r>
+              <a:rPr lang="it-IT" sz="2000" dirty="0">
+                <a:latin typeface="Calibri" panose="020F0502020204030204" pitchFamily="34" charset="0"/>
+              </a:rPr>
+              <a:t> delivery network)</a:t>
+            </a:r>
+          </a:p>
+          <a:p>
+            <a:r>
+              <a:rPr lang="it-IT" sz="2000" b="1" dirty="0" err="1">
+                <a:latin typeface="Calibri" panose="020F0502020204030204" pitchFamily="34" charset="0"/>
+              </a:rPr>
+              <a:t>Asynchronous</a:t>
+            </a:r>
+            <a:r>
+              <a:rPr lang="it-IT" sz="2000" b="1" dirty="0">
+                <a:latin typeface="Calibri" panose="020F0502020204030204" pitchFamily="34" charset="0"/>
+              </a:rPr>
+              <a:t> </a:t>
+            </a:r>
+            <a:br>
+              <a:rPr lang="it-IT" sz="2000" b="1" dirty="0">
+                <a:latin typeface="Calibri" panose="020F0502020204030204" pitchFamily="34" charset="0"/>
+              </a:rPr>
+            </a:br>
+            <a:r>
+              <a:rPr lang="it-IT" sz="2000" b="1" dirty="0" err="1">
+                <a:latin typeface="Calibri" panose="020F0502020204030204" pitchFamily="34" charset="0"/>
+              </a:rPr>
+              <a:t>Communication</a:t>
+            </a:r>
+            <a:r>
+              <a:rPr lang="it-IT" sz="2000" b="1" dirty="0">
+                <a:latin typeface="Calibri" panose="020F0502020204030204" pitchFamily="34" charset="0"/>
+              </a:rPr>
+              <a:t> </a:t>
+            </a:r>
+            <a:br>
+              <a:rPr lang="it-IT" sz="2000" dirty="0">
+                <a:latin typeface="Calibri" panose="020F0502020204030204" pitchFamily="34" charset="0"/>
+              </a:rPr>
+            </a:br>
+            <a:r>
+              <a:rPr lang="it-IT" sz="2000" dirty="0">
+                <a:latin typeface="Calibri" panose="020F0502020204030204" pitchFamily="34" charset="0"/>
+              </a:rPr>
+              <a:t>by </a:t>
+            </a:r>
+            <a:r>
+              <a:rPr lang="it-IT" sz="2000" dirty="0" err="1">
+                <a:latin typeface="Calibri" panose="020F0502020204030204" pitchFamily="34" charset="0"/>
+              </a:rPr>
+              <a:t>using</a:t>
+            </a:r>
+            <a:r>
+              <a:rPr lang="it-IT" sz="2000" dirty="0">
+                <a:latin typeface="Calibri" panose="020F0502020204030204" pitchFamily="34" charset="0"/>
+              </a:rPr>
+              <a:t> </a:t>
+            </a:r>
+            <a:r>
+              <a:rPr lang="it-IT" sz="2000" dirty="0" err="1">
+                <a:latin typeface="Calibri" panose="020F0502020204030204" pitchFamily="34" charset="0"/>
+              </a:rPr>
+              <a:t>queue</a:t>
+            </a:r>
+            <a:r>
+              <a:rPr lang="it-IT" sz="2000" dirty="0">
+                <a:latin typeface="Calibri" panose="020F0502020204030204" pitchFamily="34" charset="0"/>
+              </a:rPr>
+              <a:t> </a:t>
+            </a:r>
+            <a:br>
+              <a:rPr lang="it-IT" sz="2000" dirty="0">
+                <a:latin typeface="Calibri" panose="020F0502020204030204" pitchFamily="34" charset="0"/>
+              </a:rPr>
+            </a:br>
+            <a:r>
+              <a:rPr lang="it-IT" sz="2000" dirty="0">
+                <a:latin typeface="Calibri" panose="020F0502020204030204" pitchFamily="34" charset="0"/>
+              </a:rPr>
+              <a:t>(</a:t>
+            </a:r>
+            <a:r>
+              <a:rPr lang="it-IT" sz="2000" dirty="0" err="1">
+                <a:latin typeface="Calibri" panose="020F0502020204030204" pitchFamily="34" charset="0"/>
+              </a:rPr>
+              <a:t>notification</a:t>
+            </a:r>
+            <a:r>
+              <a:rPr lang="it-IT" sz="2000" dirty="0">
+                <a:latin typeface="Calibri" panose="020F0502020204030204" pitchFamily="34" charset="0"/>
+              </a:rPr>
+              <a:t>, </a:t>
+            </a:r>
+            <a:r>
+              <a:rPr lang="it-IT" sz="2000" dirty="0" err="1">
+                <a:latin typeface="Calibri" panose="020F0502020204030204" pitchFamily="34" charset="0"/>
+              </a:rPr>
+              <a:t>sonarcloud</a:t>
+            </a:r>
+            <a:r>
+              <a:rPr lang="it-IT" sz="2000" dirty="0">
+                <a:latin typeface="Calibri" panose="020F0502020204030204" pitchFamily="34" charset="0"/>
+              </a:rPr>
+              <a:t>,</a:t>
+            </a:r>
+            <a:br>
+              <a:rPr lang="it-IT" sz="2000" dirty="0">
+                <a:latin typeface="Calibri" panose="020F0502020204030204" pitchFamily="34" charset="0"/>
+              </a:rPr>
+            </a:br>
+            <a:r>
+              <a:rPr lang="it-IT" sz="2000" dirty="0">
+                <a:latin typeface="Calibri" panose="020F0502020204030204" pitchFamily="34" charset="0"/>
+              </a:rPr>
+              <a:t>build and test service)</a:t>
+            </a:r>
+          </a:p>
+          <a:p>
+            <a:pPr marL="0" indent="0">
+              <a:buNone/>
+            </a:pPr>
+            <a:endParaRPr lang="it-IT" sz="2000" dirty="0">
+              <a:latin typeface="Calibri" panose="020F0502020204030204" pitchFamily="34" charset="0"/>
+            </a:endParaRPr>
+          </a:p>
+        </p:txBody>
+      </p:sp>
+    </p:spTree>
+    <p:extLst>
+      <p:ext uri="{BB962C8B-B14F-4D97-AF65-F5344CB8AC3E}">
+        <p14:creationId xmlns:p14="http://schemas.microsoft.com/office/powerpoint/2010/main" val="3220636949"/>
+      </p:ext>
+    </p:extLst>
+  </p:cSld>
+  <p:clrMapOvr>
+    <a:masterClrMapping/>
+  </p:clrMapOvr>
+</p:sld>
+</file>
+
+<file path=ppt/slides/slide17.xml><?xml version="1.0" encoding="utf-8"?>
+<p:sld xmlns:a="http://schemas.openxmlformats.org/drawingml/2006/main" xmlns:r="http://schemas.openxmlformats.org/officeDocument/2006/relationships" xmlns:p="http://schemas.openxmlformats.org/presentationml/2006/main">
+  <p:cSld>
+    <p:spTree>
+      <p:nvGrpSpPr>
+        <p:cNvPr id="1" name=""/>
+        <p:cNvGrpSpPr/>
+        <p:nvPr/>
+      </p:nvGrpSpPr>
+      <p:grpSpPr>
+        <a:xfrm>
+          <a:off x="0" y="0"/>
+          <a:ext cx="0" cy="0"/>
+          <a:chOff x="0" y="0"/>
+          <a:chExt cx="0" cy="0"/>
+        </a:xfrm>
+      </p:grpSpPr>
+      <p:sp>
+        <p:nvSpPr>
+          <p:cNvPr id="2" name="Titolo 1">
+            <a:extLst>
+              <a:ext uri="{FF2B5EF4-FFF2-40B4-BE49-F238E27FC236}">
+                <a16:creationId xmlns:a16="http://schemas.microsoft.com/office/drawing/2014/main" id="{2F0F54F1-30A2-8CB0-FB41-D453BFB68609}"/>
+              </a:ext>
+            </a:extLst>
+          </p:cNvPr>
+          <p:cNvSpPr>
+            <a:spLocks noGrp="1"/>
+          </p:cNvSpPr>
+          <p:nvPr>
+            <p:ph type="title"/>
+          </p:nvPr>
+        </p:nvSpPr>
+        <p:spPr>
+          <a:xfrm>
+            <a:off x="514351" y="66675"/>
+            <a:ext cx="11306174" cy="801575"/>
+          </a:xfrm>
+        </p:spPr>
+        <p:txBody>
+          <a:bodyPr>
+            <a:normAutofit/>
+          </a:bodyPr>
+          <a:lstStyle/>
+          <a:p>
+            <a:r>
+              <a:rPr lang="it-IT" dirty="0" err="1"/>
+              <a:t>Important</a:t>
+            </a:r>
+            <a:r>
+              <a:rPr lang="it-IT" dirty="0"/>
+              <a:t> Component and </a:t>
+            </a:r>
+            <a:r>
+              <a:rPr lang="it-IT" dirty="0" err="1"/>
+              <a:t>Interfaces</a:t>
+            </a:r>
+            <a:r>
+              <a:rPr lang="it-IT" dirty="0"/>
+              <a:t> (1/5)</a:t>
+            </a:r>
+          </a:p>
+        </p:txBody>
+      </p:sp>
+      <p:sp>
+        <p:nvSpPr>
+          <p:cNvPr id="5" name="Segnaposto numero diapositiva 4">
+            <a:extLst>
+              <a:ext uri="{FF2B5EF4-FFF2-40B4-BE49-F238E27FC236}">
+                <a16:creationId xmlns:a16="http://schemas.microsoft.com/office/drawing/2014/main" id="{79AF0F05-DA26-47DA-F61A-771A61AB86B8}"/>
+              </a:ext>
+            </a:extLst>
+          </p:cNvPr>
+          <p:cNvSpPr>
+            <a:spLocks noGrp="1"/>
+          </p:cNvSpPr>
+          <p:nvPr>
+            <p:ph type="sldNum" sz="quarter" idx="12"/>
+          </p:nvPr>
+        </p:nvSpPr>
+        <p:spPr/>
+        <p:txBody>
+          <a:bodyPr/>
+          <a:lstStyle/>
+          <a:p>
+            <a:fld id="{9732ED0D-4952-4698-A180-3B5BCDA8B725}" type="slidenum">
+              <a:rPr lang="it-IT" smtClean="0"/>
+              <a:t>17</a:t>
+            </a:fld>
+            <a:endParaRPr lang="it-IT"/>
+          </a:p>
+        </p:txBody>
+      </p:sp>
+      <p:sp>
+        <p:nvSpPr>
+          <p:cNvPr id="6" name="CasellaDiTesto 5">
+            <a:extLst>
+              <a:ext uri="{FF2B5EF4-FFF2-40B4-BE49-F238E27FC236}">
+                <a16:creationId xmlns:a16="http://schemas.microsoft.com/office/drawing/2014/main" id="{1AED6BF5-E0DA-74F8-02CC-AD7F3CB20073}"/>
+              </a:ext>
+            </a:extLst>
+          </p:cNvPr>
+          <p:cNvSpPr txBox="1"/>
+          <p:nvPr/>
+        </p:nvSpPr>
+        <p:spPr>
+          <a:xfrm>
+            <a:off x="514351" y="681245"/>
+            <a:ext cx="10711368" cy="646331"/>
+          </a:xfrm>
+          <a:prstGeom prst="rect">
+            <a:avLst/>
+          </a:prstGeom>
+          <a:noFill/>
+        </p:spPr>
+        <p:txBody>
+          <a:bodyPr wrap="square">
+            <a:spAutoFit/>
+          </a:bodyPr>
+          <a:lstStyle/>
+          <a:p>
+            <a:r>
+              <a:rPr lang="en-US" dirty="0"/>
+              <a:t>We will consider only some of the most important interaction and architectural styles that we decided to implement in the system</a:t>
+            </a:r>
+            <a:endParaRPr lang="it-IT" dirty="0"/>
+          </a:p>
+        </p:txBody>
+      </p:sp>
+      <p:sp>
+        <p:nvSpPr>
+          <p:cNvPr id="7" name="Titolo 1">
+            <a:extLst>
+              <a:ext uri="{FF2B5EF4-FFF2-40B4-BE49-F238E27FC236}">
+                <a16:creationId xmlns:a16="http://schemas.microsoft.com/office/drawing/2014/main" id="{96476321-981C-B9DE-AF5D-950245CBF5B7}"/>
+              </a:ext>
+            </a:extLst>
+          </p:cNvPr>
+          <p:cNvSpPr txBox="1">
+            <a:spLocks/>
+          </p:cNvSpPr>
+          <p:nvPr/>
+        </p:nvSpPr>
+        <p:spPr>
+          <a:xfrm>
+            <a:off x="514351" y="1791168"/>
+            <a:ext cx="11306174" cy="801575"/>
+          </a:xfrm>
+          <a:prstGeom prst="rect">
+            <a:avLst/>
+          </a:prstGeom>
+        </p:spPr>
+        <p:txBody>
+          <a:bodyPr vert="horz" lIns="91440" tIns="45720" rIns="91440" bIns="45720" rtlCol="0" anchor="ctr">
+            <a:normAutofit/>
+          </a:bodyPr>
+          <a:lstStyle>
+            <a:lvl1pPr algn="l" defTabSz="914400" rtl="0" eaLnBrk="1" latinLnBrk="0" hangingPunct="1">
+              <a:lnSpc>
+                <a:spcPct val="90000"/>
+              </a:lnSpc>
+              <a:spcBef>
+                <a:spcPct val="0"/>
+              </a:spcBef>
+              <a:buNone/>
+              <a:defRPr sz="4400" kern="1200">
+                <a:solidFill>
+                  <a:schemeClr val="tx1"/>
+                </a:solidFill>
+                <a:latin typeface="+mj-lt"/>
+                <a:ea typeface="+mj-ea"/>
+                <a:cs typeface="+mj-cs"/>
+              </a:defRPr>
+            </a:lvl1pPr>
+          </a:lstStyle>
+          <a:p>
+            <a:pPr marL="457200" indent="-457200">
+              <a:buFont typeface="Arial" panose="020B0604020202020204" pitchFamily="34" charset="0"/>
+              <a:buChar char="•"/>
+            </a:pPr>
+            <a:r>
+              <a:rPr lang="it-IT" sz="3500" b="1" dirty="0"/>
+              <a:t>API Gateway</a:t>
+            </a:r>
+          </a:p>
+        </p:txBody>
+      </p:sp>
+      <p:sp>
+        <p:nvSpPr>
+          <p:cNvPr id="9" name="CasellaDiTesto 8">
+            <a:extLst>
+              <a:ext uri="{FF2B5EF4-FFF2-40B4-BE49-F238E27FC236}">
+                <a16:creationId xmlns:a16="http://schemas.microsoft.com/office/drawing/2014/main" id="{1C172D3A-096F-4FBF-56F4-8DF5D2111361}"/>
+              </a:ext>
+            </a:extLst>
+          </p:cNvPr>
+          <p:cNvSpPr txBox="1"/>
+          <p:nvPr/>
+        </p:nvSpPr>
+        <p:spPr>
+          <a:xfrm>
+            <a:off x="966281" y="2410004"/>
+            <a:ext cx="10711368" cy="707886"/>
+          </a:xfrm>
+          <a:prstGeom prst="rect">
+            <a:avLst/>
+          </a:prstGeom>
+          <a:noFill/>
+        </p:spPr>
+        <p:txBody>
+          <a:bodyPr wrap="square">
+            <a:spAutoFit/>
+          </a:bodyPr>
+          <a:lstStyle/>
+          <a:p>
+            <a:r>
+              <a:rPr lang="en-US" sz="2000" dirty="0"/>
+              <a:t>Implemented by </a:t>
+            </a:r>
+            <a:r>
+              <a:rPr lang="it-IT" sz="2000" b="1" dirty="0"/>
+              <a:t>Spring Cloud Gateway build </a:t>
+            </a:r>
+            <a:r>
+              <a:rPr lang="it-IT" sz="2000" dirty="0"/>
+              <a:t>on top of </a:t>
+            </a:r>
+            <a:r>
+              <a:rPr lang="it-IT" sz="2000" b="1" dirty="0" err="1"/>
+              <a:t>Reactor</a:t>
+            </a:r>
+            <a:r>
+              <a:rPr lang="it-IT" sz="2000" b="1" dirty="0"/>
+              <a:t> project</a:t>
+            </a:r>
+            <a:br>
+              <a:rPr lang="it-IT" sz="2000" b="1" dirty="0"/>
+            </a:br>
+            <a:endParaRPr lang="it-IT" sz="2000" b="1" dirty="0"/>
+          </a:p>
+        </p:txBody>
+      </p:sp>
+      <p:cxnSp>
+        <p:nvCxnSpPr>
+          <p:cNvPr id="14" name="Connettore 2 13">
+            <a:extLst>
+              <a:ext uri="{FF2B5EF4-FFF2-40B4-BE49-F238E27FC236}">
+                <a16:creationId xmlns:a16="http://schemas.microsoft.com/office/drawing/2014/main" id="{06F09F8C-A954-98F7-0116-943DCD98C333}"/>
+              </a:ext>
+            </a:extLst>
+          </p:cNvPr>
+          <p:cNvCxnSpPr/>
+          <p:nvPr/>
+        </p:nvCxnSpPr>
+        <p:spPr>
+          <a:xfrm flipH="1">
+            <a:off x="3001496" y="2892446"/>
+            <a:ext cx="2071992" cy="1089498"/>
+          </a:xfrm>
+          <a:prstGeom prst="straightConnector1">
+            <a:avLst/>
+          </a:prstGeom>
+          <a:ln>
+            <a:tailEnd type="triangle"/>
+          </a:ln>
+        </p:spPr>
+        <p:style>
+          <a:lnRef idx="2">
+            <a:schemeClr val="dk1"/>
+          </a:lnRef>
+          <a:fillRef idx="0">
+            <a:schemeClr val="dk1"/>
+          </a:fillRef>
+          <a:effectRef idx="1">
+            <a:schemeClr val="dk1"/>
+          </a:effectRef>
+          <a:fontRef idx="minor">
+            <a:schemeClr val="tx1"/>
+          </a:fontRef>
+        </p:style>
+      </p:cxnSp>
+      <p:sp>
+        <p:nvSpPr>
+          <p:cNvPr id="16" name="CasellaDiTesto 15">
+            <a:extLst>
+              <a:ext uri="{FF2B5EF4-FFF2-40B4-BE49-F238E27FC236}">
+                <a16:creationId xmlns:a16="http://schemas.microsoft.com/office/drawing/2014/main" id="{738424F7-A492-2675-DEDE-755DDFFB76D9}"/>
+              </a:ext>
+            </a:extLst>
+          </p:cNvPr>
+          <p:cNvSpPr txBox="1"/>
+          <p:nvPr/>
+        </p:nvSpPr>
+        <p:spPr>
+          <a:xfrm>
+            <a:off x="3084951" y="3142624"/>
+            <a:ext cx="6094378" cy="400110"/>
+          </a:xfrm>
+          <a:prstGeom prst="rect">
+            <a:avLst/>
+          </a:prstGeom>
+          <a:noFill/>
+        </p:spPr>
+        <p:txBody>
+          <a:bodyPr wrap="square">
+            <a:spAutoFit/>
+          </a:bodyPr>
+          <a:lstStyle/>
+          <a:p>
+            <a:r>
+              <a:rPr lang="it-IT" sz="2000" i="1" dirty="0" err="1"/>
+              <a:t>allow</a:t>
+            </a:r>
+            <a:r>
+              <a:rPr lang="it-IT" sz="2000" i="1" dirty="0"/>
+              <a:t> </a:t>
+            </a:r>
+            <a:r>
+              <a:rPr lang="en-US" sz="2000" i="1" dirty="0"/>
+              <a:t>to </a:t>
+            </a:r>
+            <a:endParaRPr lang="it-IT" sz="2000" i="1" dirty="0"/>
+          </a:p>
+        </p:txBody>
+      </p:sp>
+      <p:sp>
+        <p:nvSpPr>
+          <p:cNvPr id="18" name="CasellaDiTesto 17">
+            <a:extLst>
+              <a:ext uri="{FF2B5EF4-FFF2-40B4-BE49-F238E27FC236}">
+                <a16:creationId xmlns:a16="http://schemas.microsoft.com/office/drawing/2014/main" id="{415B4F16-DE53-E60D-A5FC-C9B8B55B2429}"/>
+              </a:ext>
+            </a:extLst>
+          </p:cNvPr>
+          <p:cNvSpPr txBox="1"/>
+          <p:nvPr/>
+        </p:nvSpPr>
+        <p:spPr>
+          <a:xfrm>
+            <a:off x="1630666" y="4007769"/>
+            <a:ext cx="6094378" cy="400110"/>
+          </a:xfrm>
+          <a:prstGeom prst="rect">
+            <a:avLst/>
+          </a:prstGeom>
+          <a:noFill/>
+        </p:spPr>
+        <p:txBody>
+          <a:bodyPr wrap="square">
+            <a:spAutoFit/>
+          </a:bodyPr>
+          <a:lstStyle/>
+          <a:p>
+            <a:r>
+              <a:rPr lang="en-US" sz="2000" dirty="0"/>
+              <a:t>handle </a:t>
+            </a:r>
+            <a:r>
+              <a:rPr lang="en-US" sz="2000" b="1" dirty="0"/>
+              <a:t>High Traffic </a:t>
+            </a:r>
+            <a:endParaRPr lang="it-IT" sz="2000" b="1" dirty="0"/>
+          </a:p>
+        </p:txBody>
+      </p:sp>
+      <p:sp>
+        <p:nvSpPr>
+          <p:cNvPr id="20" name="CasellaDiTesto 19">
+            <a:extLst>
+              <a:ext uri="{FF2B5EF4-FFF2-40B4-BE49-F238E27FC236}">
+                <a16:creationId xmlns:a16="http://schemas.microsoft.com/office/drawing/2014/main" id="{7D3D8D3B-6020-EA01-361B-D475BAC2B1FC}"/>
+              </a:ext>
+            </a:extLst>
+          </p:cNvPr>
+          <p:cNvSpPr txBox="1"/>
+          <p:nvPr/>
+        </p:nvSpPr>
+        <p:spPr>
+          <a:xfrm>
+            <a:off x="6167438" y="3131062"/>
+            <a:ext cx="6094378" cy="400110"/>
+          </a:xfrm>
+          <a:prstGeom prst="rect">
+            <a:avLst/>
+          </a:prstGeom>
+          <a:noFill/>
+        </p:spPr>
+        <p:txBody>
+          <a:bodyPr wrap="square">
+            <a:spAutoFit/>
+          </a:bodyPr>
+          <a:lstStyle/>
+          <a:p>
+            <a:r>
+              <a:rPr lang="en-US" sz="2000" i="1" dirty="0"/>
+              <a:t>and scale </a:t>
+            </a:r>
+            <a:endParaRPr lang="it-IT" sz="2000" i="1" dirty="0"/>
+          </a:p>
+        </p:txBody>
+      </p:sp>
+      <p:sp>
+        <p:nvSpPr>
+          <p:cNvPr id="22" name="CasellaDiTesto 21">
+            <a:extLst>
+              <a:ext uri="{FF2B5EF4-FFF2-40B4-BE49-F238E27FC236}">
+                <a16:creationId xmlns:a16="http://schemas.microsoft.com/office/drawing/2014/main" id="{1745C9C5-9268-E9A7-7260-EFBDFE663D12}"/>
+              </a:ext>
+            </a:extLst>
+          </p:cNvPr>
+          <p:cNvSpPr txBox="1"/>
+          <p:nvPr/>
+        </p:nvSpPr>
+        <p:spPr>
+          <a:xfrm>
+            <a:off x="5615538" y="3981944"/>
+            <a:ext cx="7149932" cy="1323439"/>
+          </a:xfrm>
+          <a:prstGeom prst="rect">
+            <a:avLst/>
+          </a:prstGeom>
+          <a:noFill/>
+        </p:spPr>
+        <p:txBody>
+          <a:bodyPr wrap="square">
+            <a:spAutoFit/>
+          </a:bodyPr>
+          <a:lstStyle/>
+          <a:p>
+            <a:r>
+              <a:rPr lang="en-US" sz="2000" dirty="0"/>
+              <a:t>the API Gateway </a:t>
+            </a:r>
+            <a:r>
+              <a:rPr lang="en-US" sz="2000" b="1" dirty="0"/>
+              <a:t>horizontally</a:t>
+            </a:r>
+            <a:r>
+              <a:rPr lang="en-US" sz="2000" dirty="0"/>
+              <a:t> when necessary</a:t>
+            </a:r>
+          </a:p>
+          <a:p>
+            <a:r>
+              <a:rPr lang="en-US" sz="2000" dirty="0"/>
+              <a:t>(if so, a load balancer, the </a:t>
+            </a:r>
+            <a:r>
+              <a:rPr lang="en-US" sz="2000" b="1" dirty="0"/>
+              <a:t>Amazon ELB</a:t>
+            </a:r>
+            <a:r>
+              <a:rPr lang="en-US" sz="2000" dirty="0"/>
+              <a:t> will equally distribute requests among the various instances. )</a:t>
+            </a:r>
+            <a:endParaRPr lang="it-IT" sz="2000" dirty="0"/>
+          </a:p>
+          <a:p>
+            <a:r>
+              <a:rPr lang="en-US" sz="2000" dirty="0"/>
+              <a:t> </a:t>
+            </a:r>
+            <a:endParaRPr lang="it-IT" sz="2000" dirty="0"/>
+          </a:p>
+        </p:txBody>
+      </p:sp>
+      <p:cxnSp>
+        <p:nvCxnSpPr>
+          <p:cNvPr id="23" name="Connettore 2 22">
+            <a:extLst>
+              <a:ext uri="{FF2B5EF4-FFF2-40B4-BE49-F238E27FC236}">
+                <a16:creationId xmlns:a16="http://schemas.microsoft.com/office/drawing/2014/main" id="{BB884EAA-717D-C31E-2FCE-CAAA176250C5}"/>
+              </a:ext>
+            </a:extLst>
+          </p:cNvPr>
+          <p:cNvCxnSpPr>
+            <a:cxnSpLocks/>
+          </p:cNvCxnSpPr>
+          <p:nvPr/>
+        </p:nvCxnSpPr>
+        <p:spPr>
+          <a:xfrm>
+            <a:off x="5073488" y="2892446"/>
+            <a:ext cx="2117304" cy="1032187"/>
+          </a:xfrm>
+          <a:prstGeom prst="straightConnector1">
+            <a:avLst/>
+          </a:prstGeom>
+          <a:ln>
+            <a:tailEnd type="triangle"/>
+          </a:ln>
+        </p:spPr>
+        <p:style>
+          <a:lnRef idx="2">
+            <a:schemeClr val="dk1"/>
+          </a:lnRef>
+          <a:fillRef idx="0">
+            <a:schemeClr val="dk1"/>
+          </a:fillRef>
+          <a:effectRef idx="1">
+            <a:schemeClr val="dk1"/>
+          </a:effectRef>
+          <a:fontRef idx="minor">
+            <a:schemeClr val="tx1"/>
+          </a:fontRef>
+        </p:style>
+      </p:cxnSp>
+      <p:sp>
+        <p:nvSpPr>
+          <p:cNvPr id="26" name="CasellaDiTesto 25">
+            <a:extLst>
+              <a:ext uri="{FF2B5EF4-FFF2-40B4-BE49-F238E27FC236}">
+                <a16:creationId xmlns:a16="http://schemas.microsoft.com/office/drawing/2014/main" id="{B8C100B4-2CDF-7F40-CCF0-657E1927912D}"/>
+              </a:ext>
+            </a:extLst>
+          </p:cNvPr>
+          <p:cNvSpPr txBox="1"/>
+          <p:nvPr/>
+        </p:nvSpPr>
+        <p:spPr>
+          <a:xfrm>
+            <a:off x="966281" y="5297758"/>
+            <a:ext cx="10711368" cy="400110"/>
+          </a:xfrm>
+          <a:prstGeom prst="rect">
+            <a:avLst/>
+          </a:prstGeom>
+          <a:noFill/>
+        </p:spPr>
+        <p:txBody>
+          <a:bodyPr wrap="square">
+            <a:spAutoFit/>
+          </a:bodyPr>
+          <a:lstStyle/>
+          <a:p>
+            <a:r>
+              <a:rPr lang="it-IT" sz="2000" dirty="0"/>
+              <a:t>The API Gateway </a:t>
+            </a:r>
+            <a:r>
+              <a:rPr lang="it-IT" sz="2000" dirty="0" err="1"/>
+              <a:t>performs</a:t>
+            </a:r>
+            <a:r>
+              <a:rPr lang="it-IT" sz="2000" dirty="0"/>
+              <a:t> </a:t>
+            </a:r>
+            <a:r>
+              <a:rPr lang="it-IT" sz="2000" b="1" dirty="0"/>
+              <a:t>load balancing</a:t>
+            </a:r>
+            <a:r>
+              <a:rPr lang="en-US" sz="2000" b="1" dirty="0"/>
+              <a:t> </a:t>
+            </a:r>
+            <a:r>
+              <a:rPr lang="en-US" sz="2000" dirty="0"/>
+              <a:t>in case other microservices are replicated</a:t>
+            </a:r>
+            <a:endParaRPr lang="it-IT" sz="2000" b="1" dirty="0"/>
+          </a:p>
+        </p:txBody>
+      </p:sp>
+      <p:pic>
+        <p:nvPicPr>
+          <p:cNvPr id="30" name="Immagine 29">
+            <a:extLst>
+              <a:ext uri="{FF2B5EF4-FFF2-40B4-BE49-F238E27FC236}">
+                <a16:creationId xmlns:a16="http://schemas.microsoft.com/office/drawing/2014/main" id="{1074C267-468D-B9D9-0D00-00364B3DDCB3}"/>
+              </a:ext>
+            </a:extLst>
+          </p:cNvPr>
+          <p:cNvPicPr>
+            <a:picLocks noChangeAspect="1"/>
+          </p:cNvPicPr>
+          <p:nvPr/>
+        </p:nvPicPr>
+        <p:blipFill>
+          <a:blip r:embed="rId3">
+            <a:extLst>
+              <a:ext uri="{28A0092B-C50C-407E-A947-70E740481C1C}">
+                <a14:useLocalDpi xmlns:a14="http://schemas.microsoft.com/office/drawing/2010/main" val="0"/>
+              </a:ext>
+            </a:extLst>
+          </a:blip>
+          <a:stretch>
+            <a:fillRect/>
+          </a:stretch>
+        </p:blipFill>
+        <p:spPr>
+          <a:xfrm>
+            <a:off x="3979332" y="1696490"/>
+            <a:ext cx="698523" cy="793776"/>
+          </a:xfrm>
+          <a:prstGeom prst="rect">
+            <a:avLst/>
+          </a:prstGeom>
+        </p:spPr>
+      </p:pic>
+      <p:pic>
+        <p:nvPicPr>
+          <p:cNvPr id="32" name="Immagine 31">
+            <a:extLst>
+              <a:ext uri="{FF2B5EF4-FFF2-40B4-BE49-F238E27FC236}">
+                <a16:creationId xmlns:a16="http://schemas.microsoft.com/office/drawing/2014/main" id="{84CEB06F-6F79-76C9-A957-AAB75E7E189F}"/>
+              </a:ext>
+            </a:extLst>
+          </p:cNvPr>
+          <p:cNvPicPr>
+            <a:picLocks noChangeAspect="1"/>
+          </p:cNvPicPr>
+          <p:nvPr/>
+        </p:nvPicPr>
+        <p:blipFill>
+          <a:blip r:embed="rId4">
+            <a:extLst>
+              <a:ext uri="{28A0092B-C50C-407E-A947-70E740481C1C}">
+                <a14:useLocalDpi xmlns:a14="http://schemas.microsoft.com/office/drawing/2010/main" val="0"/>
+              </a:ext>
+            </a:extLst>
+          </a:blip>
+          <a:stretch>
+            <a:fillRect/>
+          </a:stretch>
+        </p:blipFill>
+        <p:spPr>
+          <a:xfrm>
+            <a:off x="7115923" y="1739435"/>
+            <a:ext cx="707886" cy="707886"/>
+          </a:xfrm>
+          <a:prstGeom prst="rect">
+            <a:avLst/>
+          </a:prstGeom>
+        </p:spPr>
+      </p:pic>
+    </p:spTree>
+    <p:extLst>
+      <p:ext uri="{BB962C8B-B14F-4D97-AF65-F5344CB8AC3E}">
+        <p14:creationId xmlns:p14="http://schemas.microsoft.com/office/powerpoint/2010/main" val="2050793015"/>
+      </p:ext>
+    </p:extLst>
+  </p:cSld>
+  <p:clrMapOvr>
+    <a:masterClrMapping/>
+  </p:clrMapOvr>
+</p:sld>
+</file>
+
+<file path=ppt/slides/slide18.xml><?xml version="1.0" encoding="utf-8"?>
+<p:sld xmlns:a="http://schemas.openxmlformats.org/drawingml/2006/main" xmlns:r="http://schemas.openxmlformats.org/officeDocument/2006/relationships" xmlns:p="http://schemas.openxmlformats.org/presentationml/2006/main">
+  <p:cSld>
+    <p:spTree>
+      <p:nvGrpSpPr>
+        <p:cNvPr id="1" name=""/>
+        <p:cNvGrpSpPr/>
+        <p:nvPr/>
+      </p:nvGrpSpPr>
+      <p:grpSpPr>
+        <a:xfrm>
+          <a:off x="0" y="0"/>
+          <a:ext cx="0" cy="0"/>
+          <a:chOff x="0" y="0"/>
+          <a:chExt cx="0" cy="0"/>
+        </a:xfrm>
+      </p:grpSpPr>
+      <p:sp>
+        <p:nvSpPr>
+          <p:cNvPr id="2" name="Titolo 1">
+            <a:extLst>
+              <a:ext uri="{FF2B5EF4-FFF2-40B4-BE49-F238E27FC236}">
+                <a16:creationId xmlns:a16="http://schemas.microsoft.com/office/drawing/2014/main" id="{2F0F54F1-30A2-8CB0-FB41-D453BFB68609}"/>
+              </a:ext>
+            </a:extLst>
+          </p:cNvPr>
+          <p:cNvSpPr>
+            <a:spLocks noGrp="1"/>
+          </p:cNvSpPr>
+          <p:nvPr>
+            <p:ph type="title"/>
+          </p:nvPr>
+        </p:nvSpPr>
+        <p:spPr>
+          <a:xfrm>
+            <a:off x="514351" y="66675"/>
+            <a:ext cx="11306174" cy="801575"/>
+          </a:xfrm>
+        </p:spPr>
+        <p:txBody>
+          <a:bodyPr>
+            <a:normAutofit/>
+          </a:bodyPr>
+          <a:lstStyle/>
+          <a:p>
+            <a:r>
+              <a:rPr lang="it-IT" dirty="0" err="1"/>
+              <a:t>Important</a:t>
+            </a:r>
+            <a:r>
+              <a:rPr lang="it-IT" dirty="0"/>
+              <a:t> Component and </a:t>
+            </a:r>
+            <a:r>
+              <a:rPr lang="it-IT" dirty="0" err="1"/>
+              <a:t>Interfaces</a:t>
+            </a:r>
+            <a:r>
+              <a:rPr lang="it-IT" dirty="0"/>
+              <a:t> (2/5)</a:t>
+            </a:r>
+          </a:p>
+        </p:txBody>
+      </p:sp>
+      <p:sp>
+        <p:nvSpPr>
+          <p:cNvPr id="5" name="Segnaposto numero diapositiva 4">
+            <a:extLst>
+              <a:ext uri="{FF2B5EF4-FFF2-40B4-BE49-F238E27FC236}">
+                <a16:creationId xmlns:a16="http://schemas.microsoft.com/office/drawing/2014/main" id="{79AF0F05-DA26-47DA-F61A-771A61AB86B8}"/>
+              </a:ext>
+            </a:extLst>
+          </p:cNvPr>
+          <p:cNvSpPr>
+            <a:spLocks noGrp="1"/>
+          </p:cNvSpPr>
+          <p:nvPr>
+            <p:ph type="sldNum" sz="quarter" idx="12"/>
+          </p:nvPr>
+        </p:nvSpPr>
+        <p:spPr/>
+        <p:txBody>
+          <a:bodyPr/>
+          <a:lstStyle/>
+          <a:p>
+            <a:fld id="{9732ED0D-4952-4698-A180-3B5BCDA8B725}" type="slidenum">
+              <a:rPr lang="it-IT" smtClean="0"/>
+              <a:t>18</a:t>
+            </a:fld>
+            <a:endParaRPr lang="it-IT"/>
+          </a:p>
+        </p:txBody>
+      </p:sp>
+      <p:sp>
+        <p:nvSpPr>
+          <p:cNvPr id="7" name="Titolo 1">
+            <a:extLst>
+              <a:ext uri="{FF2B5EF4-FFF2-40B4-BE49-F238E27FC236}">
+                <a16:creationId xmlns:a16="http://schemas.microsoft.com/office/drawing/2014/main" id="{96476321-981C-B9DE-AF5D-950245CBF5B7}"/>
+              </a:ext>
+            </a:extLst>
+          </p:cNvPr>
+          <p:cNvSpPr txBox="1">
+            <a:spLocks/>
+          </p:cNvSpPr>
+          <p:nvPr/>
+        </p:nvSpPr>
+        <p:spPr>
+          <a:xfrm>
+            <a:off x="514351" y="689454"/>
+            <a:ext cx="11306174" cy="801575"/>
+          </a:xfrm>
+          <a:prstGeom prst="rect">
+            <a:avLst/>
+          </a:prstGeom>
+        </p:spPr>
+        <p:txBody>
+          <a:bodyPr vert="horz" lIns="91440" tIns="45720" rIns="91440" bIns="45720" rtlCol="0" anchor="ctr">
+            <a:normAutofit/>
+          </a:bodyPr>
+          <a:lstStyle>
+            <a:lvl1pPr algn="l" defTabSz="914400" rtl="0" eaLnBrk="1" latinLnBrk="0" hangingPunct="1">
+              <a:lnSpc>
+                <a:spcPct val="90000"/>
+              </a:lnSpc>
+              <a:spcBef>
+                <a:spcPct val="0"/>
+              </a:spcBef>
+              <a:buNone/>
+              <a:defRPr sz="4400" kern="1200">
+                <a:solidFill>
+                  <a:schemeClr val="tx1"/>
+                </a:solidFill>
+                <a:latin typeface="+mj-lt"/>
+                <a:ea typeface="+mj-ea"/>
+                <a:cs typeface="+mj-cs"/>
+              </a:defRPr>
+            </a:lvl1pPr>
+          </a:lstStyle>
+          <a:p>
+            <a:pPr marL="457200" indent="-457200">
+              <a:buFont typeface="Arial" panose="020B0604020202020204" pitchFamily="34" charset="0"/>
+              <a:buChar char="•"/>
+            </a:pPr>
+            <a:r>
+              <a:rPr lang="it-IT" sz="3500" b="1" dirty="0"/>
+              <a:t>API Gateway</a:t>
+            </a:r>
+          </a:p>
+        </p:txBody>
+      </p:sp>
+      <p:sp>
+        <p:nvSpPr>
+          <p:cNvPr id="8" name="Rettangolo 7">
+            <a:extLst>
+              <a:ext uri="{FF2B5EF4-FFF2-40B4-BE49-F238E27FC236}">
+                <a16:creationId xmlns:a16="http://schemas.microsoft.com/office/drawing/2014/main" id="{2C181324-6172-4D50-43CA-500F97FD3F4A}"/>
+              </a:ext>
+            </a:extLst>
+          </p:cNvPr>
+          <p:cNvSpPr/>
+          <p:nvPr/>
+        </p:nvSpPr>
+        <p:spPr>
+          <a:xfrm>
+            <a:off x="1073487" y="1389325"/>
+            <a:ext cx="10280313" cy="4899743"/>
+          </a:xfrm>
+          <a:prstGeom prst="rect">
+            <a:avLst/>
+          </a:prstGeom>
+          <a:noFill/>
+          <a:ln>
+            <a:solidFill>
+              <a:schemeClr val="tx1"/>
+            </a:solidFill>
+          </a:ln>
+        </p:spPr>
+        <p:style>
+          <a:lnRef idx="2">
+            <a:schemeClr val="accent1">
+              <a:shade val="15000"/>
+            </a:schemeClr>
+          </a:lnRef>
+          <a:fillRef idx="1">
+            <a:schemeClr val="accent1"/>
+          </a:fillRef>
+          <a:effectRef idx="0">
+            <a:schemeClr val="accent1"/>
+          </a:effectRef>
+          <a:fontRef idx="minor">
+            <a:schemeClr val="lt1"/>
+          </a:fontRef>
+        </p:style>
+        <p:txBody>
+          <a:bodyPr rtlCol="0" anchor="ctr"/>
+          <a:lstStyle/>
+          <a:p>
+            <a:pPr algn="ctr"/>
+            <a:endParaRPr lang="it-IT"/>
+          </a:p>
+        </p:txBody>
+      </p:sp>
+      <p:sp>
+        <p:nvSpPr>
+          <p:cNvPr id="10" name="CasellaDiTesto 9">
+            <a:extLst>
+              <a:ext uri="{FF2B5EF4-FFF2-40B4-BE49-F238E27FC236}">
+                <a16:creationId xmlns:a16="http://schemas.microsoft.com/office/drawing/2014/main" id="{8C3B6D8B-4B80-7D54-1819-9933F67CFCF5}"/>
+              </a:ext>
+            </a:extLst>
+          </p:cNvPr>
+          <p:cNvSpPr txBox="1"/>
+          <p:nvPr/>
+        </p:nvSpPr>
+        <p:spPr>
+          <a:xfrm>
+            <a:off x="1073487" y="1389326"/>
+            <a:ext cx="3855257" cy="400110"/>
+          </a:xfrm>
+          <a:prstGeom prst="rect">
+            <a:avLst/>
+          </a:prstGeom>
+          <a:noFill/>
+        </p:spPr>
+        <p:txBody>
+          <a:bodyPr wrap="square">
+            <a:spAutoFit/>
+          </a:bodyPr>
+          <a:lstStyle/>
+          <a:p>
+            <a:r>
+              <a:rPr lang="it-IT" sz="2000" b="1" dirty="0" err="1"/>
+              <a:t>Relevant</a:t>
+            </a:r>
+            <a:r>
+              <a:rPr lang="it-IT" sz="2000" b="1" dirty="0"/>
+              <a:t> </a:t>
+            </a:r>
+            <a:r>
+              <a:rPr lang="it-IT" sz="2000" b="1" dirty="0" err="1"/>
+              <a:t>Interfaces</a:t>
+            </a:r>
+            <a:r>
+              <a:rPr lang="it-IT" sz="2000" b="1" dirty="0"/>
+              <a:t>:</a:t>
+            </a:r>
+          </a:p>
+        </p:txBody>
+      </p:sp>
+      <p:sp>
+        <p:nvSpPr>
+          <p:cNvPr id="11" name="CasellaDiTesto 10">
+            <a:extLst>
+              <a:ext uri="{FF2B5EF4-FFF2-40B4-BE49-F238E27FC236}">
+                <a16:creationId xmlns:a16="http://schemas.microsoft.com/office/drawing/2014/main" id="{784C99BD-E611-3024-872D-8656B8D5B64D}"/>
+              </a:ext>
+            </a:extLst>
+          </p:cNvPr>
+          <p:cNvSpPr txBox="1"/>
+          <p:nvPr/>
+        </p:nvSpPr>
+        <p:spPr>
+          <a:xfrm>
+            <a:off x="1141751" y="1764754"/>
+            <a:ext cx="10143782" cy="4524315"/>
+          </a:xfrm>
+          <a:prstGeom prst="rect">
+            <a:avLst/>
+          </a:prstGeom>
+          <a:noFill/>
+        </p:spPr>
+        <p:txBody>
+          <a:bodyPr wrap="square">
+            <a:spAutoFit/>
+          </a:bodyPr>
+          <a:lstStyle/>
+          <a:p>
+            <a:r>
+              <a:rPr lang="en-US" b="1" dirty="0"/>
+              <a:t>– login(username: String, password: String): String? </a:t>
+            </a:r>
+            <a:br>
+              <a:rPr lang="en-US" dirty="0"/>
+            </a:br>
+            <a:r>
+              <a:rPr lang="en-US" dirty="0"/>
+              <a:t>logs the user in through the </a:t>
+            </a:r>
+            <a:r>
+              <a:rPr lang="en-US" dirty="0" err="1"/>
+              <a:t>sso</a:t>
+            </a:r>
+            <a:r>
+              <a:rPr lang="en-US" dirty="0"/>
+              <a:t> service and, if successful, returns the </a:t>
+            </a:r>
+            <a:r>
+              <a:rPr lang="en-US" dirty="0" err="1"/>
+              <a:t>authToken</a:t>
+            </a:r>
+            <a:r>
+              <a:rPr lang="en-US" dirty="0"/>
+              <a:t> </a:t>
+            </a:r>
+          </a:p>
+          <a:p>
+            <a:endParaRPr lang="en-US" dirty="0"/>
+          </a:p>
+          <a:p>
+            <a:r>
+              <a:rPr lang="en-US" b="1" dirty="0"/>
+              <a:t>– </a:t>
+            </a:r>
+            <a:r>
+              <a:rPr lang="en-US" b="1" dirty="0" err="1"/>
+              <a:t>getListOfTournaments</a:t>
+            </a:r>
+            <a:r>
+              <a:rPr lang="en-US" b="1" dirty="0"/>
+              <a:t>(</a:t>
+            </a:r>
+            <a:r>
+              <a:rPr lang="en-US" b="1" dirty="0" err="1"/>
+              <a:t>authToken</a:t>
+            </a:r>
+            <a:r>
+              <a:rPr lang="en-US" b="1" dirty="0"/>
+              <a:t>: String): List </a:t>
+            </a:r>
+            <a:br>
+              <a:rPr lang="en-US" dirty="0"/>
+            </a:br>
+            <a:r>
+              <a:rPr lang="en-US" dirty="0"/>
+              <a:t>given a valid educator auth token, returns the list of tournaments which he has created or he has permissions to add battles to</a:t>
+            </a:r>
+          </a:p>
+          <a:p>
+            <a:endParaRPr lang="en-US" dirty="0"/>
+          </a:p>
+          <a:p>
+            <a:r>
+              <a:rPr lang="en-US" b="1" dirty="0"/>
+              <a:t>– </a:t>
+            </a:r>
+            <a:r>
+              <a:rPr lang="en-US" b="1" dirty="0" err="1"/>
+              <a:t>createBadge</a:t>
+            </a:r>
+            <a:r>
+              <a:rPr lang="en-US" b="1" dirty="0"/>
+              <a:t>(</a:t>
+            </a:r>
+            <a:r>
+              <a:rPr lang="en-US" b="1" dirty="0" err="1"/>
+              <a:t>authToken</a:t>
+            </a:r>
+            <a:r>
+              <a:rPr lang="en-US" b="1" dirty="0"/>
+              <a:t>: String, </a:t>
+            </a:r>
+            <a:r>
+              <a:rPr lang="en-US" b="1" dirty="0" err="1"/>
+              <a:t>badgeInfo</a:t>
+            </a:r>
+            <a:r>
+              <a:rPr lang="en-US" b="1" dirty="0"/>
+              <a:t>: </a:t>
+            </a:r>
+            <a:r>
+              <a:rPr lang="en-US" b="1" dirty="0" err="1"/>
+              <a:t>NewBadge</a:t>
+            </a:r>
+            <a:r>
+              <a:rPr lang="en-US" b="1" dirty="0"/>
+              <a:t>): ID </a:t>
+            </a:r>
+            <a:br>
+              <a:rPr lang="en-US" dirty="0"/>
+            </a:br>
+            <a:r>
+              <a:rPr lang="en-US" dirty="0"/>
+              <a:t>create a new badge with the given info and return its id </a:t>
+            </a:r>
+          </a:p>
+          <a:p>
+            <a:endParaRPr lang="en-US" dirty="0"/>
+          </a:p>
+          <a:p>
+            <a:r>
+              <a:rPr lang="en-US" b="1" dirty="0"/>
+              <a:t>– </a:t>
+            </a:r>
+            <a:r>
+              <a:rPr lang="en-US" b="1" dirty="0" err="1"/>
+              <a:t>createNewBattle</a:t>
+            </a:r>
+            <a:r>
+              <a:rPr lang="en-US" b="1" dirty="0"/>
+              <a:t>(</a:t>
+            </a:r>
+            <a:r>
+              <a:rPr lang="en-US" b="1" dirty="0" err="1"/>
+              <a:t>authToken</a:t>
+            </a:r>
+            <a:r>
+              <a:rPr lang="en-US" b="1" dirty="0"/>
+              <a:t>: String, </a:t>
+            </a:r>
+            <a:r>
+              <a:rPr lang="en-US" b="1" dirty="0" err="1"/>
+              <a:t>tournementId</a:t>
+            </a:r>
+            <a:r>
+              <a:rPr lang="en-US" b="1" dirty="0"/>
+              <a:t>: ID, </a:t>
+            </a:r>
+            <a:r>
+              <a:rPr lang="en-US" b="1" dirty="0" err="1"/>
+              <a:t>battleInfo</a:t>
+            </a:r>
+            <a:r>
+              <a:rPr lang="en-US" b="1" dirty="0"/>
+              <a:t>: Battle): ID </a:t>
+            </a:r>
+            <a:br>
+              <a:rPr lang="en-US" dirty="0"/>
+            </a:br>
+            <a:r>
+              <a:rPr lang="en-US" dirty="0"/>
+              <a:t>create a new battle with the given info and return its id </a:t>
+            </a:r>
+          </a:p>
+          <a:p>
+            <a:endParaRPr lang="en-US" dirty="0"/>
+          </a:p>
+          <a:p>
+            <a:r>
+              <a:rPr lang="en-US" b="1" dirty="0"/>
+              <a:t>– </a:t>
+            </a:r>
+            <a:r>
+              <a:rPr lang="en-US" b="1" dirty="0" err="1"/>
+              <a:t>addStudentNotificationEndpoints</a:t>
+            </a:r>
+            <a:r>
+              <a:rPr lang="en-US" b="1" dirty="0"/>
+              <a:t>(</a:t>
+            </a:r>
+            <a:r>
+              <a:rPr lang="en-US" b="1" dirty="0" err="1"/>
+              <a:t>authToken</a:t>
+            </a:r>
+            <a:r>
+              <a:rPr lang="en-US" b="1" dirty="0"/>
+              <a:t>: String, endpoint: String): void </a:t>
+            </a:r>
+            <a:br>
+              <a:rPr lang="en-US" dirty="0"/>
+            </a:br>
+            <a:r>
+              <a:rPr lang="en-US" dirty="0"/>
+              <a:t>add the URL of the notification endpoints of a student</a:t>
+            </a:r>
+          </a:p>
+          <a:p>
+            <a:endParaRPr lang="en-US" dirty="0"/>
+          </a:p>
+        </p:txBody>
+      </p:sp>
+      <p:sp>
+        <p:nvSpPr>
+          <p:cNvPr id="12" name="CasellaDiTesto 11">
+            <a:extLst>
+              <a:ext uri="{FF2B5EF4-FFF2-40B4-BE49-F238E27FC236}">
+                <a16:creationId xmlns:a16="http://schemas.microsoft.com/office/drawing/2014/main" id="{1D309C42-883C-C810-B2CB-882E9F8A6E30}"/>
+              </a:ext>
+            </a:extLst>
+          </p:cNvPr>
+          <p:cNvSpPr txBox="1"/>
+          <p:nvPr/>
+        </p:nvSpPr>
+        <p:spPr>
+          <a:xfrm>
+            <a:off x="1141751" y="5904088"/>
+            <a:ext cx="10074239" cy="369332"/>
+          </a:xfrm>
+          <a:prstGeom prst="rect">
+            <a:avLst/>
+          </a:prstGeom>
+          <a:noFill/>
+        </p:spPr>
+        <p:txBody>
+          <a:bodyPr wrap="square">
+            <a:spAutoFit/>
+          </a:bodyPr>
+          <a:lstStyle/>
+          <a:p>
+            <a:pPr algn="ctr"/>
+            <a:r>
+              <a:rPr lang="en-US" dirty="0"/>
+              <a:t>….</a:t>
+            </a:r>
+          </a:p>
+        </p:txBody>
+      </p:sp>
+    </p:spTree>
+    <p:extLst>
+      <p:ext uri="{BB962C8B-B14F-4D97-AF65-F5344CB8AC3E}">
+        <p14:creationId xmlns:p14="http://schemas.microsoft.com/office/powerpoint/2010/main" val="3147257413"/>
+      </p:ext>
+    </p:extLst>
+  </p:cSld>
+  <p:clrMapOvr>
+    <a:masterClrMapping/>
+  </p:clrMapOvr>
+</p:sld>
+</file>
+
+<file path=ppt/slides/slide19.xml><?xml version="1.0" encoding="utf-8"?>
+<p:sld xmlns:a="http://schemas.openxmlformats.org/drawingml/2006/main" xmlns:r="http://schemas.openxmlformats.org/officeDocument/2006/relationships" xmlns:p="http://schemas.openxmlformats.org/presentationml/2006/main">
+  <p:cSld>
+    <p:spTree>
+      <p:nvGrpSpPr>
+        <p:cNvPr id="1" name=""/>
+        <p:cNvGrpSpPr/>
+        <p:nvPr/>
+      </p:nvGrpSpPr>
+      <p:grpSpPr>
+        <a:xfrm>
+          <a:off x="0" y="0"/>
+          <a:ext cx="0" cy="0"/>
+          <a:chOff x="0" y="0"/>
+          <a:chExt cx="0" cy="0"/>
+        </a:xfrm>
+      </p:grpSpPr>
+      <p:sp>
+        <p:nvSpPr>
+          <p:cNvPr id="2" name="Titolo 1">
+            <a:extLst>
+              <a:ext uri="{FF2B5EF4-FFF2-40B4-BE49-F238E27FC236}">
+                <a16:creationId xmlns:a16="http://schemas.microsoft.com/office/drawing/2014/main" id="{2F0F54F1-30A2-8CB0-FB41-D453BFB68609}"/>
+              </a:ext>
+            </a:extLst>
+          </p:cNvPr>
+          <p:cNvSpPr>
+            <a:spLocks noGrp="1"/>
+          </p:cNvSpPr>
+          <p:nvPr>
+            <p:ph type="title"/>
+          </p:nvPr>
+        </p:nvSpPr>
+        <p:spPr>
+          <a:xfrm>
+            <a:off x="514351" y="66675"/>
+            <a:ext cx="11306174" cy="801575"/>
+          </a:xfrm>
+        </p:spPr>
+        <p:txBody>
+          <a:bodyPr>
+            <a:normAutofit/>
+          </a:bodyPr>
+          <a:lstStyle/>
+          <a:p>
+            <a:r>
+              <a:rPr lang="it-IT" dirty="0" err="1"/>
+              <a:t>Important</a:t>
+            </a:r>
+            <a:r>
+              <a:rPr lang="it-IT" dirty="0"/>
+              <a:t> Component and </a:t>
+            </a:r>
+            <a:r>
+              <a:rPr lang="it-IT" dirty="0" err="1"/>
+              <a:t>Interfaces</a:t>
+            </a:r>
+            <a:r>
+              <a:rPr lang="it-IT" dirty="0"/>
+              <a:t> (3/5)</a:t>
+            </a:r>
+          </a:p>
+        </p:txBody>
+      </p:sp>
+      <p:sp>
+        <p:nvSpPr>
+          <p:cNvPr id="5" name="Segnaposto numero diapositiva 4">
+            <a:extLst>
+              <a:ext uri="{FF2B5EF4-FFF2-40B4-BE49-F238E27FC236}">
+                <a16:creationId xmlns:a16="http://schemas.microsoft.com/office/drawing/2014/main" id="{79AF0F05-DA26-47DA-F61A-771A61AB86B8}"/>
+              </a:ext>
+            </a:extLst>
+          </p:cNvPr>
+          <p:cNvSpPr>
+            <a:spLocks noGrp="1"/>
+          </p:cNvSpPr>
+          <p:nvPr>
+            <p:ph type="sldNum" sz="quarter" idx="12"/>
+          </p:nvPr>
+        </p:nvSpPr>
+        <p:spPr/>
+        <p:txBody>
+          <a:bodyPr/>
+          <a:lstStyle/>
+          <a:p>
+            <a:fld id="{9732ED0D-4952-4698-A180-3B5BCDA8B725}" type="slidenum">
+              <a:rPr lang="it-IT" smtClean="0"/>
+              <a:t>19</a:t>
+            </a:fld>
+            <a:endParaRPr lang="it-IT" dirty="0"/>
+          </a:p>
+        </p:txBody>
+      </p:sp>
+      <p:sp>
+        <p:nvSpPr>
+          <p:cNvPr id="7" name="Titolo 1">
+            <a:extLst>
+              <a:ext uri="{FF2B5EF4-FFF2-40B4-BE49-F238E27FC236}">
+                <a16:creationId xmlns:a16="http://schemas.microsoft.com/office/drawing/2014/main" id="{96476321-981C-B9DE-AF5D-950245CBF5B7}"/>
+              </a:ext>
+            </a:extLst>
+          </p:cNvPr>
+          <p:cNvSpPr txBox="1">
+            <a:spLocks/>
+          </p:cNvSpPr>
+          <p:nvPr/>
+        </p:nvSpPr>
+        <p:spPr>
+          <a:xfrm>
+            <a:off x="514351" y="738644"/>
+            <a:ext cx="11306174" cy="801575"/>
+          </a:xfrm>
+          <a:prstGeom prst="rect">
+            <a:avLst/>
+          </a:prstGeom>
+        </p:spPr>
+        <p:txBody>
+          <a:bodyPr vert="horz" lIns="91440" tIns="45720" rIns="91440" bIns="45720" rtlCol="0" anchor="ctr">
+            <a:normAutofit/>
+          </a:bodyPr>
+          <a:lstStyle>
+            <a:lvl1pPr algn="l" defTabSz="914400" rtl="0" eaLnBrk="1" latinLnBrk="0" hangingPunct="1">
+              <a:lnSpc>
+                <a:spcPct val="90000"/>
+              </a:lnSpc>
+              <a:spcBef>
+                <a:spcPct val="0"/>
+              </a:spcBef>
+              <a:buNone/>
+              <a:defRPr sz="4400" kern="1200">
+                <a:solidFill>
+                  <a:schemeClr val="tx1"/>
+                </a:solidFill>
+                <a:latin typeface="+mj-lt"/>
+                <a:ea typeface="+mj-ea"/>
+                <a:cs typeface="+mj-cs"/>
+              </a:defRPr>
+            </a:lvl1pPr>
+          </a:lstStyle>
+          <a:p>
+            <a:pPr marL="457200" indent="-457200">
+              <a:buFont typeface="Arial" panose="020B0604020202020204" pitchFamily="34" charset="0"/>
+              <a:buChar char="•"/>
+            </a:pPr>
+            <a:r>
+              <a:rPr lang="it-IT" sz="3500" b="1" dirty="0"/>
+              <a:t>Build and Test Service</a:t>
+            </a:r>
+          </a:p>
+        </p:txBody>
+      </p:sp>
+      <p:sp>
+        <p:nvSpPr>
+          <p:cNvPr id="9" name="CasellaDiTesto 8">
+            <a:extLst>
+              <a:ext uri="{FF2B5EF4-FFF2-40B4-BE49-F238E27FC236}">
+                <a16:creationId xmlns:a16="http://schemas.microsoft.com/office/drawing/2014/main" id="{1C172D3A-096F-4FBF-56F4-8DF5D2111361}"/>
+              </a:ext>
+            </a:extLst>
+          </p:cNvPr>
+          <p:cNvSpPr txBox="1"/>
+          <p:nvPr/>
+        </p:nvSpPr>
+        <p:spPr>
+          <a:xfrm>
+            <a:off x="966281" y="1357480"/>
+            <a:ext cx="3554919" cy="707886"/>
+          </a:xfrm>
+          <a:prstGeom prst="rect">
+            <a:avLst/>
+          </a:prstGeom>
+          <a:noFill/>
+        </p:spPr>
+        <p:txBody>
+          <a:bodyPr wrap="square">
+            <a:spAutoFit/>
+          </a:bodyPr>
+          <a:lstStyle/>
+          <a:p>
+            <a:r>
+              <a:rPr lang="it-IT" sz="2000" dirty="0" err="1"/>
+              <a:t>Based</a:t>
+            </a:r>
+            <a:r>
+              <a:rPr lang="it-IT" sz="2000" dirty="0"/>
+              <a:t> on the </a:t>
+            </a:r>
+            <a:r>
+              <a:rPr lang="it-IT" sz="2000" b="1" dirty="0"/>
+              <a:t>Jenkins system</a:t>
+            </a:r>
+            <a:br>
+              <a:rPr lang="it-IT" sz="2000" b="1" dirty="0"/>
+            </a:br>
+            <a:endParaRPr lang="it-IT" sz="2000" b="1" dirty="0"/>
+          </a:p>
+        </p:txBody>
+      </p:sp>
+      <p:cxnSp>
+        <p:nvCxnSpPr>
+          <p:cNvPr id="14" name="Connettore 2 13">
+            <a:extLst>
+              <a:ext uri="{FF2B5EF4-FFF2-40B4-BE49-F238E27FC236}">
+                <a16:creationId xmlns:a16="http://schemas.microsoft.com/office/drawing/2014/main" id="{06F09F8C-A954-98F7-0116-943DCD98C333}"/>
+              </a:ext>
+            </a:extLst>
+          </p:cNvPr>
+          <p:cNvCxnSpPr>
+            <a:cxnSpLocks/>
+          </p:cNvCxnSpPr>
+          <p:nvPr/>
+        </p:nvCxnSpPr>
+        <p:spPr>
+          <a:xfrm>
+            <a:off x="3001496" y="1846158"/>
+            <a:ext cx="0" cy="858942"/>
+          </a:xfrm>
+          <a:prstGeom prst="straightConnector1">
+            <a:avLst/>
+          </a:prstGeom>
+          <a:ln>
+            <a:tailEnd type="triangle"/>
+          </a:ln>
+        </p:spPr>
+        <p:style>
+          <a:lnRef idx="2">
+            <a:schemeClr val="dk1"/>
+          </a:lnRef>
+          <a:fillRef idx="0">
+            <a:schemeClr val="dk1"/>
+          </a:fillRef>
+          <a:effectRef idx="1">
+            <a:schemeClr val="dk1"/>
+          </a:effectRef>
+          <a:fontRef idx="minor">
+            <a:schemeClr val="tx1"/>
+          </a:fontRef>
+        </p:style>
+      </p:cxnSp>
+      <p:sp>
+        <p:nvSpPr>
+          <p:cNvPr id="16" name="CasellaDiTesto 15">
+            <a:extLst>
+              <a:ext uri="{FF2B5EF4-FFF2-40B4-BE49-F238E27FC236}">
+                <a16:creationId xmlns:a16="http://schemas.microsoft.com/office/drawing/2014/main" id="{738424F7-A492-2675-DEDE-755DDFFB76D9}"/>
+              </a:ext>
+            </a:extLst>
+          </p:cNvPr>
+          <p:cNvSpPr txBox="1"/>
+          <p:nvPr/>
+        </p:nvSpPr>
+        <p:spPr>
+          <a:xfrm>
+            <a:off x="3001496" y="2085875"/>
+            <a:ext cx="6094378" cy="400110"/>
+          </a:xfrm>
+          <a:prstGeom prst="rect">
+            <a:avLst/>
+          </a:prstGeom>
+          <a:noFill/>
+        </p:spPr>
+        <p:txBody>
+          <a:bodyPr wrap="square">
+            <a:spAutoFit/>
+          </a:bodyPr>
+          <a:lstStyle/>
+          <a:p>
+            <a:r>
+              <a:rPr lang="it-IT" sz="2000" i="1" dirty="0" err="1"/>
+              <a:t>Why</a:t>
+            </a:r>
+            <a:r>
+              <a:rPr lang="it-IT" sz="2000" i="1" dirty="0"/>
+              <a:t>?</a:t>
+            </a:r>
+          </a:p>
+        </p:txBody>
+      </p:sp>
+      <p:sp>
+        <p:nvSpPr>
+          <p:cNvPr id="18" name="CasellaDiTesto 17">
+            <a:extLst>
+              <a:ext uri="{FF2B5EF4-FFF2-40B4-BE49-F238E27FC236}">
+                <a16:creationId xmlns:a16="http://schemas.microsoft.com/office/drawing/2014/main" id="{415B4F16-DE53-E60D-A5FC-C9B8B55B2429}"/>
+              </a:ext>
+            </a:extLst>
+          </p:cNvPr>
+          <p:cNvSpPr txBox="1"/>
+          <p:nvPr/>
+        </p:nvSpPr>
+        <p:spPr>
+          <a:xfrm>
+            <a:off x="1096414" y="2736391"/>
+            <a:ext cx="6094378" cy="707886"/>
+          </a:xfrm>
+          <a:prstGeom prst="rect">
+            <a:avLst/>
+          </a:prstGeom>
+          <a:noFill/>
+        </p:spPr>
+        <p:txBody>
+          <a:bodyPr wrap="square">
+            <a:spAutoFit/>
+          </a:bodyPr>
+          <a:lstStyle/>
+          <a:p>
+            <a:r>
+              <a:rPr lang="en-US" sz="2000" dirty="0"/>
+              <a:t>It is </a:t>
+            </a:r>
+            <a:r>
+              <a:rPr lang="en-US" sz="2000" b="1" dirty="0"/>
+              <a:t>the most CPU intensive </a:t>
+            </a:r>
+            <a:r>
+              <a:rPr lang="en-US" sz="2000" dirty="0"/>
+              <a:t>service </a:t>
+            </a:r>
+          </a:p>
+          <a:p>
+            <a:r>
+              <a:rPr lang="en-US" sz="2000" dirty="0"/>
+              <a:t>and should adopt a distributed builds architecture</a:t>
+            </a:r>
+            <a:endParaRPr lang="it-IT" sz="2000" b="1" dirty="0"/>
+          </a:p>
+        </p:txBody>
+      </p:sp>
+      <p:sp>
+        <p:nvSpPr>
+          <p:cNvPr id="26" name="CasellaDiTesto 25">
+            <a:extLst>
+              <a:ext uri="{FF2B5EF4-FFF2-40B4-BE49-F238E27FC236}">
+                <a16:creationId xmlns:a16="http://schemas.microsoft.com/office/drawing/2014/main" id="{B8C100B4-2CDF-7F40-CCF0-657E1927912D}"/>
+              </a:ext>
+            </a:extLst>
+          </p:cNvPr>
+          <p:cNvSpPr txBox="1"/>
+          <p:nvPr/>
+        </p:nvSpPr>
+        <p:spPr>
+          <a:xfrm>
+            <a:off x="966281" y="4369881"/>
+            <a:ext cx="10711368" cy="707886"/>
+          </a:xfrm>
+          <a:prstGeom prst="rect">
+            <a:avLst/>
+          </a:prstGeom>
+          <a:noFill/>
+        </p:spPr>
+        <p:txBody>
+          <a:bodyPr wrap="square">
+            <a:spAutoFit/>
+          </a:bodyPr>
+          <a:lstStyle/>
+          <a:p>
+            <a:r>
+              <a:rPr lang="en-US" sz="2000" b="1" dirty="0"/>
+              <a:t>Single Jenkins controller</a:t>
+            </a:r>
+            <a:r>
+              <a:rPr lang="en-US" sz="2000" dirty="0"/>
+              <a:t> that schedules builds to dedicated build nodes (</a:t>
+            </a:r>
+            <a:r>
+              <a:rPr lang="en-US" sz="2000" b="1" dirty="0"/>
+              <a:t>agents</a:t>
+            </a:r>
+            <a:r>
+              <a:rPr lang="en-US" sz="2000" dirty="0"/>
+              <a:t>). </a:t>
+            </a:r>
+            <a:br>
+              <a:rPr lang="en-US" sz="2000" dirty="0"/>
+            </a:br>
+            <a:r>
+              <a:rPr lang="en-US" sz="2000" b="1" dirty="0"/>
+              <a:t>Build agents </a:t>
+            </a:r>
+            <a:r>
+              <a:rPr lang="en-US" sz="2000" dirty="0"/>
+              <a:t>can be dynamically deployed to a new </a:t>
+            </a:r>
+            <a:r>
+              <a:rPr lang="en-US" sz="2000" b="1" dirty="0"/>
+              <a:t>Amazon EC2</a:t>
+            </a:r>
+            <a:r>
+              <a:rPr lang="en-US" sz="2000" dirty="0"/>
+              <a:t> instance</a:t>
+            </a:r>
+            <a:endParaRPr lang="it-IT" sz="2000" b="1" dirty="0"/>
+          </a:p>
+        </p:txBody>
+      </p:sp>
+      <p:pic>
+        <p:nvPicPr>
+          <p:cNvPr id="10" name="Immagine 9">
+            <a:extLst>
+              <a:ext uri="{FF2B5EF4-FFF2-40B4-BE49-F238E27FC236}">
+                <a16:creationId xmlns:a16="http://schemas.microsoft.com/office/drawing/2014/main" id="{4C1EE4A1-81F9-73AB-71E8-8B7B8BFBCA89}"/>
+              </a:ext>
+            </a:extLst>
+          </p:cNvPr>
+          <p:cNvPicPr>
+            <a:picLocks noChangeAspect="1"/>
+          </p:cNvPicPr>
+          <p:nvPr/>
+        </p:nvPicPr>
+        <p:blipFill>
+          <a:blip r:embed="rId3">
+            <a:extLst>
+              <a:ext uri="{28A0092B-C50C-407E-A947-70E740481C1C}">
+                <a14:useLocalDpi xmlns:a14="http://schemas.microsoft.com/office/drawing/2010/main" val="0"/>
+              </a:ext>
+            </a:extLst>
+          </a:blip>
+          <a:stretch>
+            <a:fillRect/>
+          </a:stretch>
+        </p:blipFill>
+        <p:spPr>
+          <a:xfrm>
+            <a:off x="5054242" y="855939"/>
+            <a:ext cx="2768150" cy="855484"/>
+          </a:xfrm>
+          <a:prstGeom prst="rect">
+            <a:avLst/>
+          </a:prstGeom>
+        </p:spPr>
+      </p:pic>
+      <p:cxnSp>
+        <p:nvCxnSpPr>
+          <p:cNvPr id="13" name="Connettore 2 12">
+            <a:extLst>
+              <a:ext uri="{FF2B5EF4-FFF2-40B4-BE49-F238E27FC236}">
+                <a16:creationId xmlns:a16="http://schemas.microsoft.com/office/drawing/2014/main" id="{7FDBD970-C1D6-AA93-1F34-1564FFCB7217}"/>
+              </a:ext>
+            </a:extLst>
+          </p:cNvPr>
+          <p:cNvCxnSpPr>
+            <a:cxnSpLocks/>
+          </p:cNvCxnSpPr>
+          <p:nvPr/>
+        </p:nvCxnSpPr>
+        <p:spPr>
+          <a:xfrm>
+            <a:off x="3001496" y="3381231"/>
+            <a:ext cx="0" cy="858942"/>
+          </a:xfrm>
+          <a:prstGeom prst="straightConnector1">
+            <a:avLst/>
+          </a:prstGeom>
+          <a:ln>
+            <a:tailEnd type="triangle"/>
+          </a:ln>
+        </p:spPr>
+        <p:style>
+          <a:lnRef idx="2">
+            <a:schemeClr val="dk1"/>
+          </a:lnRef>
+          <a:fillRef idx="0">
+            <a:schemeClr val="dk1"/>
+          </a:fillRef>
+          <a:effectRef idx="1">
+            <a:schemeClr val="dk1"/>
+          </a:effectRef>
+          <a:fontRef idx="minor">
+            <a:schemeClr val="tx1"/>
+          </a:fontRef>
+        </p:style>
+      </p:cxnSp>
+      <p:sp>
+        <p:nvSpPr>
+          <p:cNvPr id="15" name="CasellaDiTesto 14">
+            <a:extLst>
+              <a:ext uri="{FF2B5EF4-FFF2-40B4-BE49-F238E27FC236}">
+                <a16:creationId xmlns:a16="http://schemas.microsoft.com/office/drawing/2014/main" id="{3F740391-AADC-A774-B7C5-DA5DEB261851}"/>
+              </a:ext>
+            </a:extLst>
+          </p:cNvPr>
+          <p:cNvSpPr txBox="1"/>
+          <p:nvPr/>
+        </p:nvSpPr>
+        <p:spPr>
+          <a:xfrm>
+            <a:off x="3001496" y="3620948"/>
+            <a:ext cx="6094378" cy="400110"/>
+          </a:xfrm>
+          <a:prstGeom prst="rect">
+            <a:avLst/>
+          </a:prstGeom>
+          <a:noFill/>
+        </p:spPr>
+        <p:txBody>
+          <a:bodyPr wrap="square">
+            <a:spAutoFit/>
+          </a:bodyPr>
+          <a:lstStyle/>
+          <a:p>
+            <a:r>
+              <a:rPr lang="it-IT" sz="2000" i="1" dirty="0"/>
+              <a:t>How?</a:t>
+            </a:r>
+          </a:p>
+        </p:txBody>
+      </p:sp>
+      <p:pic>
+        <p:nvPicPr>
+          <p:cNvPr id="24" name="Immagine 23">
+            <a:extLst>
+              <a:ext uri="{FF2B5EF4-FFF2-40B4-BE49-F238E27FC236}">
+                <a16:creationId xmlns:a16="http://schemas.microsoft.com/office/drawing/2014/main" id="{388683CC-34C1-C4A3-2C24-84213FC89533}"/>
+              </a:ext>
+            </a:extLst>
+          </p:cNvPr>
+          <p:cNvPicPr>
+            <a:picLocks noChangeAspect="1"/>
+          </p:cNvPicPr>
+          <p:nvPr/>
+        </p:nvPicPr>
+        <p:blipFill>
+          <a:blip r:embed="rId4">
+            <a:extLst>
+              <a:ext uri="{28A0092B-C50C-407E-A947-70E740481C1C}">
+                <a14:useLocalDpi xmlns:a14="http://schemas.microsoft.com/office/drawing/2010/main" val="0"/>
+              </a:ext>
+            </a:extLst>
+          </a:blip>
+          <a:stretch>
+            <a:fillRect/>
+          </a:stretch>
+        </p:blipFill>
+        <p:spPr>
+          <a:xfrm>
+            <a:off x="8963404" y="3912817"/>
+            <a:ext cx="3044699" cy="2486408"/>
+          </a:xfrm>
+          <a:prstGeom prst="rect">
+            <a:avLst/>
+          </a:prstGeom>
+        </p:spPr>
+      </p:pic>
+      <p:sp>
+        <p:nvSpPr>
+          <p:cNvPr id="29" name="Rettangolo 28">
+            <a:extLst>
+              <a:ext uri="{FF2B5EF4-FFF2-40B4-BE49-F238E27FC236}">
+                <a16:creationId xmlns:a16="http://schemas.microsoft.com/office/drawing/2014/main" id="{4E9020A8-BB28-7C5F-BBB7-4153093C5C28}"/>
+              </a:ext>
+            </a:extLst>
+          </p:cNvPr>
+          <p:cNvSpPr/>
+          <p:nvPr/>
+        </p:nvSpPr>
+        <p:spPr>
+          <a:xfrm>
+            <a:off x="8067675" y="971551"/>
+            <a:ext cx="3940424" cy="1703632"/>
+          </a:xfrm>
+          <a:prstGeom prst="rect">
+            <a:avLst/>
+          </a:prstGeom>
+          <a:noFill/>
+          <a:ln>
+            <a:solidFill>
+              <a:schemeClr val="tx1"/>
+            </a:solidFill>
+          </a:ln>
+        </p:spPr>
+        <p:style>
+          <a:lnRef idx="2">
+            <a:schemeClr val="accent1">
+              <a:shade val="15000"/>
+            </a:schemeClr>
+          </a:lnRef>
+          <a:fillRef idx="1">
+            <a:schemeClr val="accent1"/>
+          </a:fillRef>
+          <a:effectRef idx="0">
+            <a:schemeClr val="accent1"/>
+          </a:effectRef>
+          <a:fontRef idx="minor">
+            <a:schemeClr val="lt1"/>
+          </a:fontRef>
+        </p:style>
+        <p:txBody>
+          <a:bodyPr rtlCol="0" anchor="ctr"/>
+          <a:lstStyle/>
+          <a:p>
+            <a:pPr algn="ctr"/>
+            <a:endParaRPr lang="it-IT"/>
+          </a:p>
+        </p:txBody>
+      </p:sp>
+      <p:sp>
+        <p:nvSpPr>
+          <p:cNvPr id="30" name="CasellaDiTesto 29">
+            <a:extLst>
+              <a:ext uri="{FF2B5EF4-FFF2-40B4-BE49-F238E27FC236}">
+                <a16:creationId xmlns:a16="http://schemas.microsoft.com/office/drawing/2014/main" id="{FAE17C82-3922-100D-0BBC-C9294C057A59}"/>
+              </a:ext>
+            </a:extLst>
+          </p:cNvPr>
+          <p:cNvSpPr txBox="1"/>
+          <p:nvPr/>
+        </p:nvSpPr>
+        <p:spPr>
+          <a:xfrm>
+            <a:off x="8067675" y="1003537"/>
+            <a:ext cx="3855257" cy="400110"/>
+          </a:xfrm>
+          <a:prstGeom prst="rect">
+            <a:avLst/>
+          </a:prstGeom>
+          <a:noFill/>
+        </p:spPr>
+        <p:txBody>
+          <a:bodyPr wrap="square">
+            <a:spAutoFit/>
+          </a:bodyPr>
+          <a:lstStyle/>
+          <a:p>
+            <a:r>
+              <a:rPr lang="it-IT" sz="2000" b="1" dirty="0" err="1"/>
+              <a:t>Relevant</a:t>
+            </a:r>
+            <a:r>
+              <a:rPr lang="it-IT" sz="2000" b="1" dirty="0"/>
+              <a:t> </a:t>
+            </a:r>
+            <a:r>
+              <a:rPr lang="it-IT" sz="2000" b="1" dirty="0" err="1"/>
+              <a:t>Interfaces</a:t>
+            </a:r>
+            <a:r>
+              <a:rPr lang="it-IT" sz="2000" b="1" dirty="0"/>
+              <a:t>:</a:t>
+            </a:r>
+          </a:p>
+        </p:txBody>
+      </p:sp>
+      <p:sp>
+        <p:nvSpPr>
+          <p:cNvPr id="32" name="CasellaDiTesto 31">
+            <a:extLst>
+              <a:ext uri="{FF2B5EF4-FFF2-40B4-BE49-F238E27FC236}">
+                <a16:creationId xmlns:a16="http://schemas.microsoft.com/office/drawing/2014/main" id="{CD452B00-8411-9460-9D7E-0C8CEB6E9A4D}"/>
+              </a:ext>
+            </a:extLst>
+          </p:cNvPr>
+          <p:cNvSpPr txBox="1"/>
+          <p:nvPr/>
+        </p:nvSpPr>
+        <p:spPr>
+          <a:xfrm>
+            <a:off x="8046941" y="1470688"/>
+            <a:ext cx="3855257" cy="923330"/>
+          </a:xfrm>
+          <a:prstGeom prst="rect">
+            <a:avLst/>
+          </a:prstGeom>
+          <a:noFill/>
+        </p:spPr>
+        <p:txBody>
+          <a:bodyPr wrap="square">
+            <a:spAutoFit/>
+          </a:bodyPr>
+          <a:lstStyle/>
+          <a:p>
+            <a:r>
+              <a:rPr lang="en-US" b="1" dirty="0"/>
+              <a:t>– </a:t>
+            </a:r>
+            <a:r>
+              <a:rPr lang="en-US" b="1" dirty="0" err="1"/>
+              <a:t>buildAndTest</a:t>
+            </a:r>
+            <a:r>
+              <a:rPr lang="en-US" b="1" dirty="0"/>
+              <a:t>(repo: Slug): </a:t>
+            </a:r>
+            <a:r>
+              <a:rPr lang="en-US" b="1" i="1" dirty="0" err="1"/>
+              <a:t>TestReport</a:t>
+            </a:r>
+            <a:r>
+              <a:rPr lang="en-US" b="1" dirty="0"/>
+              <a:t> </a:t>
+            </a:r>
+            <a:r>
+              <a:rPr lang="en-US" dirty="0"/>
+              <a:t>build the given repository, run its tests and produce a report</a:t>
+            </a:r>
+            <a:endParaRPr lang="it-IT" dirty="0"/>
+          </a:p>
+        </p:txBody>
+      </p:sp>
+      <p:pic>
+        <p:nvPicPr>
+          <p:cNvPr id="34" name="Immagine 33">
+            <a:extLst>
+              <a:ext uri="{FF2B5EF4-FFF2-40B4-BE49-F238E27FC236}">
+                <a16:creationId xmlns:a16="http://schemas.microsoft.com/office/drawing/2014/main" id="{7332C075-1D37-48A8-D3E2-D7659FABA1C3}"/>
+              </a:ext>
+            </a:extLst>
+          </p:cNvPr>
+          <p:cNvPicPr>
+            <a:picLocks noChangeAspect="1"/>
+          </p:cNvPicPr>
+          <p:nvPr/>
+        </p:nvPicPr>
+        <p:blipFill>
+          <a:blip r:embed="rId5">
+            <a:extLst>
+              <a:ext uri="{28A0092B-C50C-407E-A947-70E740481C1C}">
+                <a14:useLocalDpi xmlns:a14="http://schemas.microsoft.com/office/drawing/2010/main" val="0"/>
+              </a:ext>
+            </a:extLst>
+          </a:blip>
+          <a:stretch>
+            <a:fillRect/>
+          </a:stretch>
+        </p:blipFill>
+        <p:spPr>
+          <a:xfrm>
+            <a:off x="8326853" y="2773951"/>
+            <a:ext cx="1727302" cy="1091341"/>
+          </a:xfrm>
+          <a:prstGeom prst="rect">
+            <a:avLst/>
+          </a:prstGeom>
+        </p:spPr>
+      </p:pic>
+      <p:cxnSp>
+        <p:nvCxnSpPr>
+          <p:cNvPr id="36" name="Connettore a gomito 35">
+            <a:extLst>
+              <a:ext uri="{FF2B5EF4-FFF2-40B4-BE49-F238E27FC236}">
+                <a16:creationId xmlns:a16="http://schemas.microsoft.com/office/drawing/2014/main" id="{D02F0A62-7511-BFCA-780B-E268A7B58A9D}"/>
+              </a:ext>
+            </a:extLst>
+          </p:cNvPr>
+          <p:cNvCxnSpPr>
+            <a:endCxn id="34" idx="3"/>
+          </p:cNvCxnSpPr>
+          <p:nvPr/>
+        </p:nvCxnSpPr>
+        <p:spPr>
+          <a:xfrm rot="10800000" flipV="1">
+            <a:off x="10054155" y="1669926"/>
+            <a:ext cx="1766370" cy="1649695"/>
+          </a:xfrm>
+          <a:prstGeom prst="bentConnector3">
+            <a:avLst>
+              <a:gd name="adj1" fmla="val -4521"/>
+            </a:avLst>
+          </a:prstGeom>
+          <a:ln>
+            <a:tailEnd type="triangle"/>
+          </a:ln>
+        </p:spPr>
+        <p:style>
+          <a:lnRef idx="1">
+            <a:schemeClr val="dk1"/>
+          </a:lnRef>
+          <a:fillRef idx="0">
+            <a:schemeClr val="dk1"/>
+          </a:fillRef>
+          <a:effectRef idx="0">
+            <a:schemeClr val="dk1"/>
+          </a:effectRef>
+          <a:fontRef idx="minor">
+            <a:schemeClr val="tx1"/>
+          </a:fontRef>
+        </p:style>
+      </p:cxnSp>
+    </p:spTree>
+    <p:extLst>
+      <p:ext uri="{BB962C8B-B14F-4D97-AF65-F5344CB8AC3E}">
+        <p14:creationId xmlns:p14="http://schemas.microsoft.com/office/powerpoint/2010/main" val="502022629"/>
+      </p:ext>
+    </p:extLst>
+  </p:cSld>
+  <p:clrMapOvr>
+    <a:masterClrMapping/>
+  </p:clrMapOvr>
+</p:sld>
+</file>
+
 <file path=ppt/slides/slide2.xml><?xml version="1.0" encoding="utf-8"?>
 <p:sld xmlns:a="http://schemas.openxmlformats.org/drawingml/2006/main" xmlns:r="http://schemas.openxmlformats.org/officeDocument/2006/relationships" xmlns:p="http://schemas.openxmlformats.org/presentationml/2006/main">
   <p:cSld>
@@ -13369,6 +17761,3883 @@
     <p:extLst>
       <p:ext uri="{BB962C8B-B14F-4D97-AF65-F5344CB8AC3E}">
         <p14:creationId xmlns:p14="http://schemas.microsoft.com/office/powerpoint/2010/main" val="1912699942"/>
+      </p:ext>
+    </p:extLst>
+  </p:cSld>
+  <p:clrMapOvr>
+    <a:masterClrMapping/>
+  </p:clrMapOvr>
+</p:sld>
+</file>
+
+<file path=ppt/slides/slide20.xml><?xml version="1.0" encoding="utf-8"?>
+<p:sld xmlns:a="http://schemas.openxmlformats.org/drawingml/2006/main" xmlns:r="http://schemas.openxmlformats.org/officeDocument/2006/relationships" xmlns:p="http://schemas.openxmlformats.org/presentationml/2006/main">
+  <p:cSld>
+    <p:spTree>
+      <p:nvGrpSpPr>
+        <p:cNvPr id="1" name=""/>
+        <p:cNvGrpSpPr/>
+        <p:nvPr/>
+      </p:nvGrpSpPr>
+      <p:grpSpPr>
+        <a:xfrm>
+          <a:off x="0" y="0"/>
+          <a:ext cx="0" cy="0"/>
+          <a:chOff x="0" y="0"/>
+          <a:chExt cx="0" cy="0"/>
+        </a:xfrm>
+      </p:grpSpPr>
+      <p:sp>
+        <p:nvSpPr>
+          <p:cNvPr id="2" name="Titolo 1">
+            <a:extLst>
+              <a:ext uri="{FF2B5EF4-FFF2-40B4-BE49-F238E27FC236}">
+                <a16:creationId xmlns:a16="http://schemas.microsoft.com/office/drawing/2014/main" id="{2F0F54F1-30A2-8CB0-FB41-D453BFB68609}"/>
+              </a:ext>
+            </a:extLst>
+          </p:cNvPr>
+          <p:cNvSpPr>
+            <a:spLocks noGrp="1"/>
+          </p:cNvSpPr>
+          <p:nvPr>
+            <p:ph type="title"/>
+          </p:nvPr>
+        </p:nvSpPr>
+        <p:spPr>
+          <a:xfrm>
+            <a:off x="514351" y="66675"/>
+            <a:ext cx="11306174" cy="801575"/>
+          </a:xfrm>
+        </p:spPr>
+        <p:txBody>
+          <a:bodyPr>
+            <a:normAutofit/>
+          </a:bodyPr>
+          <a:lstStyle/>
+          <a:p>
+            <a:r>
+              <a:rPr lang="it-IT" dirty="0" err="1"/>
+              <a:t>Important</a:t>
+            </a:r>
+            <a:r>
+              <a:rPr lang="it-IT" dirty="0"/>
+              <a:t> Component and </a:t>
+            </a:r>
+            <a:r>
+              <a:rPr lang="it-IT" dirty="0" err="1"/>
+              <a:t>Interfaces</a:t>
+            </a:r>
+            <a:r>
+              <a:rPr lang="it-IT" dirty="0"/>
+              <a:t> (4/5)</a:t>
+            </a:r>
+          </a:p>
+        </p:txBody>
+      </p:sp>
+      <p:sp>
+        <p:nvSpPr>
+          <p:cNvPr id="5" name="Segnaposto numero diapositiva 4">
+            <a:extLst>
+              <a:ext uri="{FF2B5EF4-FFF2-40B4-BE49-F238E27FC236}">
+                <a16:creationId xmlns:a16="http://schemas.microsoft.com/office/drawing/2014/main" id="{79AF0F05-DA26-47DA-F61A-771A61AB86B8}"/>
+              </a:ext>
+            </a:extLst>
+          </p:cNvPr>
+          <p:cNvSpPr>
+            <a:spLocks noGrp="1"/>
+          </p:cNvSpPr>
+          <p:nvPr>
+            <p:ph type="sldNum" sz="quarter" idx="12"/>
+          </p:nvPr>
+        </p:nvSpPr>
+        <p:spPr/>
+        <p:txBody>
+          <a:bodyPr/>
+          <a:lstStyle/>
+          <a:p>
+            <a:fld id="{9732ED0D-4952-4698-A180-3B5BCDA8B725}" type="slidenum">
+              <a:rPr lang="it-IT" smtClean="0"/>
+              <a:t>20</a:t>
+            </a:fld>
+            <a:endParaRPr lang="it-IT" dirty="0"/>
+          </a:p>
+        </p:txBody>
+      </p:sp>
+      <p:sp>
+        <p:nvSpPr>
+          <p:cNvPr id="7" name="Titolo 1">
+            <a:extLst>
+              <a:ext uri="{FF2B5EF4-FFF2-40B4-BE49-F238E27FC236}">
+                <a16:creationId xmlns:a16="http://schemas.microsoft.com/office/drawing/2014/main" id="{96476321-981C-B9DE-AF5D-950245CBF5B7}"/>
+              </a:ext>
+            </a:extLst>
+          </p:cNvPr>
+          <p:cNvSpPr txBox="1">
+            <a:spLocks/>
+          </p:cNvSpPr>
+          <p:nvPr/>
+        </p:nvSpPr>
+        <p:spPr>
+          <a:xfrm>
+            <a:off x="514351" y="738644"/>
+            <a:ext cx="11306174" cy="801575"/>
+          </a:xfrm>
+          <a:prstGeom prst="rect">
+            <a:avLst/>
+          </a:prstGeom>
+        </p:spPr>
+        <p:txBody>
+          <a:bodyPr vert="horz" lIns="91440" tIns="45720" rIns="91440" bIns="45720" rtlCol="0" anchor="ctr">
+            <a:normAutofit/>
+          </a:bodyPr>
+          <a:lstStyle>
+            <a:lvl1pPr algn="l" defTabSz="914400" rtl="0" eaLnBrk="1" latinLnBrk="0" hangingPunct="1">
+              <a:lnSpc>
+                <a:spcPct val="90000"/>
+              </a:lnSpc>
+              <a:spcBef>
+                <a:spcPct val="0"/>
+              </a:spcBef>
+              <a:buNone/>
+              <a:defRPr sz="4400" kern="1200">
+                <a:solidFill>
+                  <a:schemeClr val="tx1"/>
+                </a:solidFill>
+                <a:latin typeface="+mj-lt"/>
+                <a:ea typeface="+mj-ea"/>
+                <a:cs typeface="+mj-cs"/>
+              </a:defRPr>
+            </a:lvl1pPr>
+          </a:lstStyle>
+          <a:p>
+            <a:pPr marL="457200" indent="-457200">
+              <a:buFont typeface="Arial" panose="020B0604020202020204" pitchFamily="34" charset="0"/>
+              <a:buChar char="•"/>
+            </a:pPr>
+            <a:r>
+              <a:rPr lang="it-IT" sz="3500" b="1" dirty="0" err="1"/>
+              <a:t>Static</a:t>
+            </a:r>
+            <a:r>
+              <a:rPr lang="it-IT" sz="3500" b="1" dirty="0"/>
+              <a:t> Analysis Service</a:t>
+            </a:r>
+          </a:p>
+        </p:txBody>
+      </p:sp>
+      <p:sp>
+        <p:nvSpPr>
+          <p:cNvPr id="9" name="CasellaDiTesto 8">
+            <a:extLst>
+              <a:ext uri="{FF2B5EF4-FFF2-40B4-BE49-F238E27FC236}">
+                <a16:creationId xmlns:a16="http://schemas.microsoft.com/office/drawing/2014/main" id="{1C172D3A-096F-4FBF-56F4-8DF5D2111361}"/>
+              </a:ext>
+            </a:extLst>
+          </p:cNvPr>
+          <p:cNvSpPr txBox="1"/>
+          <p:nvPr/>
+        </p:nvSpPr>
+        <p:spPr>
+          <a:xfrm>
+            <a:off x="966281" y="1357480"/>
+            <a:ext cx="10711368" cy="707886"/>
+          </a:xfrm>
+          <a:prstGeom prst="rect">
+            <a:avLst/>
+          </a:prstGeom>
+          <a:noFill/>
+        </p:spPr>
+        <p:txBody>
+          <a:bodyPr wrap="square">
+            <a:spAutoFit/>
+          </a:bodyPr>
+          <a:lstStyle/>
+          <a:p>
+            <a:r>
+              <a:rPr lang="it-IT" sz="2000" dirty="0" err="1"/>
+              <a:t>Based</a:t>
+            </a:r>
+            <a:r>
+              <a:rPr lang="it-IT" sz="2000" dirty="0"/>
+              <a:t> on the </a:t>
+            </a:r>
+            <a:r>
+              <a:rPr lang="it-IT" sz="2000" b="1" dirty="0" err="1"/>
+              <a:t>SonarCloud</a:t>
+            </a:r>
+            <a:br>
+              <a:rPr lang="it-IT" sz="2000" b="1" dirty="0"/>
+            </a:br>
+            <a:endParaRPr lang="it-IT" sz="2000" b="1" dirty="0"/>
+          </a:p>
+        </p:txBody>
+      </p:sp>
+      <p:pic>
+        <p:nvPicPr>
+          <p:cNvPr id="4" name="Immagine 3">
+            <a:extLst>
+              <a:ext uri="{FF2B5EF4-FFF2-40B4-BE49-F238E27FC236}">
+                <a16:creationId xmlns:a16="http://schemas.microsoft.com/office/drawing/2014/main" id="{B3A1C0C7-CE1B-F4F9-A0C8-9B74045B3FCD}"/>
+              </a:ext>
+            </a:extLst>
+          </p:cNvPr>
+          <p:cNvPicPr>
+            <a:picLocks noChangeAspect="1"/>
+          </p:cNvPicPr>
+          <p:nvPr/>
+        </p:nvPicPr>
+        <p:blipFill>
+          <a:blip r:embed="rId3">
+            <a:extLst>
+              <a:ext uri="{28A0092B-C50C-407E-A947-70E740481C1C}">
+                <a14:useLocalDpi xmlns:a14="http://schemas.microsoft.com/office/drawing/2010/main" val="0"/>
+              </a:ext>
+            </a:extLst>
+          </a:blip>
+          <a:stretch>
+            <a:fillRect/>
+          </a:stretch>
+        </p:blipFill>
+        <p:spPr>
+          <a:xfrm>
+            <a:off x="5062948" y="1036612"/>
+            <a:ext cx="2796419" cy="517074"/>
+          </a:xfrm>
+          <a:prstGeom prst="rect">
+            <a:avLst/>
+          </a:prstGeom>
+        </p:spPr>
+      </p:pic>
+      <p:sp>
+        <p:nvSpPr>
+          <p:cNvPr id="8" name="Rettangolo 7">
+            <a:extLst>
+              <a:ext uri="{FF2B5EF4-FFF2-40B4-BE49-F238E27FC236}">
+                <a16:creationId xmlns:a16="http://schemas.microsoft.com/office/drawing/2014/main" id="{A4E89924-01DA-D47C-897E-714F55AEF71C}"/>
+              </a:ext>
+            </a:extLst>
+          </p:cNvPr>
+          <p:cNvSpPr/>
+          <p:nvPr/>
+        </p:nvSpPr>
+        <p:spPr>
+          <a:xfrm>
+            <a:off x="8067675" y="971550"/>
+            <a:ext cx="3940424" cy="1973633"/>
+          </a:xfrm>
+          <a:prstGeom prst="rect">
+            <a:avLst/>
+          </a:prstGeom>
+          <a:noFill/>
+          <a:ln>
+            <a:solidFill>
+              <a:schemeClr val="tx1"/>
+            </a:solidFill>
+          </a:ln>
+        </p:spPr>
+        <p:style>
+          <a:lnRef idx="2">
+            <a:schemeClr val="accent1">
+              <a:shade val="15000"/>
+            </a:schemeClr>
+          </a:lnRef>
+          <a:fillRef idx="1">
+            <a:schemeClr val="accent1"/>
+          </a:fillRef>
+          <a:effectRef idx="0">
+            <a:schemeClr val="accent1"/>
+          </a:effectRef>
+          <a:fontRef idx="minor">
+            <a:schemeClr val="lt1"/>
+          </a:fontRef>
+        </p:style>
+        <p:txBody>
+          <a:bodyPr rtlCol="0" anchor="ctr"/>
+          <a:lstStyle/>
+          <a:p>
+            <a:pPr algn="ctr"/>
+            <a:endParaRPr lang="it-IT"/>
+          </a:p>
+        </p:txBody>
+      </p:sp>
+      <p:sp>
+        <p:nvSpPr>
+          <p:cNvPr id="11" name="CasellaDiTesto 10">
+            <a:extLst>
+              <a:ext uri="{FF2B5EF4-FFF2-40B4-BE49-F238E27FC236}">
+                <a16:creationId xmlns:a16="http://schemas.microsoft.com/office/drawing/2014/main" id="{70C77E26-2C67-CCA4-D063-78040B8A1DD8}"/>
+              </a:ext>
+            </a:extLst>
+          </p:cNvPr>
+          <p:cNvSpPr txBox="1"/>
+          <p:nvPr/>
+        </p:nvSpPr>
+        <p:spPr>
+          <a:xfrm>
+            <a:off x="8067675" y="1003537"/>
+            <a:ext cx="3855257" cy="400110"/>
+          </a:xfrm>
+          <a:prstGeom prst="rect">
+            <a:avLst/>
+          </a:prstGeom>
+          <a:noFill/>
+        </p:spPr>
+        <p:txBody>
+          <a:bodyPr wrap="square">
+            <a:spAutoFit/>
+          </a:bodyPr>
+          <a:lstStyle/>
+          <a:p>
+            <a:r>
+              <a:rPr lang="it-IT" sz="2000" b="1" dirty="0" err="1"/>
+              <a:t>Relevant</a:t>
+            </a:r>
+            <a:r>
+              <a:rPr lang="it-IT" sz="2000" b="1" dirty="0"/>
+              <a:t> </a:t>
+            </a:r>
+            <a:r>
+              <a:rPr lang="it-IT" sz="2000" b="1" dirty="0" err="1"/>
+              <a:t>Interfaces</a:t>
+            </a:r>
+            <a:r>
+              <a:rPr lang="it-IT" sz="2000" b="1" dirty="0"/>
+              <a:t>:</a:t>
+            </a:r>
+          </a:p>
+        </p:txBody>
+      </p:sp>
+      <p:sp>
+        <p:nvSpPr>
+          <p:cNvPr id="12" name="CasellaDiTesto 11">
+            <a:extLst>
+              <a:ext uri="{FF2B5EF4-FFF2-40B4-BE49-F238E27FC236}">
+                <a16:creationId xmlns:a16="http://schemas.microsoft.com/office/drawing/2014/main" id="{F88FE1F4-A05B-0DE5-3B45-16CC878730B2}"/>
+              </a:ext>
+            </a:extLst>
+          </p:cNvPr>
+          <p:cNvSpPr txBox="1"/>
+          <p:nvPr/>
+        </p:nvSpPr>
+        <p:spPr>
+          <a:xfrm>
+            <a:off x="8046941" y="1470688"/>
+            <a:ext cx="3855257" cy="923330"/>
+          </a:xfrm>
+          <a:prstGeom prst="rect">
+            <a:avLst/>
+          </a:prstGeom>
+          <a:noFill/>
+        </p:spPr>
+        <p:txBody>
+          <a:bodyPr wrap="square">
+            <a:spAutoFit/>
+          </a:bodyPr>
+          <a:lstStyle/>
+          <a:p>
+            <a:r>
+              <a:rPr lang="en-US" b="1" dirty="0"/>
+              <a:t>– </a:t>
+            </a:r>
+            <a:r>
+              <a:rPr lang="en-US" b="1" dirty="0" err="1"/>
+              <a:t>analyse</a:t>
+            </a:r>
+            <a:r>
+              <a:rPr lang="en-US" b="1" dirty="0"/>
+              <a:t>(repo: Slug): </a:t>
+            </a:r>
+            <a:r>
+              <a:rPr lang="en-US" b="1" i="1" dirty="0" err="1"/>
+              <a:t>SatReport</a:t>
+            </a:r>
+            <a:r>
+              <a:rPr lang="en-US" b="1" dirty="0"/>
+              <a:t> </a:t>
+            </a:r>
+            <a:br>
+              <a:rPr lang="en-US" dirty="0"/>
+            </a:br>
+            <a:r>
+              <a:rPr lang="en-US" dirty="0"/>
+              <a:t>run static analysis on the given repository and produce a report </a:t>
+            </a:r>
+            <a:endParaRPr lang="it-IT" dirty="0"/>
+          </a:p>
+        </p:txBody>
+      </p:sp>
+      <p:sp>
+        <p:nvSpPr>
+          <p:cNvPr id="17" name="CasellaDiTesto 16">
+            <a:extLst>
+              <a:ext uri="{FF2B5EF4-FFF2-40B4-BE49-F238E27FC236}">
+                <a16:creationId xmlns:a16="http://schemas.microsoft.com/office/drawing/2014/main" id="{98828081-DA17-5F31-06A9-FEC2D8DF299B}"/>
+              </a:ext>
+            </a:extLst>
+          </p:cNvPr>
+          <p:cNvSpPr txBox="1"/>
+          <p:nvPr/>
+        </p:nvSpPr>
+        <p:spPr>
+          <a:xfrm>
+            <a:off x="966281" y="3757447"/>
+            <a:ext cx="11130469" cy="400110"/>
+          </a:xfrm>
+          <a:prstGeom prst="rect">
+            <a:avLst/>
+          </a:prstGeom>
+          <a:noFill/>
+        </p:spPr>
+        <p:txBody>
+          <a:bodyPr wrap="square">
+            <a:spAutoFit/>
+          </a:bodyPr>
+          <a:lstStyle/>
+          <a:p>
+            <a:r>
+              <a:rPr lang="en-US" sz="2000" dirty="0"/>
+              <a:t>Inside each battle it’s specified the </a:t>
+            </a:r>
+            <a:r>
+              <a:rPr lang="en-US" sz="2000" b="1" dirty="0" err="1"/>
+              <a:t>sonarRules</a:t>
+            </a:r>
+            <a:r>
+              <a:rPr lang="en-US" sz="2000" b="1" dirty="0"/>
+              <a:t> field </a:t>
+            </a:r>
+            <a:r>
+              <a:rPr lang="en-US" sz="2000" dirty="0"/>
+              <a:t>to be applied by </a:t>
+            </a:r>
+            <a:r>
+              <a:rPr lang="en-US" sz="2000" dirty="0" err="1"/>
+              <a:t>SonarCloud</a:t>
+            </a:r>
+            <a:r>
+              <a:rPr lang="en-US" sz="2000" dirty="0"/>
+              <a:t> when scanning</a:t>
+            </a:r>
+            <a:endParaRPr lang="it-IT" sz="2000" b="1" dirty="0"/>
+          </a:p>
+        </p:txBody>
+      </p:sp>
+      <p:cxnSp>
+        <p:nvCxnSpPr>
+          <p:cNvPr id="19" name="Connettore 2 18">
+            <a:extLst>
+              <a:ext uri="{FF2B5EF4-FFF2-40B4-BE49-F238E27FC236}">
+                <a16:creationId xmlns:a16="http://schemas.microsoft.com/office/drawing/2014/main" id="{80489D92-DE7C-AEE2-6BA4-6E34B4F0DA2C}"/>
+              </a:ext>
+            </a:extLst>
+          </p:cNvPr>
+          <p:cNvCxnSpPr>
+            <a:cxnSpLocks/>
+          </p:cNvCxnSpPr>
+          <p:nvPr/>
+        </p:nvCxnSpPr>
+        <p:spPr>
+          <a:xfrm>
+            <a:off x="2953871" y="1829330"/>
+            <a:ext cx="0" cy="1928117"/>
+          </a:xfrm>
+          <a:prstGeom prst="straightConnector1">
+            <a:avLst/>
+          </a:prstGeom>
+          <a:ln>
+            <a:tailEnd type="triangle"/>
+          </a:ln>
+        </p:spPr>
+        <p:style>
+          <a:lnRef idx="2">
+            <a:schemeClr val="dk1"/>
+          </a:lnRef>
+          <a:fillRef idx="0">
+            <a:schemeClr val="dk1"/>
+          </a:fillRef>
+          <a:effectRef idx="1">
+            <a:schemeClr val="dk1"/>
+          </a:effectRef>
+          <a:fontRef idx="minor">
+            <a:schemeClr val="tx1"/>
+          </a:fontRef>
+        </p:style>
+      </p:cxnSp>
+      <p:sp>
+        <p:nvSpPr>
+          <p:cNvPr id="20" name="CasellaDiTesto 19">
+            <a:extLst>
+              <a:ext uri="{FF2B5EF4-FFF2-40B4-BE49-F238E27FC236}">
+                <a16:creationId xmlns:a16="http://schemas.microsoft.com/office/drawing/2014/main" id="{A753ABEE-E892-95F4-A399-1981FD932F7E}"/>
+              </a:ext>
+            </a:extLst>
+          </p:cNvPr>
+          <p:cNvSpPr txBox="1"/>
+          <p:nvPr/>
+        </p:nvSpPr>
+        <p:spPr>
+          <a:xfrm>
+            <a:off x="2974606" y="2469545"/>
+            <a:ext cx="1850313" cy="400110"/>
+          </a:xfrm>
+          <a:prstGeom prst="rect">
+            <a:avLst/>
+          </a:prstGeom>
+          <a:noFill/>
+        </p:spPr>
+        <p:txBody>
+          <a:bodyPr wrap="square">
+            <a:spAutoFit/>
+          </a:bodyPr>
+          <a:lstStyle/>
+          <a:p>
+            <a:r>
+              <a:rPr lang="it-IT" sz="2000" i="1" dirty="0"/>
+              <a:t>How?</a:t>
+            </a:r>
+          </a:p>
+        </p:txBody>
+      </p:sp>
+      <p:pic>
+        <p:nvPicPr>
+          <p:cNvPr id="25" name="Immagine 24">
+            <a:extLst>
+              <a:ext uri="{FF2B5EF4-FFF2-40B4-BE49-F238E27FC236}">
+                <a16:creationId xmlns:a16="http://schemas.microsoft.com/office/drawing/2014/main" id="{EB2853EF-6CE8-D639-725C-77B2CC3D7E8C}"/>
+              </a:ext>
+            </a:extLst>
+          </p:cNvPr>
+          <p:cNvPicPr>
+            <a:picLocks noChangeAspect="1"/>
+          </p:cNvPicPr>
+          <p:nvPr/>
+        </p:nvPicPr>
+        <p:blipFill>
+          <a:blip r:embed="rId4">
+            <a:extLst>
+              <a:ext uri="{28A0092B-C50C-407E-A947-70E740481C1C}">
+                <a14:useLocalDpi xmlns:a14="http://schemas.microsoft.com/office/drawing/2010/main" val="0"/>
+              </a:ext>
+            </a:extLst>
+          </a:blip>
+          <a:stretch>
+            <a:fillRect/>
+          </a:stretch>
+        </p:blipFill>
+        <p:spPr>
+          <a:xfrm>
+            <a:off x="1874652" y="4166735"/>
+            <a:ext cx="3188296" cy="2183389"/>
+          </a:xfrm>
+          <a:prstGeom prst="rect">
+            <a:avLst/>
+          </a:prstGeom>
+        </p:spPr>
+      </p:pic>
+      <p:pic>
+        <p:nvPicPr>
+          <p:cNvPr id="29" name="Immagine 28">
+            <a:extLst>
+              <a:ext uri="{FF2B5EF4-FFF2-40B4-BE49-F238E27FC236}">
+                <a16:creationId xmlns:a16="http://schemas.microsoft.com/office/drawing/2014/main" id="{1D8FC601-2CB7-7E2A-9150-921DB88138F5}"/>
+              </a:ext>
+            </a:extLst>
+          </p:cNvPr>
+          <p:cNvPicPr>
+            <a:picLocks noChangeAspect="1"/>
+          </p:cNvPicPr>
+          <p:nvPr/>
+        </p:nvPicPr>
+        <p:blipFill>
+          <a:blip r:embed="rId5">
+            <a:extLst>
+              <a:ext uri="{28A0092B-C50C-407E-A947-70E740481C1C}">
+                <a14:useLocalDpi xmlns:a14="http://schemas.microsoft.com/office/drawing/2010/main" val="0"/>
+              </a:ext>
+            </a:extLst>
+          </a:blip>
+          <a:stretch>
+            <a:fillRect/>
+          </a:stretch>
+        </p:blipFill>
+        <p:spPr>
+          <a:xfrm>
+            <a:off x="7026204" y="3122269"/>
+            <a:ext cx="4423850" cy="400109"/>
+          </a:xfrm>
+          <a:prstGeom prst="rect">
+            <a:avLst/>
+          </a:prstGeom>
+        </p:spPr>
+      </p:pic>
+      <p:cxnSp>
+        <p:nvCxnSpPr>
+          <p:cNvPr id="34" name="Connettore a gomito 33">
+            <a:extLst>
+              <a:ext uri="{FF2B5EF4-FFF2-40B4-BE49-F238E27FC236}">
+                <a16:creationId xmlns:a16="http://schemas.microsoft.com/office/drawing/2014/main" id="{F9829263-642E-6FE5-85A3-5F4E7449F7E7}"/>
+              </a:ext>
+            </a:extLst>
+          </p:cNvPr>
+          <p:cNvCxnSpPr>
+            <a:cxnSpLocks/>
+            <a:endCxn id="29" idx="3"/>
+          </p:cNvCxnSpPr>
+          <p:nvPr/>
+        </p:nvCxnSpPr>
+        <p:spPr>
+          <a:xfrm rot="16200000" flipH="1">
+            <a:off x="10521366" y="2393636"/>
+            <a:ext cx="1633040" cy="224336"/>
+          </a:xfrm>
+          <a:prstGeom prst="bentConnector4">
+            <a:avLst>
+              <a:gd name="adj1" fmla="val -801"/>
+              <a:gd name="adj2" fmla="val 201901"/>
+            </a:avLst>
+          </a:prstGeom>
+          <a:ln>
+            <a:tailEnd type="triangle"/>
+          </a:ln>
+        </p:spPr>
+        <p:style>
+          <a:lnRef idx="1">
+            <a:schemeClr val="dk1"/>
+          </a:lnRef>
+          <a:fillRef idx="0">
+            <a:schemeClr val="dk1"/>
+          </a:fillRef>
+          <a:effectRef idx="0">
+            <a:schemeClr val="dk1"/>
+          </a:effectRef>
+          <a:fontRef idx="minor">
+            <a:schemeClr val="tx1"/>
+          </a:fontRef>
+        </p:style>
+      </p:cxnSp>
+    </p:spTree>
+    <p:extLst>
+      <p:ext uri="{BB962C8B-B14F-4D97-AF65-F5344CB8AC3E}">
+        <p14:creationId xmlns:p14="http://schemas.microsoft.com/office/powerpoint/2010/main" val="130180620"/>
+      </p:ext>
+    </p:extLst>
+  </p:cSld>
+  <p:clrMapOvr>
+    <a:masterClrMapping/>
+  </p:clrMapOvr>
+</p:sld>
+</file>
+
+<file path=ppt/slides/slide21.xml><?xml version="1.0" encoding="utf-8"?>
+<p:sld xmlns:a="http://schemas.openxmlformats.org/drawingml/2006/main" xmlns:r="http://schemas.openxmlformats.org/officeDocument/2006/relationships" xmlns:p="http://schemas.openxmlformats.org/presentationml/2006/main">
+  <p:cSld>
+    <p:spTree>
+      <p:nvGrpSpPr>
+        <p:cNvPr id="1" name=""/>
+        <p:cNvGrpSpPr/>
+        <p:nvPr/>
+      </p:nvGrpSpPr>
+      <p:grpSpPr>
+        <a:xfrm>
+          <a:off x="0" y="0"/>
+          <a:ext cx="0" cy="0"/>
+          <a:chOff x="0" y="0"/>
+          <a:chExt cx="0" cy="0"/>
+        </a:xfrm>
+      </p:grpSpPr>
+      <p:sp>
+        <p:nvSpPr>
+          <p:cNvPr id="2" name="Titolo 1">
+            <a:extLst>
+              <a:ext uri="{FF2B5EF4-FFF2-40B4-BE49-F238E27FC236}">
+                <a16:creationId xmlns:a16="http://schemas.microsoft.com/office/drawing/2014/main" id="{2F0F54F1-30A2-8CB0-FB41-D453BFB68609}"/>
+              </a:ext>
+            </a:extLst>
+          </p:cNvPr>
+          <p:cNvSpPr>
+            <a:spLocks noGrp="1"/>
+          </p:cNvSpPr>
+          <p:nvPr>
+            <p:ph type="title"/>
+          </p:nvPr>
+        </p:nvSpPr>
+        <p:spPr>
+          <a:xfrm>
+            <a:off x="514351" y="66675"/>
+            <a:ext cx="11306174" cy="801575"/>
+          </a:xfrm>
+        </p:spPr>
+        <p:txBody>
+          <a:bodyPr>
+            <a:normAutofit/>
+          </a:bodyPr>
+          <a:lstStyle/>
+          <a:p>
+            <a:r>
+              <a:rPr lang="it-IT" dirty="0" err="1"/>
+              <a:t>Important</a:t>
+            </a:r>
+            <a:r>
+              <a:rPr lang="it-IT" dirty="0"/>
+              <a:t> Component and </a:t>
+            </a:r>
+            <a:r>
+              <a:rPr lang="it-IT" dirty="0" err="1"/>
+              <a:t>Interfaces</a:t>
+            </a:r>
+            <a:r>
+              <a:rPr lang="it-IT" dirty="0"/>
+              <a:t> (5/5)</a:t>
+            </a:r>
+          </a:p>
+        </p:txBody>
+      </p:sp>
+      <p:sp>
+        <p:nvSpPr>
+          <p:cNvPr id="5" name="Segnaposto numero diapositiva 4">
+            <a:extLst>
+              <a:ext uri="{FF2B5EF4-FFF2-40B4-BE49-F238E27FC236}">
+                <a16:creationId xmlns:a16="http://schemas.microsoft.com/office/drawing/2014/main" id="{79AF0F05-DA26-47DA-F61A-771A61AB86B8}"/>
+              </a:ext>
+            </a:extLst>
+          </p:cNvPr>
+          <p:cNvSpPr>
+            <a:spLocks noGrp="1"/>
+          </p:cNvSpPr>
+          <p:nvPr>
+            <p:ph type="sldNum" sz="quarter" idx="12"/>
+          </p:nvPr>
+        </p:nvSpPr>
+        <p:spPr/>
+        <p:txBody>
+          <a:bodyPr/>
+          <a:lstStyle/>
+          <a:p>
+            <a:fld id="{9732ED0D-4952-4698-A180-3B5BCDA8B725}" type="slidenum">
+              <a:rPr lang="it-IT" smtClean="0"/>
+              <a:t>21</a:t>
+            </a:fld>
+            <a:endParaRPr lang="it-IT" dirty="0"/>
+          </a:p>
+        </p:txBody>
+      </p:sp>
+      <p:sp>
+        <p:nvSpPr>
+          <p:cNvPr id="7" name="Titolo 1">
+            <a:extLst>
+              <a:ext uri="{FF2B5EF4-FFF2-40B4-BE49-F238E27FC236}">
+                <a16:creationId xmlns:a16="http://schemas.microsoft.com/office/drawing/2014/main" id="{96476321-981C-B9DE-AF5D-950245CBF5B7}"/>
+              </a:ext>
+            </a:extLst>
+          </p:cNvPr>
+          <p:cNvSpPr txBox="1">
+            <a:spLocks/>
+          </p:cNvSpPr>
+          <p:nvPr/>
+        </p:nvSpPr>
+        <p:spPr>
+          <a:xfrm>
+            <a:off x="514351" y="738644"/>
+            <a:ext cx="11306174" cy="801575"/>
+          </a:xfrm>
+          <a:prstGeom prst="rect">
+            <a:avLst/>
+          </a:prstGeom>
+        </p:spPr>
+        <p:txBody>
+          <a:bodyPr vert="horz" lIns="91440" tIns="45720" rIns="91440" bIns="45720" rtlCol="0" anchor="ctr">
+            <a:normAutofit/>
+          </a:bodyPr>
+          <a:lstStyle>
+            <a:lvl1pPr algn="l" defTabSz="914400" rtl="0" eaLnBrk="1" latinLnBrk="0" hangingPunct="1">
+              <a:lnSpc>
+                <a:spcPct val="90000"/>
+              </a:lnSpc>
+              <a:spcBef>
+                <a:spcPct val="0"/>
+              </a:spcBef>
+              <a:buNone/>
+              <a:defRPr sz="4400" kern="1200">
+                <a:solidFill>
+                  <a:schemeClr val="tx1"/>
+                </a:solidFill>
+                <a:latin typeface="+mj-lt"/>
+                <a:ea typeface="+mj-ea"/>
+                <a:cs typeface="+mj-cs"/>
+              </a:defRPr>
+            </a:lvl1pPr>
+          </a:lstStyle>
+          <a:p>
+            <a:pPr marL="457200" indent="-457200">
+              <a:buFont typeface="Arial" panose="020B0604020202020204" pitchFamily="34" charset="0"/>
+              <a:buChar char="•"/>
+            </a:pPr>
+            <a:r>
+              <a:rPr lang="it-IT" sz="3500" b="1" dirty="0"/>
+              <a:t>Notification Service</a:t>
+            </a:r>
+          </a:p>
+        </p:txBody>
+      </p:sp>
+      <p:sp>
+        <p:nvSpPr>
+          <p:cNvPr id="9" name="CasellaDiTesto 8">
+            <a:extLst>
+              <a:ext uri="{FF2B5EF4-FFF2-40B4-BE49-F238E27FC236}">
+                <a16:creationId xmlns:a16="http://schemas.microsoft.com/office/drawing/2014/main" id="{1C172D3A-096F-4FBF-56F4-8DF5D2111361}"/>
+              </a:ext>
+            </a:extLst>
+          </p:cNvPr>
+          <p:cNvSpPr txBox="1"/>
+          <p:nvPr/>
+        </p:nvSpPr>
+        <p:spPr>
+          <a:xfrm>
+            <a:off x="966281" y="1357480"/>
+            <a:ext cx="10711368" cy="707886"/>
+          </a:xfrm>
+          <a:prstGeom prst="rect">
+            <a:avLst/>
+          </a:prstGeom>
+          <a:noFill/>
+        </p:spPr>
+        <p:txBody>
+          <a:bodyPr wrap="square">
+            <a:spAutoFit/>
+          </a:bodyPr>
+          <a:lstStyle/>
+          <a:p>
+            <a:r>
+              <a:rPr lang="it-IT" sz="2000" dirty="0" err="1"/>
+              <a:t>Asynchronous</a:t>
+            </a:r>
+            <a:r>
+              <a:rPr lang="it-IT" sz="2000" dirty="0"/>
+              <a:t> </a:t>
+            </a:r>
+            <a:r>
+              <a:rPr lang="it-IT" sz="2000" dirty="0" err="1"/>
+              <a:t>communication</a:t>
+            </a:r>
+            <a:r>
+              <a:rPr lang="it-IT" sz="2000" dirty="0"/>
+              <a:t> </a:t>
+            </a:r>
+            <a:r>
+              <a:rPr lang="it-IT" sz="2000" dirty="0" err="1"/>
+              <a:t>based</a:t>
+            </a:r>
+            <a:r>
+              <a:rPr lang="it-IT" sz="2000" dirty="0"/>
+              <a:t> on </a:t>
+            </a:r>
+            <a:r>
+              <a:rPr lang="it-IT" sz="2000" b="1" dirty="0" err="1"/>
+              <a:t>RabbitMQ</a:t>
+            </a:r>
+            <a:r>
+              <a:rPr lang="it-IT" sz="2000" dirty="0"/>
+              <a:t> </a:t>
+            </a:r>
+            <a:br>
+              <a:rPr lang="it-IT" sz="2000" b="1" dirty="0"/>
+            </a:br>
+            <a:endParaRPr lang="it-IT" sz="2000" b="1" dirty="0"/>
+          </a:p>
+        </p:txBody>
+      </p:sp>
+      <p:sp>
+        <p:nvSpPr>
+          <p:cNvPr id="26" name="CasellaDiTesto 25">
+            <a:extLst>
+              <a:ext uri="{FF2B5EF4-FFF2-40B4-BE49-F238E27FC236}">
+                <a16:creationId xmlns:a16="http://schemas.microsoft.com/office/drawing/2014/main" id="{B8C100B4-2CDF-7F40-CCF0-657E1927912D}"/>
+              </a:ext>
+            </a:extLst>
+          </p:cNvPr>
+          <p:cNvSpPr txBox="1"/>
+          <p:nvPr/>
+        </p:nvSpPr>
+        <p:spPr>
+          <a:xfrm>
+            <a:off x="966279" y="3461843"/>
+            <a:ext cx="11130469" cy="707886"/>
+          </a:xfrm>
+          <a:prstGeom prst="rect">
+            <a:avLst/>
+          </a:prstGeom>
+          <a:noFill/>
+        </p:spPr>
+        <p:txBody>
+          <a:bodyPr wrap="square">
+            <a:spAutoFit/>
+          </a:bodyPr>
+          <a:lstStyle/>
+          <a:p>
+            <a:r>
+              <a:rPr lang="en-US" sz="2000" b="1" dirty="0"/>
+              <a:t>Queue used by the Platform Service to push messages asynchronously</a:t>
+            </a:r>
+            <a:br>
+              <a:rPr lang="en-US" sz="2000" b="1" dirty="0"/>
+            </a:br>
+            <a:r>
+              <a:rPr lang="en-US" sz="2000" dirty="0"/>
+              <a:t>The service will periodically pop messages from the queue with the Spring AMQP project and send them</a:t>
+            </a:r>
+            <a:endParaRPr lang="it-IT" sz="2000" b="1" dirty="0"/>
+          </a:p>
+        </p:txBody>
+      </p:sp>
+      <p:cxnSp>
+        <p:nvCxnSpPr>
+          <p:cNvPr id="13" name="Connettore 2 12">
+            <a:extLst>
+              <a:ext uri="{FF2B5EF4-FFF2-40B4-BE49-F238E27FC236}">
+                <a16:creationId xmlns:a16="http://schemas.microsoft.com/office/drawing/2014/main" id="{7FDBD970-C1D6-AA93-1F34-1564FFCB7217}"/>
+              </a:ext>
+            </a:extLst>
+          </p:cNvPr>
+          <p:cNvCxnSpPr>
+            <a:cxnSpLocks/>
+          </p:cNvCxnSpPr>
+          <p:nvPr/>
+        </p:nvCxnSpPr>
+        <p:spPr>
+          <a:xfrm>
+            <a:off x="2953871" y="1829330"/>
+            <a:ext cx="0" cy="1599670"/>
+          </a:xfrm>
+          <a:prstGeom prst="straightConnector1">
+            <a:avLst/>
+          </a:prstGeom>
+          <a:ln>
+            <a:tailEnd type="triangle"/>
+          </a:ln>
+        </p:spPr>
+        <p:style>
+          <a:lnRef idx="2">
+            <a:schemeClr val="dk1"/>
+          </a:lnRef>
+          <a:fillRef idx="0">
+            <a:schemeClr val="dk1"/>
+          </a:fillRef>
+          <a:effectRef idx="1">
+            <a:schemeClr val="dk1"/>
+          </a:effectRef>
+          <a:fontRef idx="minor">
+            <a:schemeClr val="tx1"/>
+          </a:fontRef>
+        </p:style>
+      </p:cxnSp>
+      <p:sp>
+        <p:nvSpPr>
+          <p:cNvPr id="15" name="CasellaDiTesto 14">
+            <a:extLst>
+              <a:ext uri="{FF2B5EF4-FFF2-40B4-BE49-F238E27FC236}">
+                <a16:creationId xmlns:a16="http://schemas.microsoft.com/office/drawing/2014/main" id="{3F740391-AADC-A774-B7C5-DA5DEB261851}"/>
+              </a:ext>
+            </a:extLst>
+          </p:cNvPr>
+          <p:cNvSpPr txBox="1"/>
+          <p:nvPr/>
+        </p:nvSpPr>
+        <p:spPr>
+          <a:xfrm>
+            <a:off x="2974606" y="2469545"/>
+            <a:ext cx="6094378" cy="400110"/>
+          </a:xfrm>
+          <a:prstGeom prst="rect">
+            <a:avLst/>
+          </a:prstGeom>
+          <a:noFill/>
+        </p:spPr>
+        <p:txBody>
+          <a:bodyPr wrap="square">
+            <a:spAutoFit/>
+          </a:bodyPr>
+          <a:lstStyle/>
+          <a:p>
+            <a:r>
+              <a:rPr lang="it-IT" sz="2000" i="1" dirty="0"/>
+              <a:t>How?</a:t>
+            </a:r>
+          </a:p>
+        </p:txBody>
+      </p:sp>
+      <p:pic>
+        <p:nvPicPr>
+          <p:cNvPr id="4" name="Immagine 3">
+            <a:extLst>
+              <a:ext uri="{FF2B5EF4-FFF2-40B4-BE49-F238E27FC236}">
+                <a16:creationId xmlns:a16="http://schemas.microsoft.com/office/drawing/2014/main" id="{0BD2883B-B536-B03A-A38D-B373D83D53B7}"/>
+              </a:ext>
+            </a:extLst>
+          </p:cNvPr>
+          <p:cNvPicPr>
+            <a:picLocks noChangeAspect="1"/>
+          </p:cNvPicPr>
+          <p:nvPr/>
+        </p:nvPicPr>
+        <p:blipFill>
+          <a:blip r:embed="rId3">
+            <a:extLst>
+              <a:ext uri="{28A0092B-C50C-407E-A947-70E740481C1C}">
+                <a14:useLocalDpi xmlns:a14="http://schemas.microsoft.com/office/drawing/2010/main" val="0"/>
+              </a:ext>
+            </a:extLst>
+          </a:blip>
+          <a:stretch>
+            <a:fillRect/>
+          </a:stretch>
+        </p:blipFill>
+        <p:spPr>
+          <a:xfrm>
+            <a:off x="4946918" y="1734872"/>
+            <a:ext cx="2292059" cy="1290429"/>
+          </a:xfrm>
+          <a:prstGeom prst="rect">
+            <a:avLst/>
+          </a:prstGeom>
+        </p:spPr>
+      </p:pic>
+      <p:sp>
+        <p:nvSpPr>
+          <p:cNvPr id="6" name="Rettangolo 5">
+            <a:extLst>
+              <a:ext uri="{FF2B5EF4-FFF2-40B4-BE49-F238E27FC236}">
+                <a16:creationId xmlns:a16="http://schemas.microsoft.com/office/drawing/2014/main" id="{690C85A0-2393-C833-C40D-6AD0E360F852}"/>
+              </a:ext>
+            </a:extLst>
+          </p:cNvPr>
+          <p:cNvSpPr/>
+          <p:nvPr/>
+        </p:nvSpPr>
+        <p:spPr>
+          <a:xfrm>
+            <a:off x="7548663" y="971550"/>
+            <a:ext cx="4459436" cy="1973633"/>
+          </a:xfrm>
+          <a:prstGeom prst="rect">
+            <a:avLst/>
+          </a:prstGeom>
+          <a:noFill/>
+          <a:ln>
+            <a:solidFill>
+              <a:schemeClr val="tx1"/>
+            </a:solidFill>
+          </a:ln>
+        </p:spPr>
+        <p:style>
+          <a:lnRef idx="2">
+            <a:schemeClr val="accent1">
+              <a:shade val="15000"/>
+            </a:schemeClr>
+          </a:lnRef>
+          <a:fillRef idx="1">
+            <a:schemeClr val="accent1"/>
+          </a:fillRef>
+          <a:effectRef idx="0">
+            <a:schemeClr val="accent1"/>
+          </a:effectRef>
+          <a:fontRef idx="minor">
+            <a:schemeClr val="lt1"/>
+          </a:fontRef>
+        </p:style>
+        <p:txBody>
+          <a:bodyPr rtlCol="0" anchor="ctr"/>
+          <a:lstStyle/>
+          <a:p>
+            <a:pPr algn="ctr"/>
+            <a:endParaRPr lang="it-IT"/>
+          </a:p>
+        </p:txBody>
+      </p:sp>
+      <p:sp>
+        <p:nvSpPr>
+          <p:cNvPr id="8" name="CasellaDiTesto 7">
+            <a:extLst>
+              <a:ext uri="{FF2B5EF4-FFF2-40B4-BE49-F238E27FC236}">
+                <a16:creationId xmlns:a16="http://schemas.microsoft.com/office/drawing/2014/main" id="{1783BE48-32EF-66C5-E031-782DB59BC90B}"/>
+              </a:ext>
+            </a:extLst>
+          </p:cNvPr>
+          <p:cNvSpPr txBox="1"/>
+          <p:nvPr/>
+        </p:nvSpPr>
+        <p:spPr>
+          <a:xfrm>
+            <a:off x="7548663" y="1033539"/>
+            <a:ext cx="3855257" cy="400110"/>
+          </a:xfrm>
+          <a:prstGeom prst="rect">
+            <a:avLst/>
+          </a:prstGeom>
+          <a:noFill/>
+        </p:spPr>
+        <p:txBody>
+          <a:bodyPr wrap="square">
+            <a:spAutoFit/>
+          </a:bodyPr>
+          <a:lstStyle/>
+          <a:p>
+            <a:r>
+              <a:rPr lang="it-IT" sz="2000" b="1" dirty="0" err="1"/>
+              <a:t>Relevant</a:t>
+            </a:r>
+            <a:r>
+              <a:rPr lang="it-IT" sz="2000" b="1" dirty="0"/>
+              <a:t> </a:t>
+            </a:r>
+            <a:r>
+              <a:rPr lang="it-IT" sz="2000" b="1" dirty="0" err="1"/>
+              <a:t>Interfaces</a:t>
+            </a:r>
+            <a:r>
+              <a:rPr lang="it-IT" sz="2000" b="1" dirty="0"/>
+              <a:t>:</a:t>
+            </a:r>
+          </a:p>
+        </p:txBody>
+      </p:sp>
+      <p:sp>
+        <p:nvSpPr>
+          <p:cNvPr id="11" name="CasellaDiTesto 10">
+            <a:extLst>
+              <a:ext uri="{FF2B5EF4-FFF2-40B4-BE49-F238E27FC236}">
+                <a16:creationId xmlns:a16="http://schemas.microsoft.com/office/drawing/2014/main" id="{7BEACF24-43D4-06E1-DC0D-75FA47D58525}"/>
+              </a:ext>
+            </a:extLst>
+          </p:cNvPr>
+          <p:cNvSpPr txBox="1"/>
+          <p:nvPr/>
+        </p:nvSpPr>
+        <p:spPr>
+          <a:xfrm>
+            <a:off x="7548663" y="1470688"/>
+            <a:ext cx="4459435" cy="1200329"/>
+          </a:xfrm>
+          <a:prstGeom prst="rect">
+            <a:avLst/>
+          </a:prstGeom>
+          <a:noFill/>
+        </p:spPr>
+        <p:txBody>
+          <a:bodyPr wrap="square">
+            <a:spAutoFit/>
+          </a:bodyPr>
+          <a:lstStyle/>
+          <a:p>
+            <a:r>
+              <a:rPr lang="en-US" b="1" dirty="0"/>
+              <a:t>–</a:t>
+            </a:r>
+            <a:r>
+              <a:rPr lang="en-US" b="1" dirty="0" err="1"/>
+              <a:t>addStudentNotificationEndpoints</a:t>
+            </a:r>
+            <a:r>
+              <a:rPr lang="en-US" b="1" dirty="0"/>
+              <a:t>(</a:t>
+            </a:r>
+            <a:br>
+              <a:rPr lang="en-US" b="1" dirty="0"/>
+            </a:br>
+            <a:r>
+              <a:rPr lang="en-US" b="1" dirty="0" err="1"/>
+              <a:t>studentId</a:t>
+            </a:r>
+            <a:r>
+              <a:rPr lang="en-US" b="1" dirty="0"/>
+              <a:t>: ID, endpoint: String): void </a:t>
+            </a:r>
+            <a:br>
+              <a:rPr lang="en-US" b="1" dirty="0"/>
+            </a:br>
+            <a:r>
+              <a:rPr lang="en-US" dirty="0"/>
+              <a:t>add the URL of the notification endpoints of a student </a:t>
+            </a:r>
+            <a:endParaRPr lang="it-IT" dirty="0"/>
+          </a:p>
+        </p:txBody>
+      </p:sp>
+    </p:spTree>
+    <p:extLst>
+      <p:ext uri="{BB962C8B-B14F-4D97-AF65-F5344CB8AC3E}">
+        <p14:creationId xmlns:p14="http://schemas.microsoft.com/office/powerpoint/2010/main" val="587718900"/>
+      </p:ext>
+    </p:extLst>
+  </p:cSld>
+  <p:clrMapOvr>
+    <a:masterClrMapping/>
+  </p:clrMapOvr>
+</p:sld>
+</file>
+
+<file path=ppt/slides/slide22.xml><?xml version="1.0" encoding="utf-8"?>
+<p:sld xmlns:a="http://schemas.openxmlformats.org/drawingml/2006/main" xmlns:r="http://schemas.openxmlformats.org/officeDocument/2006/relationships" xmlns:p="http://schemas.openxmlformats.org/presentationml/2006/main">
+  <p:cSld>
+    <p:spTree>
+      <p:nvGrpSpPr>
+        <p:cNvPr id="1" name=""/>
+        <p:cNvGrpSpPr/>
+        <p:nvPr/>
+      </p:nvGrpSpPr>
+      <p:grpSpPr>
+        <a:xfrm>
+          <a:off x="0" y="0"/>
+          <a:ext cx="0" cy="0"/>
+          <a:chOff x="0" y="0"/>
+          <a:chExt cx="0" cy="0"/>
+        </a:xfrm>
+      </p:grpSpPr>
+      <p:sp>
+        <p:nvSpPr>
+          <p:cNvPr id="2" name="Titolo 1">
+            <a:extLst>
+              <a:ext uri="{FF2B5EF4-FFF2-40B4-BE49-F238E27FC236}">
+                <a16:creationId xmlns:a16="http://schemas.microsoft.com/office/drawing/2014/main" id="{2F0F54F1-30A2-8CB0-FB41-D453BFB68609}"/>
+              </a:ext>
+            </a:extLst>
+          </p:cNvPr>
+          <p:cNvSpPr>
+            <a:spLocks noGrp="1"/>
+          </p:cNvSpPr>
+          <p:nvPr>
+            <p:ph type="title"/>
+          </p:nvPr>
+        </p:nvSpPr>
+        <p:spPr>
+          <a:xfrm>
+            <a:off x="514351" y="66675"/>
+            <a:ext cx="11306174" cy="801575"/>
+          </a:xfrm>
+        </p:spPr>
+        <p:txBody>
+          <a:bodyPr>
+            <a:normAutofit/>
+          </a:bodyPr>
+          <a:lstStyle/>
+          <a:p>
+            <a:r>
+              <a:rPr lang="en-US" dirty="0"/>
+              <a:t>Selected architectural styles and patterns</a:t>
+            </a:r>
+            <a:endParaRPr lang="it-IT" dirty="0"/>
+          </a:p>
+        </p:txBody>
+      </p:sp>
+      <p:sp>
+        <p:nvSpPr>
+          <p:cNvPr id="5" name="Segnaposto numero diapositiva 4">
+            <a:extLst>
+              <a:ext uri="{FF2B5EF4-FFF2-40B4-BE49-F238E27FC236}">
+                <a16:creationId xmlns:a16="http://schemas.microsoft.com/office/drawing/2014/main" id="{79AF0F05-DA26-47DA-F61A-771A61AB86B8}"/>
+              </a:ext>
+            </a:extLst>
+          </p:cNvPr>
+          <p:cNvSpPr>
+            <a:spLocks noGrp="1"/>
+          </p:cNvSpPr>
+          <p:nvPr>
+            <p:ph type="sldNum" sz="quarter" idx="12"/>
+          </p:nvPr>
+        </p:nvSpPr>
+        <p:spPr/>
+        <p:txBody>
+          <a:bodyPr/>
+          <a:lstStyle/>
+          <a:p>
+            <a:fld id="{9732ED0D-4952-4698-A180-3B5BCDA8B725}" type="slidenum">
+              <a:rPr lang="it-IT" smtClean="0"/>
+              <a:t>22</a:t>
+            </a:fld>
+            <a:endParaRPr lang="it-IT" dirty="0"/>
+          </a:p>
+        </p:txBody>
+      </p:sp>
+      <p:pic>
+        <p:nvPicPr>
+          <p:cNvPr id="14" name="Immagine 13">
+            <a:extLst>
+              <a:ext uri="{FF2B5EF4-FFF2-40B4-BE49-F238E27FC236}">
+                <a16:creationId xmlns:a16="http://schemas.microsoft.com/office/drawing/2014/main" id="{8CEC8B7D-FA02-9E53-24D9-12C52949391C}"/>
+              </a:ext>
+            </a:extLst>
+          </p:cNvPr>
+          <p:cNvPicPr>
+            <a:picLocks noChangeAspect="1"/>
+          </p:cNvPicPr>
+          <p:nvPr/>
+        </p:nvPicPr>
+        <p:blipFill>
+          <a:blip r:embed="rId3">
+            <a:extLst>
+              <a:ext uri="{28A0092B-C50C-407E-A947-70E740481C1C}">
+                <a14:useLocalDpi xmlns:a14="http://schemas.microsoft.com/office/drawing/2010/main" val="0"/>
+              </a:ext>
+            </a:extLst>
+          </a:blip>
+          <a:stretch>
+            <a:fillRect/>
+          </a:stretch>
+        </p:blipFill>
+        <p:spPr>
+          <a:xfrm>
+            <a:off x="1052045" y="1888255"/>
+            <a:ext cx="1422388" cy="1461537"/>
+          </a:xfrm>
+          <a:prstGeom prst="rect">
+            <a:avLst/>
+          </a:prstGeom>
+        </p:spPr>
+      </p:pic>
+      <p:pic>
+        <p:nvPicPr>
+          <p:cNvPr id="17" name="Elemento grafico 16">
+            <a:extLst>
+              <a:ext uri="{FF2B5EF4-FFF2-40B4-BE49-F238E27FC236}">
+                <a16:creationId xmlns:a16="http://schemas.microsoft.com/office/drawing/2014/main" id="{231FBB6B-1F19-E690-58CC-22732E461285}"/>
+              </a:ext>
+            </a:extLst>
+          </p:cNvPr>
+          <p:cNvPicPr>
+            <a:picLocks noChangeAspect="1"/>
+          </p:cNvPicPr>
+          <p:nvPr/>
+        </p:nvPicPr>
+        <p:blipFill>
+          <a:blip r:embed="rId4">
+            <a:extLst>
+              <a:ext uri="{28A0092B-C50C-407E-A947-70E740481C1C}">
+                <a14:useLocalDpi xmlns:a14="http://schemas.microsoft.com/office/drawing/2010/main" val="0"/>
+              </a:ext>
+              <a:ext uri="{96DAC541-7B7A-43D3-8B79-37D633B846F1}">
+                <asvg:svgBlip xmlns:asvg="http://schemas.microsoft.com/office/drawing/2016/SVG/main" r:embed="rId5"/>
+              </a:ext>
+            </a:extLst>
+          </a:blip>
+          <a:stretch>
+            <a:fillRect/>
+          </a:stretch>
+        </p:blipFill>
+        <p:spPr>
+          <a:xfrm>
+            <a:off x="3253939" y="2050428"/>
+            <a:ext cx="2747517" cy="997247"/>
+          </a:xfrm>
+          <a:prstGeom prst="rect">
+            <a:avLst/>
+          </a:prstGeom>
+        </p:spPr>
+      </p:pic>
+      <p:pic>
+        <p:nvPicPr>
+          <p:cNvPr id="21" name="Immagine 20">
+            <a:extLst>
+              <a:ext uri="{FF2B5EF4-FFF2-40B4-BE49-F238E27FC236}">
+                <a16:creationId xmlns:a16="http://schemas.microsoft.com/office/drawing/2014/main" id="{79FF0EA4-2A43-7F14-12E9-0305E1431127}"/>
+              </a:ext>
+            </a:extLst>
+          </p:cNvPr>
+          <p:cNvPicPr>
+            <a:picLocks noChangeAspect="1"/>
+          </p:cNvPicPr>
+          <p:nvPr/>
+        </p:nvPicPr>
+        <p:blipFill>
+          <a:blip r:embed="rId6">
+            <a:extLst>
+              <a:ext uri="{28A0092B-C50C-407E-A947-70E740481C1C}">
+                <a14:useLocalDpi xmlns:a14="http://schemas.microsoft.com/office/drawing/2010/main" val="0"/>
+              </a:ext>
+            </a:extLst>
+          </a:blip>
+          <a:stretch>
+            <a:fillRect/>
+          </a:stretch>
+        </p:blipFill>
+        <p:spPr>
+          <a:xfrm>
+            <a:off x="6762990" y="2031646"/>
+            <a:ext cx="1318146" cy="1318146"/>
+          </a:xfrm>
+          <a:prstGeom prst="rect">
+            <a:avLst/>
+          </a:prstGeom>
+        </p:spPr>
+      </p:pic>
+      <p:pic>
+        <p:nvPicPr>
+          <p:cNvPr id="23" name="Immagine 22">
+            <a:extLst>
+              <a:ext uri="{FF2B5EF4-FFF2-40B4-BE49-F238E27FC236}">
+                <a16:creationId xmlns:a16="http://schemas.microsoft.com/office/drawing/2014/main" id="{30C73F4F-D811-7237-269D-8BFB00F2FC4D}"/>
+              </a:ext>
+            </a:extLst>
+          </p:cNvPr>
+          <p:cNvPicPr>
+            <a:picLocks noChangeAspect="1"/>
+          </p:cNvPicPr>
+          <p:nvPr/>
+        </p:nvPicPr>
+        <p:blipFill>
+          <a:blip r:embed="rId7">
+            <a:extLst>
+              <a:ext uri="{28A0092B-C50C-407E-A947-70E740481C1C}">
+                <a14:useLocalDpi xmlns:a14="http://schemas.microsoft.com/office/drawing/2010/main" val="0"/>
+              </a:ext>
+            </a:extLst>
+          </a:blip>
+          <a:stretch>
+            <a:fillRect/>
+          </a:stretch>
+        </p:blipFill>
+        <p:spPr>
+          <a:xfrm>
+            <a:off x="9794877" y="2050428"/>
+            <a:ext cx="1280583" cy="1280583"/>
+          </a:xfrm>
+          <a:prstGeom prst="rect">
+            <a:avLst/>
+          </a:prstGeom>
+        </p:spPr>
+      </p:pic>
+      <p:pic>
+        <p:nvPicPr>
+          <p:cNvPr id="28" name="Immagine 27">
+            <a:extLst>
+              <a:ext uri="{FF2B5EF4-FFF2-40B4-BE49-F238E27FC236}">
+                <a16:creationId xmlns:a16="http://schemas.microsoft.com/office/drawing/2014/main" id="{2951A7B2-2EAD-5DAA-5C3D-C04C7583CB4D}"/>
+              </a:ext>
+            </a:extLst>
+          </p:cNvPr>
+          <p:cNvPicPr>
+            <a:picLocks noChangeAspect="1"/>
+          </p:cNvPicPr>
+          <p:nvPr/>
+        </p:nvPicPr>
+        <p:blipFill>
+          <a:blip r:embed="rId8">
+            <a:extLst>
+              <a:ext uri="{28A0092B-C50C-407E-A947-70E740481C1C}">
+                <a14:useLocalDpi xmlns:a14="http://schemas.microsoft.com/office/drawing/2010/main" val="0"/>
+              </a:ext>
+            </a:extLst>
+          </a:blip>
+          <a:stretch>
+            <a:fillRect/>
+          </a:stretch>
+        </p:blipFill>
+        <p:spPr>
+          <a:xfrm>
+            <a:off x="1297243" y="4774046"/>
+            <a:ext cx="1046142" cy="1038095"/>
+          </a:xfrm>
+          <a:prstGeom prst="rect">
+            <a:avLst/>
+          </a:prstGeom>
+        </p:spPr>
+      </p:pic>
+      <p:pic>
+        <p:nvPicPr>
+          <p:cNvPr id="30" name="Elemento grafico 29">
+            <a:extLst>
+              <a:ext uri="{FF2B5EF4-FFF2-40B4-BE49-F238E27FC236}">
+                <a16:creationId xmlns:a16="http://schemas.microsoft.com/office/drawing/2014/main" id="{10C865F7-AE4D-84F6-F4A2-9FEBB8D931CC}"/>
+              </a:ext>
+            </a:extLst>
+          </p:cNvPr>
+          <p:cNvPicPr>
+            <a:picLocks noChangeAspect="1"/>
+          </p:cNvPicPr>
+          <p:nvPr/>
+        </p:nvPicPr>
+        <p:blipFill>
+          <a:blip r:embed="rId9">
+            <a:extLst>
+              <a:ext uri="{28A0092B-C50C-407E-A947-70E740481C1C}">
+                <a14:useLocalDpi xmlns:a14="http://schemas.microsoft.com/office/drawing/2010/main" val="0"/>
+              </a:ext>
+              <a:ext uri="{96DAC541-7B7A-43D3-8B79-37D633B846F1}">
+                <asvg:svgBlip xmlns:asvg="http://schemas.microsoft.com/office/drawing/2016/SVG/main" r:embed="rId10"/>
+              </a:ext>
+            </a:extLst>
+          </a:blip>
+          <a:stretch>
+            <a:fillRect/>
+          </a:stretch>
+        </p:blipFill>
+        <p:spPr>
+          <a:xfrm>
+            <a:off x="4146905" y="4941533"/>
+            <a:ext cx="1046141" cy="1046141"/>
+          </a:xfrm>
+          <a:prstGeom prst="rect">
+            <a:avLst/>
+          </a:prstGeom>
+        </p:spPr>
+      </p:pic>
+      <p:pic>
+        <p:nvPicPr>
+          <p:cNvPr id="34" name="Immagine 33">
+            <a:extLst>
+              <a:ext uri="{FF2B5EF4-FFF2-40B4-BE49-F238E27FC236}">
+                <a16:creationId xmlns:a16="http://schemas.microsoft.com/office/drawing/2014/main" id="{9554010F-A490-2922-FC35-3B85C367771E}"/>
+              </a:ext>
+            </a:extLst>
+          </p:cNvPr>
+          <p:cNvPicPr>
+            <a:picLocks noChangeAspect="1"/>
+          </p:cNvPicPr>
+          <p:nvPr/>
+        </p:nvPicPr>
+        <p:blipFill>
+          <a:blip r:embed="rId11">
+            <a:extLst>
+              <a:ext uri="{28A0092B-C50C-407E-A947-70E740481C1C}">
+                <a14:useLocalDpi xmlns:a14="http://schemas.microsoft.com/office/drawing/2010/main" val="0"/>
+              </a:ext>
+            </a:extLst>
+          </a:blip>
+          <a:stretch>
+            <a:fillRect/>
+          </a:stretch>
+        </p:blipFill>
+        <p:spPr>
+          <a:xfrm>
+            <a:off x="6431712" y="4771236"/>
+            <a:ext cx="2035182" cy="1080578"/>
+          </a:xfrm>
+          <a:prstGeom prst="rect">
+            <a:avLst/>
+          </a:prstGeom>
+        </p:spPr>
+      </p:pic>
+      <p:pic>
+        <p:nvPicPr>
+          <p:cNvPr id="36" name="Immagine 35">
+            <a:extLst>
+              <a:ext uri="{FF2B5EF4-FFF2-40B4-BE49-F238E27FC236}">
+                <a16:creationId xmlns:a16="http://schemas.microsoft.com/office/drawing/2014/main" id="{E85CAFFC-17DF-3ABE-3504-37296C16E0D0}"/>
+              </a:ext>
+            </a:extLst>
+          </p:cNvPr>
+          <p:cNvPicPr>
+            <a:picLocks noChangeAspect="1"/>
+          </p:cNvPicPr>
+          <p:nvPr/>
+        </p:nvPicPr>
+        <p:blipFill>
+          <a:blip r:embed="rId12">
+            <a:extLst>
+              <a:ext uri="{28A0092B-C50C-407E-A947-70E740481C1C}">
+                <a14:useLocalDpi xmlns:a14="http://schemas.microsoft.com/office/drawing/2010/main" val="0"/>
+              </a:ext>
+            </a:extLst>
+          </a:blip>
+          <a:stretch>
+            <a:fillRect/>
+          </a:stretch>
+        </p:blipFill>
+        <p:spPr>
+          <a:xfrm>
+            <a:off x="9894977" y="4771236"/>
+            <a:ext cx="990902" cy="990902"/>
+          </a:xfrm>
+          <a:prstGeom prst="rect">
+            <a:avLst/>
+          </a:prstGeom>
+        </p:spPr>
+      </p:pic>
+      <p:sp>
+        <p:nvSpPr>
+          <p:cNvPr id="38" name="CasellaDiTesto 37">
+            <a:extLst>
+              <a:ext uri="{FF2B5EF4-FFF2-40B4-BE49-F238E27FC236}">
+                <a16:creationId xmlns:a16="http://schemas.microsoft.com/office/drawing/2014/main" id="{BCC14D90-2D3B-68BC-F91B-D9660BD0BF9E}"/>
+              </a:ext>
+            </a:extLst>
+          </p:cNvPr>
+          <p:cNvSpPr txBox="1"/>
+          <p:nvPr/>
+        </p:nvSpPr>
+        <p:spPr>
+          <a:xfrm>
+            <a:off x="1030754" y="1344648"/>
+            <a:ext cx="1579121" cy="477054"/>
+          </a:xfrm>
+          <a:prstGeom prst="rect">
+            <a:avLst/>
+          </a:prstGeom>
+          <a:noFill/>
+        </p:spPr>
+        <p:txBody>
+          <a:bodyPr wrap="square">
+            <a:spAutoFit/>
+          </a:bodyPr>
+          <a:lstStyle/>
+          <a:p>
+            <a:r>
+              <a:rPr lang="it-IT" sz="2500" b="1" dirty="0" err="1"/>
+              <a:t>Fat</a:t>
+            </a:r>
+            <a:r>
+              <a:rPr lang="it-IT" sz="2500" b="1" dirty="0"/>
+              <a:t> Client</a:t>
+            </a:r>
+          </a:p>
+        </p:txBody>
+      </p:sp>
+      <p:sp>
+        <p:nvSpPr>
+          <p:cNvPr id="39" name="CasellaDiTesto 38">
+            <a:extLst>
+              <a:ext uri="{FF2B5EF4-FFF2-40B4-BE49-F238E27FC236}">
+                <a16:creationId xmlns:a16="http://schemas.microsoft.com/office/drawing/2014/main" id="{0A174F22-C493-B10B-9254-F030BC32F379}"/>
+              </a:ext>
+            </a:extLst>
+          </p:cNvPr>
+          <p:cNvSpPr txBox="1"/>
+          <p:nvPr/>
+        </p:nvSpPr>
+        <p:spPr>
+          <a:xfrm>
+            <a:off x="3892620" y="1343451"/>
+            <a:ext cx="1579121" cy="477054"/>
+          </a:xfrm>
+          <a:prstGeom prst="rect">
+            <a:avLst/>
+          </a:prstGeom>
+          <a:noFill/>
+        </p:spPr>
+        <p:txBody>
+          <a:bodyPr wrap="square">
+            <a:spAutoFit/>
+          </a:bodyPr>
+          <a:lstStyle/>
+          <a:p>
+            <a:r>
+              <a:rPr lang="it-IT" sz="2500" b="1" dirty="0"/>
+              <a:t>REST API</a:t>
+            </a:r>
+          </a:p>
+        </p:txBody>
+      </p:sp>
+      <p:sp>
+        <p:nvSpPr>
+          <p:cNvPr id="40" name="CasellaDiTesto 39">
+            <a:extLst>
+              <a:ext uri="{FF2B5EF4-FFF2-40B4-BE49-F238E27FC236}">
+                <a16:creationId xmlns:a16="http://schemas.microsoft.com/office/drawing/2014/main" id="{19E49FCC-CEB3-680B-95AD-56776A3F4AFB}"/>
+              </a:ext>
+            </a:extLst>
+          </p:cNvPr>
+          <p:cNvSpPr txBox="1"/>
+          <p:nvPr/>
+        </p:nvSpPr>
+        <p:spPr>
+          <a:xfrm>
+            <a:off x="6167438" y="1151091"/>
+            <a:ext cx="2509250" cy="861774"/>
+          </a:xfrm>
+          <a:prstGeom prst="rect">
+            <a:avLst/>
+          </a:prstGeom>
+          <a:noFill/>
+        </p:spPr>
+        <p:txBody>
+          <a:bodyPr wrap="square">
+            <a:spAutoFit/>
+          </a:bodyPr>
+          <a:lstStyle/>
+          <a:p>
+            <a:pPr algn="ctr"/>
+            <a:r>
+              <a:rPr lang="it-IT" sz="2500" b="1" dirty="0" err="1"/>
+              <a:t>Microservices</a:t>
+            </a:r>
+            <a:r>
+              <a:rPr lang="it-IT" sz="2500" b="1" dirty="0"/>
+              <a:t> Architecture</a:t>
+            </a:r>
+          </a:p>
+        </p:txBody>
+      </p:sp>
+      <p:sp>
+        <p:nvSpPr>
+          <p:cNvPr id="41" name="CasellaDiTesto 40">
+            <a:extLst>
+              <a:ext uri="{FF2B5EF4-FFF2-40B4-BE49-F238E27FC236}">
+                <a16:creationId xmlns:a16="http://schemas.microsoft.com/office/drawing/2014/main" id="{F8E84B1D-6BD4-0B23-2D8A-346FE87FE9B7}"/>
+              </a:ext>
+            </a:extLst>
+          </p:cNvPr>
+          <p:cNvSpPr txBox="1"/>
+          <p:nvPr/>
+        </p:nvSpPr>
+        <p:spPr>
+          <a:xfrm>
+            <a:off x="9180544" y="1343451"/>
+            <a:ext cx="2509250" cy="477054"/>
+          </a:xfrm>
+          <a:prstGeom prst="rect">
+            <a:avLst/>
+          </a:prstGeom>
+          <a:noFill/>
+        </p:spPr>
+        <p:txBody>
+          <a:bodyPr wrap="square">
+            <a:spAutoFit/>
+          </a:bodyPr>
+          <a:lstStyle/>
+          <a:p>
+            <a:pPr algn="ctr"/>
+            <a:r>
+              <a:rPr lang="it-IT" sz="2500" b="1" dirty="0"/>
+              <a:t>API Gateway</a:t>
+            </a:r>
+          </a:p>
+        </p:txBody>
+      </p:sp>
+      <p:sp>
+        <p:nvSpPr>
+          <p:cNvPr id="42" name="CasellaDiTesto 41">
+            <a:extLst>
+              <a:ext uri="{FF2B5EF4-FFF2-40B4-BE49-F238E27FC236}">
+                <a16:creationId xmlns:a16="http://schemas.microsoft.com/office/drawing/2014/main" id="{CFCA5D30-B133-7C9A-E0FA-96DBB9A3A6B8}"/>
+              </a:ext>
+            </a:extLst>
+          </p:cNvPr>
+          <p:cNvSpPr txBox="1"/>
+          <p:nvPr/>
+        </p:nvSpPr>
+        <p:spPr>
+          <a:xfrm>
+            <a:off x="565689" y="3765004"/>
+            <a:ext cx="2509250" cy="861774"/>
+          </a:xfrm>
+          <a:prstGeom prst="rect">
+            <a:avLst/>
+          </a:prstGeom>
+          <a:noFill/>
+        </p:spPr>
+        <p:txBody>
+          <a:bodyPr wrap="square">
+            <a:spAutoFit/>
+          </a:bodyPr>
+          <a:lstStyle/>
+          <a:p>
+            <a:pPr algn="ctr"/>
+            <a:r>
+              <a:rPr lang="it-IT" sz="2500" b="1" dirty="0"/>
+              <a:t>Remote Procedure Call</a:t>
+            </a:r>
+          </a:p>
+        </p:txBody>
+      </p:sp>
+      <p:sp>
+        <p:nvSpPr>
+          <p:cNvPr id="43" name="CasellaDiTesto 42">
+            <a:extLst>
+              <a:ext uri="{FF2B5EF4-FFF2-40B4-BE49-F238E27FC236}">
+                <a16:creationId xmlns:a16="http://schemas.microsoft.com/office/drawing/2014/main" id="{E352D80B-FF39-903A-5583-DC64E41B7D50}"/>
+              </a:ext>
+            </a:extLst>
+          </p:cNvPr>
+          <p:cNvSpPr txBox="1"/>
+          <p:nvPr/>
+        </p:nvSpPr>
+        <p:spPr>
+          <a:xfrm>
+            <a:off x="2919363" y="3783310"/>
+            <a:ext cx="3501227" cy="1246495"/>
+          </a:xfrm>
+          <a:prstGeom prst="rect">
+            <a:avLst/>
+          </a:prstGeom>
+          <a:noFill/>
+        </p:spPr>
+        <p:txBody>
+          <a:bodyPr wrap="square">
+            <a:spAutoFit/>
+          </a:bodyPr>
+          <a:lstStyle/>
+          <a:p>
+            <a:pPr algn="ctr"/>
+            <a:r>
+              <a:rPr lang="it-IT" sz="2500" b="1" dirty="0"/>
+              <a:t>Pub-Sub/</a:t>
+            </a:r>
+          </a:p>
+          <a:p>
+            <a:pPr algn="ctr"/>
+            <a:r>
+              <a:rPr lang="it-IT" sz="2500" b="1" dirty="0"/>
+              <a:t>Message </a:t>
+            </a:r>
+          </a:p>
+          <a:p>
+            <a:pPr algn="ctr"/>
+            <a:r>
+              <a:rPr lang="it-IT" sz="2500" b="1" dirty="0" err="1"/>
+              <a:t>queuing</a:t>
+            </a:r>
+            <a:endParaRPr lang="it-IT" sz="2500" b="1" dirty="0"/>
+          </a:p>
+        </p:txBody>
+      </p:sp>
+      <p:sp>
+        <p:nvSpPr>
+          <p:cNvPr id="44" name="CasellaDiTesto 43">
+            <a:extLst>
+              <a:ext uri="{FF2B5EF4-FFF2-40B4-BE49-F238E27FC236}">
+                <a16:creationId xmlns:a16="http://schemas.microsoft.com/office/drawing/2014/main" id="{765536A2-EAEB-42BD-477F-33EF0942E941}"/>
+              </a:ext>
+            </a:extLst>
+          </p:cNvPr>
+          <p:cNvSpPr txBox="1"/>
+          <p:nvPr/>
+        </p:nvSpPr>
+        <p:spPr>
+          <a:xfrm>
+            <a:off x="5667076" y="3833672"/>
+            <a:ext cx="3501227" cy="861774"/>
+          </a:xfrm>
+          <a:prstGeom prst="rect">
+            <a:avLst/>
+          </a:prstGeom>
+          <a:noFill/>
+        </p:spPr>
+        <p:txBody>
+          <a:bodyPr wrap="square">
+            <a:spAutoFit/>
+          </a:bodyPr>
+          <a:lstStyle/>
+          <a:p>
+            <a:pPr algn="ctr"/>
+            <a:r>
+              <a:rPr lang="it-IT" sz="2500" b="1" dirty="0" err="1"/>
+              <a:t>Tiered</a:t>
+            </a:r>
+            <a:r>
+              <a:rPr lang="it-IT" sz="2500" b="1" dirty="0"/>
+              <a:t> </a:t>
+            </a:r>
+          </a:p>
+          <a:p>
+            <a:pPr algn="ctr"/>
+            <a:r>
+              <a:rPr lang="it-IT" sz="2500" b="1" dirty="0"/>
+              <a:t>Architecture</a:t>
+            </a:r>
+          </a:p>
+        </p:txBody>
+      </p:sp>
+      <p:sp>
+        <p:nvSpPr>
+          <p:cNvPr id="45" name="CasellaDiTesto 44">
+            <a:extLst>
+              <a:ext uri="{FF2B5EF4-FFF2-40B4-BE49-F238E27FC236}">
+                <a16:creationId xmlns:a16="http://schemas.microsoft.com/office/drawing/2014/main" id="{F88D6391-7643-6720-51C7-397F1F591DFD}"/>
+              </a:ext>
+            </a:extLst>
+          </p:cNvPr>
+          <p:cNvSpPr txBox="1"/>
+          <p:nvPr/>
+        </p:nvSpPr>
+        <p:spPr>
+          <a:xfrm>
+            <a:off x="9286306" y="3837506"/>
+            <a:ext cx="2377946" cy="861774"/>
+          </a:xfrm>
+          <a:prstGeom prst="rect">
+            <a:avLst/>
+          </a:prstGeom>
+          <a:noFill/>
+        </p:spPr>
+        <p:txBody>
+          <a:bodyPr wrap="square">
+            <a:spAutoFit/>
+          </a:bodyPr>
+          <a:lstStyle/>
+          <a:p>
+            <a:pPr algn="ctr"/>
+            <a:r>
+              <a:rPr lang="it-IT" sz="2500" b="1" dirty="0" err="1"/>
+              <a:t>Stateless</a:t>
+            </a:r>
+            <a:r>
+              <a:rPr lang="it-IT" sz="2500" b="1" dirty="0"/>
+              <a:t> </a:t>
+            </a:r>
+          </a:p>
+          <a:p>
+            <a:pPr algn="ctr"/>
+            <a:r>
+              <a:rPr lang="it-IT" sz="2500" b="1" dirty="0"/>
+              <a:t>Components</a:t>
+            </a:r>
+          </a:p>
+        </p:txBody>
+      </p:sp>
+      <p:sp>
+        <p:nvSpPr>
+          <p:cNvPr id="46" name="Rettangolo con angoli arrotondati 45">
+            <a:extLst>
+              <a:ext uri="{FF2B5EF4-FFF2-40B4-BE49-F238E27FC236}">
+                <a16:creationId xmlns:a16="http://schemas.microsoft.com/office/drawing/2014/main" id="{C05D74C5-2E4D-1CDF-1804-CBB190B415B0}"/>
+              </a:ext>
+            </a:extLst>
+          </p:cNvPr>
+          <p:cNvSpPr/>
+          <p:nvPr/>
+        </p:nvSpPr>
+        <p:spPr>
+          <a:xfrm>
+            <a:off x="682758" y="1146803"/>
+            <a:ext cx="2208245" cy="2410595"/>
+          </a:xfrm>
+          <a:prstGeom prst="roundRect">
+            <a:avLst/>
+          </a:prstGeom>
+          <a:noFill/>
+          <a:ln>
+            <a:solidFill>
+              <a:schemeClr val="tx1"/>
+            </a:solidFill>
+          </a:ln>
+        </p:spPr>
+        <p:style>
+          <a:lnRef idx="2">
+            <a:schemeClr val="accent1">
+              <a:shade val="15000"/>
+            </a:schemeClr>
+          </a:lnRef>
+          <a:fillRef idx="1">
+            <a:schemeClr val="accent1"/>
+          </a:fillRef>
+          <a:effectRef idx="0">
+            <a:schemeClr val="accent1"/>
+          </a:effectRef>
+          <a:fontRef idx="minor">
+            <a:schemeClr val="lt1"/>
+          </a:fontRef>
+        </p:style>
+        <p:txBody>
+          <a:bodyPr rtlCol="0" anchor="ctr"/>
+          <a:lstStyle/>
+          <a:p>
+            <a:pPr algn="ctr"/>
+            <a:endParaRPr lang="it-IT"/>
+          </a:p>
+        </p:txBody>
+      </p:sp>
+      <p:sp>
+        <p:nvSpPr>
+          <p:cNvPr id="47" name="Rettangolo con angoli arrotondati 46">
+            <a:extLst>
+              <a:ext uri="{FF2B5EF4-FFF2-40B4-BE49-F238E27FC236}">
+                <a16:creationId xmlns:a16="http://schemas.microsoft.com/office/drawing/2014/main" id="{B42DF600-7CAA-7983-956E-5CC4DD2D6670}"/>
+              </a:ext>
+            </a:extLst>
+          </p:cNvPr>
+          <p:cNvSpPr/>
+          <p:nvPr/>
+        </p:nvSpPr>
+        <p:spPr>
+          <a:xfrm>
+            <a:off x="3495705" y="1146803"/>
+            <a:ext cx="2208245" cy="2410595"/>
+          </a:xfrm>
+          <a:prstGeom prst="roundRect">
+            <a:avLst/>
+          </a:prstGeom>
+          <a:noFill/>
+          <a:ln>
+            <a:solidFill>
+              <a:schemeClr val="tx1"/>
+            </a:solidFill>
+          </a:ln>
+        </p:spPr>
+        <p:style>
+          <a:lnRef idx="2">
+            <a:schemeClr val="accent1">
+              <a:shade val="15000"/>
+            </a:schemeClr>
+          </a:lnRef>
+          <a:fillRef idx="1">
+            <a:schemeClr val="accent1"/>
+          </a:fillRef>
+          <a:effectRef idx="0">
+            <a:schemeClr val="accent1"/>
+          </a:effectRef>
+          <a:fontRef idx="minor">
+            <a:schemeClr val="lt1"/>
+          </a:fontRef>
+        </p:style>
+        <p:txBody>
+          <a:bodyPr rtlCol="0" anchor="ctr"/>
+          <a:lstStyle/>
+          <a:p>
+            <a:pPr algn="ctr"/>
+            <a:endParaRPr lang="it-IT"/>
+          </a:p>
+        </p:txBody>
+      </p:sp>
+      <p:sp>
+        <p:nvSpPr>
+          <p:cNvPr id="48" name="Rettangolo con angoli arrotondati 47">
+            <a:extLst>
+              <a:ext uri="{FF2B5EF4-FFF2-40B4-BE49-F238E27FC236}">
+                <a16:creationId xmlns:a16="http://schemas.microsoft.com/office/drawing/2014/main" id="{7EBB3B4C-58ED-7210-0205-741D3F58AB94}"/>
+              </a:ext>
+            </a:extLst>
+          </p:cNvPr>
+          <p:cNvSpPr/>
+          <p:nvPr/>
+        </p:nvSpPr>
+        <p:spPr>
+          <a:xfrm>
+            <a:off x="6313568" y="1151091"/>
+            <a:ext cx="2208245" cy="2410595"/>
+          </a:xfrm>
+          <a:prstGeom prst="roundRect">
+            <a:avLst/>
+          </a:prstGeom>
+          <a:noFill/>
+          <a:ln>
+            <a:solidFill>
+              <a:schemeClr val="tx1"/>
+            </a:solidFill>
+          </a:ln>
+        </p:spPr>
+        <p:style>
+          <a:lnRef idx="2">
+            <a:schemeClr val="accent1">
+              <a:shade val="15000"/>
+            </a:schemeClr>
+          </a:lnRef>
+          <a:fillRef idx="1">
+            <a:schemeClr val="accent1"/>
+          </a:fillRef>
+          <a:effectRef idx="0">
+            <a:schemeClr val="accent1"/>
+          </a:effectRef>
+          <a:fontRef idx="minor">
+            <a:schemeClr val="lt1"/>
+          </a:fontRef>
+        </p:style>
+        <p:txBody>
+          <a:bodyPr rtlCol="0" anchor="ctr"/>
+          <a:lstStyle/>
+          <a:p>
+            <a:pPr algn="ctr"/>
+            <a:endParaRPr lang="it-IT"/>
+          </a:p>
+        </p:txBody>
+      </p:sp>
+      <p:sp>
+        <p:nvSpPr>
+          <p:cNvPr id="49" name="Rettangolo con angoli arrotondati 48">
+            <a:extLst>
+              <a:ext uri="{FF2B5EF4-FFF2-40B4-BE49-F238E27FC236}">
+                <a16:creationId xmlns:a16="http://schemas.microsoft.com/office/drawing/2014/main" id="{A78CBF4D-60CA-462F-7EA0-C2E4A5558735}"/>
+              </a:ext>
+            </a:extLst>
+          </p:cNvPr>
+          <p:cNvSpPr/>
+          <p:nvPr/>
+        </p:nvSpPr>
+        <p:spPr>
+          <a:xfrm>
+            <a:off x="9286306" y="1146803"/>
+            <a:ext cx="2208245" cy="2410595"/>
+          </a:xfrm>
+          <a:prstGeom prst="roundRect">
+            <a:avLst/>
+          </a:prstGeom>
+          <a:noFill/>
+          <a:ln>
+            <a:solidFill>
+              <a:schemeClr val="tx1"/>
+            </a:solidFill>
+          </a:ln>
+        </p:spPr>
+        <p:style>
+          <a:lnRef idx="2">
+            <a:schemeClr val="accent1">
+              <a:shade val="15000"/>
+            </a:schemeClr>
+          </a:lnRef>
+          <a:fillRef idx="1">
+            <a:schemeClr val="accent1"/>
+          </a:fillRef>
+          <a:effectRef idx="0">
+            <a:schemeClr val="accent1"/>
+          </a:effectRef>
+          <a:fontRef idx="minor">
+            <a:schemeClr val="lt1"/>
+          </a:fontRef>
+        </p:style>
+        <p:txBody>
+          <a:bodyPr rtlCol="0" anchor="ctr"/>
+          <a:lstStyle/>
+          <a:p>
+            <a:pPr algn="ctr"/>
+            <a:endParaRPr lang="it-IT"/>
+          </a:p>
+        </p:txBody>
+      </p:sp>
+      <p:sp>
+        <p:nvSpPr>
+          <p:cNvPr id="50" name="Rettangolo con angoli arrotondati 49">
+            <a:extLst>
+              <a:ext uri="{FF2B5EF4-FFF2-40B4-BE49-F238E27FC236}">
+                <a16:creationId xmlns:a16="http://schemas.microsoft.com/office/drawing/2014/main" id="{57BAFB93-BA94-1A86-7AA6-354F36F0B662}"/>
+              </a:ext>
+            </a:extLst>
+          </p:cNvPr>
+          <p:cNvSpPr/>
+          <p:nvPr/>
+        </p:nvSpPr>
+        <p:spPr>
+          <a:xfrm>
+            <a:off x="682758" y="3810040"/>
+            <a:ext cx="2208245" cy="2410595"/>
+          </a:xfrm>
+          <a:prstGeom prst="roundRect">
+            <a:avLst/>
+          </a:prstGeom>
+          <a:noFill/>
+          <a:ln>
+            <a:solidFill>
+              <a:schemeClr val="tx1"/>
+            </a:solidFill>
+          </a:ln>
+        </p:spPr>
+        <p:style>
+          <a:lnRef idx="2">
+            <a:schemeClr val="accent1">
+              <a:shade val="15000"/>
+            </a:schemeClr>
+          </a:lnRef>
+          <a:fillRef idx="1">
+            <a:schemeClr val="accent1"/>
+          </a:fillRef>
+          <a:effectRef idx="0">
+            <a:schemeClr val="accent1"/>
+          </a:effectRef>
+          <a:fontRef idx="minor">
+            <a:schemeClr val="lt1"/>
+          </a:fontRef>
+        </p:style>
+        <p:txBody>
+          <a:bodyPr rtlCol="0" anchor="ctr"/>
+          <a:lstStyle/>
+          <a:p>
+            <a:pPr algn="ctr"/>
+            <a:endParaRPr lang="it-IT"/>
+          </a:p>
+        </p:txBody>
+      </p:sp>
+      <p:sp>
+        <p:nvSpPr>
+          <p:cNvPr id="51" name="Rettangolo con angoli arrotondati 50">
+            <a:extLst>
+              <a:ext uri="{FF2B5EF4-FFF2-40B4-BE49-F238E27FC236}">
+                <a16:creationId xmlns:a16="http://schemas.microsoft.com/office/drawing/2014/main" id="{0C46090F-2BE8-A279-297F-041927D6209C}"/>
+              </a:ext>
+            </a:extLst>
+          </p:cNvPr>
+          <p:cNvSpPr/>
+          <p:nvPr/>
+        </p:nvSpPr>
+        <p:spPr>
+          <a:xfrm>
+            <a:off x="3495705" y="3810040"/>
+            <a:ext cx="2208245" cy="2410595"/>
+          </a:xfrm>
+          <a:prstGeom prst="roundRect">
+            <a:avLst/>
+          </a:prstGeom>
+          <a:noFill/>
+          <a:ln>
+            <a:solidFill>
+              <a:schemeClr val="tx1"/>
+            </a:solidFill>
+          </a:ln>
+        </p:spPr>
+        <p:style>
+          <a:lnRef idx="2">
+            <a:schemeClr val="accent1">
+              <a:shade val="15000"/>
+            </a:schemeClr>
+          </a:lnRef>
+          <a:fillRef idx="1">
+            <a:schemeClr val="accent1"/>
+          </a:fillRef>
+          <a:effectRef idx="0">
+            <a:schemeClr val="accent1"/>
+          </a:effectRef>
+          <a:fontRef idx="minor">
+            <a:schemeClr val="lt1"/>
+          </a:fontRef>
+        </p:style>
+        <p:txBody>
+          <a:bodyPr rtlCol="0" anchor="ctr"/>
+          <a:lstStyle/>
+          <a:p>
+            <a:pPr algn="ctr"/>
+            <a:endParaRPr lang="it-IT"/>
+          </a:p>
+        </p:txBody>
+      </p:sp>
+      <p:sp>
+        <p:nvSpPr>
+          <p:cNvPr id="52" name="Rettangolo con angoli arrotondati 51">
+            <a:extLst>
+              <a:ext uri="{FF2B5EF4-FFF2-40B4-BE49-F238E27FC236}">
+                <a16:creationId xmlns:a16="http://schemas.microsoft.com/office/drawing/2014/main" id="{63121D65-29CB-73F2-AC53-5E3E99CB1F11}"/>
+              </a:ext>
+            </a:extLst>
+          </p:cNvPr>
+          <p:cNvSpPr/>
+          <p:nvPr/>
+        </p:nvSpPr>
+        <p:spPr>
+          <a:xfrm>
+            <a:off x="6313568" y="3814328"/>
+            <a:ext cx="2208245" cy="2410595"/>
+          </a:xfrm>
+          <a:prstGeom prst="roundRect">
+            <a:avLst/>
+          </a:prstGeom>
+          <a:noFill/>
+          <a:ln>
+            <a:solidFill>
+              <a:schemeClr val="tx1"/>
+            </a:solidFill>
+          </a:ln>
+        </p:spPr>
+        <p:style>
+          <a:lnRef idx="2">
+            <a:schemeClr val="accent1">
+              <a:shade val="15000"/>
+            </a:schemeClr>
+          </a:lnRef>
+          <a:fillRef idx="1">
+            <a:schemeClr val="accent1"/>
+          </a:fillRef>
+          <a:effectRef idx="0">
+            <a:schemeClr val="accent1"/>
+          </a:effectRef>
+          <a:fontRef idx="minor">
+            <a:schemeClr val="lt1"/>
+          </a:fontRef>
+        </p:style>
+        <p:txBody>
+          <a:bodyPr rtlCol="0" anchor="ctr"/>
+          <a:lstStyle/>
+          <a:p>
+            <a:pPr algn="ctr"/>
+            <a:endParaRPr lang="it-IT"/>
+          </a:p>
+        </p:txBody>
+      </p:sp>
+      <p:sp>
+        <p:nvSpPr>
+          <p:cNvPr id="53" name="Rettangolo con angoli arrotondati 52">
+            <a:extLst>
+              <a:ext uri="{FF2B5EF4-FFF2-40B4-BE49-F238E27FC236}">
+                <a16:creationId xmlns:a16="http://schemas.microsoft.com/office/drawing/2014/main" id="{30EECFFE-0EF0-7BCB-D3E8-CBD778BB21D1}"/>
+              </a:ext>
+            </a:extLst>
+          </p:cNvPr>
+          <p:cNvSpPr/>
+          <p:nvPr/>
+        </p:nvSpPr>
+        <p:spPr>
+          <a:xfrm>
+            <a:off x="9286306" y="3810040"/>
+            <a:ext cx="2208245" cy="2410595"/>
+          </a:xfrm>
+          <a:prstGeom prst="roundRect">
+            <a:avLst/>
+          </a:prstGeom>
+          <a:noFill/>
+          <a:ln>
+            <a:solidFill>
+              <a:schemeClr val="tx1"/>
+            </a:solidFill>
+          </a:ln>
+        </p:spPr>
+        <p:style>
+          <a:lnRef idx="2">
+            <a:schemeClr val="accent1">
+              <a:shade val="15000"/>
+            </a:schemeClr>
+          </a:lnRef>
+          <a:fillRef idx="1">
+            <a:schemeClr val="accent1"/>
+          </a:fillRef>
+          <a:effectRef idx="0">
+            <a:schemeClr val="accent1"/>
+          </a:effectRef>
+          <a:fontRef idx="minor">
+            <a:schemeClr val="lt1"/>
+          </a:fontRef>
+        </p:style>
+        <p:txBody>
+          <a:bodyPr rtlCol="0" anchor="ctr"/>
+          <a:lstStyle/>
+          <a:p>
+            <a:pPr algn="ctr"/>
+            <a:endParaRPr lang="it-IT"/>
+          </a:p>
+        </p:txBody>
+      </p:sp>
+    </p:spTree>
+    <p:extLst>
+      <p:ext uri="{BB962C8B-B14F-4D97-AF65-F5344CB8AC3E}">
+        <p14:creationId xmlns:p14="http://schemas.microsoft.com/office/powerpoint/2010/main" val="2211237044"/>
+      </p:ext>
+    </p:extLst>
+  </p:cSld>
+  <p:clrMapOvr>
+    <a:masterClrMapping/>
+  </p:clrMapOvr>
+</p:sld>
+</file>
+
+<file path=ppt/slides/slide23.xml><?xml version="1.0" encoding="utf-8"?>
+<p:sld xmlns:a="http://schemas.openxmlformats.org/drawingml/2006/main" xmlns:r="http://schemas.openxmlformats.org/officeDocument/2006/relationships" xmlns:p="http://schemas.openxmlformats.org/presentationml/2006/main">
+  <p:cSld>
+    <p:spTree>
+      <p:nvGrpSpPr>
+        <p:cNvPr id="1" name=""/>
+        <p:cNvGrpSpPr/>
+        <p:nvPr/>
+      </p:nvGrpSpPr>
+      <p:grpSpPr>
+        <a:xfrm>
+          <a:off x="0" y="0"/>
+          <a:ext cx="0" cy="0"/>
+          <a:chOff x="0" y="0"/>
+          <a:chExt cx="0" cy="0"/>
+        </a:xfrm>
+      </p:grpSpPr>
+      <p:sp>
+        <p:nvSpPr>
+          <p:cNvPr id="2" name="Titolo 1">
+            <a:extLst>
+              <a:ext uri="{FF2B5EF4-FFF2-40B4-BE49-F238E27FC236}">
+                <a16:creationId xmlns:a16="http://schemas.microsoft.com/office/drawing/2014/main" id="{2F0F54F1-30A2-8CB0-FB41-D453BFB68609}"/>
+              </a:ext>
+            </a:extLst>
+          </p:cNvPr>
+          <p:cNvSpPr>
+            <a:spLocks noGrp="1"/>
+          </p:cNvSpPr>
+          <p:nvPr>
+            <p:ph type="title"/>
+          </p:nvPr>
+        </p:nvSpPr>
+        <p:spPr>
+          <a:xfrm>
+            <a:off x="514351" y="66675"/>
+            <a:ext cx="11306174" cy="801575"/>
+          </a:xfrm>
+        </p:spPr>
+        <p:txBody>
+          <a:bodyPr>
+            <a:normAutofit/>
+          </a:bodyPr>
+          <a:lstStyle/>
+          <a:p>
+            <a:r>
+              <a:rPr lang="it-IT" dirty="0"/>
+              <a:t>Components </a:t>
+            </a:r>
+            <a:r>
+              <a:rPr lang="it-IT" dirty="0" err="1"/>
+              <a:t>integration</a:t>
+            </a:r>
+            <a:r>
+              <a:rPr lang="it-IT" dirty="0"/>
+              <a:t> (1/3) </a:t>
+            </a:r>
+          </a:p>
+        </p:txBody>
+      </p:sp>
+      <p:sp>
+        <p:nvSpPr>
+          <p:cNvPr id="5" name="Segnaposto numero diapositiva 4">
+            <a:extLst>
+              <a:ext uri="{FF2B5EF4-FFF2-40B4-BE49-F238E27FC236}">
+                <a16:creationId xmlns:a16="http://schemas.microsoft.com/office/drawing/2014/main" id="{79AF0F05-DA26-47DA-F61A-771A61AB86B8}"/>
+              </a:ext>
+            </a:extLst>
+          </p:cNvPr>
+          <p:cNvSpPr>
+            <a:spLocks noGrp="1"/>
+          </p:cNvSpPr>
+          <p:nvPr>
+            <p:ph type="sldNum" sz="quarter" idx="12"/>
+          </p:nvPr>
+        </p:nvSpPr>
+        <p:spPr/>
+        <p:txBody>
+          <a:bodyPr/>
+          <a:lstStyle/>
+          <a:p>
+            <a:fld id="{9732ED0D-4952-4698-A180-3B5BCDA8B725}" type="slidenum">
+              <a:rPr lang="it-IT" smtClean="0"/>
+              <a:t>23</a:t>
+            </a:fld>
+            <a:endParaRPr lang="it-IT" dirty="0"/>
+          </a:p>
+        </p:txBody>
+      </p:sp>
+      <p:sp>
+        <p:nvSpPr>
+          <p:cNvPr id="9" name="CasellaDiTesto 8">
+            <a:extLst>
+              <a:ext uri="{FF2B5EF4-FFF2-40B4-BE49-F238E27FC236}">
+                <a16:creationId xmlns:a16="http://schemas.microsoft.com/office/drawing/2014/main" id="{1C172D3A-096F-4FBF-56F4-8DF5D2111361}"/>
+              </a:ext>
+            </a:extLst>
+          </p:cNvPr>
+          <p:cNvSpPr txBox="1"/>
+          <p:nvPr/>
+        </p:nvSpPr>
+        <p:spPr>
+          <a:xfrm>
+            <a:off x="514351" y="773821"/>
+            <a:ext cx="10711368" cy="707886"/>
+          </a:xfrm>
+          <a:prstGeom prst="rect">
+            <a:avLst/>
+          </a:prstGeom>
+          <a:noFill/>
+        </p:spPr>
+        <p:txBody>
+          <a:bodyPr wrap="square">
+            <a:spAutoFit/>
+          </a:bodyPr>
+          <a:lstStyle/>
+          <a:p>
+            <a:r>
+              <a:rPr lang="en-US" sz="2000" dirty="0"/>
+              <a:t>The chosen architecture guarantees high decoupling between components, so that most of them can be </a:t>
+            </a:r>
+            <a:r>
+              <a:rPr lang="en-US" sz="2000" b="1" dirty="0"/>
+              <a:t>developed and unit tested completely independently</a:t>
+            </a:r>
+          </a:p>
+        </p:txBody>
+      </p:sp>
+      <p:pic>
+        <p:nvPicPr>
+          <p:cNvPr id="10" name="Immagine 9">
+            <a:extLst>
+              <a:ext uri="{FF2B5EF4-FFF2-40B4-BE49-F238E27FC236}">
+                <a16:creationId xmlns:a16="http://schemas.microsoft.com/office/drawing/2014/main" id="{13822749-2EFA-4039-C111-53AE6A6013DE}"/>
+              </a:ext>
+            </a:extLst>
+          </p:cNvPr>
+          <p:cNvPicPr>
+            <a:picLocks noChangeAspect="1"/>
+          </p:cNvPicPr>
+          <p:nvPr/>
+        </p:nvPicPr>
+        <p:blipFill>
+          <a:blip r:embed="rId3">
+            <a:extLst>
+              <a:ext uri="{28A0092B-C50C-407E-A947-70E740481C1C}">
+                <a14:useLocalDpi xmlns:a14="http://schemas.microsoft.com/office/drawing/2010/main" val="0"/>
+              </a:ext>
+            </a:extLst>
+          </a:blip>
+          <a:stretch>
+            <a:fillRect/>
+          </a:stretch>
+        </p:blipFill>
+        <p:spPr>
+          <a:xfrm>
+            <a:off x="266419" y="2383935"/>
+            <a:ext cx="5633499" cy="3915695"/>
+          </a:xfrm>
+          <a:prstGeom prst="rect">
+            <a:avLst/>
+          </a:prstGeom>
+        </p:spPr>
+      </p:pic>
+      <p:sp>
+        <p:nvSpPr>
+          <p:cNvPr id="14" name="CasellaDiTesto 13">
+            <a:extLst>
+              <a:ext uri="{FF2B5EF4-FFF2-40B4-BE49-F238E27FC236}">
+                <a16:creationId xmlns:a16="http://schemas.microsoft.com/office/drawing/2014/main" id="{83B6A78B-7A7C-3FD0-102B-2CE8F9E36FEB}"/>
+              </a:ext>
+            </a:extLst>
+          </p:cNvPr>
+          <p:cNvSpPr txBox="1"/>
+          <p:nvPr/>
+        </p:nvSpPr>
+        <p:spPr>
+          <a:xfrm>
+            <a:off x="266420" y="1737604"/>
+            <a:ext cx="5521538" cy="646331"/>
+          </a:xfrm>
+          <a:prstGeom prst="rect">
+            <a:avLst/>
+          </a:prstGeom>
+          <a:noFill/>
+        </p:spPr>
+        <p:txBody>
+          <a:bodyPr wrap="square">
+            <a:spAutoFit/>
+          </a:bodyPr>
+          <a:lstStyle/>
+          <a:p>
+            <a:pPr algn="ctr"/>
+            <a:r>
+              <a:rPr lang="en-US" sz="1800" i="1" dirty="0"/>
+              <a:t>The order in which components are implemented and tested follows the importance and difficulty of features</a:t>
+            </a:r>
+            <a:endParaRPr lang="it-IT" sz="1800" i="1" dirty="0"/>
+          </a:p>
+        </p:txBody>
+      </p:sp>
+      <p:sp>
+        <p:nvSpPr>
+          <p:cNvPr id="18" name="CasellaDiTesto 17">
+            <a:extLst>
+              <a:ext uri="{FF2B5EF4-FFF2-40B4-BE49-F238E27FC236}">
+                <a16:creationId xmlns:a16="http://schemas.microsoft.com/office/drawing/2014/main" id="{BBF0C5E7-317B-B257-9D51-5EC6BF96A2A2}"/>
+              </a:ext>
+            </a:extLst>
+          </p:cNvPr>
+          <p:cNvSpPr txBox="1"/>
+          <p:nvPr/>
+        </p:nvSpPr>
+        <p:spPr>
+          <a:xfrm>
+            <a:off x="6167438" y="1723424"/>
+            <a:ext cx="5699880" cy="400110"/>
+          </a:xfrm>
+          <a:prstGeom prst="rect">
+            <a:avLst/>
+          </a:prstGeom>
+          <a:noFill/>
+        </p:spPr>
+        <p:txBody>
+          <a:bodyPr wrap="square">
+            <a:spAutoFit/>
+          </a:bodyPr>
+          <a:lstStyle/>
+          <a:p>
+            <a:r>
+              <a:rPr lang="en-US" sz="2000" b="1" dirty="0"/>
+              <a:t>Steps:</a:t>
+            </a:r>
+            <a:endParaRPr lang="it-IT" sz="2000" b="1" dirty="0"/>
+          </a:p>
+        </p:txBody>
+      </p:sp>
+      <p:sp>
+        <p:nvSpPr>
+          <p:cNvPr id="19" name="CasellaDiTesto 18">
+            <a:extLst>
+              <a:ext uri="{FF2B5EF4-FFF2-40B4-BE49-F238E27FC236}">
+                <a16:creationId xmlns:a16="http://schemas.microsoft.com/office/drawing/2014/main" id="{65BF8264-2DBB-37A4-2EAC-88DA729D18A8}"/>
+              </a:ext>
+            </a:extLst>
+          </p:cNvPr>
+          <p:cNvSpPr txBox="1"/>
+          <p:nvPr/>
+        </p:nvSpPr>
+        <p:spPr>
+          <a:xfrm>
+            <a:off x="6299269" y="2175371"/>
+            <a:ext cx="5699880" cy="400110"/>
+          </a:xfrm>
+          <a:prstGeom prst="rect">
+            <a:avLst/>
+          </a:prstGeom>
+          <a:noFill/>
+        </p:spPr>
+        <p:txBody>
+          <a:bodyPr wrap="square">
+            <a:spAutoFit/>
+          </a:bodyPr>
+          <a:lstStyle/>
+          <a:p>
+            <a:r>
+              <a:rPr lang="en-US" sz="2000" b="1" dirty="0"/>
+              <a:t>1. Notification Subsystem</a:t>
+            </a:r>
+            <a:endParaRPr lang="it-IT" sz="2000" b="1" dirty="0"/>
+          </a:p>
+        </p:txBody>
+      </p:sp>
+      <p:pic>
+        <p:nvPicPr>
+          <p:cNvPr id="21" name="Elemento grafico 20">
+            <a:extLst>
+              <a:ext uri="{FF2B5EF4-FFF2-40B4-BE49-F238E27FC236}">
+                <a16:creationId xmlns:a16="http://schemas.microsoft.com/office/drawing/2014/main" id="{76E86424-04E9-3DC0-12CE-3D138C31FA0C}"/>
+              </a:ext>
+            </a:extLst>
+          </p:cNvPr>
+          <p:cNvPicPr>
+            <a:picLocks noChangeAspect="1"/>
+          </p:cNvPicPr>
+          <p:nvPr/>
+        </p:nvPicPr>
+        <p:blipFill>
+          <a:blip r:embed="rId4">
+            <a:extLst>
+              <a:ext uri="{28A0092B-C50C-407E-A947-70E740481C1C}">
+                <a14:useLocalDpi xmlns:a14="http://schemas.microsoft.com/office/drawing/2010/main" val="0"/>
+              </a:ext>
+              <a:ext uri="{96DAC541-7B7A-43D3-8B79-37D633B846F1}">
+                <asvg:svgBlip xmlns:asvg="http://schemas.microsoft.com/office/drawing/2016/SVG/main" r:embed="rId5"/>
+              </a:ext>
+            </a:extLst>
+          </a:blip>
+          <a:stretch>
+            <a:fillRect/>
+          </a:stretch>
+        </p:blipFill>
+        <p:spPr>
+          <a:xfrm>
+            <a:off x="6870708" y="2683829"/>
+            <a:ext cx="3749191" cy="1726246"/>
+          </a:xfrm>
+          <a:prstGeom prst="rect">
+            <a:avLst/>
+          </a:prstGeom>
+        </p:spPr>
+      </p:pic>
+      <p:sp>
+        <p:nvSpPr>
+          <p:cNvPr id="22" name="CasellaDiTesto 21">
+            <a:extLst>
+              <a:ext uri="{FF2B5EF4-FFF2-40B4-BE49-F238E27FC236}">
+                <a16:creationId xmlns:a16="http://schemas.microsoft.com/office/drawing/2014/main" id="{C3BFBF51-D172-9B58-3581-27A6497831F9}"/>
+              </a:ext>
+            </a:extLst>
+          </p:cNvPr>
+          <p:cNvSpPr txBox="1"/>
+          <p:nvPr/>
+        </p:nvSpPr>
+        <p:spPr>
+          <a:xfrm>
+            <a:off x="6299269" y="4517926"/>
+            <a:ext cx="5699880" cy="400110"/>
+          </a:xfrm>
+          <a:prstGeom prst="rect">
+            <a:avLst/>
+          </a:prstGeom>
+          <a:noFill/>
+        </p:spPr>
+        <p:txBody>
+          <a:bodyPr wrap="square">
+            <a:spAutoFit/>
+          </a:bodyPr>
+          <a:lstStyle/>
+          <a:p>
+            <a:r>
+              <a:rPr lang="en-US" sz="2000" b="1" dirty="0"/>
+              <a:t>2. </a:t>
+            </a:r>
+            <a:r>
+              <a:rPr lang="it-IT" sz="2000" b="1" dirty="0"/>
+              <a:t>Platform and Notification </a:t>
+            </a:r>
+            <a:r>
+              <a:rPr lang="it-IT" sz="2000" b="1" dirty="0" err="1"/>
+              <a:t>subsystem</a:t>
+            </a:r>
+            <a:endParaRPr lang="it-IT" sz="2000" b="1" dirty="0"/>
+          </a:p>
+        </p:txBody>
+      </p:sp>
+      <p:pic>
+        <p:nvPicPr>
+          <p:cNvPr id="24" name="Elemento grafico 23">
+            <a:extLst>
+              <a:ext uri="{FF2B5EF4-FFF2-40B4-BE49-F238E27FC236}">
+                <a16:creationId xmlns:a16="http://schemas.microsoft.com/office/drawing/2014/main" id="{2AC13FB8-9365-87A9-7278-278D6DE5F851}"/>
+              </a:ext>
+            </a:extLst>
+          </p:cNvPr>
+          <p:cNvPicPr>
+            <a:picLocks noChangeAspect="1"/>
+          </p:cNvPicPr>
+          <p:nvPr/>
+        </p:nvPicPr>
+        <p:blipFill>
+          <a:blip r:embed="rId6">
+            <a:extLst>
+              <a:ext uri="{28A0092B-C50C-407E-A947-70E740481C1C}">
+                <a14:useLocalDpi xmlns:a14="http://schemas.microsoft.com/office/drawing/2010/main" val="0"/>
+              </a:ext>
+              <a:ext uri="{96DAC541-7B7A-43D3-8B79-37D633B846F1}">
+                <asvg:svgBlip xmlns:asvg="http://schemas.microsoft.com/office/drawing/2016/SVG/main" r:embed="rId7"/>
+              </a:ext>
+            </a:extLst>
+          </a:blip>
+          <a:stretch>
+            <a:fillRect/>
+          </a:stretch>
+        </p:blipFill>
+        <p:spPr>
+          <a:xfrm>
+            <a:off x="6953250" y="4998812"/>
+            <a:ext cx="3706396" cy="1792513"/>
+          </a:xfrm>
+          <a:prstGeom prst="rect">
+            <a:avLst/>
+          </a:prstGeom>
+        </p:spPr>
+      </p:pic>
+    </p:spTree>
+    <p:extLst>
+      <p:ext uri="{BB962C8B-B14F-4D97-AF65-F5344CB8AC3E}">
+        <p14:creationId xmlns:p14="http://schemas.microsoft.com/office/powerpoint/2010/main" val="373011171"/>
+      </p:ext>
+    </p:extLst>
+  </p:cSld>
+  <p:clrMapOvr>
+    <a:masterClrMapping/>
+  </p:clrMapOvr>
+</p:sld>
+</file>
+
+<file path=ppt/slides/slide24.xml><?xml version="1.0" encoding="utf-8"?>
+<p:sld xmlns:a="http://schemas.openxmlformats.org/drawingml/2006/main" xmlns:r="http://schemas.openxmlformats.org/officeDocument/2006/relationships" xmlns:p="http://schemas.openxmlformats.org/presentationml/2006/main">
+  <p:cSld>
+    <p:spTree>
+      <p:nvGrpSpPr>
+        <p:cNvPr id="1" name=""/>
+        <p:cNvGrpSpPr/>
+        <p:nvPr/>
+      </p:nvGrpSpPr>
+      <p:grpSpPr>
+        <a:xfrm>
+          <a:off x="0" y="0"/>
+          <a:ext cx="0" cy="0"/>
+          <a:chOff x="0" y="0"/>
+          <a:chExt cx="0" cy="0"/>
+        </a:xfrm>
+      </p:grpSpPr>
+      <p:sp>
+        <p:nvSpPr>
+          <p:cNvPr id="2" name="Titolo 1">
+            <a:extLst>
+              <a:ext uri="{FF2B5EF4-FFF2-40B4-BE49-F238E27FC236}">
+                <a16:creationId xmlns:a16="http://schemas.microsoft.com/office/drawing/2014/main" id="{2F0F54F1-30A2-8CB0-FB41-D453BFB68609}"/>
+              </a:ext>
+            </a:extLst>
+          </p:cNvPr>
+          <p:cNvSpPr>
+            <a:spLocks noGrp="1"/>
+          </p:cNvSpPr>
+          <p:nvPr>
+            <p:ph type="title"/>
+          </p:nvPr>
+        </p:nvSpPr>
+        <p:spPr>
+          <a:xfrm>
+            <a:off x="514351" y="66675"/>
+            <a:ext cx="11306174" cy="801575"/>
+          </a:xfrm>
+        </p:spPr>
+        <p:txBody>
+          <a:bodyPr>
+            <a:normAutofit/>
+          </a:bodyPr>
+          <a:lstStyle/>
+          <a:p>
+            <a:r>
+              <a:rPr lang="it-IT" dirty="0"/>
+              <a:t>Components </a:t>
+            </a:r>
+            <a:r>
+              <a:rPr lang="it-IT" dirty="0" err="1"/>
+              <a:t>integration</a:t>
+            </a:r>
+            <a:r>
+              <a:rPr lang="it-IT" dirty="0"/>
+              <a:t> (2/3) </a:t>
+            </a:r>
+          </a:p>
+        </p:txBody>
+      </p:sp>
+      <p:sp>
+        <p:nvSpPr>
+          <p:cNvPr id="5" name="Segnaposto numero diapositiva 4">
+            <a:extLst>
+              <a:ext uri="{FF2B5EF4-FFF2-40B4-BE49-F238E27FC236}">
+                <a16:creationId xmlns:a16="http://schemas.microsoft.com/office/drawing/2014/main" id="{79AF0F05-DA26-47DA-F61A-771A61AB86B8}"/>
+              </a:ext>
+            </a:extLst>
+          </p:cNvPr>
+          <p:cNvSpPr>
+            <a:spLocks noGrp="1"/>
+          </p:cNvSpPr>
+          <p:nvPr>
+            <p:ph type="sldNum" sz="quarter" idx="12"/>
+          </p:nvPr>
+        </p:nvSpPr>
+        <p:spPr/>
+        <p:txBody>
+          <a:bodyPr/>
+          <a:lstStyle/>
+          <a:p>
+            <a:fld id="{9732ED0D-4952-4698-A180-3B5BCDA8B725}" type="slidenum">
+              <a:rPr lang="it-IT" smtClean="0"/>
+              <a:t>24</a:t>
+            </a:fld>
+            <a:endParaRPr lang="it-IT" dirty="0"/>
+          </a:p>
+        </p:txBody>
+      </p:sp>
+      <p:sp>
+        <p:nvSpPr>
+          <p:cNvPr id="19" name="CasellaDiTesto 18">
+            <a:extLst>
+              <a:ext uri="{FF2B5EF4-FFF2-40B4-BE49-F238E27FC236}">
+                <a16:creationId xmlns:a16="http://schemas.microsoft.com/office/drawing/2014/main" id="{65BF8264-2DBB-37A4-2EAC-88DA729D18A8}"/>
+              </a:ext>
+            </a:extLst>
+          </p:cNvPr>
+          <p:cNvSpPr txBox="1"/>
+          <p:nvPr/>
+        </p:nvSpPr>
+        <p:spPr>
+          <a:xfrm>
+            <a:off x="586902" y="868250"/>
+            <a:ext cx="4014281" cy="1323439"/>
+          </a:xfrm>
+          <a:prstGeom prst="rect">
+            <a:avLst/>
+          </a:prstGeom>
+          <a:noFill/>
+        </p:spPr>
+        <p:txBody>
+          <a:bodyPr wrap="square">
+            <a:spAutoFit/>
+          </a:bodyPr>
+          <a:lstStyle/>
+          <a:p>
+            <a:r>
+              <a:rPr lang="en-US" sz="2000" b="1" dirty="0"/>
+              <a:t>3. User subsystem, </a:t>
+            </a:r>
+          </a:p>
+          <a:p>
+            <a:r>
+              <a:rPr lang="en-US" sz="2000" b="1" dirty="0"/>
+              <a:t>    the Build and Test subsystem, </a:t>
+            </a:r>
+          </a:p>
+          <a:p>
+            <a:r>
+              <a:rPr lang="en-US" sz="2000" b="1" dirty="0"/>
+              <a:t>    the Static Analysis subsystem, </a:t>
+            </a:r>
+          </a:p>
+          <a:p>
+            <a:r>
+              <a:rPr lang="en-US" sz="2000" b="1" dirty="0"/>
+              <a:t>    and then the Badge subsystem</a:t>
+            </a:r>
+            <a:endParaRPr lang="it-IT" sz="2000" b="1" dirty="0"/>
+          </a:p>
+        </p:txBody>
+      </p:sp>
+      <p:sp>
+        <p:nvSpPr>
+          <p:cNvPr id="3" name="Parentesi graffa chiusa 2">
+            <a:extLst>
+              <a:ext uri="{FF2B5EF4-FFF2-40B4-BE49-F238E27FC236}">
+                <a16:creationId xmlns:a16="http://schemas.microsoft.com/office/drawing/2014/main" id="{4A54BB7F-E535-8DBF-9D3C-8EBEECF5E068}"/>
+              </a:ext>
+            </a:extLst>
+          </p:cNvPr>
+          <p:cNvSpPr/>
+          <p:nvPr/>
+        </p:nvSpPr>
+        <p:spPr>
+          <a:xfrm>
+            <a:off x="4669277" y="868250"/>
+            <a:ext cx="194553" cy="1323439"/>
+          </a:xfrm>
+          <a:prstGeom prst="rightBrace">
+            <a:avLst/>
+          </a:prstGeom>
+        </p:spPr>
+        <p:style>
+          <a:lnRef idx="1">
+            <a:schemeClr val="dk1"/>
+          </a:lnRef>
+          <a:fillRef idx="0">
+            <a:schemeClr val="dk1"/>
+          </a:fillRef>
+          <a:effectRef idx="0">
+            <a:schemeClr val="dk1"/>
+          </a:effectRef>
+          <a:fontRef idx="minor">
+            <a:schemeClr val="tx1"/>
+          </a:fontRef>
+        </p:style>
+        <p:txBody>
+          <a:bodyPr rtlCol="0" anchor="ctr"/>
+          <a:lstStyle/>
+          <a:p>
+            <a:pPr algn="ctr"/>
+            <a:endParaRPr lang="it-IT"/>
+          </a:p>
+        </p:txBody>
+      </p:sp>
+      <p:sp>
+        <p:nvSpPr>
+          <p:cNvPr id="4" name="CasellaDiTesto 3">
+            <a:extLst>
+              <a:ext uri="{FF2B5EF4-FFF2-40B4-BE49-F238E27FC236}">
+                <a16:creationId xmlns:a16="http://schemas.microsoft.com/office/drawing/2014/main" id="{076F1E47-09B8-C223-62A8-26705D4B5E13}"/>
+              </a:ext>
+            </a:extLst>
+          </p:cNvPr>
+          <p:cNvSpPr txBox="1"/>
+          <p:nvPr/>
+        </p:nvSpPr>
+        <p:spPr>
+          <a:xfrm>
+            <a:off x="5097294" y="1329914"/>
+            <a:ext cx="1673158" cy="400110"/>
+          </a:xfrm>
+          <a:prstGeom prst="rect">
+            <a:avLst/>
+          </a:prstGeom>
+          <a:noFill/>
+        </p:spPr>
+        <p:txBody>
+          <a:bodyPr wrap="square">
+            <a:spAutoFit/>
+          </a:bodyPr>
+          <a:lstStyle/>
+          <a:p>
+            <a:r>
+              <a:rPr lang="en-US" sz="2000" dirty="0"/>
+              <a:t>In parallel</a:t>
+            </a:r>
+            <a:endParaRPr lang="it-IT" sz="2000" dirty="0"/>
+          </a:p>
+        </p:txBody>
+      </p:sp>
+      <p:pic>
+        <p:nvPicPr>
+          <p:cNvPr id="7" name="Elemento grafico 6">
+            <a:extLst>
+              <a:ext uri="{FF2B5EF4-FFF2-40B4-BE49-F238E27FC236}">
+                <a16:creationId xmlns:a16="http://schemas.microsoft.com/office/drawing/2014/main" id="{2DC830D2-F2F5-CD5D-61C8-CA31C2D871F6}"/>
+              </a:ext>
+            </a:extLst>
+          </p:cNvPr>
+          <p:cNvPicPr>
+            <a:picLocks noChangeAspect="1"/>
+          </p:cNvPicPr>
+          <p:nvPr/>
+        </p:nvPicPr>
+        <p:blipFill>
+          <a:blip r:embed="rId3">
+            <a:extLst>
+              <a:ext uri="{28A0092B-C50C-407E-A947-70E740481C1C}">
+                <a14:useLocalDpi xmlns:a14="http://schemas.microsoft.com/office/drawing/2010/main" val="0"/>
+              </a:ext>
+              <a:ext uri="{96DAC541-7B7A-43D3-8B79-37D633B846F1}">
+                <asvg:svgBlip xmlns:asvg="http://schemas.microsoft.com/office/drawing/2016/SVG/main" r:embed="rId4"/>
+              </a:ext>
+            </a:extLst>
+          </a:blip>
+          <a:stretch>
+            <a:fillRect/>
+          </a:stretch>
+        </p:blipFill>
+        <p:spPr>
+          <a:xfrm>
+            <a:off x="351148" y="2544953"/>
+            <a:ext cx="3776201" cy="1539343"/>
+          </a:xfrm>
+          <a:prstGeom prst="rect">
+            <a:avLst/>
+          </a:prstGeom>
+        </p:spPr>
+      </p:pic>
+      <p:pic>
+        <p:nvPicPr>
+          <p:cNvPr id="11" name="Elemento grafico 10">
+            <a:extLst>
+              <a:ext uri="{FF2B5EF4-FFF2-40B4-BE49-F238E27FC236}">
+                <a16:creationId xmlns:a16="http://schemas.microsoft.com/office/drawing/2014/main" id="{3F65EFD1-3A9D-DDB0-375D-2774EEE3738F}"/>
+              </a:ext>
+            </a:extLst>
+          </p:cNvPr>
+          <p:cNvPicPr>
+            <a:picLocks noChangeAspect="1"/>
+          </p:cNvPicPr>
+          <p:nvPr/>
+        </p:nvPicPr>
+        <p:blipFill>
+          <a:blip r:embed="rId5">
+            <a:extLst>
+              <a:ext uri="{28A0092B-C50C-407E-A947-70E740481C1C}">
+                <a14:useLocalDpi xmlns:a14="http://schemas.microsoft.com/office/drawing/2010/main" val="0"/>
+              </a:ext>
+              <a:ext uri="{96DAC541-7B7A-43D3-8B79-37D633B846F1}">
+                <asvg:svgBlip xmlns:asvg="http://schemas.microsoft.com/office/drawing/2016/SVG/main" r:embed="rId6"/>
+              </a:ext>
+            </a:extLst>
+          </a:blip>
+          <a:stretch>
+            <a:fillRect/>
+          </a:stretch>
+        </p:blipFill>
+        <p:spPr>
+          <a:xfrm>
+            <a:off x="4850256" y="2556299"/>
+            <a:ext cx="2114550" cy="638175"/>
+          </a:xfrm>
+          <a:prstGeom prst="rect">
+            <a:avLst/>
+          </a:prstGeom>
+        </p:spPr>
+      </p:pic>
+      <p:pic>
+        <p:nvPicPr>
+          <p:cNvPr id="13" name="Elemento grafico 12">
+            <a:extLst>
+              <a:ext uri="{FF2B5EF4-FFF2-40B4-BE49-F238E27FC236}">
+                <a16:creationId xmlns:a16="http://schemas.microsoft.com/office/drawing/2014/main" id="{8B784359-7481-52BA-4AD1-0D1702ADA0A2}"/>
+              </a:ext>
+            </a:extLst>
+          </p:cNvPr>
+          <p:cNvPicPr>
+            <a:picLocks noChangeAspect="1"/>
+          </p:cNvPicPr>
+          <p:nvPr/>
+        </p:nvPicPr>
+        <p:blipFill>
+          <a:blip r:embed="rId7">
+            <a:extLst>
+              <a:ext uri="{28A0092B-C50C-407E-A947-70E740481C1C}">
+                <a14:useLocalDpi xmlns:a14="http://schemas.microsoft.com/office/drawing/2010/main" val="0"/>
+              </a:ext>
+              <a:ext uri="{96DAC541-7B7A-43D3-8B79-37D633B846F1}">
+                <asvg:svgBlip xmlns:asvg="http://schemas.microsoft.com/office/drawing/2016/SVG/main" r:embed="rId8"/>
+              </a:ext>
+            </a:extLst>
+          </a:blip>
+          <a:stretch>
+            <a:fillRect/>
+          </a:stretch>
+        </p:blipFill>
+        <p:spPr>
+          <a:xfrm>
+            <a:off x="5185979" y="3480769"/>
+            <a:ext cx="4962525" cy="561975"/>
+          </a:xfrm>
+          <a:prstGeom prst="rect">
+            <a:avLst/>
+          </a:prstGeom>
+        </p:spPr>
+      </p:pic>
+      <p:pic>
+        <p:nvPicPr>
+          <p:cNvPr id="16" name="Elemento grafico 15">
+            <a:extLst>
+              <a:ext uri="{FF2B5EF4-FFF2-40B4-BE49-F238E27FC236}">
+                <a16:creationId xmlns:a16="http://schemas.microsoft.com/office/drawing/2014/main" id="{5FC91E00-B52D-CF65-0647-8031C5244447}"/>
+              </a:ext>
+            </a:extLst>
+          </p:cNvPr>
+          <p:cNvPicPr>
+            <a:picLocks noChangeAspect="1"/>
+          </p:cNvPicPr>
+          <p:nvPr/>
+        </p:nvPicPr>
+        <p:blipFill>
+          <a:blip r:embed="rId9">
+            <a:extLst>
+              <a:ext uri="{28A0092B-C50C-407E-A947-70E740481C1C}">
+                <a14:useLocalDpi xmlns:a14="http://schemas.microsoft.com/office/drawing/2010/main" val="0"/>
+              </a:ext>
+              <a:ext uri="{96DAC541-7B7A-43D3-8B79-37D633B846F1}">
+                <asvg:svgBlip xmlns:asvg="http://schemas.microsoft.com/office/drawing/2016/SVG/main" r:embed="rId10"/>
+              </a:ext>
+            </a:extLst>
+          </a:blip>
+          <a:stretch>
+            <a:fillRect/>
+          </a:stretch>
+        </p:blipFill>
+        <p:spPr>
+          <a:xfrm>
+            <a:off x="8389063" y="2529545"/>
+            <a:ext cx="3038475" cy="657225"/>
+          </a:xfrm>
+          <a:prstGeom prst="rect">
+            <a:avLst/>
+          </a:prstGeom>
+        </p:spPr>
+      </p:pic>
+      <p:sp>
+        <p:nvSpPr>
+          <p:cNvPr id="17" name="Rettangolo con angoli arrotondati 16">
+            <a:extLst>
+              <a:ext uri="{FF2B5EF4-FFF2-40B4-BE49-F238E27FC236}">
+                <a16:creationId xmlns:a16="http://schemas.microsoft.com/office/drawing/2014/main" id="{3491826D-B260-FF98-AF9A-AC68021C8058}"/>
+              </a:ext>
+            </a:extLst>
+          </p:cNvPr>
+          <p:cNvSpPr/>
+          <p:nvPr/>
+        </p:nvSpPr>
+        <p:spPr>
+          <a:xfrm>
+            <a:off x="176213" y="2403205"/>
+            <a:ext cx="4126072" cy="1738598"/>
+          </a:xfrm>
+          <a:prstGeom prst="roundRect">
+            <a:avLst/>
+          </a:prstGeom>
+          <a:noFill/>
+          <a:ln>
+            <a:solidFill>
+              <a:schemeClr val="tx1">
+                <a:lumMod val="95000"/>
+                <a:lumOff val="5000"/>
+              </a:schemeClr>
+            </a:solidFill>
+          </a:ln>
+        </p:spPr>
+        <p:style>
+          <a:lnRef idx="2">
+            <a:schemeClr val="accent1">
+              <a:shade val="15000"/>
+            </a:schemeClr>
+          </a:lnRef>
+          <a:fillRef idx="1">
+            <a:schemeClr val="accent1"/>
+          </a:fillRef>
+          <a:effectRef idx="0">
+            <a:schemeClr val="accent1"/>
+          </a:effectRef>
+          <a:fontRef idx="minor">
+            <a:schemeClr val="lt1"/>
+          </a:fontRef>
+        </p:style>
+        <p:txBody>
+          <a:bodyPr rtlCol="0" anchor="ctr"/>
+          <a:lstStyle/>
+          <a:p>
+            <a:pPr algn="ctr"/>
+            <a:endParaRPr lang="it-IT"/>
+          </a:p>
+        </p:txBody>
+      </p:sp>
+      <p:sp>
+        <p:nvSpPr>
+          <p:cNvPr id="20" name="Rettangolo con angoli arrotondati 19">
+            <a:extLst>
+              <a:ext uri="{FF2B5EF4-FFF2-40B4-BE49-F238E27FC236}">
+                <a16:creationId xmlns:a16="http://schemas.microsoft.com/office/drawing/2014/main" id="{E2F1216A-C5EE-46AB-9CE2-6BABEED94782}"/>
+              </a:ext>
+            </a:extLst>
+          </p:cNvPr>
+          <p:cNvSpPr/>
+          <p:nvPr/>
+        </p:nvSpPr>
+        <p:spPr>
+          <a:xfrm>
+            <a:off x="4753158" y="2431942"/>
+            <a:ext cx="2308747" cy="801575"/>
+          </a:xfrm>
+          <a:prstGeom prst="roundRect">
+            <a:avLst/>
+          </a:prstGeom>
+          <a:noFill/>
+          <a:ln>
+            <a:solidFill>
+              <a:schemeClr val="tx1">
+                <a:lumMod val="95000"/>
+                <a:lumOff val="5000"/>
+              </a:schemeClr>
+            </a:solidFill>
+          </a:ln>
+        </p:spPr>
+        <p:style>
+          <a:lnRef idx="2">
+            <a:schemeClr val="accent1">
+              <a:shade val="15000"/>
+            </a:schemeClr>
+          </a:lnRef>
+          <a:fillRef idx="1">
+            <a:schemeClr val="accent1"/>
+          </a:fillRef>
+          <a:effectRef idx="0">
+            <a:schemeClr val="accent1"/>
+          </a:effectRef>
+          <a:fontRef idx="minor">
+            <a:schemeClr val="lt1"/>
+          </a:fontRef>
+        </p:style>
+        <p:txBody>
+          <a:bodyPr rtlCol="0" anchor="ctr"/>
+          <a:lstStyle/>
+          <a:p>
+            <a:pPr algn="ctr"/>
+            <a:endParaRPr lang="it-IT"/>
+          </a:p>
+        </p:txBody>
+      </p:sp>
+      <p:sp>
+        <p:nvSpPr>
+          <p:cNvPr id="23" name="Rettangolo con angoli arrotondati 22">
+            <a:extLst>
+              <a:ext uri="{FF2B5EF4-FFF2-40B4-BE49-F238E27FC236}">
+                <a16:creationId xmlns:a16="http://schemas.microsoft.com/office/drawing/2014/main" id="{CA477BC4-9EE0-813C-587B-B72ACE5E2B96}"/>
+              </a:ext>
+            </a:extLst>
+          </p:cNvPr>
+          <p:cNvSpPr/>
+          <p:nvPr/>
+        </p:nvSpPr>
+        <p:spPr>
+          <a:xfrm>
+            <a:off x="4991782" y="3340228"/>
+            <a:ext cx="5534885" cy="801575"/>
+          </a:xfrm>
+          <a:prstGeom prst="roundRect">
+            <a:avLst/>
+          </a:prstGeom>
+          <a:noFill/>
+          <a:ln>
+            <a:solidFill>
+              <a:schemeClr val="tx1">
+                <a:lumMod val="95000"/>
+                <a:lumOff val="5000"/>
+              </a:schemeClr>
+            </a:solidFill>
+          </a:ln>
+        </p:spPr>
+        <p:style>
+          <a:lnRef idx="2">
+            <a:schemeClr val="accent1">
+              <a:shade val="15000"/>
+            </a:schemeClr>
+          </a:lnRef>
+          <a:fillRef idx="1">
+            <a:schemeClr val="accent1"/>
+          </a:fillRef>
+          <a:effectRef idx="0">
+            <a:schemeClr val="accent1"/>
+          </a:effectRef>
+          <a:fontRef idx="minor">
+            <a:schemeClr val="lt1"/>
+          </a:fontRef>
+        </p:style>
+        <p:txBody>
+          <a:bodyPr rtlCol="0" anchor="ctr"/>
+          <a:lstStyle/>
+          <a:p>
+            <a:pPr algn="ctr"/>
+            <a:endParaRPr lang="it-IT"/>
+          </a:p>
+        </p:txBody>
+      </p:sp>
+      <p:sp>
+        <p:nvSpPr>
+          <p:cNvPr id="25" name="Rettangolo con angoli arrotondati 24">
+            <a:extLst>
+              <a:ext uri="{FF2B5EF4-FFF2-40B4-BE49-F238E27FC236}">
+                <a16:creationId xmlns:a16="http://schemas.microsoft.com/office/drawing/2014/main" id="{795A20BB-B40A-872C-98BD-0244D8016A49}"/>
+              </a:ext>
+            </a:extLst>
+          </p:cNvPr>
+          <p:cNvSpPr/>
+          <p:nvPr/>
+        </p:nvSpPr>
+        <p:spPr>
+          <a:xfrm>
+            <a:off x="7640695" y="2414712"/>
+            <a:ext cx="4086881" cy="801575"/>
+          </a:xfrm>
+          <a:prstGeom prst="roundRect">
+            <a:avLst/>
+          </a:prstGeom>
+          <a:noFill/>
+          <a:ln>
+            <a:solidFill>
+              <a:schemeClr val="tx1">
+                <a:lumMod val="95000"/>
+                <a:lumOff val="5000"/>
+              </a:schemeClr>
+            </a:solidFill>
+          </a:ln>
+        </p:spPr>
+        <p:style>
+          <a:lnRef idx="2">
+            <a:schemeClr val="accent1">
+              <a:shade val="15000"/>
+            </a:schemeClr>
+          </a:lnRef>
+          <a:fillRef idx="1">
+            <a:schemeClr val="accent1"/>
+          </a:fillRef>
+          <a:effectRef idx="0">
+            <a:schemeClr val="accent1"/>
+          </a:effectRef>
+          <a:fontRef idx="minor">
+            <a:schemeClr val="lt1"/>
+          </a:fontRef>
+        </p:style>
+        <p:txBody>
+          <a:bodyPr rtlCol="0" anchor="ctr"/>
+          <a:lstStyle/>
+          <a:p>
+            <a:pPr algn="ctr"/>
+            <a:endParaRPr lang="it-IT"/>
+          </a:p>
+        </p:txBody>
+      </p:sp>
+      <p:sp>
+        <p:nvSpPr>
+          <p:cNvPr id="26" name="CasellaDiTesto 25">
+            <a:extLst>
+              <a:ext uri="{FF2B5EF4-FFF2-40B4-BE49-F238E27FC236}">
+                <a16:creationId xmlns:a16="http://schemas.microsoft.com/office/drawing/2014/main" id="{E7DF2411-E4A3-F749-8DEA-0BD1BE2D3568}"/>
+              </a:ext>
+            </a:extLst>
+          </p:cNvPr>
+          <p:cNvSpPr txBox="1"/>
+          <p:nvPr/>
+        </p:nvSpPr>
+        <p:spPr>
+          <a:xfrm>
+            <a:off x="586902" y="4597752"/>
+            <a:ext cx="4014281" cy="400110"/>
+          </a:xfrm>
+          <a:prstGeom prst="rect">
+            <a:avLst/>
+          </a:prstGeom>
+          <a:noFill/>
+        </p:spPr>
+        <p:txBody>
+          <a:bodyPr wrap="square">
+            <a:spAutoFit/>
+          </a:bodyPr>
+          <a:lstStyle/>
+          <a:p>
+            <a:r>
+              <a:rPr lang="en-US" sz="2000" b="1" dirty="0"/>
+              <a:t>4. Website CDN</a:t>
+            </a:r>
+            <a:endParaRPr lang="it-IT" sz="2000" b="1" dirty="0"/>
+          </a:p>
+        </p:txBody>
+      </p:sp>
+      <p:pic>
+        <p:nvPicPr>
+          <p:cNvPr id="28" name="Elemento grafico 27">
+            <a:extLst>
+              <a:ext uri="{FF2B5EF4-FFF2-40B4-BE49-F238E27FC236}">
+                <a16:creationId xmlns:a16="http://schemas.microsoft.com/office/drawing/2014/main" id="{9F68D5ED-B2E0-0F26-1550-A193DE60F9D3}"/>
+              </a:ext>
+            </a:extLst>
+          </p:cNvPr>
+          <p:cNvPicPr>
+            <a:picLocks noChangeAspect="1"/>
+          </p:cNvPicPr>
+          <p:nvPr/>
+        </p:nvPicPr>
+        <p:blipFill>
+          <a:blip r:embed="rId11">
+            <a:extLst>
+              <a:ext uri="{28A0092B-C50C-407E-A947-70E740481C1C}">
+                <a14:useLocalDpi xmlns:a14="http://schemas.microsoft.com/office/drawing/2010/main" val="0"/>
+              </a:ext>
+              <a:ext uri="{96DAC541-7B7A-43D3-8B79-37D633B846F1}">
+                <asvg:svgBlip xmlns:asvg="http://schemas.microsoft.com/office/drawing/2016/SVG/main" r:embed="rId12"/>
+              </a:ext>
+            </a:extLst>
+          </a:blip>
+          <a:stretch>
+            <a:fillRect/>
+          </a:stretch>
+        </p:blipFill>
+        <p:spPr>
+          <a:xfrm>
+            <a:off x="1305500" y="5140017"/>
+            <a:ext cx="1703064" cy="731444"/>
+          </a:xfrm>
+          <a:prstGeom prst="rect">
+            <a:avLst/>
+          </a:prstGeom>
+        </p:spPr>
+      </p:pic>
+      <p:sp>
+        <p:nvSpPr>
+          <p:cNvPr id="30" name="CasellaDiTesto 29">
+            <a:extLst>
+              <a:ext uri="{FF2B5EF4-FFF2-40B4-BE49-F238E27FC236}">
+                <a16:creationId xmlns:a16="http://schemas.microsoft.com/office/drawing/2014/main" id="{260444CA-663D-B37F-4E91-46A208A866D8}"/>
+              </a:ext>
+            </a:extLst>
+          </p:cNvPr>
+          <p:cNvSpPr txBox="1"/>
+          <p:nvPr/>
+        </p:nvSpPr>
+        <p:spPr>
+          <a:xfrm>
+            <a:off x="4321546" y="3535923"/>
+            <a:ext cx="670236" cy="400110"/>
+          </a:xfrm>
+          <a:prstGeom prst="rect">
+            <a:avLst/>
+          </a:prstGeom>
+          <a:noFill/>
+        </p:spPr>
+        <p:txBody>
+          <a:bodyPr wrap="square">
+            <a:spAutoFit/>
+          </a:bodyPr>
+          <a:lstStyle/>
+          <a:p>
+            <a:pPr algn="ctr"/>
+            <a:r>
+              <a:rPr lang="en-US" sz="2000" dirty="0"/>
+              <a:t>//</a:t>
+            </a:r>
+            <a:endParaRPr lang="it-IT" sz="2000" dirty="0"/>
+          </a:p>
+        </p:txBody>
+      </p:sp>
+      <p:sp>
+        <p:nvSpPr>
+          <p:cNvPr id="31" name="CasellaDiTesto 30">
+            <a:extLst>
+              <a:ext uri="{FF2B5EF4-FFF2-40B4-BE49-F238E27FC236}">
+                <a16:creationId xmlns:a16="http://schemas.microsoft.com/office/drawing/2014/main" id="{EABEF354-64AF-3B96-2219-73AACEC94FBE}"/>
+              </a:ext>
+            </a:extLst>
+          </p:cNvPr>
+          <p:cNvSpPr txBox="1"/>
+          <p:nvPr/>
+        </p:nvSpPr>
+        <p:spPr>
+          <a:xfrm>
+            <a:off x="7054703" y="2630881"/>
+            <a:ext cx="585992" cy="400110"/>
+          </a:xfrm>
+          <a:prstGeom prst="rect">
+            <a:avLst/>
+          </a:prstGeom>
+          <a:noFill/>
+        </p:spPr>
+        <p:txBody>
+          <a:bodyPr wrap="square">
+            <a:spAutoFit/>
+          </a:bodyPr>
+          <a:lstStyle/>
+          <a:p>
+            <a:pPr algn="ctr"/>
+            <a:r>
+              <a:rPr lang="en-US" sz="2000" dirty="0"/>
+              <a:t>//</a:t>
+            </a:r>
+            <a:endParaRPr lang="it-IT" sz="2000" dirty="0"/>
+          </a:p>
+        </p:txBody>
+      </p:sp>
+      <p:sp>
+        <p:nvSpPr>
+          <p:cNvPr id="32" name="CasellaDiTesto 31">
+            <a:extLst>
+              <a:ext uri="{FF2B5EF4-FFF2-40B4-BE49-F238E27FC236}">
+                <a16:creationId xmlns:a16="http://schemas.microsoft.com/office/drawing/2014/main" id="{B5179D54-3E27-6E8F-7E69-B103F55D28A2}"/>
+              </a:ext>
+            </a:extLst>
+          </p:cNvPr>
+          <p:cNvSpPr txBox="1"/>
+          <p:nvPr/>
+        </p:nvSpPr>
+        <p:spPr>
+          <a:xfrm>
+            <a:off x="4302284" y="2637242"/>
+            <a:ext cx="458075" cy="400110"/>
+          </a:xfrm>
+          <a:prstGeom prst="rect">
+            <a:avLst/>
+          </a:prstGeom>
+          <a:noFill/>
+        </p:spPr>
+        <p:txBody>
+          <a:bodyPr wrap="square">
+            <a:spAutoFit/>
+          </a:bodyPr>
+          <a:lstStyle/>
+          <a:p>
+            <a:pPr algn="ctr"/>
+            <a:r>
+              <a:rPr lang="en-US" sz="2000" dirty="0"/>
+              <a:t>//</a:t>
+            </a:r>
+            <a:endParaRPr lang="it-IT" sz="2000" dirty="0"/>
+          </a:p>
+        </p:txBody>
+      </p:sp>
+    </p:spTree>
+    <p:extLst>
+      <p:ext uri="{BB962C8B-B14F-4D97-AF65-F5344CB8AC3E}">
+        <p14:creationId xmlns:p14="http://schemas.microsoft.com/office/powerpoint/2010/main" val="3917494076"/>
+      </p:ext>
+    </p:extLst>
+  </p:cSld>
+  <p:clrMapOvr>
+    <a:masterClrMapping/>
+  </p:clrMapOvr>
+</p:sld>
+</file>
+
+<file path=ppt/slides/slide25.xml><?xml version="1.0" encoding="utf-8"?>
+<p:sld xmlns:a="http://schemas.openxmlformats.org/drawingml/2006/main" xmlns:r="http://schemas.openxmlformats.org/officeDocument/2006/relationships" xmlns:p="http://schemas.openxmlformats.org/presentationml/2006/main">
+  <p:cSld>
+    <p:spTree>
+      <p:nvGrpSpPr>
+        <p:cNvPr id="1" name=""/>
+        <p:cNvGrpSpPr/>
+        <p:nvPr/>
+      </p:nvGrpSpPr>
+      <p:grpSpPr>
+        <a:xfrm>
+          <a:off x="0" y="0"/>
+          <a:ext cx="0" cy="0"/>
+          <a:chOff x="0" y="0"/>
+          <a:chExt cx="0" cy="0"/>
+        </a:xfrm>
+      </p:grpSpPr>
+      <p:sp>
+        <p:nvSpPr>
+          <p:cNvPr id="2" name="Titolo 1">
+            <a:extLst>
+              <a:ext uri="{FF2B5EF4-FFF2-40B4-BE49-F238E27FC236}">
+                <a16:creationId xmlns:a16="http://schemas.microsoft.com/office/drawing/2014/main" id="{2F0F54F1-30A2-8CB0-FB41-D453BFB68609}"/>
+              </a:ext>
+            </a:extLst>
+          </p:cNvPr>
+          <p:cNvSpPr>
+            <a:spLocks noGrp="1"/>
+          </p:cNvSpPr>
+          <p:nvPr>
+            <p:ph type="title"/>
+          </p:nvPr>
+        </p:nvSpPr>
+        <p:spPr>
+          <a:xfrm>
+            <a:off x="514351" y="66675"/>
+            <a:ext cx="11306174" cy="801575"/>
+          </a:xfrm>
+        </p:spPr>
+        <p:txBody>
+          <a:bodyPr>
+            <a:normAutofit/>
+          </a:bodyPr>
+          <a:lstStyle/>
+          <a:p>
+            <a:r>
+              <a:rPr lang="it-IT" dirty="0"/>
+              <a:t>Components </a:t>
+            </a:r>
+            <a:r>
+              <a:rPr lang="it-IT" dirty="0" err="1"/>
+              <a:t>integration</a:t>
+            </a:r>
+            <a:r>
+              <a:rPr lang="it-IT" dirty="0"/>
+              <a:t> (3/3) </a:t>
+            </a:r>
+          </a:p>
+        </p:txBody>
+      </p:sp>
+      <p:sp>
+        <p:nvSpPr>
+          <p:cNvPr id="5" name="Segnaposto numero diapositiva 4">
+            <a:extLst>
+              <a:ext uri="{FF2B5EF4-FFF2-40B4-BE49-F238E27FC236}">
+                <a16:creationId xmlns:a16="http://schemas.microsoft.com/office/drawing/2014/main" id="{79AF0F05-DA26-47DA-F61A-771A61AB86B8}"/>
+              </a:ext>
+            </a:extLst>
+          </p:cNvPr>
+          <p:cNvSpPr>
+            <a:spLocks noGrp="1"/>
+          </p:cNvSpPr>
+          <p:nvPr>
+            <p:ph type="sldNum" sz="quarter" idx="12"/>
+          </p:nvPr>
+        </p:nvSpPr>
+        <p:spPr/>
+        <p:txBody>
+          <a:bodyPr/>
+          <a:lstStyle/>
+          <a:p>
+            <a:fld id="{9732ED0D-4952-4698-A180-3B5BCDA8B725}" type="slidenum">
+              <a:rPr lang="it-IT" smtClean="0"/>
+              <a:t>25</a:t>
+            </a:fld>
+            <a:endParaRPr lang="it-IT" dirty="0"/>
+          </a:p>
+        </p:txBody>
+      </p:sp>
+      <p:sp>
+        <p:nvSpPr>
+          <p:cNvPr id="19" name="CasellaDiTesto 18">
+            <a:extLst>
+              <a:ext uri="{FF2B5EF4-FFF2-40B4-BE49-F238E27FC236}">
+                <a16:creationId xmlns:a16="http://schemas.microsoft.com/office/drawing/2014/main" id="{65BF8264-2DBB-37A4-2EAC-88DA729D18A8}"/>
+              </a:ext>
+            </a:extLst>
+          </p:cNvPr>
+          <p:cNvSpPr txBox="1"/>
+          <p:nvPr/>
+        </p:nvSpPr>
+        <p:spPr>
+          <a:xfrm>
+            <a:off x="586902" y="868250"/>
+            <a:ext cx="6013923" cy="400110"/>
+          </a:xfrm>
+          <a:prstGeom prst="rect">
+            <a:avLst/>
+          </a:prstGeom>
+          <a:noFill/>
+        </p:spPr>
+        <p:txBody>
+          <a:bodyPr wrap="square">
+            <a:spAutoFit/>
+          </a:bodyPr>
+          <a:lstStyle/>
+          <a:p>
+            <a:r>
+              <a:rPr lang="en-US" sz="2000" b="1" dirty="0"/>
+              <a:t>5. API Gateway with all the previous subsystems</a:t>
+            </a:r>
+            <a:endParaRPr lang="it-IT" sz="2000" b="1" dirty="0"/>
+          </a:p>
+        </p:txBody>
+      </p:sp>
+      <p:pic>
+        <p:nvPicPr>
+          <p:cNvPr id="8" name="Elemento grafico 7">
+            <a:extLst>
+              <a:ext uri="{FF2B5EF4-FFF2-40B4-BE49-F238E27FC236}">
+                <a16:creationId xmlns:a16="http://schemas.microsoft.com/office/drawing/2014/main" id="{874515B8-0FC7-058D-9B18-18864FE0BE96}"/>
+              </a:ext>
+            </a:extLst>
+          </p:cNvPr>
+          <p:cNvPicPr>
+            <a:picLocks noChangeAspect="1"/>
+          </p:cNvPicPr>
+          <p:nvPr/>
+        </p:nvPicPr>
+        <p:blipFill>
+          <a:blip r:embed="rId3">
+            <a:extLst>
+              <a:ext uri="{28A0092B-C50C-407E-A947-70E740481C1C}">
+                <a14:useLocalDpi xmlns:a14="http://schemas.microsoft.com/office/drawing/2010/main" val="0"/>
+              </a:ext>
+              <a:ext uri="{96DAC541-7B7A-43D3-8B79-37D633B846F1}">
+                <asvg:svgBlip xmlns:asvg="http://schemas.microsoft.com/office/drawing/2016/SVG/main" r:embed="rId4"/>
+              </a:ext>
+            </a:extLst>
+          </a:blip>
+          <a:stretch>
+            <a:fillRect/>
+          </a:stretch>
+        </p:blipFill>
+        <p:spPr>
+          <a:xfrm>
+            <a:off x="7667625" y="1394593"/>
+            <a:ext cx="4257675" cy="1733550"/>
+          </a:xfrm>
+          <a:prstGeom prst="rect">
+            <a:avLst/>
+          </a:prstGeom>
+        </p:spPr>
+      </p:pic>
+      <p:pic>
+        <p:nvPicPr>
+          <p:cNvPr id="10" name="Elemento grafico 9">
+            <a:extLst>
+              <a:ext uri="{FF2B5EF4-FFF2-40B4-BE49-F238E27FC236}">
+                <a16:creationId xmlns:a16="http://schemas.microsoft.com/office/drawing/2014/main" id="{2919C9DD-8CDF-FEE5-48D1-AFE973A1EBB4}"/>
+              </a:ext>
+            </a:extLst>
+          </p:cNvPr>
+          <p:cNvPicPr>
+            <a:picLocks noChangeAspect="1"/>
+          </p:cNvPicPr>
+          <p:nvPr/>
+        </p:nvPicPr>
+        <p:blipFill>
+          <a:blip r:embed="rId5">
+            <a:extLst>
+              <a:ext uri="{28A0092B-C50C-407E-A947-70E740481C1C}">
+                <a14:useLocalDpi xmlns:a14="http://schemas.microsoft.com/office/drawing/2010/main" val="0"/>
+              </a:ext>
+              <a:ext uri="{96DAC541-7B7A-43D3-8B79-37D633B846F1}">
+                <asvg:svgBlip xmlns:asvg="http://schemas.microsoft.com/office/drawing/2016/SVG/main" r:embed="rId6"/>
+              </a:ext>
+            </a:extLst>
+          </a:blip>
+          <a:stretch>
+            <a:fillRect/>
+          </a:stretch>
+        </p:blipFill>
+        <p:spPr>
+          <a:xfrm>
+            <a:off x="1671637" y="4054475"/>
+            <a:ext cx="1409700" cy="1733550"/>
+          </a:xfrm>
+          <a:prstGeom prst="rect">
+            <a:avLst/>
+          </a:prstGeom>
+        </p:spPr>
+      </p:pic>
+      <p:pic>
+        <p:nvPicPr>
+          <p:cNvPr id="14" name="Elemento grafico 13">
+            <a:extLst>
+              <a:ext uri="{FF2B5EF4-FFF2-40B4-BE49-F238E27FC236}">
+                <a16:creationId xmlns:a16="http://schemas.microsoft.com/office/drawing/2014/main" id="{EE2595D5-659C-2596-226C-D997F60FD407}"/>
+              </a:ext>
+            </a:extLst>
+          </p:cNvPr>
+          <p:cNvPicPr>
+            <a:picLocks noChangeAspect="1"/>
+          </p:cNvPicPr>
+          <p:nvPr/>
+        </p:nvPicPr>
+        <p:blipFill>
+          <a:blip r:embed="rId7">
+            <a:extLst>
+              <a:ext uri="{28A0092B-C50C-407E-A947-70E740481C1C}">
+                <a14:useLocalDpi xmlns:a14="http://schemas.microsoft.com/office/drawing/2010/main" val="0"/>
+              </a:ext>
+              <a:ext uri="{96DAC541-7B7A-43D3-8B79-37D633B846F1}">
+                <asvg:svgBlip xmlns:asvg="http://schemas.microsoft.com/office/drawing/2016/SVG/main" r:embed="rId8"/>
+              </a:ext>
+            </a:extLst>
+          </a:blip>
+          <a:stretch>
+            <a:fillRect/>
+          </a:stretch>
+        </p:blipFill>
+        <p:spPr>
+          <a:xfrm>
+            <a:off x="147637" y="1394593"/>
+            <a:ext cx="3819525" cy="1733550"/>
+          </a:xfrm>
+          <a:prstGeom prst="rect">
+            <a:avLst/>
+          </a:prstGeom>
+        </p:spPr>
+      </p:pic>
+      <p:pic>
+        <p:nvPicPr>
+          <p:cNvPr id="18" name="Elemento grafico 17">
+            <a:extLst>
+              <a:ext uri="{FF2B5EF4-FFF2-40B4-BE49-F238E27FC236}">
+                <a16:creationId xmlns:a16="http://schemas.microsoft.com/office/drawing/2014/main" id="{9F241314-DEB3-4EF5-0E62-BCAEEB36A721}"/>
+              </a:ext>
+            </a:extLst>
+          </p:cNvPr>
+          <p:cNvPicPr>
+            <a:picLocks noChangeAspect="1"/>
+          </p:cNvPicPr>
+          <p:nvPr/>
+        </p:nvPicPr>
+        <p:blipFill>
+          <a:blip r:embed="rId9">
+            <a:extLst>
+              <a:ext uri="{28A0092B-C50C-407E-A947-70E740481C1C}">
+                <a14:useLocalDpi xmlns:a14="http://schemas.microsoft.com/office/drawing/2010/main" val="0"/>
+              </a:ext>
+              <a:ext uri="{96DAC541-7B7A-43D3-8B79-37D633B846F1}">
+                <asvg:svgBlip xmlns:asvg="http://schemas.microsoft.com/office/drawing/2016/SVG/main" r:embed="rId10"/>
+              </a:ext>
+            </a:extLst>
+          </a:blip>
+          <a:stretch>
+            <a:fillRect/>
+          </a:stretch>
+        </p:blipFill>
+        <p:spPr>
+          <a:xfrm>
+            <a:off x="4257676" y="1394593"/>
+            <a:ext cx="3028950" cy="1733550"/>
+          </a:xfrm>
+          <a:prstGeom prst="rect">
+            <a:avLst/>
+          </a:prstGeom>
+        </p:spPr>
+      </p:pic>
+      <p:sp>
+        <p:nvSpPr>
+          <p:cNvPr id="21" name="CasellaDiTesto 20">
+            <a:extLst>
+              <a:ext uri="{FF2B5EF4-FFF2-40B4-BE49-F238E27FC236}">
+                <a16:creationId xmlns:a16="http://schemas.microsoft.com/office/drawing/2014/main" id="{E92DE728-128F-DAF3-80C1-4D69184CF2CB}"/>
+              </a:ext>
+            </a:extLst>
+          </p:cNvPr>
+          <p:cNvSpPr txBox="1"/>
+          <p:nvPr/>
+        </p:nvSpPr>
+        <p:spPr>
+          <a:xfrm>
+            <a:off x="586901" y="3529803"/>
+            <a:ext cx="6013923" cy="400110"/>
+          </a:xfrm>
+          <a:prstGeom prst="rect">
+            <a:avLst/>
+          </a:prstGeom>
+          <a:noFill/>
+        </p:spPr>
+        <p:txBody>
+          <a:bodyPr wrap="square">
+            <a:spAutoFit/>
+          </a:bodyPr>
+          <a:lstStyle/>
+          <a:p>
+            <a:r>
+              <a:rPr lang="en-US" sz="2000" b="1" dirty="0"/>
+              <a:t>6. Website CDN and API Gateway</a:t>
+            </a:r>
+            <a:endParaRPr lang="it-IT" sz="2000" b="1" dirty="0"/>
+          </a:p>
+        </p:txBody>
+      </p:sp>
+    </p:spTree>
+    <p:extLst>
+      <p:ext uri="{BB962C8B-B14F-4D97-AF65-F5344CB8AC3E}">
+        <p14:creationId xmlns:p14="http://schemas.microsoft.com/office/powerpoint/2010/main" val="2197322549"/>
       </p:ext>
     </p:extLst>
   </p:cSld>

--- a/presentation/Presentation - Ferlin Orsenigo Saccani.pptx
+++ b/presentation/Presentation - Ferlin Orsenigo Saccani.pptx
@@ -5305,28 +5305,106 @@
           <a:lstStyle/>
           <a:p>
             <a:r>
+              <a:rPr lang="it-IT" dirty="0" err="1"/>
+              <a:t>Now</a:t>
+            </a:r>
+            <a:r>
+              <a:rPr lang="it-IT" dirty="0"/>
+              <a:t> </a:t>
+            </a:r>
+            <a:r>
+              <a:rPr lang="it-IT" dirty="0" err="1"/>
+              <a:t>we</a:t>
+            </a:r>
+            <a:r>
+              <a:rPr lang="it-IT" dirty="0"/>
+              <a:t> can </a:t>
+            </a:r>
+            <a:r>
+              <a:rPr lang="it-IT" dirty="0" err="1"/>
+              <a:t>also</a:t>
+            </a:r>
+            <a:r>
+              <a:rPr lang="it-IT" dirty="0"/>
+              <a:t> show the Class </a:t>
+            </a:r>
+            <a:r>
+              <a:rPr lang="it-IT" dirty="0" err="1"/>
+              <a:t>Diagram</a:t>
+            </a:r>
+            <a:r>
+              <a:rPr lang="it-IT" dirty="0"/>
+              <a:t> and </a:t>
+            </a:r>
+            <a:r>
+              <a:rPr lang="it-IT" dirty="0" err="1"/>
+              <a:t>say</a:t>
+            </a:r>
+            <a:r>
+              <a:rPr lang="it-IT" dirty="0"/>
+              <a:t> </a:t>
+            </a:r>
+            <a:r>
+              <a:rPr lang="it-IT" dirty="0" err="1"/>
+              <a:t>that</a:t>
+            </a:r>
+            <a:r>
+              <a:rPr lang="it-IT" dirty="0"/>
+              <a:t> </a:t>
+            </a:r>
+            <a:r>
+              <a:rPr lang="it-IT" dirty="0" err="1"/>
+              <a:t>we</a:t>
+            </a:r>
+            <a:r>
+              <a:rPr lang="it-IT" dirty="0"/>
+              <a:t> </a:t>
+            </a:r>
+            <a:r>
+              <a:rPr lang="it-IT" dirty="0" err="1"/>
+              <a:t>translated</a:t>
+            </a:r>
+            <a:r>
+              <a:rPr lang="it-IT" dirty="0"/>
+              <a:t> </a:t>
+            </a:r>
+            <a:r>
+              <a:rPr lang="it-IT" dirty="0" err="1"/>
+              <a:t>all</a:t>
+            </a:r>
+            <a:r>
+              <a:rPr lang="it-IT" dirty="0"/>
+              <a:t> the </a:t>
+            </a:r>
+            <a:r>
+              <a:rPr lang="it-IT" dirty="0" err="1"/>
+              <a:t>elements</a:t>
+            </a:r>
+            <a:r>
+              <a:rPr lang="it-IT" dirty="0"/>
+              <a:t> in the </a:t>
+            </a:r>
+            <a:r>
+              <a:rPr lang="it-IT" dirty="0" err="1"/>
+              <a:t>Alloy</a:t>
+            </a:r>
+            <a:r>
+              <a:rPr lang="it-IT" dirty="0"/>
+              <a:t> Code</a:t>
+            </a:r>
+          </a:p>
+          <a:p>
+            <a:r>
+              <a:rPr lang="it-IT" b="1" dirty="0" err="1"/>
+              <a:t>Both</a:t>
+            </a:r>
+            <a:r>
               <a:rPr lang="it-IT" b="1" dirty="0"/>
-              <a:t>After </a:t>
+              <a:t> ways / </a:t>
             </a:r>
             <a:r>
               <a:rPr lang="it-IT" b="1" dirty="0" err="1"/>
-              <a:t>this</a:t>
-            </a:r>
-            <a:r>
-              <a:rPr lang="it-IT" b="1" dirty="0"/>
-              <a:t> slide RASD part </a:t>
-            </a:r>
-            <a:r>
-              <a:rPr lang="it-IT" b="1" dirty="0" err="1"/>
-              <a:t>completed</a:t>
-            </a:r>
-            <a:r>
-              <a:rPr lang="it-IT" b="1" dirty="0"/>
-              <a:t>  -&gt; </a:t>
-            </a:r>
-            <a:r>
-              <a:rPr lang="it-IT" b="1" dirty="0" err="1"/>
-              <a:t>We</a:t>
+              <a:t>both</a:t>
             </a:r>
             <a:r>
               <a:rPr lang="it-IT" b="1" dirty="0"/>
@@ -5334,71 +5412,42 @@
             </a:r>
             <a:r>
               <a:rPr lang="it-IT" b="1" dirty="0" err="1"/>
-              <a:t>will</a:t>
-            </a:r>
-            <a:r>
-              <a:rPr lang="it-IT" b="1" dirty="0"/>
-              <a:t> start </a:t>
-            </a:r>
-            <a:r>
-              <a:rPr lang="it-IT" b="1" dirty="0" err="1"/>
-              <a:t>talking</a:t>
-            </a:r>
-            <a:r>
-              <a:rPr lang="it-IT" b="1" dirty="0"/>
-              <a:t> </a:t>
-            </a:r>
-            <a:r>
-              <a:rPr lang="it-IT" b="1" dirty="0" err="1"/>
-              <a:t>about</a:t>
-            </a:r>
-            <a:r>
-              <a:rPr lang="it-IT" b="1" dirty="0"/>
-              <a:t> DD</a:t>
-            </a:r>
-            <a:br>
-              <a:rPr lang="it-IT" b="1" dirty="0"/>
-            </a:br>
-            <a:r>
-              <a:rPr lang="it-IT" b="1" dirty="0" err="1"/>
-              <a:t>Change</a:t>
-            </a:r>
-            <a:r>
-              <a:rPr lang="it-IT" b="1" dirty="0"/>
-              <a:t> </a:t>
-            </a:r>
-            <a:r>
-              <a:rPr lang="it-IT" b="1" dirty="0" err="1"/>
-              <a:t>person</a:t>
-            </a:r>
-            <a:r>
-              <a:rPr lang="it-IT" b="1" dirty="0"/>
-              <a:t> </a:t>
-            </a:r>
-            <a:r>
-              <a:rPr lang="it-IT" b="1" dirty="0" err="1"/>
-              <a:t>speaking</a:t>
-            </a:r>
-            <a:r>
-              <a:rPr lang="it-IT" b="1" dirty="0"/>
-              <a:t> (Orsenigo </a:t>
-            </a:r>
-            <a:r>
-              <a:rPr lang="it-IT" b="1" dirty="0" err="1"/>
-              <a:t>Now</a:t>
-            </a:r>
-            <a:r>
-              <a:rPr lang="it-IT" b="1" dirty="0"/>
-              <a:t> </a:t>
-            </a:r>
-            <a:r>
-              <a:rPr lang="it-IT" b="1" dirty="0" err="1"/>
-              <a:t>Speaking</a:t>
-            </a:r>
-            <a:r>
-              <a:rPr lang="it-IT" b="1" dirty="0"/>
-              <a:t>) </a:t>
-            </a:r>
+              <a:t>directions</a:t>
+            </a:r>
+            <a:endParaRPr lang="it-IT" b="1" dirty="0"/>
+          </a:p>
+          <a:p>
+            <a:endParaRPr lang="it-IT" dirty="0"/>
+          </a:p>
+          <a:p>
+            <a:pPr marL="0" marR="0" lvl="0" indent="0" algn="l" defTabSz="914400" rtl="0" eaLnBrk="1" fontAlgn="auto" latinLnBrk="0" hangingPunct="1">
+              <a:lnSpc>
+                <a:spcPct val="100000"/>
+              </a:lnSpc>
+              <a:spcBef>
+                <a:spcPts val="0"/>
+              </a:spcBef>
+              <a:spcAft>
+                <a:spcPts val="0"/>
+              </a:spcAft>
+              <a:buClrTx/>
+              <a:buSzTx/>
+              <a:buFontTx/>
+              <a:buNone/>
+              <a:tabLst/>
+              <a:defRPr/>
+            </a:pPr>
+            <a:r>
+              <a:rPr lang="it-IT" b="1" dirty="0">
+                <a:solidFill>
+                  <a:srgbClr val="FF0000"/>
+                </a:solidFill>
+              </a:rPr>
+              <a:t>3,00s-3,07s</a:t>
+            </a:r>
+          </a:p>
+          <a:p>
+            <a:endParaRPr lang="it-IT" dirty="0"/>
           </a:p>
         </p:txBody>
       </p:sp>
@@ -5419,7 +5468,7 @@
           <a:p>
             <a:fld id="{1EEEB9C4-2C44-416F-8AE9-56A3B0181F3B}" type="slidenum">
               <a:rPr lang="it-IT" smtClean="0"/>
-              <a:t>12</a:t>
+              <a:t>10</a:t>
             </a:fld>
             <a:endParaRPr lang="it-IT"/>
           </a:p>
@@ -5428,7 +5477,7 @@
     </p:spTree>
     <p:extLst>
       <p:ext uri="{BB962C8B-B14F-4D97-AF65-F5344CB8AC3E}">
-        <p14:creationId xmlns:p14="http://schemas.microsoft.com/office/powerpoint/2010/main" val="2581798687"/>
+        <p14:creationId xmlns:p14="http://schemas.microsoft.com/office/powerpoint/2010/main" val="2352873539"/>
       </p:ext>
     </p:extLst>
   </p:cSld>
@@ -5482,11 +5531,135 @@
           <a:bodyPr/>
           <a:lstStyle/>
           <a:p>
-            <a:endParaRPr lang="it-IT" b="0">
-              <a:solidFill>
-                <a:srgbClr val="FF0000"/>
-              </a:solidFill>
-            </a:endParaRPr>
+            <a:r>
+              <a:rPr lang="it-IT" dirty="0" err="1"/>
+              <a:t>This</a:t>
+            </a:r>
+            <a:r>
+              <a:rPr lang="it-IT" dirty="0"/>
+              <a:t> show some </a:t>
+            </a:r>
+            <a:r>
+              <a:rPr lang="it-IT" dirty="0" err="1"/>
+              <a:t>important</a:t>
+            </a:r>
+            <a:r>
+              <a:rPr lang="it-IT" dirty="0"/>
+              <a:t> </a:t>
+            </a:r>
+            <a:r>
+              <a:rPr lang="it-IT" dirty="0" err="1"/>
+              <a:t>properties</a:t>
+            </a:r>
+            <a:r>
+              <a:rPr lang="it-IT" dirty="0"/>
+              <a:t> like the </a:t>
+            </a:r>
+            <a:r>
+              <a:rPr lang="it-IT" dirty="0" err="1"/>
+              <a:t>invitation</a:t>
+            </a:r>
+            <a:r>
+              <a:rPr lang="it-IT" dirty="0"/>
+              <a:t> part (</a:t>
+            </a:r>
+            <a:r>
+              <a:rPr lang="it-IT" dirty="0" err="1"/>
+              <a:t>discussed</a:t>
+            </a:r>
+            <a:r>
+              <a:rPr lang="it-IT" dirty="0"/>
+              <a:t> more in </a:t>
+            </a:r>
+            <a:r>
+              <a:rPr lang="it-IT" dirty="0" err="1"/>
+              <a:t>detail</a:t>
+            </a:r>
+            <a:r>
+              <a:rPr lang="it-IT" dirty="0"/>
+              <a:t> with code in the </a:t>
+            </a:r>
+            <a:r>
+              <a:rPr lang="it-IT" dirty="0" err="1"/>
+              <a:t>next</a:t>
+            </a:r>
+            <a:r>
+              <a:rPr lang="it-IT" dirty="0"/>
+              <a:t> slide)</a:t>
+            </a:r>
+          </a:p>
+          <a:p>
+            <a:pPr marL="0" marR="0" lvl="0" indent="0" algn="l" defTabSz="914400" rtl="0" eaLnBrk="1" fontAlgn="auto" latinLnBrk="0" hangingPunct="1">
+              <a:lnSpc>
+                <a:spcPct val="100000"/>
+              </a:lnSpc>
+              <a:spcBef>
+                <a:spcPts val="0"/>
+              </a:spcBef>
+              <a:spcAft>
+                <a:spcPts val="0"/>
+              </a:spcAft>
+              <a:buClrTx/>
+              <a:buSzTx/>
+              <a:buFontTx/>
+              <a:buNone/>
+              <a:tabLst/>
+              <a:defRPr/>
+            </a:pPr>
+            <a:r>
+              <a:rPr lang="it-IT" b="1" dirty="0" err="1"/>
+              <a:t>Both</a:t>
+            </a:r>
+            <a:r>
+              <a:rPr lang="it-IT" b="1" dirty="0"/>
+              <a:t> ways / </a:t>
+            </a:r>
+            <a:r>
+              <a:rPr lang="it-IT" b="1" dirty="0" err="1"/>
+              <a:t>both</a:t>
+            </a:r>
+            <a:r>
+              <a:rPr lang="it-IT" b="1" dirty="0"/>
+              <a:t> </a:t>
+            </a:r>
+            <a:r>
+              <a:rPr lang="it-IT" b="1" dirty="0" err="1"/>
+              <a:t>directions</a:t>
+            </a:r>
+            <a:endParaRPr lang="it-IT" b="1" dirty="0"/>
+          </a:p>
+          <a:p>
+            <a:endParaRPr lang="it-IT" dirty="0"/>
+          </a:p>
+          <a:p>
+            <a:pPr marL="0" marR="0" lvl="0" indent="0" algn="l" defTabSz="914400" rtl="0" eaLnBrk="1" fontAlgn="auto" latinLnBrk="0" hangingPunct="1">
+              <a:lnSpc>
+                <a:spcPct val="100000"/>
+              </a:lnSpc>
+              <a:spcBef>
+                <a:spcPts val="0"/>
+              </a:spcBef>
+              <a:spcAft>
+                <a:spcPts val="0"/>
+              </a:spcAft>
+              <a:buClrTx/>
+              <a:buSzTx/>
+              <a:buFontTx/>
+              <a:buNone/>
+              <a:tabLst/>
+              <a:defRPr/>
+            </a:pPr>
+            <a:r>
+              <a:rPr lang="it-IT" b="1" dirty="0">
+                <a:solidFill>
+                  <a:srgbClr val="FF0000"/>
+                </a:solidFill>
+              </a:rPr>
+              <a:t>3,07s-4,02s</a:t>
+            </a:r>
+          </a:p>
+          <a:p>
+            <a:endParaRPr lang="it-IT" dirty="0"/>
           </a:p>
         </p:txBody>
       </p:sp>
@@ -5507,7 +5680,7 @@
           <a:p>
             <a:fld id="{1EEEB9C4-2C44-416F-8AE9-56A3B0181F3B}" type="slidenum">
               <a:rPr lang="it-IT" smtClean="0"/>
-              <a:t>13</a:t>
+              <a:t>11</a:t>
             </a:fld>
             <a:endParaRPr lang="it-IT"/>
           </a:p>
@@ -5516,7 +5689,7 @@
     </p:spTree>
     <p:extLst>
       <p:ext uri="{BB962C8B-B14F-4D97-AF65-F5344CB8AC3E}">
-        <p14:creationId xmlns:p14="http://schemas.microsoft.com/office/powerpoint/2010/main" val="326147060"/>
+        <p14:creationId xmlns:p14="http://schemas.microsoft.com/office/powerpoint/2010/main" val="2039253520"/>
       </p:ext>
     </p:extLst>
   </p:cSld>
@@ -5570,7 +5743,134 @@
           <a:bodyPr/>
           <a:lstStyle/>
           <a:p>
-            <a:endParaRPr lang="it-IT" dirty="0"/>
+            <a:r>
+              <a:rPr lang="it-IT" b="1" dirty="0"/>
+              <a:t>After </a:t>
+            </a:r>
+            <a:r>
+              <a:rPr lang="it-IT" b="1" dirty="0" err="1"/>
+              <a:t>this</a:t>
+            </a:r>
+            <a:r>
+              <a:rPr lang="it-IT" b="1" dirty="0"/>
+              <a:t> slide RASD part </a:t>
+            </a:r>
+            <a:r>
+              <a:rPr lang="it-IT" b="1" dirty="0" err="1"/>
+              <a:t>completed</a:t>
+            </a:r>
+            <a:r>
+              <a:rPr lang="it-IT" b="1" dirty="0"/>
+              <a:t>  -&gt; </a:t>
+            </a:r>
+            <a:r>
+              <a:rPr lang="it-IT" b="1" dirty="0" err="1"/>
+              <a:t>We</a:t>
+            </a:r>
+            <a:r>
+              <a:rPr lang="it-IT" b="1" dirty="0"/>
+              <a:t> </a:t>
+            </a:r>
+            <a:r>
+              <a:rPr lang="it-IT" b="1" dirty="0" err="1"/>
+              <a:t>will</a:t>
+            </a:r>
+            <a:r>
+              <a:rPr lang="it-IT" b="1" dirty="0"/>
+              <a:t> start </a:t>
+            </a:r>
+            <a:r>
+              <a:rPr lang="it-IT" b="1" dirty="0" err="1"/>
+              <a:t>talking</a:t>
+            </a:r>
+            <a:r>
+              <a:rPr lang="it-IT" b="1" dirty="0"/>
+              <a:t> </a:t>
+            </a:r>
+            <a:r>
+              <a:rPr lang="it-IT" b="1" dirty="0" err="1"/>
+              <a:t>about</a:t>
+            </a:r>
+            <a:r>
+              <a:rPr lang="it-IT" b="1" dirty="0"/>
+              <a:t> DD</a:t>
+            </a:r>
+            <a:br>
+              <a:rPr lang="it-IT" b="1" dirty="0"/>
+            </a:br>
+            <a:r>
+              <a:rPr lang="it-IT" b="1" dirty="0" err="1"/>
+              <a:t>Change</a:t>
+            </a:r>
+            <a:r>
+              <a:rPr lang="it-IT" b="1" dirty="0"/>
+              <a:t> </a:t>
+            </a:r>
+            <a:r>
+              <a:rPr lang="it-IT" b="1" dirty="0" err="1"/>
+              <a:t>person</a:t>
+            </a:r>
+            <a:r>
+              <a:rPr lang="it-IT" b="1" dirty="0"/>
+              <a:t> </a:t>
+            </a:r>
+            <a:r>
+              <a:rPr lang="it-IT" b="1" dirty="0" err="1"/>
+              <a:t>speaking</a:t>
+            </a:r>
+            <a:r>
+              <a:rPr lang="it-IT" b="1" dirty="0"/>
+              <a:t> (Orsenigo </a:t>
+            </a:r>
+            <a:r>
+              <a:rPr lang="it-IT" b="1" dirty="0" err="1"/>
+              <a:t>Now</a:t>
+            </a:r>
+            <a:r>
+              <a:rPr lang="it-IT" b="1" dirty="0"/>
+              <a:t> </a:t>
+            </a:r>
+            <a:r>
+              <a:rPr lang="it-IT" b="1" dirty="0" err="1"/>
+              <a:t>Speaking</a:t>
+            </a:r>
+            <a:r>
+              <a:rPr lang="it-IT" b="1" dirty="0"/>
+              <a:t>) </a:t>
+            </a:r>
+          </a:p>
+          <a:p>
+            <a:endParaRPr lang="it-IT" b="1" dirty="0"/>
+          </a:p>
+          <a:p>
+            <a:pPr marL="0" marR="0" lvl="0" indent="0" algn="l" defTabSz="914400" rtl="0" eaLnBrk="1" fontAlgn="auto" latinLnBrk="0" hangingPunct="1">
+              <a:lnSpc>
+                <a:spcPct val="100000"/>
+              </a:lnSpc>
+              <a:spcBef>
+                <a:spcPts val="0"/>
+              </a:spcBef>
+              <a:spcAft>
+                <a:spcPts val="0"/>
+              </a:spcAft>
+              <a:buClrTx/>
+              <a:buSzTx/>
+              <a:buFontTx/>
+              <a:buNone/>
+              <a:tabLst/>
+              <a:defRPr/>
+            </a:pPr>
+            <a:r>
+              <a:rPr lang="it-IT" b="1" dirty="0">
+                <a:solidFill>
+                  <a:srgbClr val="FF0000"/>
+                </a:solidFill>
+              </a:rPr>
+              <a:t>4,02s-4,15s</a:t>
+            </a:r>
+          </a:p>
+          <a:p>
+            <a:endParaRPr lang="it-IT" b="1" dirty="0"/>
           </a:p>
         </p:txBody>
       </p:sp>
@@ -5591,7 +5891,7 @@
           <a:p>
             <a:fld id="{1EEEB9C4-2C44-416F-8AE9-56A3B0181F3B}" type="slidenum">
               <a:rPr lang="it-IT" smtClean="0"/>
-              <a:t>14</a:t>
+              <a:t>12</a:t>
             </a:fld>
             <a:endParaRPr lang="it-IT"/>
           </a:p>
@@ -5600,7 +5900,7 @@
     </p:spTree>
     <p:extLst>
       <p:ext uri="{BB962C8B-B14F-4D97-AF65-F5344CB8AC3E}">
-        <p14:creationId xmlns:p14="http://schemas.microsoft.com/office/powerpoint/2010/main" val="3507854099"/>
+        <p14:creationId xmlns:p14="http://schemas.microsoft.com/office/powerpoint/2010/main" val="2581798687"/>
       </p:ext>
     </p:extLst>
   </p:cSld>
@@ -5654,7 +5954,11 @@
           <a:bodyPr/>
           <a:lstStyle/>
           <a:p>
-            <a:endParaRPr lang="it-IT" dirty="0"/>
+            <a:endParaRPr lang="it-IT" b="0">
+              <a:solidFill>
+                <a:srgbClr val="FF0000"/>
+              </a:solidFill>
+            </a:endParaRPr>
           </a:p>
         </p:txBody>
       </p:sp>
@@ -5675,7 +5979,7 @@
           <a:p>
             <a:fld id="{1EEEB9C4-2C44-416F-8AE9-56A3B0181F3B}" type="slidenum">
               <a:rPr lang="it-IT" smtClean="0"/>
-              <a:t>15</a:t>
+              <a:t>13</a:t>
             </a:fld>
             <a:endParaRPr lang="it-IT"/>
           </a:p>
@@ -5684,7 +5988,7 @@
     </p:spTree>
     <p:extLst>
       <p:ext uri="{BB962C8B-B14F-4D97-AF65-F5344CB8AC3E}">
-        <p14:creationId xmlns:p14="http://schemas.microsoft.com/office/powerpoint/2010/main" val="862984733"/>
+        <p14:creationId xmlns:p14="http://schemas.microsoft.com/office/powerpoint/2010/main" val="326147060"/>
       </p:ext>
     </p:extLst>
   </p:cSld>
@@ -5738,6 +6042,33 @@
           <a:bodyPr/>
           <a:lstStyle/>
           <a:p>
+            <a:pPr marL="0" marR="0" lvl="0" indent="0" algn="l" defTabSz="914400" rtl="0" eaLnBrk="1" fontAlgn="auto" latinLnBrk="0" hangingPunct="1">
+              <a:lnSpc>
+                <a:spcPct val="100000"/>
+              </a:lnSpc>
+              <a:spcBef>
+                <a:spcPts val="0"/>
+              </a:spcBef>
+              <a:spcAft>
+                <a:spcPts val="0"/>
+              </a:spcAft>
+              <a:buClrTx/>
+              <a:buSzTx/>
+              <a:buFontTx/>
+              <a:buNone/>
+              <a:tabLst/>
+              <a:defRPr/>
+            </a:pPr>
+            <a:r>
+              <a:rPr lang="it-IT" b="1" dirty="0">
+                <a:solidFill>
+                  <a:srgbClr val="FF0000"/>
+                </a:solidFill>
+              </a:rPr>
+              <a:t>4,15s-4,55s</a:t>
+            </a:r>
+          </a:p>
+          <a:p>
             <a:endParaRPr lang="it-IT" dirty="0"/>
           </a:p>
         </p:txBody>
@@ -5759,7 +6090,7 @@
           <a:p>
             <a:fld id="{1EEEB9C4-2C44-416F-8AE9-56A3B0181F3B}" type="slidenum">
               <a:rPr lang="it-IT" smtClean="0"/>
-              <a:t>16</a:t>
+              <a:t>14</a:t>
             </a:fld>
             <a:endParaRPr lang="it-IT"/>
           </a:p>
@@ -5768,7 +6099,7 @@
     </p:spTree>
     <p:extLst>
       <p:ext uri="{BB962C8B-B14F-4D97-AF65-F5344CB8AC3E}">
-        <p14:creationId xmlns:p14="http://schemas.microsoft.com/office/powerpoint/2010/main" val="223906828"/>
+        <p14:creationId xmlns:p14="http://schemas.microsoft.com/office/powerpoint/2010/main" val="3507854099"/>
       </p:ext>
     </p:extLst>
   </p:cSld>
@@ -5822,6 +6153,33 @@
           <a:bodyPr/>
           <a:lstStyle/>
           <a:p>
+            <a:pPr marL="0" marR="0" lvl="0" indent="0" algn="l" defTabSz="914400" rtl="0" eaLnBrk="1" fontAlgn="auto" latinLnBrk="0" hangingPunct="1">
+              <a:lnSpc>
+                <a:spcPct val="100000"/>
+              </a:lnSpc>
+              <a:spcBef>
+                <a:spcPts val="0"/>
+              </a:spcBef>
+              <a:spcAft>
+                <a:spcPts val="0"/>
+              </a:spcAft>
+              <a:buClrTx/>
+              <a:buSzTx/>
+              <a:buFontTx/>
+              <a:buNone/>
+              <a:tabLst/>
+              <a:defRPr/>
+            </a:pPr>
+            <a:r>
+              <a:rPr lang="it-IT" b="1" dirty="0">
+                <a:solidFill>
+                  <a:srgbClr val="FF0000"/>
+                </a:solidFill>
+              </a:rPr>
+              <a:t>4,55s-5,00s</a:t>
+            </a:r>
+          </a:p>
+          <a:p>
             <a:endParaRPr lang="it-IT" dirty="0"/>
           </a:p>
         </p:txBody>
@@ -5843,7 +6201,7 @@
           <a:p>
             <a:fld id="{1EEEB9C4-2C44-416F-8AE9-56A3B0181F3B}" type="slidenum">
               <a:rPr lang="it-IT" smtClean="0"/>
-              <a:t>17</a:t>
+              <a:t>15</a:t>
             </a:fld>
             <a:endParaRPr lang="it-IT"/>
           </a:p>
@@ -5852,7 +6210,7 @@
     </p:spTree>
     <p:extLst>
       <p:ext uri="{BB962C8B-B14F-4D97-AF65-F5344CB8AC3E}">
-        <p14:creationId xmlns:p14="http://schemas.microsoft.com/office/powerpoint/2010/main" val="1656350663"/>
+        <p14:creationId xmlns:p14="http://schemas.microsoft.com/office/powerpoint/2010/main" val="862984733"/>
       </p:ext>
     </p:extLst>
   </p:cSld>
@@ -5906,6 +6264,315 @@
           <a:bodyPr/>
           <a:lstStyle/>
           <a:p>
+            <a:pPr marL="0" marR="0" lvl="0" indent="0" algn="l" defTabSz="914400" rtl="0" eaLnBrk="1" fontAlgn="auto" latinLnBrk="0" hangingPunct="1">
+              <a:lnSpc>
+                <a:spcPct val="100000"/>
+              </a:lnSpc>
+              <a:spcBef>
+                <a:spcPts val="0"/>
+              </a:spcBef>
+              <a:spcAft>
+                <a:spcPts val="0"/>
+              </a:spcAft>
+              <a:buClrTx/>
+              <a:buSzTx/>
+              <a:buFontTx/>
+              <a:buNone/>
+              <a:tabLst/>
+              <a:defRPr/>
+            </a:pPr>
+            <a:r>
+              <a:rPr lang="it-IT" dirty="0" err="1"/>
+              <a:t>Explain</a:t>
+            </a:r>
+            <a:r>
+              <a:rPr lang="it-IT" dirty="0"/>
+              <a:t> the interaction of the </a:t>
+            </a:r>
+            <a:r>
+              <a:rPr lang="it-IT" dirty="0" err="1"/>
+              <a:t>components</a:t>
+            </a:r>
+            <a:br>
+              <a:rPr lang="it-IT" dirty="0"/>
+            </a:br>
+            <a:r>
+              <a:rPr lang="it-IT" dirty="0"/>
+              <a:t>The user </a:t>
+            </a:r>
+            <a:r>
+              <a:rPr lang="it-IT" dirty="0" err="1"/>
+              <a:t>gets</a:t>
+            </a:r>
+            <a:r>
+              <a:rPr lang="it-IT" dirty="0"/>
+              <a:t> </a:t>
+            </a:r>
+            <a:r>
+              <a:rPr lang="it-IT" dirty="0" err="1"/>
+              <a:t>static</a:t>
+            </a:r>
+            <a:r>
+              <a:rPr lang="it-IT" dirty="0"/>
+              <a:t> pages from the CDN </a:t>
+            </a:r>
+            <a:r>
+              <a:rPr lang="it-IT" dirty="0" err="1"/>
+              <a:t>which</a:t>
+            </a:r>
+            <a:r>
+              <a:rPr lang="it-IT" dirty="0"/>
+              <a:t> </a:t>
+            </a:r>
+            <a:r>
+              <a:rPr lang="it-IT" dirty="0" err="1"/>
+              <a:t>performs</a:t>
+            </a:r>
+            <a:r>
+              <a:rPr lang="it-IT" dirty="0"/>
+              <a:t> </a:t>
+            </a:r>
+            <a:r>
+              <a:rPr lang="it-IT" dirty="0" err="1"/>
+              <a:t>js</a:t>
+            </a:r>
+            <a:r>
+              <a:rPr lang="it-IT" dirty="0"/>
+              <a:t> calls to the api gateway in </a:t>
+            </a:r>
+            <a:r>
+              <a:rPr lang="it-IT" dirty="0" err="1"/>
+              <a:t>order</a:t>
+            </a:r>
+            <a:r>
+              <a:rPr lang="it-IT" dirty="0"/>
+              <a:t> to do </a:t>
+            </a:r>
+            <a:r>
+              <a:rPr lang="it-IT" dirty="0" err="1"/>
+              <a:t>its</a:t>
+            </a:r>
+            <a:r>
+              <a:rPr lang="it-IT" dirty="0"/>
+              <a:t> actions.</a:t>
+            </a:r>
+            <a:br>
+              <a:rPr lang="it-IT" dirty="0"/>
+            </a:br>
+            <a:r>
+              <a:rPr lang="it-IT" dirty="0"/>
+              <a:t>The Api gateway </a:t>
+            </a:r>
+            <a:r>
+              <a:rPr lang="it-IT" dirty="0" err="1"/>
+              <a:t>communicates</a:t>
+            </a:r>
+            <a:r>
+              <a:rPr lang="it-IT" dirty="0"/>
+              <a:t> with </a:t>
+            </a:r>
+            <a:r>
+              <a:rPr lang="it-IT" dirty="0" err="1"/>
+              <a:t>all</a:t>
+            </a:r>
+            <a:r>
+              <a:rPr lang="it-IT" dirty="0"/>
+              <a:t> the </a:t>
+            </a:r>
+            <a:r>
+              <a:rPr lang="it-IT" dirty="0" err="1"/>
+              <a:t>necessary</a:t>
+            </a:r>
+            <a:r>
+              <a:rPr lang="it-IT" dirty="0"/>
+              <a:t> services </a:t>
+            </a:r>
+            <a:r>
+              <a:rPr lang="it-IT" dirty="0" err="1"/>
+              <a:t>internally</a:t>
+            </a:r>
+            <a:r>
+              <a:rPr lang="it-IT" dirty="0"/>
+              <a:t>.</a:t>
+            </a:r>
+            <a:br>
+              <a:rPr lang="it-IT" dirty="0"/>
+            </a:br>
+            <a:r>
+              <a:rPr lang="it-IT" dirty="0" err="1"/>
+              <a:t>Microservices</a:t>
+            </a:r>
+            <a:r>
+              <a:rPr lang="it-IT" dirty="0"/>
+              <a:t> </a:t>
+            </a:r>
+            <a:r>
+              <a:rPr lang="it-IT" dirty="0" err="1"/>
+              <a:t>communicate</a:t>
+            </a:r>
+            <a:r>
+              <a:rPr lang="it-IT" dirty="0"/>
+              <a:t> </a:t>
+            </a:r>
+            <a:r>
+              <a:rPr lang="it-IT" dirty="0" err="1"/>
+              <a:t>among</a:t>
+            </a:r>
+            <a:r>
+              <a:rPr lang="it-IT" dirty="0"/>
+              <a:t> </a:t>
+            </a:r>
+            <a:r>
+              <a:rPr lang="it-IT" dirty="0" err="1"/>
+              <a:t>themselves</a:t>
+            </a:r>
+            <a:r>
+              <a:rPr lang="it-IT" dirty="0"/>
+              <a:t> </a:t>
+            </a:r>
+            <a:r>
+              <a:rPr lang="it-IT" dirty="0" err="1"/>
+              <a:t>trought</a:t>
+            </a:r>
+            <a:r>
+              <a:rPr lang="it-IT" dirty="0"/>
+              <a:t> the api gateway or by </a:t>
+            </a:r>
+            <a:r>
+              <a:rPr lang="it-IT" dirty="0" err="1"/>
+              <a:t>using</a:t>
+            </a:r>
+            <a:r>
+              <a:rPr lang="it-IT" dirty="0"/>
+              <a:t> </a:t>
+            </a:r>
+            <a:r>
+              <a:rPr lang="it-IT" dirty="0" err="1"/>
+              <a:t>queue</a:t>
+            </a:r>
+            <a:r>
+              <a:rPr lang="it-IT" dirty="0"/>
+              <a:t> </a:t>
+            </a:r>
+            <a:r>
+              <a:rPr lang="it-IT" dirty="0" err="1"/>
+              <a:t>implementing</a:t>
+            </a:r>
+            <a:r>
+              <a:rPr lang="it-IT" dirty="0"/>
+              <a:t> </a:t>
+            </a:r>
+            <a:r>
+              <a:rPr lang="it-IT" dirty="0" err="1"/>
+              <a:t>asyc</a:t>
+            </a:r>
+            <a:r>
+              <a:rPr lang="it-IT" dirty="0"/>
+              <a:t> </a:t>
+            </a:r>
+            <a:r>
+              <a:rPr lang="it-IT" dirty="0" err="1"/>
+              <a:t>comm</a:t>
+            </a:r>
+            <a:r>
+              <a:rPr lang="it-IT" dirty="0"/>
+              <a:t> </a:t>
+            </a:r>
+            <a:r>
+              <a:rPr lang="it-IT" dirty="0" err="1"/>
+              <a:t>such</a:t>
+            </a:r>
+            <a:r>
+              <a:rPr lang="it-IT" dirty="0"/>
+              <a:t> </a:t>
+            </a:r>
+            <a:r>
+              <a:rPr lang="it-IT" dirty="0" err="1"/>
+              <a:t>as</a:t>
+            </a:r>
+            <a:r>
+              <a:rPr lang="it-IT" dirty="0"/>
+              <a:t> in the </a:t>
+            </a:r>
+            <a:r>
+              <a:rPr lang="it-IT" dirty="0" err="1"/>
+              <a:t>notification</a:t>
+            </a:r>
+            <a:r>
+              <a:rPr lang="it-IT" dirty="0"/>
+              <a:t> </a:t>
+            </a:r>
+            <a:r>
+              <a:rPr lang="it-IT" dirty="0" err="1"/>
+              <a:t>microservices</a:t>
+            </a:r>
+            <a:endParaRPr lang="it-IT" dirty="0"/>
+          </a:p>
+          <a:p>
+            <a:pPr marL="0" marR="0" lvl="0" indent="0" algn="l" defTabSz="914400" rtl="0" eaLnBrk="1" fontAlgn="auto" latinLnBrk="0" hangingPunct="1">
+              <a:lnSpc>
+                <a:spcPct val="100000"/>
+              </a:lnSpc>
+              <a:spcBef>
+                <a:spcPts val="0"/>
+              </a:spcBef>
+              <a:spcAft>
+                <a:spcPts val="0"/>
+              </a:spcAft>
+              <a:buClrTx/>
+              <a:buSzTx/>
+              <a:buFontTx/>
+              <a:buNone/>
+              <a:tabLst/>
+              <a:defRPr/>
+            </a:pPr>
+            <a:endParaRPr lang="it-IT" dirty="0"/>
+          </a:p>
+          <a:p>
+            <a:pPr marL="0" marR="0" lvl="0" indent="0" algn="l" defTabSz="914400" rtl="0" eaLnBrk="1" fontAlgn="auto" latinLnBrk="0" hangingPunct="1">
+              <a:lnSpc>
+                <a:spcPct val="100000"/>
+              </a:lnSpc>
+              <a:spcBef>
+                <a:spcPts val="0"/>
+              </a:spcBef>
+              <a:spcAft>
+                <a:spcPts val="0"/>
+              </a:spcAft>
+              <a:buClrTx/>
+              <a:buSzTx/>
+              <a:buFontTx/>
+              <a:buNone/>
+              <a:tabLst/>
+              <a:defRPr/>
+            </a:pPr>
+            <a:r>
+              <a:rPr lang="it-IT" b="1" dirty="0">
+                <a:solidFill>
+                  <a:srgbClr val="FF0000"/>
+                </a:solidFill>
+              </a:rPr>
+              <a:t>5,00s-5,50s</a:t>
+            </a:r>
+          </a:p>
+          <a:p>
+            <a:pPr marL="0" marR="0" lvl="0" indent="0" algn="l" defTabSz="914400" rtl="0" eaLnBrk="1" fontAlgn="auto" latinLnBrk="0" hangingPunct="1">
+              <a:lnSpc>
+                <a:spcPct val="100000"/>
+              </a:lnSpc>
+              <a:spcBef>
+                <a:spcPts val="0"/>
+              </a:spcBef>
+              <a:spcAft>
+                <a:spcPts val="0"/>
+              </a:spcAft>
+              <a:buClrTx/>
+              <a:buSzTx/>
+              <a:buFontTx/>
+              <a:buNone/>
+              <a:tabLst/>
+              <a:defRPr/>
+            </a:pPr>
             <a:endParaRPr lang="it-IT" dirty="0"/>
           </a:p>
         </p:txBody>
@@ -5927,7 +6594,7 @@
           <a:p>
             <a:fld id="{1EEEB9C4-2C44-416F-8AE9-56A3B0181F3B}" type="slidenum">
               <a:rPr lang="it-IT" smtClean="0"/>
-              <a:t>18</a:t>
+              <a:t>16</a:t>
             </a:fld>
             <a:endParaRPr lang="it-IT"/>
           </a:p>
@@ -5936,7 +6603,7 @@
     </p:spTree>
     <p:extLst>
       <p:ext uri="{BB962C8B-B14F-4D97-AF65-F5344CB8AC3E}">
-        <p14:creationId xmlns:p14="http://schemas.microsoft.com/office/powerpoint/2010/main" val="2329863299"/>
+        <p14:creationId xmlns:p14="http://schemas.microsoft.com/office/powerpoint/2010/main" val="223906828"/>
       </p:ext>
     </p:extLst>
   </p:cSld>
@@ -5990,6 +6657,289 @@
           <a:bodyPr/>
           <a:lstStyle/>
           <a:p>
+            <a:r>
+              <a:rPr lang="it-IT" dirty="0"/>
+              <a:t>The Api Gateway </a:t>
+            </a:r>
+            <a:r>
+              <a:rPr lang="it-IT" dirty="0" err="1"/>
+              <a:t>is</a:t>
+            </a:r>
+            <a:r>
+              <a:rPr lang="it-IT" dirty="0"/>
+              <a:t> a </a:t>
+            </a:r>
+            <a:r>
+              <a:rPr lang="it-IT" dirty="0" err="1"/>
+              <a:t>staless</a:t>
+            </a:r>
+            <a:r>
+              <a:rPr lang="it-IT" dirty="0"/>
+              <a:t> component </a:t>
+            </a:r>
+            <a:r>
+              <a:rPr lang="it-IT" dirty="0" err="1"/>
+              <a:t>implemented</a:t>
+            </a:r>
+            <a:r>
+              <a:rPr lang="it-IT" dirty="0"/>
+              <a:t> </a:t>
+            </a:r>
+            <a:r>
+              <a:rPr lang="it-IT" dirty="0" err="1"/>
+              <a:t>using</a:t>
+            </a:r>
+            <a:r>
+              <a:rPr lang="it-IT" dirty="0"/>
+              <a:t> the </a:t>
+            </a:r>
+            <a:r>
+              <a:rPr lang="it-IT" dirty="0" err="1"/>
+              <a:t>reactive</a:t>
+            </a:r>
+            <a:r>
+              <a:rPr lang="it-IT" dirty="0"/>
+              <a:t> programming </a:t>
+            </a:r>
+            <a:r>
+              <a:rPr lang="it-IT" dirty="0" err="1"/>
+              <a:t>paradigm</a:t>
+            </a:r>
+            <a:r>
+              <a:rPr lang="it-IT" dirty="0"/>
+              <a:t>.</a:t>
+            </a:r>
+          </a:p>
+          <a:p>
+            <a:r>
+              <a:rPr lang="it-IT" dirty="0" err="1"/>
+              <a:t>This</a:t>
+            </a:r>
+            <a:r>
+              <a:rPr lang="it-IT" dirty="0"/>
+              <a:t> </a:t>
+            </a:r>
+            <a:r>
+              <a:rPr lang="it-IT" dirty="0" err="1"/>
+              <a:t>allow</a:t>
+            </a:r>
+            <a:r>
+              <a:rPr lang="it-IT" dirty="0"/>
+              <a:t> to </a:t>
+            </a:r>
+            <a:r>
+              <a:rPr lang="it-IT" dirty="0" err="1"/>
+              <a:t>have</a:t>
+            </a:r>
+            <a:r>
+              <a:rPr lang="it-IT" dirty="0"/>
+              <a:t> an high </a:t>
+            </a:r>
+            <a:r>
+              <a:rPr lang="it-IT" dirty="0" err="1"/>
+              <a:t>level</a:t>
+            </a:r>
+            <a:r>
+              <a:rPr lang="it-IT" dirty="0"/>
+              <a:t> of </a:t>
+            </a:r>
+            <a:r>
+              <a:rPr lang="it-IT" dirty="0" err="1"/>
+              <a:t>scalability</a:t>
+            </a:r>
+            <a:r>
+              <a:rPr lang="it-IT" dirty="0"/>
+              <a:t> (</a:t>
+            </a:r>
+            <a:r>
+              <a:rPr lang="it-IT" dirty="0" err="1"/>
+              <a:t>its</a:t>
+            </a:r>
+            <a:r>
+              <a:rPr lang="it-IT" dirty="0"/>
+              <a:t> </a:t>
+            </a:r>
+            <a:r>
+              <a:rPr lang="it-IT" dirty="0" err="1"/>
+              <a:t>stateless</a:t>
+            </a:r>
+            <a:r>
+              <a:rPr lang="it-IT" dirty="0"/>
+              <a:t>) and to handle high </a:t>
+            </a:r>
+            <a:r>
+              <a:rPr lang="it-IT" dirty="0" err="1"/>
+              <a:t>amount</a:t>
+            </a:r>
+            <a:r>
+              <a:rPr lang="it-IT" dirty="0"/>
+              <a:t> of </a:t>
+            </a:r>
+            <a:r>
+              <a:rPr lang="it-IT" dirty="0" err="1"/>
+              <a:t>traffic</a:t>
+            </a:r>
+            <a:r>
+              <a:rPr lang="it-IT" dirty="0"/>
+              <a:t> (</a:t>
+            </a:r>
+            <a:r>
+              <a:rPr lang="it-IT" dirty="0" err="1"/>
+              <a:t>its</a:t>
+            </a:r>
+            <a:r>
+              <a:rPr lang="it-IT" dirty="0"/>
+              <a:t> </a:t>
+            </a:r>
+            <a:r>
+              <a:rPr lang="it-IT" dirty="0" err="1"/>
+              <a:t>reactive</a:t>
+            </a:r>
+            <a:r>
+              <a:rPr lang="it-IT" dirty="0"/>
+              <a:t>).</a:t>
+            </a:r>
+            <a:br>
+              <a:rPr lang="it-IT" dirty="0"/>
+            </a:br>
+            <a:br>
+              <a:rPr lang="it-IT" dirty="0"/>
+            </a:br>
+            <a:r>
+              <a:rPr lang="it-IT" dirty="0" err="1"/>
+              <a:t>This</a:t>
+            </a:r>
+            <a:r>
+              <a:rPr lang="it-IT" dirty="0"/>
+              <a:t> </a:t>
+            </a:r>
+            <a:r>
+              <a:rPr lang="it-IT" dirty="0" err="1"/>
+              <a:t>is</a:t>
+            </a:r>
+            <a:r>
+              <a:rPr lang="it-IT" dirty="0"/>
+              <a:t> the point </a:t>
+            </a:r>
+            <a:r>
+              <a:rPr lang="it-IT" dirty="0" err="1"/>
+              <a:t>where</a:t>
+            </a:r>
+            <a:r>
+              <a:rPr lang="it-IT" dirty="0"/>
+              <a:t> </a:t>
+            </a:r>
+            <a:r>
+              <a:rPr lang="it-IT" dirty="0" err="1"/>
+              <a:t>we</a:t>
+            </a:r>
+            <a:r>
+              <a:rPr lang="it-IT" dirty="0"/>
+              <a:t> can introduce a Load </a:t>
+            </a:r>
+            <a:r>
+              <a:rPr lang="it-IT" dirty="0" err="1"/>
+              <a:t>balancer</a:t>
+            </a:r>
+            <a:r>
+              <a:rPr lang="it-IT" dirty="0"/>
+              <a:t> </a:t>
+            </a:r>
+            <a:r>
+              <a:rPr lang="it-IT" dirty="0" err="1"/>
+              <a:t>which</a:t>
+            </a:r>
+            <a:r>
+              <a:rPr lang="it-IT" dirty="0"/>
+              <a:t> can </a:t>
+            </a:r>
+            <a:r>
+              <a:rPr lang="it-IT" dirty="0" err="1"/>
+              <a:t>distribute</a:t>
+            </a:r>
+            <a:r>
+              <a:rPr lang="it-IT" dirty="0"/>
+              <a:t> </a:t>
+            </a:r>
+            <a:r>
+              <a:rPr lang="it-IT" dirty="0" err="1"/>
+              <a:t>workloads</a:t>
+            </a:r>
+            <a:r>
+              <a:rPr lang="it-IT" dirty="0"/>
+              <a:t> </a:t>
+            </a:r>
+            <a:r>
+              <a:rPr lang="it-IT" dirty="0" err="1"/>
+              <a:t>across</a:t>
+            </a:r>
+            <a:r>
+              <a:rPr lang="it-IT" dirty="0"/>
+              <a:t> </a:t>
+            </a:r>
+            <a:r>
+              <a:rPr lang="it-IT" dirty="0" err="1"/>
+              <a:t>replicated</a:t>
+            </a:r>
+            <a:r>
+              <a:rPr lang="it-IT" dirty="0"/>
+              <a:t> Api Gateway </a:t>
+            </a:r>
+            <a:r>
+              <a:rPr lang="it-IT" dirty="0" err="1"/>
+              <a:t>istances</a:t>
+            </a:r>
+            <a:r>
+              <a:rPr lang="it-IT" dirty="0"/>
+              <a:t>.</a:t>
+            </a:r>
+            <a:br>
+              <a:rPr lang="it-IT" dirty="0"/>
+            </a:br>
+            <a:r>
+              <a:rPr lang="it-IT" dirty="0"/>
+              <a:t>(la comunicazione parte sempre </a:t>
+            </a:r>
+            <a:r>
+              <a:rPr lang="it-IT" dirty="0" err="1"/>
+              <a:t>dall’api</a:t>
+            </a:r>
+            <a:r>
+              <a:rPr lang="it-IT" dirty="0"/>
+              <a:t> gateway quindi le risposte dei microservizi vanno verso l’istanza di api gateway da cui hanno ricevuto richiesta)</a:t>
+            </a:r>
+          </a:p>
+          <a:p>
+            <a:endParaRPr lang="it-IT" dirty="0"/>
+          </a:p>
+          <a:p>
+            <a:pPr marL="0" marR="0" lvl="0" indent="0" algn="l" defTabSz="914400" rtl="0" eaLnBrk="1" fontAlgn="auto" latinLnBrk="0" hangingPunct="1">
+              <a:lnSpc>
+                <a:spcPct val="100000"/>
+              </a:lnSpc>
+              <a:spcBef>
+                <a:spcPts val="0"/>
+              </a:spcBef>
+              <a:spcAft>
+                <a:spcPts val="0"/>
+              </a:spcAft>
+              <a:buClrTx/>
+              <a:buSzTx/>
+              <a:buFontTx/>
+              <a:buNone/>
+              <a:tabLst/>
+              <a:defRPr/>
+            </a:pPr>
+            <a:r>
+              <a:rPr lang="it-IT" b="1" dirty="0">
+                <a:solidFill>
+                  <a:srgbClr val="FF0000"/>
+                </a:solidFill>
+              </a:rPr>
+              <a:t>5,50s-6,20s</a:t>
+            </a:r>
+          </a:p>
+          <a:p>
             <a:endParaRPr lang="it-IT" dirty="0"/>
           </a:p>
         </p:txBody>
@@ -6011,7 +6961,7 @@
           <a:p>
             <a:fld id="{1EEEB9C4-2C44-416F-8AE9-56A3B0181F3B}" type="slidenum">
               <a:rPr lang="it-IT" smtClean="0"/>
-              <a:t>19</a:t>
+              <a:t>17</a:t>
             </a:fld>
             <a:endParaRPr lang="it-IT"/>
           </a:p>
@@ -6020,7 +6970,7 @@
     </p:spTree>
     <p:extLst>
       <p:ext uri="{BB962C8B-B14F-4D97-AF65-F5344CB8AC3E}">
-        <p14:creationId xmlns:p14="http://schemas.microsoft.com/office/powerpoint/2010/main" val="267099717"/>
+        <p14:creationId xmlns:p14="http://schemas.microsoft.com/office/powerpoint/2010/main" val="1656350663"/>
       </p:ext>
     </p:extLst>
   </p:cSld>
@@ -6074,6 +7024,208 @@
           <a:bodyPr/>
           <a:lstStyle/>
           <a:p>
+            <a:r>
+              <a:rPr lang="it-IT" dirty="0" err="1"/>
+              <a:t>Those</a:t>
+            </a:r>
+            <a:r>
+              <a:rPr lang="it-IT" dirty="0"/>
+              <a:t> are some of the </a:t>
+            </a:r>
+            <a:r>
+              <a:rPr lang="it-IT" dirty="0" err="1"/>
+              <a:t>interfaces</a:t>
+            </a:r>
+            <a:r>
+              <a:rPr lang="it-IT" dirty="0"/>
+              <a:t> of the api gateway and note </a:t>
+            </a:r>
+            <a:r>
+              <a:rPr lang="it-IT" dirty="0" err="1"/>
+              <a:t>that</a:t>
+            </a:r>
+            <a:r>
+              <a:rPr lang="it-IT" dirty="0"/>
+              <a:t> </a:t>
+            </a:r>
+            <a:r>
+              <a:rPr lang="it-IT" dirty="0" err="1"/>
+              <a:t>we</a:t>
+            </a:r>
+            <a:r>
+              <a:rPr lang="it-IT" dirty="0"/>
+              <a:t> </a:t>
+            </a:r>
+            <a:r>
+              <a:rPr lang="it-IT" dirty="0" err="1"/>
+              <a:t>have</a:t>
+            </a:r>
+            <a:r>
+              <a:rPr lang="it-IT" dirty="0"/>
+              <a:t> an explicit </a:t>
+            </a:r>
+            <a:r>
+              <a:rPr lang="it-IT" dirty="0" err="1"/>
+              <a:t>authToken</a:t>
+            </a:r>
+            <a:r>
+              <a:rPr lang="it-IT" dirty="0"/>
+              <a:t> </a:t>
+            </a:r>
+            <a:r>
+              <a:rPr lang="it-IT" dirty="0" err="1"/>
+              <a:t>because</a:t>
+            </a:r>
+            <a:r>
+              <a:rPr lang="it-IT" dirty="0"/>
+              <a:t> </a:t>
+            </a:r>
+            <a:r>
+              <a:rPr lang="it-IT" dirty="0" err="1"/>
+              <a:t>it’s</a:t>
+            </a:r>
+            <a:r>
+              <a:rPr lang="it-IT" dirty="0"/>
+              <a:t> the api gateway in </a:t>
+            </a:r>
+            <a:r>
+              <a:rPr lang="it-IT" dirty="0" err="1"/>
+              <a:t>charge</a:t>
+            </a:r>
+            <a:r>
+              <a:rPr lang="it-IT" dirty="0"/>
+              <a:t> to validate </a:t>
+            </a:r>
+            <a:r>
+              <a:rPr lang="it-IT" dirty="0" err="1"/>
+              <a:t>requests</a:t>
+            </a:r>
+            <a:r>
+              <a:rPr lang="it-IT" dirty="0"/>
+              <a:t> </a:t>
+            </a:r>
+            <a:r>
+              <a:rPr lang="it-IT" dirty="0" err="1"/>
+              <a:t>while</a:t>
+            </a:r>
+            <a:r>
+              <a:rPr lang="it-IT" dirty="0"/>
+              <a:t> the </a:t>
+            </a:r>
+            <a:r>
+              <a:rPr lang="it-IT" dirty="0" err="1"/>
+              <a:t>other</a:t>
+            </a:r>
+            <a:r>
+              <a:rPr lang="it-IT" dirty="0"/>
+              <a:t> services can </a:t>
+            </a:r>
+            <a:r>
+              <a:rPr lang="it-IT" dirty="0" err="1"/>
+              <a:t>expect</a:t>
+            </a:r>
+            <a:r>
+              <a:rPr lang="it-IT" dirty="0"/>
+              <a:t> </a:t>
+            </a:r>
+            <a:r>
+              <a:rPr lang="it-IT" dirty="0" err="1"/>
+              <a:t>already</a:t>
+            </a:r>
+            <a:r>
+              <a:rPr lang="it-IT" dirty="0"/>
+              <a:t> </a:t>
+            </a:r>
+            <a:r>
+              <a:rPr lang="it-IT" dirty="0" err="1"/>
+              <a:t>correct</a:t>
+            </a:r>
+            <a:r>
+              <a:rPr lang="it-IT" dirty="0"/>
+              <a:t> information </a:t>
+            </a:r>
+            <a:r>
+              <a:rPr lang="it-IT" dirty="0" err="1"/>
+              <a:t>about</a:t>
+            </a:r>
+            <a:r>
+              <a:rPr lang="it-IT" dirty="0"/>
+              <a:t> the </a:t>
+            </a:r>
+            <a:r>
+              <a:rPr lang="it-IT" dirty="0" err="1"/>
+              <a:t>identity</a:t>
+            </a:r>
+            <a:r>
+              <a:rPr lang="it-IT" dirty="0"/>
+              <a:t> of the user.</a:t>
+            </a:r>
+          </a:p>
+          <a:p>
+            <a:endParaRPr lang="it-IT" dirty="0"/>
+          </a:p>
+          <a:p>
+            <a:pPr marL="0" marR="0" lvl="0" indent="0" algn="l" defTabSz="914400" rtl="0" eaLnBrk="1" fontAlgn="auto" latinLnBrk="0" hangingPunct="1">
+              <a:lnSpc>
+                <a:spcPct val="100000"/>
+              </a:lnSpc>
+              <a:spcBef>
+                <a:spcPts val="0"/>
+              </a:spcBef>
+              <a:spcAft>
+                <a:spcPts val="0"/>
+              </a:spcAft>
+              <a:buClrTx/>
+              <a:buSzTx/>
+              <a:buFontTx/>
+              <a:buNone/>
+              <a:tabLst/>
+              <a:defRPr/>
+            </a:pPr>
+            <a:r>
+              <a:rPr lang="it-IT" b="1" dirty="0"/>
+              <a:t>(Start </a:t>
+            </a:r>
+            <a:r>
+              <a:rPr lang="it-IT" b="1" dirty="0" err="1"/>
+              <a:t>speaking</a:t>
+            </a:r>
+            <a:r>
+              <a:rPr lang="it-IT" b="1" dirty="0"/>
+              <a:t> Saccani)</a:t>
+            </a:r>
+          </a:p>
+          <a:p>
+            <a:endParaRPr lang="it-IT" dirty="0"/>
+          </a:p>
+          <a:p>
+            <a:pPr marL="0" marR="0" lvl="0" indent="0" algn="l" defTabSz="914400" rtl="0" eaLnBrk="1" fontAlgn="auto" latinLnBrk="0" hangingPunct="1">
+              <a:lnSpc>
+                <a:spcPct val="100000"/>
+              </a:lnSpc>
+              <a:spcBef>
+                <a:spcPts val="0"/>
+              </a:spcBef>
+              <a:spcAft>
+                <a:spcPts val="0"/>
+              </a:spcAft>
+              <a:buClrTx/>
+              <a:buSzTx/>
+              <a:buFontTx/>
+              <a:buNone/>
+              <a:tabLst/>
+              <a:defRPr/>
+            </a:pPr>
+            <a:r>
+              <a:rPr lang="it-IT" b="1" dirty="0">
+                <a:solidFill>
+                  <a:srgbClr val="FF0000"/>
+                </a:solidFill>
+              </a:rPr>
+              <a:t>6,20s-6,50s</a:t>
+            </a:r>
+          </a:p>
+          <a:p>
             <a:endParaRPr lang="it-IT" dirty="0"/>
           </a:p>
         </p:txBody>
@@ -6095,7 +7247,7 @@
           <a:p>
             <a:fld id="{1EEEB9C4-2C44-416F-8AE9-56A3B0181F3B}" type="slidenum">
               <a:rPr lang="it-IT" smtClean="0"/>
-              <a:t>20</a:t>
+              <a:t>18</a:t>
             </a:fld>
             <a:endParaRPr lang="it-IT"/>
           </a:p>
@@ -6104,7 +7256,7 @@
     </p:spTree>
     <p:extLst>
       <p:ext uri="{BB962C8B-B14F-4D97-AF65-F5344CB8AC3E}">
-        <p14:creationId xmlns:p14="http://schemas.microsoft.com/office/powerpoint/2010/main" val="3172582572"/>
+        <p14:creationId xmlns:p14="http://schemas.microsoft.com/office/powerpoint/2010/main" val="2329863299"/>
       </p:ext>
     </p:extLst>
   </p:cSld>
@@ -6158,6 +7310,279 @@
           <a:bodyPr/>
           <a:lstStyle/>
           <a:p>
+            <a:r>
+              <a:rPr lang="it-IT" dirty="0" err="1"/>
+              <a:t>Regarding</a:t>
+            </a:r>
+            <a:r>
+              <a:rPr lang="it-IT" dirty="0"/>
+              <a:t> the Build and Test Service </a:t>
+            </a:r>
+            <a:r>
+              <a:rPr lang="it-IT" dirty="0" err="1"/>
+              <a:t>we</a:t>
+            </a:r>
+            <a:r>
+              <a:rPr lang="it-IT" dirty="0"/>
+              <a:t> </a:t>
+            </a:r>
+            <a:r>
+              <a:rPr lang="it-IT" dirty="0" err="1"/>
+              <a:t>decided</a:t>
+            </a:r>
+            <a:r>
+              <a:rPr lang="it-IT" dirty="0"/>
+              <a:t> to </a:t>
+            </a:r>
+            <a:r>
+              <a:rPr lang="it-IT" dirty="0" err="1"/>
+              <a:t>adopt</a:t>
+            </a:r>
+            <a:r>
+              <a:rPr lang="it-IT" dirty="0"/>
+              <a:t> and </a:t>
+            </a:r>
+            <a:r>
+              <a:rPr lang="it-IT" dirty="0" err="1"/>
+              <a:t>already</a:t>
+            </a:r>
+            <a:r>
+              <a:rPr lang="it-IT" dirty="0"/>
+              <a:t> </a:t>
+            </a:r>
+            <a:r>
+              <a:rPr lang="it-IT" dirty="0" err="1"/>
+              <a:t>existing</a:t>
+            </a:r>
+            <a:r>
+              <a:rPr lang="it-IT" dirty="0"/>
+              <a:t> system </a:t>
+            </a:r>
+            <a:r>
+              <a:rPr lang="it-IT" dirty="0" err="1"/>
+              <a:t>called</a:t>
+            </a:r>
+            <a:r>
+              <a:rPr lang="it-IT" dirty="0"/>
+              <a:t> Jenkins.</a:t>
+            </a:r>
+            <a:br>
+              <a:rPr lang="it-IT" dirty="0"/>
+            </a:br>
+            <a:r>
+              <a:rPr lang="it-IT" dirty="0" err="1"/>
+              <a:t>That’s</a:t>
+            </a:r>
+            <a:r>
+              <a:rPr lang="it-IT" dirty="0"/>
+              <a:t> </a:t>
+            </a:r>
+            <a:r>
+              <a:rPr lang="it-IT" dirty="0" err="1"/>
+              <a:t>because</a:t>
+            </a:r>
+            <a:r>
+              <a:rPr lang="it-IT" dirty="0"/>
+              <a:t> </a:t>
+            </a:r>
+            <a:r>
+              <a:rPr lang="it-IT" dirty="0" err="1"/>
+              <a:t>it</a:t>
+            </a:r>
+            <a:r>
+              <a:rPr lang="it-IT" dirty="0"/>
+              <a:t> </a:t>
+            </a:r>
+            <a:r>
+              <a:rPr lang="it-IT" dirty="0" err="1"/>
+              <a:t>already</a:t>
+            </a:r>
+            <a:r>
+              <a:rPr lang="it-IT" dirty="0"/>
+              <a:t> supports (with plugins) </a:t>
+            </a:r>
+            <a:r>
+              <a:rPr lang="it-IT" dirty="0" err="1"/>
+              <a:t>most</a:t>
+            </a:r>
+            <a:r>
+              <a:rPr lang="it-IT" dirty="0"/>
+              <a:t> of the programming </a:t>
+            </a:r>
+            <a:r>
+              <a:rPr lang="it-IT" dirty="0" err="1"/>
+              <a:t>languages</a:t>
+            </a:r>
+            <a:r>
+              <a:rPr lang="it-IT" dirty="0"/>
+              <a:t> </a:t>
+            </a:r>
+            <a:r>
+              <a:rPr lang="it-IT" dirty="0" err="1"/>
+              <a:t>that</a:t>
+            </a:r>
+            <a:r>
+              <a:rPr lang="it-IT" dirty="0"/>
+              <a:t> </a:t>
+            </a:r>
+            <a:r>
+              <a:rPr lang="it-IT" dirty="0" err="1"/>
+              <a:t>might</a:t>
+            </a:r>
+            <a:r>
+              <a:rPr lang="it-IT" dirty="0"/>
+              <a:t> </a:t>
+            </a:r>
+            <a:r>
+              <a:rPr lang="it-IT" dirty="0" err="1"/>
+              <a:t>get</a:t>
+            </a:r>
+            <a:r>
+              <a:rPr lang="it-IT" dirty="0"/>
+              <a:t> </a:t>
+            </a:r>
+            <a:r>
+              <a:rPr lang="it-IT" dirty="0" err="1"/>
+              <a:t>used</a:t>
+            </a:r>
+            <a:r>
+              <a:rPr lang="it-IT" dirty="0"/>
+              <a:t> in </a:t>
+            </a:r>
+            <a:r>
+              <a:rPr lang="it-IT" dirty="0" err="1"/>
+              <a:t>battles</a:t>
+            </a:r>
+            <a:r>
+              <a:rPr lang="it-IT" dirty="0"/>
+              <a:t>.</a:t>
+            </a:r>
+            <a:br>
+              <a:rPr lang="it-IT" dirty="0"/>
+            </a:br>
+            <a:br>
+              <a:rPr lang="it-IT" dirty="0"/>
+            </a:br>
+            <a:r>
+              <a:rPr lang="it-IT" dirty="0" err="1"/>
+              <a:t>Additionally</a:t>
+            </a:r>
+            <a:r>
+              <a:rPr lang="it-IT" dirty="0"/>
+              <a:t> </a:t>
+            </a:r>
+            <a:r>
+              <a:rPr lang="it-IT" dirty="0" err="1"/>
+              <a:t>it</a:t>
+            </a:r>
+            <a:r>
+              <a:rPr lang="it-IT" dirty="0"/>
+              <a:t> </a:t>
+            </a:r>
+            <a:r>
+              <a:rPr lang="it-IT" dirty="0" err="1"/>
+              <a:t>already</a:t>
+            </a:r>
+            <a:r>
+              <a:rPr lang="it-IT" dirty="0"/>
+              <a:t> </a:t>
+            </a:r>
+            <a:r>
+              <a:rPr lang="it-IT" dirty="0" err="1"/>
+              <a:t>implements</a:t>
+            </a:r>
+            <a:r>
+              <a:rPr lang="it-IT" dirty="0"/>
+              <a:t> an </a:t>
+            </a:r>
+            <a:r>
+              <a:rPr lang="it-IT" dirty="0" err="1"/>
+              <a:t>internal</a:t>
+            </a:r>
+            <a:r>
+              <a:rPr lang="it-IT" dirty="0"/>
+              <a:t> </a:t>
+            </a:r>
+            <a:r>
+              <a:rPr lang="it-IT" dirty="0" err="1"/>
+              <a:t>queue</a:t>
+            </a:r>
+            <a:r>
+              <a:rPr lang="it-IT" dirty="0"/>
+              <a:t> (</a:t>
+            </a:r>
+            <a:r>
+              <a:rPr lang="it-IT" dirty="0" err="1"/>
+              <a:t>async</a:t>
+            </a:r>
+            <a:r>
+              <a:rPr lang="it-IT" dirty="0"/>
+              <a:t> interaction) and can schedule builds to </a:t>
+            </a:r>
+            <a:r>
+              <a:rPr lang="it-IT" dirty="0" err="1"/>
+              <a:t>dedicated</a:t>
+            </a:r>
+            <a:r>
+              <a:rPr lang="it-IT" dirty="0"/>
+              <a:t> </a:t>
+            </a:r>
+            <a:r>
+              <a:rPr lang="it-IT" dirty="0" err="1"/>
+              <a:t>nodes</a:t>
+            </a:r>
+            <a:r>
+              <a:rPr lang="it-IT" dirty="0"/>
+              <a:t> (agents) </a:t>
+            </a:r>
+            <a:r>
+              <a:rPr lang="it-IT" dirty="0" err="1"/>
+              <a:t>which</a:t>
+            </a:r>
+            <a:r>
+              <a:rPr lang="it-IT" dirty="0"/>
+              <a:t> can be </a:t>
+            </a:r>
+            <a:r>
+              <a:rPr lang="it-IT" dirty="0" err="1"/>
+              <a:t>used</a:t>
+            </a:r>
+            <a:r>
+              <a:rPr lang="it-IT" dirty="0"/>
+              <a:t> to scale.</a:t>
+            </a:r>
+          </a:p>
+          <a:p>
+            <a:endParaRPr lang="it-IT" dirty="0"/>
+          </a:p>
+          <a:p>
+            <a:pPr marL="0" marR="0" lvl="0" indent="0" algn="l" defTabSz="914400" rtl="0" eaLnBrk="1" fontAlgn="auto" latinLnBrk="0" hangingPunct="1">
+              <a:lnSpc>
+                <a:spcPct val="100000"/>
+              </a:lnSpc>
+              <a:spcBef>
+                <a:spcPts val="0"/>
+              </a:spcBef>
+              <a:spcAft>
+                <a:spcPts val="0"/>
+              </a:spcAft>
+              <a:buClrTx/>
+              <a:buSzTx/>
+              <a:buFontTx/>
+              <a:buNone/>
+              <a:tabLst/>
+              <a:defRPr/>
+            </a:pPr>
+            <a:r>
+              <a:rPr lang="it-IT" b="1" dirty="0">
+                <a:solidFill>
+                  <a:srgbClr val="FF0000"/>
+                </a:solidFill>
+              </a:rPr>
+              <a:t>6,50s-7,40s</a:t>
+            </a:r>
+          </a:p>
+          <a:p>
             <a:endParaRPr lang="it-IT" dirty="0"/>
           </a:p>
         </p:txBody>
@@ -6179,7 +7604,7 @@
           <a:p>
             <a:fld id="{1EEEB9C4-2C44-416F-8AE9-56A3B0181F3B}" type="slidenum">
               <a:rPr lang="it-IT" smtClean="0"/>
-              <a:t>21</a:t>
+              <a:t>19</a:t>
             </a:fld>
             <a:endParaRPr lang="it-IT"/>
           </a:p>
@@ -6188,7 +7613,7 @@
     </p:spTree>
     <p:extLst>
       <p:ext uri="{BB962C8B-B14F-4D97-AF65-F5344CB8AC3E}">
-        <p14:creationId xmlns:p14="http://schemas.microsoft.com/office/powerpoint/2010/main" val="321487763"/>
+        <p14:creationId xmlns:p14="http://schemas.microsoft.com/office/powerpoint/2010/main" val="267099717"/>
       </p:ext>
     </p:extLst>
   </p:cSld>
@@ -6365,7 +7790,427 @@
           <a:bodyPr/>
           <a:lstStyle/>
           <a:p>
-            <a:endParaRPr lang="it-IT" dirty="0"/>
+            <a:r>
+              <a:rPr lang="it-IT" dirty="0" err="1"/>
+              <a:t>As</a:t>
+            </a:r>
+            <a:r>
+              <a:rPr lang="it-IT" dirty="0"/>
+              <a:t> </a:t>
+            </a:r>
+            <a:r>
+              <a:rPr lang="it-IT" dirty="0" err="1"/>
+              <a:t>we</a:t>
+            </a:r>
+            <a:r>
+              <a:rPr lang="it-IT" dirty="0"/>
+              <a:t> </a:t>
+            </a:r>
+            <a:r>
+              <a:rPr lang="it-IT" dirty="0" err="1"/>
+              <a:t>said</a:t>
+            </a:r>
+            <a:r>
+              <a:rPr lang="it-IT" dirty="0"/>
+              <a:t> </a:t>
+            </a:r>
+            <a:r>
+              <a:rPr lang="it-IT" dirty="0" err="1"/>
+              <a:t>before</a:t>
+            </a:r>
+            <a:r>
+              <a:rPr lang="it-IT" dirty="0"/>
+              <a:t> </a:t>
+            </a:r>
+            <a:r>
+              <a:rPr lang="it-IT" dirty="0" err="1"/>
+              <a:t>this</a:t>
+            </a:r>
+            <a:r>
+              <a:rPr lang="it-IT" dirty="0"/>
+              <a:t> </a:t>
+            </a:r>
+            <a:r>
+              <a:rPr lang="it-IT" dirty="0" err="1"/>
+              <a:t>is</a:t>
+            </a:r>
+            <a:r>
+              <a:rPr lang="it-IT" dirty="0"/>
+              <a:t> </a:t>
+            </a:r>
+            <a:r>
+              <a:rPr lang="it-IT" dirty="0" err="1"/>
+              <a:t>also</a:t>
+            </a:r>
+            <a:r>
+              <a:rPr lang="it-IT" dirty="0"/>
+              <a:t> a CPU intensive task so </a:t>
+            </a:r>
+            <a:r>
+              <a:rPr lang="it-IT" dirty="0" err="1"/>
+              <a:t>we</a:t>
+            </a:r>
+            <a:r>
+              <a:rPr lang="it-IT" dirty="0"/>
+              <a:t> </a:t>
+            </a:r>
+            <a:r>
+              <a:rPr lang="it-IT" dirty="0" err="1"/>
+              <a:t>also</a:t>
+            </a:r>
+            <a:r>
+              <a:rPr lang="it-IT" dirty="0"/>
+              <a:t> </a:t>
+            </a:r>
+            <a:r>
+              <a:rPr lang="it-IT" dirty="0" err="1"/>
+              <a:t>used</a:t>
+            </a:r>
+            <a:r>
+              <a:rPr lang="it-IT" dirty="0"/>
+              <a:t> an </a:t>
+            </a:r>
+            <a:r>
+              <a:rPr lang="it-IT" dirty="0" err="1"/>
+              <a:t>external</a:t>
+            </a:r>
+            <a:r>
+              <a:rPr lang="it-IT" dirty="0"/>
+              <a:t> service </a:t>
+            </a:r>
+            <a:r>
+              <a:rPr lang="it-IT" dirty="0" err="1"/>
+              <a:t>called</a:t>
+            </a:r>
+            <a:r>
+              <a:rPr lang="it-IT" dirty="0"/>
+              <a:t> </a:t>
+            </a:r>
+            <a:r>
+              <a:rPr lang="it-IT" dirty="0" err="1"/>
+              <a:t>sonarCloud</a:t>
+            </a:r>
+            <a:r>
+              <a:rPr lang="it-IT" dirty="0"/>
+              <a:t>.</a:t>
+            </a:r>
+            <a:br>
+              <a:rPr lang="it-IT" dirty="0"/>
+            </a:br>
+            <a:r>
+              <a:rPr lang="it-IT" dirty="0" err="1"/>
+              <a:t>It</a:t>
+            </a:r>
+            <a:r>
+              <a:rPr lang="it-IT" dirty="0"/>
+              <a:t> </a:t>
+            </a:r>
+            <a:r>
+              <a:rPr lang="it-IT" dirty="0" err="1"/>
+              <a:t>would</a:t>
+            </a:r>
+            <a:r>
+              <a:rPr lang="it-IT" dirty="0"/>
+              <a:t> </a:t>
+            </a:r>
+            <a:r>
+              <a:rPr lang="it-IT" dirty="0" err="1"/>
+              <a:t>have</a:t>
+            </a:r>
+            <a:r>
+              <a:rPr lang="it-IT" dirty="0"/>
+              <a:t> </a:t>
+            </a:r>
+            <a:r>
+              <a:rPr lang="it-IT" dirty="0" err="1"/>
+              <a:t>been</a:t>
+            </a:r>
+            <a:r>
+              <a:rPr lang="it-IT" dirty="0"/>
+              <a:t> </a:t>
+            </a:r>
+            <a:r>
+              <a:rPr lang="it-IT" dirty="0" err="1"/>
+              <a:t>not</a:t>
+            </a:r>
+            <a:r>
+              <a:rPr lang="it-IT" dirty="0"/>
+              <a:t> </a:t>
+            </a:r>
+            <a:r>
+              <a:rPr lang="it-IT" dirty="0" err="1"/>
+              <a:t>trivial</a:t>
+            </a:r>
+            <a:r>
+              <a:rPr lang="it-IT" dirty="0"/>
+              <a:t> </a:t>
+            </a:r>
+            <a:r>
+              <a:rPr lang="it-IT" dirty="0" err="1"/>
+              <a:t>reimplement</a:t>
+            </a:r>
+            <a:r>
+              <a:rPr lang="it-IT" dirty="0"/>
+              <a:t> </a:t>
+            </a:r>
+            <a:r>
+              <a:rPr lang="it-IT" dirty="0" err="1"/>
+              <a:t>all</a:t>
+            </a:r>
+            <a:r>
+              <a:rPr lang="it-IT" dirty="0"/>
+              <a:t> the </a:t>
+            </a:r>
+            <a:r>
+              <a:rPr lang="it-IT" dirty="0" err="1"/>
+              <a:t>static</a:t>
+            </a:r>
+            <a:r>
+              <a:rPr lang="it-IT" dirty="0"/>
+              <a:t> </a:t>
+            </a:r>
+            <a:r>
+              <a:rPr lang="it-IT" dirty="0" err="1"/>
+              <a:t>analysis</a:t>
+            </a:r>
+            <a:r>
+              <a:rPr lang="it-IT" dirty="0"/>
+              <a:t> tool for </a:t>
+            </a:r>
+            <a:r>
+              <a:rPr lang="it-IT" dirty="0" err="1"/>
+              <a:t>each</a:t>
+            </a:r>
+            <a:r>
+              <a:rPr lang="it-IT" dirty="0"/>
+              <a:t> programming </a:t>
+            </a:r>
+            <a:r>
+              <a:rPr lang="it-IT" dirty="0" err="1"/>
+              <a:t>languages</a:t>
+            </a:r>
+            <a:r>
+              <a:rPr lang="it-IT" dirty="0"/>
+              <a:t> </a:t>
+            </a:r>
+            <a:r>
+              <a:rPr lang="it-IT" dirty="0" err="1"/>
+              <a:t>that</a:t>
+            </a:r>
+            <a:r>
+              <a:rPr lang="it-IT" dirty="0"/>
+              <a:t> </a:t>
+            </a:r>
+            <a:r>
+              <a:rPr lang="it-IT" dirty="0" err="1"/>
+              <a:t>could</a:t>
+            </a:r>
+            <a:r>
+              <a:rPr lang="it-IT" dirty="0"/>
+              <a:t> </a:t>
+            </a:r>
+            <a:r>
+              <a:rPr lang="it-IT" dirty="0" err="1"/>
+              <a:t>have</a:t>
+            </a:r>
+            <a:r>
+              <a:rPr lang="it-IT" dirty="0"/>
+              <a:t> </a:t>
+            </a:r>
+            <a:r>
+              <a:rPr lang="it-IT" dirty="0" err="1"/>
+              <a:t>been</a:t>
+            </a:r>
+            <a:r>
+              <a:rPr lang="it-IT" dirty="0"/>
+              <a:t> </a:t>
+            </a:r>
+            <a:r>
+              <a:rPr lang="it-IT" dirty="0" err="1"/>
+              <a:t>used</a:t>
+            </a:r>
+            <a:r>
+              <a:rPr lang="it-IT" dirty="0"/>
+              <a:t> in </a:t>
+            </a:r>
+            <a:r>
+              <a:rPr lang="it-IT" dirty="0" err="1"/>
+              <a:t>battles</a:t>
+            </a:r>
+            <a:r>
+              <a:rPr lang="it-IT" dirty="0"/>
+              <a:t>.</a:t>
+            </a:r>
+            <a:br>
+              <a:rPr lang="it-IT" dirty="0"/>
+            </a:br>
+            <a:br>
+              <a:rPr lang="it-IT" dirty="0"/>
+            </a:br>
+            <a:r>
+              <a:rPr lang="it-IT" dirty="0"/>
+              <a:t>(</a:t>
+            </a:r>
+            <a:r>
+              <a:rPr lang="it-IT" dirty="0" err="1"/>
+              <a:t>sonarQube</a:t>
+            </a:r>
+            <a:r>
+              <a:rPr lang="it-IT" dirty="0"/>
+              <a:t> è in locale ma costa di </a:t>
+            </a:r>
+            <a:r>
+              <a:rPr lang="it-IT" dirty="0" err="1"/>
+              <a:t>piú</a:t>
+            </a:r>
+            <a:r>
+              <a:rPr lang="it-IT" dirty="0"/>
+              <a:t> e inoltre solo la versione datacenter è scalabile (gli altri no cluster di worker),</a:t>
+            </a:r>
+          </a:p>
+          <a:p>
+            <a:r>
+              <a:rPr lang="it-IT" dirty="0" err="1"/>
+              <a:t>sonarCloud</a:t>
+            </a:r>
+            <a:r>
+              <a:rPr lang="it-IT" dirty="0"/>
+              <a:t> costa 100k righe di codice 11 </a:t>
+            </a:r>
+            <a:r>
+              <a:rPr lang="it-IT" dirty="0" err="1"/>
+              <a:t>eu</a:t>
+            </a:r>
+            <a:r>
+              <a:rPr lang="it-IT" dirty="0"/>
+              <a:t>/mese, 250k 80eu/mese, .. Fino a 20mln righe al mese 5’250 </a:t>
+            </a:r>
+            <a:r>
+              <a:rPr lang="it-IT" dirty="0" err="1"/>
+              <a:t>eu</a:t>
+            </a:r>
+            <a:r>
+              <a:rPr lang="it-IT" dirty="0"/>
+              <a:t>/mese,</a:t>
+            </a:r>
+          </a:p>
+          <a:p>
+            <a:pPr marL="0" marR="0" lvl="0" indent="0" algn="l" defTabSz="914400" rtl="0" eaLnBrk="1" fontAlgn="auto" latinLnBrk="0" hangingPunct="1">
+              <a:lnSpc>
+                <a:spcPct val="100000"/>
+              </a:lnSpc>
+              <a:spcBef>
+                <a:spcPts val="0"/>
+              </a:spcBef>
+              <a:spcAft>
+                <a:spcPts val="0"/>
+              </a:spcAft>
+              <a:buClrTx/>
+              <a:buSzTx/>
+              <a:buFontTx/>
+              <a:buNone/>
+              <a:tabLst/>
+              <a:defRPr/>
+            </a:pPr>
+            <a:r>
+              <a:rPr lang="en-US" b="1" i="0" dirty="0">
+                <a:solidFill>
+                  <a:srgbClr val="000000"/>
+                </a:solidFill>
+                <a:effectLst/>
+                <a:latin typeface="Maven Pro"/>
+              </a:rPr>
+              <a:t>Public projects (open source) analysis is always free</a:t>
+            </a:r>
+            <a:r>
+              <a:rPr lang="it-IT" b="0" i="0" dirty="0">
+                <a:solidFill>
+                  <a:srgbClr val="000000"/>
+                </a:solidFill>
+                <a:effectLst/>
+                <a:latin typeface="Maven Pro"/>
+              </a:rPr>
+              <a:t>)</a:t>
+            </a:r>
+          </a:p>
+          <a:p>
+            <a:pPr marL="0" marR="0" lvl="0" indent="0" algn="l" defTabSz="914400" rtl="0" eaLnBrk="1" fontAlgn="auto" latinLnBrk="0" hangingPunct="1">
+              <a:lnSpc>
+                <a:spcPct val="100000"/>
+              </a:lnSpc>
+              <a:spcBef>
+                <a:spcPts val="0"/>
+              </a:spcBef>
+              <a:spcAft>
+                <a:spcPts val="0"/>
+              </a:spcAft>
+              <a:buClrTx/>
+              <a:buSzTx/>
+              <a:buFontTx/>
+              <a:buNone/>
+              <a:tabLst/>
+              <a:defRPr/>
+            </a:pPr>
+            <a:endParaRPr lang="it-IT" b="0" i="0" dirty="0">
+              <a:solidFill>
+                <a:srgbClr val="000000"/>
+              </a:solidFill>
+              <a:effectLst/>
+              <a:latin typeface="Maven Pro"/>
+            </a:endParaRPr>
+          </a:p>
+          <a:p>
+            <a:pPr marL="0" marR="0" lvl="0" indent="0" algn="l" defTabSz="914400" rtl="0" eaLnBrk="1" fontAlgn="auto" latinLnBrk="0" hangingPunct="1">
+              <a:lnSpc>
+                <a:spcPct val="100000"/>
+              </a:lnSpc>
+              <a:spcBef>
+                <a:spcPts val="0"/>
+              </a:spcBef>
+              <a:spcAft>
+                <a:spcPts val="0"/>
+              </a:spcAft>
+              <a:buClrTx/>
+              <a:buSzTx/>
+              <a:buFontTx/>
+              <a:buNone/>
+              <a:tabLst/>
+              <a:defRPr/>
+            </a:pPr>
+            <a:r>
+              <a:rPr lang="it-IT" b="1" dirty="0">
+                <a:solidFill>
+                  <a:srgbClr val="FF0000"/>
+                </a:solidFill>
+              </a:rPr>
+              <a:t>7,40s-8,15s</a:t>
+            </a:r>
+          </a:p>
+          <a:p>
+            <a:pPr marL="0" marR="0" lvl="0" indent="0" algn="l" defTabSz="914400" rtl="0" eaLnBrk="1" fontAlgn="auto" latinLnBrk="0" hangingPunct="1">
+              <a:lnSpc>
+                <a:spcPct val="100000"/>
+              </a:lnSpc>
+              <a:spcBef>
+                <a:spcPts val="0"/>
+              </a:spcBef>
+              <a:spcAft>
+                <a:spcPts val="0"/>
+              </a:spcAft>
+              <a:buClrTx/>
+              <a:buSzTx/>
+              <a:buFontTx/>
+              <a:buNone/>
+              <a:tabLst/>
+              <a:defRPr/>
+            </a:pPr>
+            <a:endParaRPr lang="en-US" b="0" i="0" dirty="0">
+              <a:solidFill>
+                <a:srgbClr val="000000"/>
+              </a:solidFill>
+              <a:effectLst/>
+              <a:latin typeface="Maven Pro"/>
+            </a:endParaRPr>
           </a:p>
         </p:txBody>
       </p:sp>
@@ -6386,7 +8231,7 @@
           <a:p>
             <a:fld id="{1EEEB9C4-2C44-416F-8AE9-56A3B0181F3B}" type="slidenum">
               <a:rPr lang="it-IT" smtClean="0"/>
-              <a:t>22</a:t>
+              <a:t>20</a:t>
             </a:fld>
             <a:endParaRPr lang="it-IT"/>
           </a:p>
@@ -6395,7 +8240,7 @@
     </p:spTree>
     <p:extLst>
       <p:ext uri="{BB962C8B-B14F-4D97-AF65-F5344CB8AC3E}">
-        <p14:creationId xmlns:p14="http://schemas.microsoft.com/office/powerpoint/2010/main" val="657448934"/>
+        <p14:creationId xmlns:p14="http://schemas.microsoft.com/office/powerpoint/2010/main" val="3172582572"/>
       </p:ext>
     </p:extLst>
   </p:cSld>
@@ -6449,6 +8294,228 @@
           <a:bodyPr/>
           <a:lstStyle/>
           <a:p>
+            <a:r>
+              <a:rPr lang="it-IT" dirty="0"/>
+              <a:t>For the </a:t>
+            </a:r>
+            <a:r>
+              <a:rPr lang="it-IT" dirty="0" err="1"/>
+              <a:t>notification</a:t>
+            </a:r>
+            <a:r>
+              <a:rPr lang="it-IT" dirty="0"/>
+              <a:t> service </a:t>
+            </a:r>
+            <a:r>
+              <a:rPr lang="it-IT" dirty="0" err="1"/>
+              <a:t>we</a:t>
+            </a:r>
+            <a:r>
+              <a:rPr lang="it-IT" dirty="0"/>
+              <a:t> </a:t>
+            </a:r>
+            <a:r>
+              <a:rPr lang="it-IT" dirty="0" err="1"/>
+              <a:t>decided</a:t>
+            </a:r>
+            <a:r>
+              <a:rPr lang="it-IT" dirty="0"/>
+              <a:t> to </a:t>
+            </a:r>
+            <a:r>
+              <a:rPr lang="it-IT" dirty="0" err="1"/>
+              <a:t>implement</a:t>
+            </a:r>
+            <a:r>
+              <a:rPr lang="it-IT" dirty="0"/>
+              <a:t> </a:t>
+            </a:r>
+            <a:r>
+              <a:rPr lang="it-IT" dirty="0" err="1"/>
+              <a:t>it</a:t>
+            </a:r>
+            <a:r>
+              <a:rPr lang="it-IT" dirty="0"/>
+              <a:t> </a:t>
+            </a:r>
+            <a:r>
+              <a:rPr lang="it-IT" dirty="0" err="1"/>
+              <a:t>asynchrously</a:t>
+            </a:r>
+            <a:r>
+              <a:rPr lang="it-IT" dirty="0"/>
+              <a:t> </a:t>
+            </a:r>
+            <a:r>
+              <a:rPr lang="it-IT" dirty="0" err="1"/>
+              <a:t>using</a:t>
+            </a:r>
+            <a:r>
+              <a:rPr lang="it-IT" dirty="0"/>
+              <a:t> a pub-sub style pattern with </a:t>
+            </a:r>
+            <a:r>
+              <a:rPr lang="it-IT" dirty="0" err="1"/>
+              <a:t>RabbitMQ</a:t>
+            </a:r>
+            <a:r>
+              <a:rPr lang="it-IT" dirty="0"/>
+              <a:t>.</a:t>
+            </a:r>
+            <a:br>
+              <a:rPr lang="it-IT" dirty="0"/>
+            </a:br>
+            <a:endParaRPr lang="it-IT" dirty="0"/>
+          </a:p>
+          <a:p>
+            <a:pPr marL="0" marR="0" lvl="0" indent="0" algn="l" defTabSz="914400" rtl="0" eaLnBrk="1" fontAlgn="auto" latinLnBrk="0" hangingPunct="1">
+              <a:lnSpc>
+                <a:spcPct val="100000"/>
+              </a:lnSpc>
+              <a:spcBef>
+                <a:spcPts val="0"/>
+              </a:spcBef>
+              <a:spcAft>
+                <a:spcPts val="0"/>
+              </a:spcAft>
+              <a:buClrTx/>
+              <a:buSzTx/>
+              <a:buFontTx/>
+              <a:buNone/>
+              <a:tabLst/>
+              <a:defRPr/>
+            </a:pPr>
+            <a:r>
+              <a:rPr lang="en-US" sz="1200" b="1" dirty="0"/>
+              <a:t>Queue used by the Platform Service to push messages asynchronously</a:t>
+            </a:r>
+            <a:br>
+              <a:rPr lang="en-US" sz="1200" b="1" dirty="0"/>
+            </a:br>
+            <a:r>
+              <a:rPr lang="en-US" sz="1200" dirty="0"/>
+              <a:t>The service will periodically pop messages from the queue with the Spring AMQP project (library to interact with the queue) and send them.</a:t>
+            </a:r>
+            <a:br>
+              <a:rPr lang="en-US" sz="1200" dirty="0"/>
+            </a:br>
+            <a:br>
+              <a:rPr lang="en-US" sz="1200" dirty="0"/>
+            </a:br>
+            <a:r>
+              <a:rPr lang="en-US" sz="1200" dirty="0"/>
+              <a:t>(Chrome –(endpoint)-&gt; Api gateway –(</a:t>
+            </a:r>
+            <a:r>
+              <a:rPr lang="en-US" sz="1200" dirty="0" err="1"/>
+              <a:t>idStudent</a:t>
+            </a:r>
+            <a:r>
+              <a:rPr lang="en-US" sz="1200" dirty="0"/>
+              <a:t>, endpoint)-&gt; Notification )</a:t>
+            </a:r>
+            <a:br>
+              <a:rPr lang="en-US" sz="1200" dirty="0"/>
+            </a:br>
+            <a:r>
+              <a:rPr lang="en-US" sz="1200" dirty="0"/>
+              <a:t>(Platform –(</a:t>
+            </a:r>
+            <a:r>
+              <a:rPr lang="en-US" sz="1200" dirty="0" err="1"/>
+              <a:t>idStudent</a:t>
+            </a:r>
+            <a:r>
+              <a:rPr lang="en-US" sz="1200" dirty="0"/>
+              <a:t>)-&gt; Notification -&gt; send to endpoint)</a:t>
+            </a:r>
+            <a:br>
+              <a:rPr lang="en-US" sz="1200" dirty="0"/>
+            </a:br>
+            <a:br>
+              <a:rPr lang="en-US" sz="1200" b="1" dirty="0"/>
+            </a:br>
+            <a:r>
+              <a:rPr lang="en-US" sz="1200" b="1" dirty="0"/>
+              <a:t>(</a:t>
+            </a:r>
+            <a:r>
+              <a:rPr lang="en-US" sz="1200" b="1" dirty="0" err="1"/>
+              <a:t>Ferlo</a:t>
+            </a:r>
+            <a:r>
+              <a:rPr lang="en-US" sz="1200" b="1" dirty="0"/>
+              <a:t> now speaking)</a:t>
+            </a:r>
+          </a:p>
+          <a:p>
+            <a:pPr marL="0" marR="0" lvl="0" indent="0" algn="l" defTabSz="914400" rtl="0" eaLnBrk="1" fontAlgn="auto" latinLnBrk="0" hangingPunct="1">
+              <a:lnSpc>
+                <a:spcPct val="100000"/>
+              </a:lnSpc>
+              <a:spcBef>
+                <a:spcPts val="0"/>
+              </a:spcBef>
+              <a:spcAft>
+                <a:spcPts val="0"/>
+              </a:spcAft>
+              <a:buClrTx/>
+              <a:buSzTx/>
+              <a:buFontTx/>
+              <a:buNone/>
+              <a:tabLst/>
+              <a:defRPr/>
+            </a:pPr>
+            <a:endParaRPr lang="en-US" sz="1200" b="1" dirty="0"/>
+          </a:p>
+          <a:p>
+            <a:pPr marL="0" marR="0" lvl="0" indent="0" algn="l" defTabSz="914400" rtl="0" eaLnBrk="1" fontAlgn="auto" latinLnBrk="0" hangingPunct="1">
+              <a:lnSpc>
+                <a:spcPct val="100000"/>
+              </a:lnSpc>
+              <a:spcBef>
+                <a:spcPts val="0"/>
+              </a:spcBef>
+              <a:spcAft>
+                <a:spcPts val="0"/>
+              </a:spcAft>
+              <a:buClrTx/>
+              <a:buSzTx/>
+              <a:buFontTx/>
+              <a:buNone/>
+              <a:tabLst/>
+              <a:defRPr/>
+            </a:pPr>
+            <a:r>
+              <a:rPr lang="it-IT" b="1" dirty="0">
+                <a:solidFill>
+                  <a:srgbClr val="FF0000"/>
+                </a:solidFill>
+              </a:rPr>
+              <a:t>8,15s-8,45s</a:t>
+            </a:r>
+          </a:p>
+          <a:p>
+            <a:pPr marL="0" marR="0" lvl="0" indent="0" algn="l" defTabSz="914400" rtl="0" eaLnBrk="1" fontAlgn="auto" latinLnBrk="0" hangingPunct="1">
+              <a:lnSpc>
+                <a:spcPct val="100000"/>
+              </a:lnSpc>
+              <a:spcBef>
+                <a:spcPts val="0"/>
+              </a:spcBef>
+              <a:spcAft>
+                <a:spcPts val="0"/>
+              </a:spcAft>
+              <a:buClrTx/>
+              <a:buSzTx/>
+              <a:buFontTx/>
+              <a:buNone/>
+              <a:tabLst/>
+              <a:defRPr/>
+            </a:pPr>
+            <a:endParaRPr lang="it-IT" sz="1200" b="1" dirty="0"/>
+          </a:p>
+          <a:p>
             <a:endParaRPr lang="it-IT" dirty="0"/>
           </a:p>
         </p:txBody>
@@ -6470,7 +8537,7 @@
           <a:p>
             <a:fld id="{1EEEB9C4-2C44-416F-8AE9-56A3B0181F3B}" type="slidenum">
               <a:rPr lang="it-IT" smtClean="0"/>
-              <a:t>23</a:t>
+              <a:t>21</a:t>
             </a:fld>
             <a:endParaRPr lang="it-IT"/>
           </a:p>
@@ -6479,7 +8546,7 @@
     </p:spTree>
     <p:extLst>
       <p:ext uri="{BB962C8B-B14F-4D97-AF65-F5344CB8AC3E}">
-        <p14:creationId xmlns:p14="http://schemas.microsoft.com/office/powerpoint/2010/main" val="3606983060"/>
+        <p14:creationId xmlns:p14="http://schemas.microsoft.com/office/powerpoint/2010/main" val="321487763"/>
       </p:ext>
     </p:extLst>
   </p:cSld>
@@ -6533,6 +8600,33 @@
           <a:bodyPr/>
           <a:lstStyle/>
           <a:p>
+            <a:pPr marL="0" marR="0" lvl="0" indent="0" algn="l" defTabSz="914400" rtl="0" eaLnBrk="1" fontAlgn="auto" latinLnBrk="0" hangingPunct="1">
+              <a:lnSpc>
+                <a:spcPct val="100000"/>
+              </a:lnSpc>
+              <a:spcBef>
+                <a:spcPts val="0"/>
+              </a:spcBef>
+              <a:spcAft>
+                <a:spcPts val="0"/>
+              </a:spcAft>
+              <a:buClrTx/>
+              <a:buSzTx/>
+              <a:buFontTx/>
+              <a:buNone/>
+              <a:tabLst/>
+              <a:defRPr/>
+            </a:pPr>
+            <a:r>
+              <a:rPr lang="it-IT" b="1" dirty="0">
+                <a:solidFill>
+                  <a:srgbClr val="FF0000"/>
+                </a:solidFill>
+              </a:rPr>
+              <a:t>8,45s-9,45s</a:t>
+            </a:r>
+          </a:p>
+          <a:p>
             <a:endParaRPr lang="it-IT" dirty="0"/>
           </a:p>
         </p:txBody>
@@ -6554,7 +8648,7 @@
           <a:p>
             <a:fld id="{1EEEB9C4-2C44-416F-8AE9-56A3B0181F3B}" type="slidenum">
               <a:rPr lang="it-IT" smtClean="0"/>
-              <a:t>24</a:t>
+              <a:t>22</a:t>
             </a:fld>
             <a:endParaRPr lang="it-IT"/>
           </a:p>
@@ -6563,7 +8657,7 @@
     </p:spTree>
     <p:extLst>
       <p:ext uri="{BB962C8B-B14F-4D97-AF65-F5344CB8AC3E}">
-        <p14:creationId xmlns:p14="http://schemas.microsoft.com/office/powerpoint/2010/main" val="1803901458"/>
+        <p14:creationId xmlns:p14="http://schemas.microsoft.com/office/powerpoint/2010/main" val="657448934"/>
       </p:ext>
     </p:extLst>
   </p:cSld>
@@ -6616,6 +8710,312 @@
         <p:txBody>
           <a:bodyPr/>
           <a:lstStyle/>
+          <a:p>
+            <a:r>
+              <a:rPr lang="it-IT" dirty="0" err="1"/>
+              <a:t>Avoid</a:t>
+            </a:r>
+            <a:r>
+              <a:rPr lang="it-IT" dirty="0"/>
+              <a:t> </a:t>
+            </a:r>
+            <a:r>
+              <a:rPr lang="it-IT" dirty="0" err="1"/>
+              <a:t>mocks</a:t>
+            </a:r>
+            <a:r>
+              <a:rPr lang="it-IT" dirty="0"/>
+              <a:t> and </a:t>
+            </a:r>
+            <a:r>
+              <a:rPr lang="it-IT" dirty="0" err="1"/>
+              <a:t>prefers</a:t>
+            </a:r>
+            <a:r>
+              <a:rPr lang="it-IT" dirty="0"/>
+              <a:t> </a:t>
+            </a:r>
+            <a:r>
+              <a:rPr lang="it-IT" dirty="0" err="1"/>
+              <a:t>derivers</a:t>
+            </a:r>
+            <a:r>
+              <a:rPr lang="it-IT" dirty="0"/>
+              <a:t> to </a:t>
+            </a:r>
+            <a:r>
+              <a:rPr lang="it-IT" dirty="0" err="1"/>
+              <a:t>stubs</a:t>
+            </a:r>
+            <a:r>
+              <a:rPr lang="it-IT" dirty="0"/>
+              <a:t> by </a:t>
+            </a:r>
+            <a:r>
+              <a:rPr lang="it-IT" dirty="0" err="1"/>
+              <a:t>adopting</a:t>
+            </a:r>
+            <a:r>
+              <a:rPr lang="it-IT" dirty="0"/>
+              <a:t> bottom-up </a:t>
+            </a:r>
+            <a:r>
+              <a:rPr lang="it-IT" dirty="0" err="1"/>
+              <a:t>approach</a:t>
+            </a:r>
+            <a:r>
+              <a:rPr lang="it-IT" dirty="0"/>
+              <a:t>.</a:t>
+            </a:r>
+          </a:p>
+          <a:p>
+            <a:endParaRPr lang="it-IT" dirty="0"/>
+          </a:p>
+          <a:p>
+            <a:pPr marL="0" marR="0" lvl="0" indent="0" algn="l" defTabSz="914400" rtl="0" eaLnBrk="1" fontAlgn="auto" latinLnBrk="0" hangingPunct="1">
+              <a:lnSpc>
+                <a:spcPct val="100000"/>
+              </a:lnSpc>
+              <a:spcBef>
+                <a:spcPts val="0"/>
+              </a:spcBef>
+              <a:spcAft>
+                <a:spcPts val="0"/>
+              </a:spcAft>
+              <a:buClrTx/>
+              <a:buSzTx/>
+              <a:buFontTx/>
+              <a:buNone/>
+              <a:tabLst/>
+              <a:defRPr/>
+            </a:pPr>
+            <a:r>
+              <a:rPr lang="it-IT" b="1" dirty="0">
+                <a:solidFill>
+                  <a:srgbClr val="FF0000"/>
+                </a:solidFill>
+              </a:rPr>
+              <a:t>9,45s-10,00s</a:t>
+            </a:r>
+          </a:p>
+          <a:p>
+            <a:endParaRPr lang="it-IT" dirty="0"/>
+          </a:p>
+        </p:txBody>
+      </p:sp>
+      <p:sp>
+        <p:nvSpPr>
+          <p:cNvPr id="4" name="Segnaposto numero diapositiva 3"/>
+          <p:cNvSpPr>
+            <a:spLocks noGrp="1"/>
+          </p:cNvSpPr>
+          <p:nvPr>
+            <p:ph type="sldNum" sz="quarter" idx="5"/>
+          </p:nvPr>
+        </p:nvSpPr>
+        <p:spPr/>
+        <p:txBody>
+          <a:bodyPr/>
+          <a:lstStyle/>
+          <a:p>
+            <a:fld id="{1EEEB9C4-2C44-416F-8AE9-56A3B0181F3B}" type="slidenum">
+              <a:rPr lang="it-IT" smtClean="0"/>
+              <a:t>23</a:t>
+            </a:fld>
+            <a:endParaRPr lang="it-IT"/>
+          </a:p>
+        </p:txBody>
+      </p:sp>
+    </p:spTree>
+    <p:extLst>
+      <p:ext uri="{BB962C8B-B14F-4D97-AF65-F5344CB8AC3E}">
+        <p14:creationId xmlns:p14="http://schemas.microsoft.com/office/powerpoint/2010/main" val="3606983060"/>
+      </p:ext>
+    </p:extLst>
+  </p:cSld>
+  <p:clrMapOvr>
+    <a:masterClrMapping/>
+  </p:clrMapOvr>
+</p:notes>
+</file>
+
+<file path=ppt/notesSlides/notesSlide24.xml><?xml version="1.0" encoding="utf-8"?>
+<p:notes xmlns:a="http://schemas.openxmlformats.org/drawingml/2006/main" xmlns:r="http://schemas.openxmlformats.org/officeDocument/2006/relationships" xmlns:p="http://schemas.openxmlformats.org/presentationml/2006/main">
+  <p:cSld>
+    <p:spTree>
+      <p:nvGrpSpPr>
+        <p:cNvPr id="1" name=""/>
+        <p:cNvGrpSpPr/>
+        <p:nvPr/>
+      </p:nvGrpSpPr>
+      <p:grpSpPr>
+        <a:xfrm>
+          <a:off x="0" y="0"/>
+          <a:ext cx="0" cy="0"/>
+          <a:chOff x="0" y="0"/>
+          <a:chExt cx="0" cy="0"/>
+        </a:xfrm>
+      </p:grpSpPr>
+      <p:sp>
+        <p:nvSpPr>
+          <p:cNvPr id="2" name="Segnaposto immagine diapositiva 1"/>
+          <p:cNvSpPr>
+            <a:spLocks noGrp="1" noRot="1" noChangeAspect="1"/>
+          </p:cNvSpPr>
+          <p:nvPr>
+            <p:ph type="sldImg"/>
+          </p:nvPr>
+        </p:nvSpPr>
+        <p:spPr/>
+      </p:sp>
+      <p:sp>
+        <p:nvSpPr>
+          <p:cNvPr id="3" name="Segnaposto note 2"/>
+          <p:cNvSpPr>
+            <a:spLocks noGrp="1"/>
+          </p:cNvSpPr>
+          <p:nvPr>
+            <p:ph type="body" idx="1"/>
+          </p:nvPr>
+        </p:nvSpPr>
+        <p:spPr/>
+        <p:txBody>
+          <a:bodyPr/>
+          <a:lstStyle/>
+          <a:p>
+            <a:pPr marL="0" marR="0" lvl="0" indent="0" algn="l" defTabSz="914400" rtl="0" eaLnBrk="1" fontAlgn="auto" latinLnBrk="0" hangingPunct="1">
+              <a:lnSpc>
+                <a:spcPct val="100000"/>
+              </a:lnSpc>
+              <a:spcBef>
+                <a:spcPts val="0"/>
+              </a:spcBef>
+              <a:spcAft>
+                <a:spcPts val="0"/>
+              </a:spcAft>
+              <a:buClrTx/>
+              <a:buSzTx/>
+              <a:buFontTx/>
+              <a:buNone/>
+              <a:tabLst/>
+              <a:defRPr/>
+            </a:pPr>
+            <a:r>
+              <a:rPr lang="it-IT" b="1" dirty="0">
+                <a:solidFill>
+                  <a:srgbClr val="FF0000"/>
+                </a:solidFill>
+              </a:rPr>
+              <a:t>10,00s-10,20s</a:t>
+            </a:r>
+          </a:p>
+          <a:p>
+            <a:endParaRPr lang="it-IT" dirty="0"/>
+          </a:p>
+        </p:txBody>
+      </p:sp>
+      <p:sp>
+        <p:nvSpPr>
+          <p:cNvPr id="4" name="Segnaposto numero diapositiva 3"/>
+          <p:cNvSpPr>
+            <a:spLocks noGrp="1"/>
+          </p:cNvSpPr>
+          <p:nvPr>
+            <p:ph type="sldNum" sz="quarter" idx="5"/>
+          </p:nvPr>
+        </p:nvSpPr>
+        <p:spPr/>
+        <p:txBody>
+          <a:bodyPr/>
+          <a:lstStyle/>
+          <a:p>
+            <a:fld id="{1EEEB9C4-2C44-416F-8AE9-56A3B0181F3B}" type="slidenum">
+              <a:rPr lang="it-IT" smtClean="0"/>
+              <a:t>24</a:t>
+            </a:fld>
+            <a:endParaRPr lang="it-IT"/>
+          </a:p>
+        </p:txBody>
+      </p:sp>
+    </p:spTree>
+    <p:extLst>
+      <p:ext uri="{BB962C8B-B14F-4D97-AF65-F5344CB8AC3E}">
+        <p14:creationId xmlns:p14="http://schemas.microsoft.com/office/powerpoint/2010/main" val="1803901458"/>
+      </p:ext>
+    </p:extLst>
+  </p:cSld>
+  <p:clrMapOvr>
+    <a:masterClrMapping/>
+  </p:clrMapOvr>
+</p:notes>
+</file>
+
+<file path=ppt/notesSlides/notesSlide25.xml><?xml version="1.0" encoding="utf-8"?>
+<p:notes xmlns:a="http://schemas.openxmlformats.org/drawingml/2006/main" xmlns:r="http://schemas.openxmlformats.org/officeDocument/2006/relationships" xmlns:p="http://schemas.openxmlformats.org/presentationml/2006/main">
+  <p:cSld>
+    <p:spTree>
+      <p:nvGrpSpPr>
+        <p:cNvPr id="1" name=""/>
+        <p:cNvGrpSpPr/>
+        <p:nvPr/>
+      </p:nvGrpSpPr>
+      <p:grpSpPr>
+        <a:xfrm>
+          <a:off x="0" y="0"/>
+          <a:ext cx="0" cy="0"/>
+          <a:chOff x="0" y="0"/>
+          <a:chExt cx="0" cy="0"/>
+        </a:xfrm>
+      </p:grpSpPr>
+      <p:sp>
+        <p:nvSpPr>
+          <p:cNvPr id="2" name="Segnaposto immagine diapositiva 1"/>
+          <p:cNvSpPr>
+            <a:spLocks noGrp="1" noRot="1" noChangeAspect="1"/>
+          </p:cNvSpPr>
+          <p:nvPr>
+            <p:ph type="sldImg"/>
+          </p:nvPr>
+        </p:nvSpPr>
+        <p:spPr/>
+      </p:sp>
+      <p:sp>
+        <p:nvSpPr>
+          <p:cNvPr id="3" name="Segnaposto note 2"/>
+          <p:cNvSpPr>
+            <a:spLocks noGrp="1"/>
+          </p:cNvSpPr>
+          <p:nvPr>
+            <p:ph type="body" idx="1"/>
+          </p:nvPr>
+        </p:nvSpPr>
+        <p:spPr/>
+        <p:txBody>
+          <a:bodyPr/>
+          <a:lstStyle/>
+          <a:p>
+            <a:pPr marL="0" marR="0" lvl="0" indent="0" algn="l" defTabSz="914400" rtl="0" eaLnBrk="1" fontAlgn="auto" latinLnBrk="0" hangingPunct="1">
+              <a:lnSpc>
+                <a:spcPct val="100000"/>
+              </a:lnSpc>
+              <a:spcBef>
+                <a:spcPts val="0"/>
+              </a:spcBef>
+              <a:spcAft>
+                <a:spcPts val="0"/>
+              </a:spcAft>
+              <a:buClrTx/>
+              <a:buSzTx/>
+              <a:buFontTx/>
+              <a:buNone/>
+              <a:tabLst/>
+              <a:defRPr/>
+            </a:pPr>
+            <a:r>
+              <a:rPr lang="it-IT" b="1" dirty="0"/>
+              <a:t>10,20s-10,35s</a:t>
+            </a:r>
+          </a:p>
           <a:p>
             <a:endParaRPr lang="it-IT" dirty="0"/>
           </a:p>
@@ -6735,6 +9135,39 @@
             </a:r>
             <a:endParaRPr lang="it-IT" dirty="0"/>
           </a:p>
+          <a:p>
+            <a:endParaRPr lang="it-IT" dirty="0"/>
+          </a:p>
+          <a:p>
+            <a:pPr marL="0" marR="0" lvl="0" indent="0" algn="l" defTabSz="914400" rtl="0" eaLnBrk="1" fontAlgn="auto" latinLnBrk="0" hangingPunct="1">
+              <a:lnSpc>
+                <a:spcPct val="100000"/>
+              </a:lnSpc>
+              <a:spcBef>
+                <a:spcPts val="0"/>
+              </a:spcBef>
+              <a:spcAft>
+                <a:spcPts val="0"/>
+              </a:spcAft>
+              <a:buClrTx/>
+              <a:buSzTx/>
+              <a:buFontTx/>
+              <a:buNone/>
+              <a:tabLst/>
+              <a:defRPr/>
+            </a:pPr>
+            <a:r>
+              <a:rPr lang="it-IT" b="1" dirty="0">
+                <a:solidFill>
+                  <a:srgbClr val="FF0000"/>
+                </a:solidFill>
+              </a:rPr>
+              <a:t>0,05s</a:t>
+            </a:r>
+          </a:p>
+          <a:p>
+            <a:endParaRPr lang="it-IT" dirty="0"/>
+          </a:p>
         </p:txBody>
       </p:sp>
       <p:sp>
@@ -6817,105 +9250,34 @@
           <a:bodyPr/>
           <a:lstStyle/>
           <a:p>
-            <a:r>
-              <a:rPr lang="it-IT" dirty="0" err="1"/>
-              <a:t>Say</a:t>
-            </a:r>
-            <a:r>
-              <a:rPr lang="it-IT" dirty="0"/>
-              <a:t> the </a:t>
-            </a:r>
-            <a:r>
-              <a:rPr lang="it-IT" dirty="0" err="1"/>
-              <a:t>most</a:t>
-            </a:r>
-            <a:r>
-              <a:rPr lang="it-IT" dirty="0"/>
-              <a:t> </a:t>
-            </a:r>
-            <a:r>
-              <a:rPr lang="it-IT" dirty="0" err="1"/>
-              <a:t>important</a:t>
-            </a:r>
-            <a:r>
-              <a:rPr lang="it-IT" dirty="0"/>
-              <a:t> </a:t>
-            </a:r>
-            <a:r>
-              <a:rPr lang="it-IT" dirty="0" err="1"/>
-              <a:t>phenomena</a:t>
-            </a:r>
-            <a:r>
-              <a:rPr lang="it-IT" dirty="0"/>
-              <a:t> </a:t>
-            </a:r>
-            <a:r>
-              <a:rPr lang="it-IT" b="1" dirty="0" err="1"/>
-              <a:t>very</a:t>
-            </a:r>
-            <a:r>
-              <a:rPr lang="it-IT" b="1" dirty="0"/>
-              <a:t> </a:t>
-            </a:r>
-            <a:r>
-              <a:rPr lang="it-IT" b="1" dirty="0" err="1"/>
-              <a:t>quickly</a:t>
-            </a:r>
-            <a:br>
-              <a:rPr lang="it-IT" b="1" dirty="0"/>
-            </a:br>
-            <a:r>
-              <a:rPr lang="it-IT" b="1" dirty="0"/>
-              <a:t>After </a:t>
-            </a:r>
-            <a:r>
-              <a:rPr lang="it-IT" b="1" dirty="0" err="1"/>
-              <a:t>this</a:t>
-            </a:r>
-            <a:r>
-              <a:rPr lang="it-IT" b="1" dirty="0"/>
-              <a:t> slide, </a:t>
-            </a:r>
-            <a:r>
-              <a:rPr lang="it-IT" b="1" dirty="0" err="1"/>
-              <a:t>change</a:t>
-            </a:r>
-            <a:r>
-              <a:rPr lang="it-IT" b="1" dirty="0"/>
-              <a:t> </a:t>
-            </a:r>
-            <a:r>
-              <a:rPr lang="it-IT" b="1" dirty="0" err="1"/>
-              <a:t>person</a:t>
-            </a:r>
-            <a:r>
-              <a:rPr lang="it-IT" b="1" dirty="0"/>
-              <a:t> </a:t>
-            </a:r>
-            <a:r>
-              <a:rPr lang="it-IT" b="1" dirty="0" err="1"/>
-              <a:t>speaking</a:t>
-            </a:r>
-            <a:r>
-              <a:rPr lang="it-IT" b="1" dirty="0"/>
-              <a:t> (Saccani </a:t>
-            </a:r>
-            <a:r>
-              <a:rPr lang="it-IT" b="1" dirty="0" err="1"/>
-              <a:t>now</a:t>
-            </a:r>
-            <a:r>
-              <a:rPr lang="it-IT" b="1" dirty="0"/>
-              <a:t> </a:t>
-            </a:r>
-            <a:r>
-              <a:rPr lang="it-IT" b="1" dirty="0" err="1"/>
-              <a:t>talking</a:t>
-            </a:r>
-            <a:r>
-              <a:rPr lang="it-IT" b="1" dirty="0"/>
-              <a:t>)</a:t>
-            </a:r>
+            <a:pPr marL="0" marR="0" lvl="0" indent="0" algn="l" defTabSz="914400" rtl="0" eaLnBrk="1" fontAlgn="auto" latinLnBrk="0" hangingPunct="1">
+              <a:lnSpc>
+                <a:spcPct val="100000"/>
+              </a:lnSpc>
+              <a:spcBef>
+                <a:spcPts val="0"/>
+              </a:spcBef>
+              <a:spcAft>
+                <a:spcPts val="0"/>
+              </a:spcAft>
+              <a:buClrTx/>
+              <a:buSzTx/>
+              <a:buFontTx/>
+              <a:buNone/>
+              <a:tabLst/>
+              <a:defRPr/>
+            </a:pPr>
+            <a:r>
+              <a:rPr lang="it-IT" b="1" dirty="0">
+                <a:solidFill>
+                  <a:srgbClr val="FF0000"/>
+                </a:solidFill>
+              </a:rPr>
+              <a:t>0,05s-0,27s</a:t>
+            </a:r>
+          </a:p>
+          <a:p>
+            <a:endParaRPr lang="it-IT" dirty="0"/>
           </a:p>
         </p:txBody>
       </p:sp>
@@ -6936,7 +9298,7 @@
           <a:p>
             <a:fld id="{1EEEB9C4-2C44-416F-8AE9-56A3B0181F3B}" type="slidenum">
               <a:rPr lang="it-IT" smtClean="0"/>
-              <a:t>5</a:t>
+              <a:t>4</a:t>
             </a:fld>
             <a:endParaRPr lang="it-IT"/>
           </a:p>
@@ -6945,7 +9307,7 @@
     </p:spTree>
     <p:extLst>
       <p:ext uri="{BB962C8B-B14F-4D97-AF65-F5344CB8AC3E}">
-        <p14:creationId xmlns:p14="http://schemas.microsoft.com/office/powerpoint/2010/main" val="1196950937"/>
+        <p14:creationId xmlns:p14="http://schemas.microsoft.com/office/powerpoint/2010/main" val="1919386758"/>
       </p:ext>
     </p:extLst>
   </p:cSld>
@@ -7001,19 +9363,32 @@
           <a:p>
             <a:r>
               <a:rPr lang="it-IT" dirty="0"/>
-              <a:t>No more </a:t>
+              <a:t>Dire il perché abbiamo messo i fenomeni nel mondo, </a:t>
             </a:r>
             <a:r>
               <a:rPr lang="it-IT" dirty="0" err="1"/>
-              <a:t>animations</a:t>
+              <a:t>shared</a:t>
             </a:r>
             <a:r>
               <a:rPr lang="it-IT" dirty="0"/>
-              <a:t> after </a:t>
-            </a:r>
+              <a:t> o machine senza nominarli tutti</a:t>
+            </a:r>
+          </a:p>
+          <a:p>
+            <a:endParaRPr lang="it-IT" dirty="0"/>
+          </a:p>
+          <a:p>
             <a:r>
               <a:rPr lang="it-IT" dirty="0" err="1"/>
-              <a:t>purple</a:t>
+              <a:t>Say</a:t>
+            </a:r>
+            <a:r>
+              <a:rPr lang="it-IT" dirty="0"/>
+              <a:t> the </a:t>
+            </a:r>
+            <a:r>
+              <a:rPr lang="it-IT" dirty="0" err="1"/>
+              <a:t>most</a:t>
             </a:r>
             <a:r>
               <a:rPr lang="it-IT" dirty="0"/>
@@ -7021,9 +9396,123 @@
             </a:r>
             <a:r>
               <a:rPr lang="it-IT" dirty="0" err="1"/>
-              <a:t>animation</a:t>
-            </a:r>
+              <a:t>important</a:t>
+            </a:r>
+            <a:r>
+              <a:rPr lang="it-IT" dirty="0"/>
+              <a:t> </a:t>
+            </a:r>
+            <a:r>
+              <a:rPr lang="it-IT" dirty="0" err="1"/>
+              <a:t>phenomena</a:t>
+            </a:r>
+            <a:r>
+              <a:rPr lang="it-IT" dirty="0"/>
+              <a:t> </a:t>
+            </a:r>
+            <a:r>
+              <a:rPr lang="it-IT" b="1" dirty="0" err="1"/>
+              <a:t>very</a:t>
+            </a:r>
+            <a:r>
+              <a:rPr lang="it-IT" b="1" dirty="0"/>
+              <a:t> </a:t>
+            </a:r>
+            <a:r>
+              <a:rPr lang="it-IT" b="1" dirty="0" err="1"/>
+              <a:t>quickly</a:t>
+            </a:r>
+            <a:br>
+              <a:rPr lang="it-IT" b="1" dirty="0"/>
+            </a:br>
+            <a:r>
+              <a:rPr lang="it-IT" b="1" dirty="0"/>
+              <a:t>After </a:t>
+            </a:r>
+            <a:r>
+              <a:rPr lang="it-IT" b="1" dirty="0" err="1"/>
+              <a:t>this</a:t>
+            </a:r>
+            <a:r>
+              <a:rPr lang="it-IT" b="1" dirty="0"/>
+              <a:t> slide, </a:t>
+            </a:r>
+            <a:r>
+              <a:rPr lang="it-IT" b="1" dirty="0" err="1"/>
+              <a:t>change</a:t>
+            </a:r>
+            <a:r>
+              <a:rPr lang="it-IT" b="1" dirty="0"/>
+              <a:t> </a:t>
+            </a:r>
+            <a:r>
+              <a:rPr lang="it-IT" b="1" dirty="0" err="1"/>
+              <a:t>person</a:t>
+            </a:r>
+            <a:r>
+              <a:rPr lang="it-IT" b="1" dirty="0"/>
+              <a:t> </a:t>
+            </a:r>
+            <a:r>
+              <a:rPr lang="it-IT" b="1" dirty="0" err="1"/>
+              <a:t>speaking</a:t>
+            </a:r>
+            <a:r>
+              <a:rPr lang="it-IT" b="1" dirty="0"/>
+              <a:t> (Saccani </a:t>
+            </a:r>
+            <a:r>
+              <a:rPr lang="it-IT" b="1" dirty="0" err="1"/>
+              <a:t>now</a:t>
+            </a:r>
+            <a:r>
+              <a:rPr lang="it-IT" b="1" dirty="0"/>
+              <a:t> </a:t>
+            </a:r>
+            <a:r>
+              <a:rPr lang="it-IT" b="1" dirty="0" err="1"/>
+              <a:t>talking</a:t>
+            </a:r>
+            <a:r>
+              <a:rPr lang="it-IT" b="1" dirty="0"/>
+              <a:t>)</a:t>
+            </a:r>
+          </a:p>
+          <a:p>
+            <a:endParaRPr lang="it-IT" b="1" dirty="0"/>
+          </a:p>
+          <a:p>
+            <a:pPr marL="0" marR="0" lvl="0" indent="0" algn="l" defTabSz="914400" rtl="0" eaLnBrk="1" fontAlgn="auto" latinLnBrk="0" hangingPunct="1">
+              <a:lnSpc>
+                <a:spcPct val="100000"/>
+              </a:lnSpc>
+              <a:spcBef>
+                <a:spcPts val="0"/>
+              </a:spcBef>
+              <a:spcAft>
+                <a:spcPts val="0"/>
+              </a:spcAft>
+              <a:buClrTx/>
+              <a:buSzTx/>
+              <a:buFontTx/>
+              <a:buNone/>
+              <a:tabLst/>
+              <a:defRPr/>
+            </a:pPr>
+            <a:r>
+              <a:rPr lang="it-IT" b="1" dirty="0">
+                <a:solidFill>
+                  <a:srgbClr val="FF0000"/>
+                </a:solidFill>
+              </a:rPr>
+              <a:t>0,27s-1,07s</a:t>
+            </a:r>
+          </a:p>
+          <a:p>
             <a:endParaRPr lang="it-IT" dirty="0"/>
+          </a:p>
+          <a:p>
+            <a:endParaRPr lang="it-IT" b="1" dirty="0"/>
           </a:p>
         </p:txBody>
       </p:sp>
@@ -7044,7 +9533,7 @@
           <a:p>
             <a:fld id="{1EEEB9C4-2C44-416F-8AE9-56A3B0181F3B}" type="slidenum">
               <a:rPr lang="it-IT" smtClean="0"/>
-              <a:t>6</a:t>
+              <a:t>5</a:t>
             </a:fld>
             <a:endParaRPr lang="it-IT"/>
           </a:p>
@@ -7053,7 +9542,7 @@
     </p:spTree>
     <p:extLst>
       <p:ext uri="{BB962C8B-B14F-4D97-AF65-F5344CB8AC3E}">
-        <p14:creationId xmlns:p14="http://schemas.microsoft.com/office/powerpoint/2010/main" val="3938821147"/>
+        <p14:creationId xmlns:p14="http://schemas.microsoft.com/office/powerpoint/2010/main" val="1196950937"/>
       </p:ext>
     </p:extLst>
   </p:cSld>
@@ -7109,103 +9598,65 @@
           <a:p>
             <a:r>
               <a:rPr lang="it-IT" dirty="0"/>
-              <a:t>First </a:t>
+              <a:t>No more </a:t>
+            </a:r>
+            <a:r>
+              <a:rPr lang="it-IT" dirty="0" err="1"/>
+              <a:t>animations</a:t>
+            </a:r>
+            <a:r>
+              <a:rPr lang="it-IT" dirty="0"/>
+              <a:t> after </a:t>
+            </a:r>
+            <a:r>
+              <a:rPr lang="it-IT" dirty="0" err="1"/>
+              <a:t>purple</a:t>
+            </a:r>
+            <a:r>
+              <a:rPr lang="it-IT" dirty="0"/>
+              <a:t> </a:t>
             </a:r>
             <a:r>
               <a:rPr lang="it-IT" dirty="0" err="1"/>
               <a:t>animation</a:t>
             </a:r>
-            <a:r>
-              <a:rPr lang="it-IT" dirty="0"/>
-              <a:t>: red </a:t>
-            </a:r>
-            <a:r>
-              <a:rPr lang="it-IT" dirty="0" err="1"/>
-              <a:t>circles</a:t>
-            </a:r>
-            <a:r>
-              <a:rPr lang="it-IT" dirty="0"/>
-              <a:t> </a:t>
-            </a:r>
-            <a:r>
-              <a:rPr lang="it-IT" dirty="0" err="1"/>
-              <a:t>wrt</a:t>
-            </a:r>
-            <a:r>
-              <a:rPr lang="it-IT" dirty="0"/>
-              <a:t> </a:t>
-            </a:r>
-            <a:r>
-              <a:rPr lang="it-IT" dirty="0" err="1"/>
-              <a:t>previus</a:t>
-            </a:r>
-            <a:r>
-              <a:rPr lang="it-IT" dirty="0"/>
-              <a:t> </a:t>
-            </a:r>
-            <a:r>
-              <a:rPr lang="it-IT" dirty="0" err="1"/>
-              <a:t>important</a:t>
-            </a:r>
-            <a:r>
-              <a:rPr lang="it-IT" dirty="0"/>
-              <a:t> </a:t>
-            </a:r>
-            <a:r>
-              <a:rPr lang="it-IT" dirty="0" err="1"/>
-              <a:t>requirements</a:t>
-            </a:r>
-            <a:r>
-              <a:rPr lang="it-IT" dirty="0"/>
-              <a:t> </a:t>
-            </a:r>
-            <a:br>
-              <a:rPr lang="it-IT" dirty="0"/>
-            </a:br>
-            <a:r>
-              <a:rPr lang="it-IT" dirty="0"/>
-              <a:t>Second </a:t>
-            </a:r>
-            <a:r>
-              <a:rPr lang="it-IT" dirty="0" err="1"/>
-              <a:t>animation</a:t>
-            </a:r>
-            <a:r>
-              <a:rPr lang="it-IT" dirty="0"/>
-              <a:t>: </a:t>
-            </a:r>
-            <a:r>
-              <a:rPr lang="it-IT" dirty="0" err="1"/>
-              <a:t>obvious</a:t>
-            </a:r>
-            <a:r>
-              <a:rPr lang="it-IT" dirty="0"/>
-              <a:t> R1 </a:t>
-            </a:r>
-            <a:r>
-              <a:rPr lang="it-IT" dirty="0" err="1"/>
-              <a:t>requirments</a:t>
-            </a:r>
-            <a:r>
-              <a:rPr lang="it-IT" dirty="0"/>
-              <a:t> to </a:t>
-            </a:r>
-            <a:r>
-              <a:rPr lang="it-IT" dirty="0" err="1"/>
-              <a:t>allow</a:t>
-            </a:r>
-            <a:r>
-              <a:rPr lang="it-IT" dirty="0"/>
-              <a:t> </a:t>
-            </a:r>
-            <a:r>
-              <a:rPr lang="it-IT" dirty="0" err="1"/>
-              <a:t>students</a:t>
-            </a:r>
-            <a:r>
-              <a:rPr lang="it-IT" dirty="0"/>
-              <a:t> to log in </a:t>
-            </a:r>
+            <a:endParaRPr lang="it-IT" dirty="0"/>
+          </a:p>
+          <a:p>
+            <a:endParaRPr lang="it-IT" dirty="0"/>
+          </a:p>
+          <a:p>
+            <a:pPr marL="0" marR="0" lvl="0" indent="0" algn="l" defTabSz="914400" rtl="0" eaLnBrk="1" fontAlgn="auto" latinLnBrk="0" hangingPunct="1">
+              <a:lnSpc>
+                <a:spcPct val="100000"/>
+              </a:lnSpc>
+              <a:spcBef>
+                <a:spcPts val="0"/>
+              </a:spcBef>
+              <a:spcAft>
+                <a:spcPts val="0"/>
+              </a:spcAft>
+              <a:buClrTx/>
+              <a:buSzTx/>
+              <a:buFontTx/>
+              <a:buNone/>
+              <a:tabLst/>
+              <a:defRPr/>
+            </a:pPr>
+            <a:r>
+              <a:rPr lang="it-IT" b="1" dirty="0">
+                <a:solidFill>
+                  <a:srgbClr val="FF0000"/>
+                </a:solidFill>
+              </a:rPr>
+              <a:t>1,07s-1,57s</a:t>
+            </a:r>
+          </a:p>
+          <a:p>
+            <a:endParaRPr lang="it-IT" dirty="0"/>
+          </a:p>
+          <a:p>
+            <a:endParaRPr lang="it-IT" dirty="0"/>
           </a:p>
         </p:txBody>
       </p:sp>
@@ -7226,7 +9677,7 @@
           <a:p>
             <a:fld id="{1EEEB9C4-2C44-416F-8AE9-56A3B0181F3B}" type="slidenum">
               <a:rPr lang="it-IT" smtClean="0"/>
-              <a:t>8</a:t>
+              <a:t>6</a:t>
             </a:fld>
             <a:endParaRPr lang="it-IT"/>
           </a:p>
@@ -7235,7 +9686,7 @@
     </p:spTree>
     <p:extLst>
       <p:ext uri="{BB962C8B-B14F-4D97-AF65-F5344CB8AC3E}">
-        <p14:creationId xmlns:p14="http://schemas.microsoft.com/office/powerpoint/2010/main" val="1731093520"/>
+        <p14:creationId xmlns:p14="http://schemas.microsoft.com/office/powerpoint/2010/main" val="3938821147"/>
       </p:ext>
     </p:extLst>
   </p:cSld>
@@ -7290,65 +9741,260 @@
           <a:lstStyle/>
           <a:p>
             <a:r>
+              <a:rPr lang="it-IT" dirty="0" err="1"/>
+              <a:t>Trought</a:t>
+            </a:r>
+            <a:r>
               <a:rPr lang="it-IT" dirty="0"/>
-              <a:t>After </a:t>
+              <a:t> </a:t>
             </a:r>
             <a:r>
               <a:rPr lang="it-IT" dirty="0" err="1"/>
-              <a:t>this</a:t>
+              <a:t>all</a:t>
             </a:r>
             <a:r>
               <a:rPr lang="it-IT" dirty="0"/>
-              <a:t> slide </a:t>
-            </a:r>
-            <a:r>
-              <a:rPr lang="it-IT" b="1" dirty="0" err="1"/>
-              <a:t>change</a:t>
-            </a:r>
-            <a:r>
-              <a:rPr lang="it-IT" b="1" dirty="0"/>
+              <a:t> the </a:t>
+            </a:r>
+            <a:r>
+              <a:rPr lang="it-IT" dirty="0" err="1"/>
+              <a:t>requirements</a:t>
+            </a:r>
+            <a:r>
+              <a:rPr lang="it-IT" dirty="0"/>
               <a:t> </a:t>
             </a:r>
             <a:r>
-              <a:rPr lang="it-IT" b="1" dirty="0" err="1"/>
-              <a:t>person</a:t>
-            </a:r>
-            <a:r>
-              <a:rPr lang="it-IT" b="1" dirty="0"/>
+              <a:rPr lang="it-IT" dirty="0" err="1"/>
+              <a:t>those</a:t>
+            </a:r>
+            <a:r>
+              <a:rPr lang="it-IT" dirty="0"/>
+              <a:t> are the </a:t>
+            </a:r>
+            <a:r>
+              <a:rPr lang="it-IT" dirty="0" err="1"/>
+              <a:t>most</a:t>
+            </a:r>
+            <a:r>
+              <a:rPr lang="it-IT" dirty="0"/>
               <a:t> </a:t>
             </a:r>
             <a:r>
-              <a:rPr lang="it-IT" b="1" dirty="0" err="1"/>
-              <a:t>speaking</a:t>
-            </a:r>
-            <a:r>
-              <a:rPr lang="it-IT" b="1" dirty="0"/>
-              <a:t> (</a:t>
-            </a:r>
-            <a:r>
-              <a:rPr lang="it-IT" b="1" dirty="0" err="1"/>
-              <a:t>Ferlin</a:t>
-            </a:r>
-            <a:r>
-              <a:rPr lang="it-IT" b="1" dirty="0"/>
+              <a:rPr lang="it-IT" dirty="0" err="1"/>
+              <a:t>important</a:t>
+            </a:r>
+            <a:r>
+              <a:rPr lang="it-IT" dirty="0"/>
               <a:t> </a:t>
             </a:r>
             <a:r>
-              <a:rPr lang="it-IT" b="1" dirty="0" err="1"/>
-              <a:t>now</a:t>
-            </a:r>
-            <a:r>
-              <a:rPr lang="it-IT" b="1" dirty="0"/>
+              <a:rPr lang="it-IT" dirty="0" err="1"/>
+              <a:t>ones</a:t>
+            </a:r>
+            <a:r>
+              <a:rPr lang="it-IT" dirty="0"/>
+              <a:t> due to the </a:t>
+            </a:r>
+            <a:r>
+              <a:rPr lang="it-IT" dirty="0" err="1"/>
+              <a:t>fact</a:t>
+            </a:r>
+            <a:r>
+              <a:rPr lang="it-IT" dirty="0"/>
               <a:t> </a:t>
             </a:r>
             <a:r>
-              <a:rPr lang="it-IT" b="1" dirty="0" err="1"/>
-              <a:t>talking</a:t>
-            </a:r>
-            <a:r>
-              <a:rPr lang="it-IT" b="1" dirty="0"/>
-              <a:t>)</a:t>
-            </a:r>
+              <a:rPr lang="it-IT" dirty="0" err="1"/>
+              <a:t>that</a:t>
+            </a:r>
+            <a:r>
+              <a:rPr lang="it-IT" dirty="0"/>
+              <a:t> </a:t>
+            </a:r>
+            <a:r>
+              <a:rPr lang="it-IT" dirty="0" err="1"/>
+              <a:t>they</a:t>
+            </a:r>
+            <a:r>
+              <a:rPr lang="it-IT" dirty="0"/>
+              <a:t> </a:t>
+            </a:r>
+            <a:r>
+              <a:rPr lang="it-IT" dirty="0" err="1"/>
+              <a:t>rappresent</a:t>
+            </a:r>
+            <a:r>
+              <a:rPr lang="it-IT" dirty="0"/>
+              <a:t> the </a:t>
+            </a:r>
+            <a:r>
+              <a:rPr lang="it-IT" dirty="0" err="1"/>
+              <a:t>basic</a:t>
+            </a:r>
+            <a:r>
+              <a:rPr lang="it-IT" dirty="0"/>
+              <a:t> </a:t>
+            </a:r>
+            <a:r>
+              <a:rPr lang="it-IT" dirty="0" err="1"/>
+              <a:t>functionality</a:t>
+            </a:r>
+            <a:r>
+              <a:rPr lang="it-IT" dirty="0"/>
+              <a:t> of the system.</a:t>
+            </a:r>
+            <a:br>
+              <a:rPr lang="it-IT" dirty="0"/>
+            </a:br>
+            <a:r>
+              <a:rPr lang="it-IT" dirty="0" err="1"/>
+              <a:t>We</a:t>
+            </a:r>
+            <a:r>
+              <a:rPr lang="it-IT" dirty="0"/>
+              <a:t> </a:t>
+            </a:r>
+            <a:r>
+              <a:rPr lang="it-IT" dirty="0" err="1"/>
+              <a:t>have</a:t>
+            </a:r>
+            <a:r>
+              <a:rPr lang="it-IT" dirty="0"/>
+              <a:t> </a:t>
+            </a:r>
+            <a:r>
+              <a:rPr lang="it-IT" dirty="0" err="1"/>
+              <a:t>as</a:t>
+            </a:r>
+            <a:r>
+              <a:rPr lang="it-IT" dirty="0"/>
+              <a:t> </a:t>
+            </a:r>
+            <a:r>
+              <a:rPr lang="it-IT" dirty="0" err="1"/>
+              <a:t>we</a:t>
+            </a:r>
+            <a:r>
+              <a:rPr lang="it-IT" dirty="0"/>
+              <a:t> </a:t>
+            </a:r>
+            <a:r>
+              <a:rPr lang="it-IT" dirty="0" err="1"/>
+              <a:t>said</a:t>
+            </a:r>
+            <a:r>
+              <a:rPr lang="it-IT" dirty="0"/>
+              <a:t> in </a:t>
+            </a:r>
+            <a:r>
+              <a:rPr lang="it-IT" dirty="0" err="1"/>
+              <a:t>previous</a:t>
+            </a:r>
+            <a:r>
+              <a:rPr lang="it-IT" dirty="0"/>
+              <a:t> slide the </a:t>
+            </a:r>
+            <a:r>
+              <a:rPr lang="it-IT" dirty="0" err="1"/>
+              <a:t>creation</a:t>
+            </a:r>
+            <a:r>
+              <a:rPr lang="it-IT" dirty="0"/>
+              <a:t>, the </a:t>
+            </a:r>
+            <a:r>
+              <a:rPr lang="it-IT" dirty="0" err="1"/>
+              <a:t>partecipation</a:t>
+            </a:r>
+            <a:r>
+              <a:rPr lang="it-IT" dirty="0"/>
+              <a:t> in a </a:t>
+            </a:r>
+            <a:r>
+              <a:rPr lang="it-IT" dirty="0" err="1"/>
+              <a:t>tournament</a:t>
+            </a:r>
+            <a:r>
+              <a:rPr lang="it-IT" dirty="0"/>
+              <a:t> and in a </a:t>
+            </a:r>
+            <a:r>
+              <a:rPr lang="it-IT" dirty="0" err="1"/>
+              <a:t>battle</a:t>
+            </a:r>
+            <a:r>
+              <a:rPr lang="it-IT" dirty="0"/>
+              <a:t>, </a:t>
+            </a:r>
+            <a:r>
+              <a:rPr lang="it-IT" dirty="0" err="1"/>
+              <a:t>then</a:t>
+            </a:r>
+            <a:r>
+              <a:rPr lang="it-IT" dirty="0"/>
+              <a:t> the </a:t>
+            </a:r>
+            <a:r>
+              <a:rPr lang="it-IT" dirty="0" err="1"/>
+              <a:t>ability</a:t>
+            </a:r>
+            <a:r>
+              <a:rPr lang="it-IT" dirty="0"/>
+              <a:t> to </a:t>
+            </a:r>
+            <a:r>
+              <a:rPr lang="it-IT" dirty="0" err="1"/>
+              <a:t>see</a:t>
+            </a:r>
+            <a:r>
+              <a:rPr lang="it-IT" dirty="0"/>
+              <a:t> the </a:t>
+            </a:r>
+            <a:r>
+              <a:rPr lang="it-IT" dirty="0" err="1"/>
+              <a:t>result</a:t>
+            </a:r>
+            <a:r>
+              <a:rPr lang="it-IT" dirty="0"/>
+              <a:t> and the feature to create the badges.</a:t>
+            </a:r>
+          </a:p>
+          <a:p>
+            <a:endParaRPr lang="it-IT" dirty="0"/>
+          </a:p>
+          <a:p>
+            <a:pPr marL="0" marR="0" lvl="0" indent="0" algn="l" defTabSz="914400" rtl="0" eaLnBrk="1" fontAlgn="auto" latinLnBrk="0" hangingPunct="1">
+              <a:lnSpc>
+                <a:spcPct val="100000"/>
+              </a:lnSpc>
+              <a:spcBef>
+                <a:spcPts val="0"/>
+              </a:spcBef>
+              <a:spcAft>
+                <a:spcPts val="0"/>
+              </a:spcAft>
+              <a:buClrTx/>
+              <a:buSzTx/>
+              <a:buFontTx/>
+              <a:buNone/>
+              <a:tabLst/>
+              <a:defRPr/>
+            </a:pPr>
+            <a:r>
+              <a:rPr lang="it-IT" b="1" dirty="0">
+                <a:solidFill>
+                  <a:srgbClr val="FF0000"/>
+                </a:solidFill>
+              </a:rPr>
+              <a:t>1,57s-2,15s</a:t>
+            </a:r>
+          </a:p>
+          <a:p>
+            <a:endParaRPr lang="it-IT" dirty="0"/>
+          </a:p>
+          <a:p>
+            <a:endParaRPr lang="it-IT" dirty="0"/>
           </a:p>
         </p:txBody>
       </p:sp>
@@ -7369,7 +10015,7 @@
           <a:p>
             <a:fld id="{1EEEB9C4-2C44-416F-8AE9-56A3B0181F3B}" type="slidenum">
               <a:rPr lang="it-IT" smtClean="0"/>
-              <a:t>9</a:t>
+              <a:t>7</a:t>
             </a:fld>
             <a:endParaRPr lang="it-IT"/>
           </a:p>
@@ -7378,7 +10024,7 @@
     </p:spTree>
     <p:extLst>
       <p:ext uri="{BB962C8B-B14F-4D97-AF65-F5344CB8AC3E}">
-        <p14:creationId xmlns:p14="http://schemas.microsoft.com/office/powerpoint/2010/main" val="1984787346"/>
+        <p14:creationId xmlns:p14="http://schemas.microsoft.com/office/powerpoint/2010/main" val="198330793"/>
       </p:ext>
     </p:extLst>
   </p:cSld>
@@ -7433,8 +10079,20 @@
           <a:lstStyle/>
           <a:p>
             <a:r>
+              <a:rPr lang="it-IT" dirty="0"/>
+              <a:t>First </a:t>
+            </a:r>
+            <a:r>
               <a:rPr lang="it-IT" dirty="0" err="1"/>
-              <a:t>Now</a:t>
+              <a:t>animation</a:t>
+            </a:r>
+            <a:r>
+              <a:rPr lang="it-IT" dirty="0"/>
+              <a:t>: red </a:t>
+            </a:r>
+            <a:r>
+              <a:rPr lang="it-IT" dirty="0" err="1"/>
+              <a:t>circles</a:t>
             </a:r>
             <a:r>
               <a:rPr lang="it-IT" dirty="0"/>
@@ -7442,31 +10100,7 @@
             </a:r>
             <a:r>
               <a:rPr lang="it-IT" dirty="0" err="1"/>
-              <a:t>we</a:t>
-            </a:r>
-            <a:r>
-              <a:rPr lang="it-IT" dirty="0"/>
-              <a:t> can </a:t>
-            </a:r>
-            <a:r>
-              <a:rPr lang="it-IT" dirty="0" err="1"/>
-              <a:t>also</a:t>
-            </a:r>
-            <a:r>
-              <a:rPr lang="it-IT" dirty="0"/>
-              <a:t> show the Class </a:t>
-            </a:r>
-            <a:r>
-              <a:rPr lang="it-IT" dirty="0" err="1"/>
-              <a:t>Diagram</a:t>
-            </a:r>
-            <a:r>
-              <a:rPr lang="it-IT" dirty="0"/>
-              <a:t> and </a:t>
-            </a:r>
-            <a:r>
-              <a:rPr lang="it-IT" dirty="0" err="1"/>
-              <a:t>say</a:t>
+              <a:t>wrt</a:t>
             </a:r>
             <a:r>
               <a:rPr lang="it-IT" dirty="0"/>
@@ -7474,7 +10108,7 @@
             </a:r>
             <a:r>
               <a:rPr lang="it-IT" dirty="0" err="1"/>
-              <a:t>that</a:t>
+              <a:t>previus</a:t>
             </a:r>
             <a:r>
               <a:rPr lang="it-IT" dirty="0"/>
@@ -7482,7 +10116,7 @@
             </a:r>
             <a:r>
               <a:rPr lang="it-IT" dirty="0" err="1"/>
-              <a:t>we</a:t>
+              <a:t>important</a:t>
             </a:r>
             <a:r>
               <a:rPr lang="it-IT" dirty="0"/>
@@ -7490,36 +10124,144 @@
             </a:r>
             <a:r>
               <a:rPr lang="it-IT" dirty="0" err="1"/>
-              <a:t>translated</a:t>
+              <a:t>requirements</a:t>
             </a:r>
             <a:r>
               <a:rPr lang="it-IT" dirty="0"/>
               <a:t> </a:t>
             </a:r>
+            <a:br>
+              <a:rPr lang="it-IT" dirty="0"/>
+            </a:br>
+            <a:r>
+              <a:rPr lang="it-IT" dirty="0"/>
+              <a:t>Second </a:t>
+            </a:r>
             <a:r>
               <a:rPr lang="it-IT" dirty="0" err="1"/>
-              <a:t>all</a:t>
+              <a:t>animation</a:t>
             </a:r>
             <a:r>
               <a:rPr lang="it-IT" dirty="0"/>
-              <a:t> the </a:t>
+              <a:t>: </a:t>
             </a:r>
             <a:r>
               <a:rPr lang="it-IT" dirty="0" err="1"/>
-              <a:t>elements</a:t>
+              <a:t>obvious</a:t>
             </a:r>
             <a:r>
               <a:rPr lang="it-IT" dirty="0"/>
-              <a:t> in the </a:t>
+              <a:t> R1 </a:t>
             </a:r>
             <a:r>
               <a:rPr lang="it-IT" dirty="0" err="1"/>
-              <a:t>Alloy</a:t>
+              <a:t>requirments</a:t>
             </a:r>
             <a:r>
               <a:rPr lang="it-IT" dirty="0"/>
-              <a:t> Code</a:t>
-            </a:r>
+              <a:t> to </a:t>
+            </a:r>
+            <a:r>
+              <a:rPr lang="it-IT" dirty="0" err="1"/>
+              <a:t>allow</a:t>
+            </a:r>
+            <a:r>
+              <a:rPr lang="it-IT" dirty="0"/>
+              <a:t> </a:t>
+            </a:r>
+            <a:r>
+              <a:rPr lang="it-IT" dirty="0" err="1"/>
+              <a:t>students</a:t>
+            </a:r>
+            <a:r>
+              <a:rPr lang="it-IT" dirty="0"/>
+              <a:t> to log in </a:t>
+            </a:r>
+          </a:p>
+          <a:p>
+            <a:endParaRPr lang="it-IT" dirty="0"/>
+          </a:p>
+          <a:p>
+            <a:pPr marL="0" marR="0" lvl="0" indent="0" algn="l" defTabSz="914400" rtl="0" eaLnBrk="1" fontAlgn="auto" latinLnBrk="0" hangingPunct="1">
+              <a:lnSpc>
+                <a:spcPct val="100000"/>
+              </a:lnSpc>
+              <a:spcBef>
+                <a:spcPts val="0"/>
+              </a:spcBef>
+              <a:spcAft>
+                <a:spcPts val="0"/>
+              </a:spcAft>
+              <a:buClrTx/>
+              <a:buSzTx/>
+              <a:buFontTx/>
+              <a:buNone/>
+              <a:tabLst/>
+              <a:defRPr/>
+            </a:pPr>
+            <a:r>
+              <a:rPr lang="it-IT" dirty="0"/>
+              <a:t>After </a:t>
+            </a:r>
+            <a:r>
+              <a:rPr lang="it-IT" dirty="0" err="1"/>
+              <a:t>this</a:t>
+            </a:r>
+            <a:r>
+              <a:rPr lang="it-IT" dirty="0"/>
+              <a:t> slide </a:t>
+            </a:r>
+            <a:r>
+              <a:rPr lang="it-IT" b="1" dirty="0" err="1"/>
+              <a:t>change</a:t>
+            </a:r>
+            <a:r>
+              <a:rPr lang="it-IT" b="1" dirty="0"/>
+              <a:t> </a:t>
+            </a:r>
+            <a:r>
+              <a:rPr lang="it-IT" b="1" dirty="0" err="1"/>
+              <a:t>person</a:t>
+            </a:r>
+            <a:r>
+              <a:rPr lang="it-IT" b="1" dirty="0"/>
+              <a:t> </a:t>
+            </a:r>
+            <a:r>
+              <a:rPr lang="it-IT" b="1" dirty="0" err="1"/>
+              <a:t>speaking</a:t>
+            </a:r>
+            <a:r>
+              <a:rPr lang="it-IT" b="1" dirty="0"/>
+              <a:t> (</a:t>
+            </a:r>
+            <a:r>
+              <a:rPr lang="it-IT" b="1" dirty="0" err="1"/>
+              <a:t>Ferlin</a:t>
+            </a:r>
+            <a:r>
+              <a:rPr lang="it-IT" b="1" dirty="0"/>
+              <a:t> </a:t>
+            </a:r>
+            <a:r>
+              <a:rPr lang="it-IT" b="1" dirty="0" err="1"/>
+              <a:t>now</a:t>
+            </a:r>
+            <a:r>
+              <a:rPr lang="it-IT" b="1" dirty="0"/>
+              <a:t> </a:t>
+            </a:r>
+            <a:r>
+              <a:rPr lang="it-IT" b="1" dirty="0" err="1"/>
+              <a:t>talking</a:t>
+            </a:r>
+            <a:r>
+              <a:rPr lang="it-IT" b="1" dirty="0"/>
+              <a:t>)</a:t>
+            </a:r>
+          </a:p>
+          <a:p>
+            <a:endParaRPr lang="it-IT" dirty="0"/>
           </a:p>
         </p:txBody>
       </p:sp>
@@ -7540,7 +10282,7 @@
           <a:p>
             <a:fld id="{1EEEB9C4-2C44-416F-8AE9-56A3B0181F3B}" type="slidenum">
               <a:rPr lang="it-IT" smtClean="0"/>
-              <a:t>10</a:t>
+              <a:t>8</a:t>
             </a:fld>
             <a:endParaRPr lang="it-IT"/>
           </a:p>
@@ -7549,7 +10291,7 @@
     </p:spTree>
     <p:extLst>
       <p:ext uri="{BB962C8B-B14F-4D97-AF65-F5344CB8AC3E}">
-        <p14:creationId xmlns:p14="http://schemas.microsoft.com/office/powerpoint/2010/main" val="2352873539"/>
+        <p14:creationId xmlns:p14="http://schemas.microsoft.com/office/powerpoint/2010/main" val="1731093520"/>
       </p:ext>
     </p:extLst>
   </p:cSld>
@@ -7605,15 +10347,15 @@
           <a:p>
             <a:r>
               <a:rPr lang="it-IT" dirty="0" err="1"/>
-              <a:t>This</a:t>
+              <a:t>We</a:t>
             </a:r>
             <a:r>
               <a:rPr lang="it-IT" dirty="0"/>
-              <a:t> show some </a:t>
+              <a:t> suppose </a:t>
             </a:r>
             <a:r>
               <a:rPr lang="it-IT" dirty="0" err="1"/>
-              <a:t>important</a:t>
+              <a:t>that</a:t>
             </a:r>
             <a:r>
               <a:rPr lang="it-IT" dirty="0"/>
@@ -7621,44 +10363,96 @@
             </a:r>
             <a:r>
               <a:rPr lang="it-IT" dirty="0" err="1"/>
-              <a:t>properties</a:t>
+              <a:t>there</a:t>
             </a:r>
             <a:r>
               <a:rPr lang="it-IT" dirty="0"/>
-              <a:t> like the </a:t>
+              <a:t> </a:t>
             </a:r>
             <a:r>
               <a:rPr lang="it-IT" dirty="0" err="1"/>
-              <a:t>invitation</a:t>
+              <a:t>is</a:t>
             </a:r>
             <a:r>
               <a:rPr lang="it-IT" dirty="0"/>
-              <a:t> part (</a:t>
+              <a:t> </a:t>
             </a:r>
             <a:r>
               <a:rPr lang="it-IT" dirty="0" err="1"/>
-              <a:t>discussed</a:t>
+              <a:t>already</a:t>
             </a:r>
             <a:r>
               <a:rPr lang="it-IT" dirty="0"/>
-              <a:t> more in </a:t>
+              <a:t> </a:t>
             </a:r>
             <a:r>
               <a:rPr lang="it-IT" dirty="0" err="1"/>
-              <a:t>detail</a:t>
+              <a:t>existing</a:t>
             </a:r>
             <a:r>
               <a:rPr lang="it-IT" dirty="0"/>
-              <a:t> with code in the </a:t>
+              <a:t> school </a:t>
             </a:r>
             <a:r>
               <a:rPr lang="it-IT" dirty="0" err="1"/>
-              <a:t>next</a:t>
+              <a:t>enviroment</a:t>
             </a:r>
             <a:r>
               <a:rPr lang="it-IT" dirty="0"/>
-              <a:t> slide)</a:t>
-            </a:r>
+              <a:t> and so </a:t>
+            </a:r>
+            <a:r>
+              <a:rPr lang="it-IT" dirty="0" err="1"/>
+              <a:t>we</a:t>
+            </a:r>
+            <a:r>
+              <a:rPr lang="it-IT" dirty="0"/>
+              <a:t> </a:t>
+            </a:r>
+            <a:r>
+              <a:rPr lang="it-IT" dirty="0" err="1"/>
+              <a:t>defined</a:t>
+            </a:r>
+            <a:r>
+              <a:rPr lang="it-IT" dirty="0"/>
+              <a:t> the SSO … </a:t>
+            </a:r>
+          </a:p>
+          <a:p>
+            <a:endParaRPr lang="it-IT" dirty="0"/>
+          </a:p>
+          <a:p>
+            <a:pPr marL="0" marR="0" lvl="0" indent="0" algn="l" defTabSz="914400" rtl="0" eaLnBrk="1" fontAlgn="auto" latinLnBrk="0" hangingPunct="1">
+              <a:lnSpc>
+                <a:spcPct val="100000"/>
+              </a:lnSpc>
+              <a:spcBef>
+                <a:spcPts val="0"/>
+              </a:spcBef>
+              <a:spcAft>
+                <a:spcPts val="0"/>
+              </a:spcAft>
+              <a:buClrTx/>
+              <a:buSzTx/>
+              <a:buFontTx/>
+              <a:buNone/>
+              <a:tabLst/>
+              <a:defRPr/>
+            </a:pPr>
+            <a:r>
+              <a:rPr lang="it-IT" b="1" dirty="0">
+                <a:solidFill>
+                  <a:srgbClr val="FF0000"/>
+                </a:solidFill>
+              </a:rPr>
+              <a:t>2,15s-3,00s</a:t>
+            </a:r>
+          </a:p>
+          <a:p>
+            <a:endParaRPr lang="it-IT" dirty="0"/>
+          </a:p>
+          <a:p>
+            <a:endParaRPr lang="it-IT" dirty="0"/>
           </a:p>
         </p:txBody>
       </p:sp>
@@ -7679,7 +10473,7 @@
           <a:p>
             <a:fld id="{1EEEB9C4-2C44-416F-8AE9-56A3B0181F3B}" type="slidenum">
               <a:rPr lang="it-IT" smtClean="0"/>
-              <a:t>11</a:t>
+              <a:t>9</a:t>
             </a:fld>
             <a:endParaRPr lang="it-IT"/>
           </a:p>
@@ -7688,7 +10482,7 @@
     </p:spTree>
     <p:extLst>
       <p:ext uri="{BB962C8B-B14F-4D97-AF65-F5344CB8AC3E}">
-        <p14:creationId xmlns:p14="http://schemas.microsoft.com/office/powerpoint/2010/main" val="2039253520"/>
+        <p14:creationId xmlns:p14="http://schemas.microsoft.com/office/powerpoint/2010/main" val="1984787346"/>
       </p:ext>
     </p:extLst>
   </p:cSld>
@@ -13589,8 +16383,8 @@
         </p:blipFill>
         <p:spPr>
           <a:xfrm>
-            <a:off x="2754480" y="136525"/>
-            <a:ext cx="6825916" cy="7194718"/>
+            <a:off x="2754480" y="26248"/>
+            <a:ext cx="6930540" cy="7304995"/>
           </a:xfrm>
           <a:prstGeom prst="rect">
             <a:avLst/>
@@ -13643,6 +16437,14 @@
   <p:clrMapOvr>
     <a:masterClrMapping/>
   </p:clrMapOvr>
+  <mc:AlternateContent xmlns:mc="http://schemas.openxmlformats.org/markup-compatibility/2006">
+    <mc:Choice xmlns:p14="http://schemas.microsoft.com/office/powerpoint/2010/main" Requires="p14">
+      <p:transition spd="slow" p14:dur="2000" advTm="7440"/>
+    </mc:Choice>
+    <mc:Fallback>
+      <p:transition spd="slow" advTm="7440"/>
+    </mc:Fallback>
+  </mc:AlternateContent>
 </p:sld>
 </file>
 
@@ -13813,6 +16615,14 @@
   <p:clrMapOvr>
     <a:masterClrMapping/>
   </p:clrMapOvr>
+  <mc:AlternateContent xmlns:mc="http://schemas.openxmlformats.org/markup-compatibility/2006">
+    <mc:Choice xmlns:p14="http://schemas.microsoft.com/office/powerpoint/2010/main" Requires="p14">
+      <p:transition spd="slow" p14:dur="2000" advTm="55467"/>
+    </mc:Choice>
+    <mc:Fallback>
+      <p:transition spd="slow" advTm="55467"/>
+    </mc:Fallback>
+  </mc:AlternateContent>
 </p:sld>
 </file>
 
@@ -14107,6 +16917,14 @@
   <p:clrMapOvr>
     <a:masterClrMapping/>
   </p:clrMapOvr>
+  <mc:AlternateContent xmlns:mc="http://schemas.openxmlformats.org/markup-compatibility/2006">
+    <mc:Choice xmlns:p14="http://schemas.microsoft.com/office/powerpoint/2010/main" Requires="p14">
+      <p:transition spd="slow" p14:dur="2000" advTm="12117"/>
+    </mc:Choice>
+    <mc:Fallback>
+      <p:transition spd="slow" advTm="12117"/>
+    </mc:Fallback>
+  </mc:AlternateContent>
 </p:sld>
 </file>
 
@@ -14246,6 +17064,14 @@
   <p:clrMapOvr>
     <a:masterClrMapping/>
   </p:clrMapOvr>
+  <mc:AlternateContent xmlns:mc="http://schemas.openxmlformats.org/markup-compatibility/2006">
+    <mc:Choice xmlns:p14="http://schemas.microsoft.com/office/powerpoint/2010/main" Requires="p14">
+      <p:transition spd="slow" p14:dur="2000" advTm="511"/>
+    </mc:Choice>
+    <mc:Fallback>
+      <p:transition spd="slow" advTm="511"/>
+    </mc:Fallback>
+  </mc:AlternateContent>
 </p:sld>
 </file>
 
@@ -14622,6 +17448,14 @@
   <p:clrMapOvr>
     <a:masterClrMapping/>
   </p:clrMapOvr>
+  <mc:AlternateContent xmlns:mc="http://schemas.openxmlformats.org/markup-compatibility/2006">
+    <mc:Choice xmlns:p14="http://schemas.microsoft.com/office/powerpoint/2010/main" Requires="p14">
+      <p:transition spd="slow" p14:dur="2000" advTm="39576"/>
+    </mc:Choice>
+    <mc:Fallback>
+      <p:transition spd="slow" advTm="39576"/>
+    </mc:Fallback>
+  </mc:AlternateContent>
 </p:sld>
 </file>
 
@@ -15285,6 +18119,14 @@
   <p:clrMapOvr>
     <a:masterClrMapping/>
   </p:clrMapOvr>
+  <mc:AlternateContent xmlns:mc="http://schemas.openxmlformats.org/markup-compatibility/2006">
+    <mc:Choice xmlns:p14="http://schemas.microsoft.com/office/powerpoint/2010/main" Requires="p14">
+      <p:transition spd="slow" p14:dur="2000" advTm="5738"/>
+    </mc:Choice>
+    <mc:Fallback>
+      <p:transition spd="slow" advTm="5738"/>
+    </mc:Fallback>
+  </mc:AlternateContent>
 </p:sld>
 </file>
 
@@ -15434,8 +18276,8 @@
         </p:nvSpPr>
         <p:spPr>
           <a:xfrm>
-            <a:off x="0" y="801575"/>
-            <a:ext cx="3227083" cy="5380149"/>
+            <a:off x="-29260" y="801575"/>
+            <a:ext cx="3460090" cy="5380149"/>
           </a:xfrm>
         </p:spPr>
         <p:txBody>
@@ -15471,7 +18313,7 @@
               <a:rPr lang="it-IT" sz="2000" b="1" dirty="0">
                 <a:latin typeface="Calibri" panose="020F0502020204030204" pitchFamily="34" charset="0"/>
               </a:rPr>
-              <a:t>system with SPA</a:t>
+              <a:t>system with SPA </a:t>
             </a:r>
             <a:br>
               <a:rPr lang="it-IT" sz="2000" b="1" dirty="0">
@@ -15482,7 +18324,19 @@
               <a:rPr lang="it-IT" sz="2000" dirty="0">
                 <a:latin typeface="Calibri" panose="020F0502020204030204" pitchFamily="34" charset="0"/>
               </a:rPr>
-              <a:t>(single page app)</a:t>
+              <a:t>(single page app – </a:t>
+            </a:r>
+            <a:r>
+              <a:rPr lang="it-IT" sz="2000" dirty="0" err="1">
+                <a:latin typeface="Calibri" panose="020F0502020204030204" pitchFamily="34" charset="0"/>
+              </a:rPr>
+              <a:t>Fat</a:t>
+            </a:r>
+            <a:r>
+              <a:rPr lang="it-IT" sz="2000" dirty="0">
+                <a:latin typeface="Calibri" panose="020F0502020204030204" pitchFamily="34" charset="0"/>
+              </a:rPr>
+              <a:t> client)</a:t>
             </a:r>
           </a:p>
           <a:p>
@@ -15660,6 +18514,14 @@
   <p:clrMapOvr>
     <a:masterClrMapping/>
   </p:clrMapOvr>
+  <mc:AlternateContent xmlns:mc="http://schemas.openxmlformats.org/markup-compatibility/2006">
+    <mc:Choice xmlns:p14="http://schemas.microsoft.com/office/powerpoint/2010/main" Requires="p14">
+      <p:transition spd="slow" p14:dur="2000" advTm="15618"/>
+    </mc:Choice>
+    <mc:Fallback>
+      <p:transition spd="slow" advTm="15618"/>
+    </mc:Fallback>
+  </mc:AlternateContent>
 </p:sld>
 </file>
 
@@ -15752,7 +18614,7 @@
               <a:rPr lang="it-IT" smtClean="0"/>
               <a:t>17</a:t>
             </a:fld>
-            <a:endParaRPr lang="it-IT"/>
+            <a:endParaRPr lang="it-IT" dirty="0"/>
           </a:p>
         </p:txBody>
       </p:sp>
@@ -16308,6 +19170,14 @@
   <p:clrMapOvr>
     <a:masterClrMapping/>
   </p:clrMapOvr>
+  <mc:AlternateContent xmlns:mc="http://schemas.openxmlformats.org/markup-compatibility/2006">
+    <mc:Choice xmlns:p14="http://schemas.microsoft.com/office/powerpoint/2010/main" Requires="p14">
+      <p:transition spd="slow" p14:dur="2000" advTm="28084"/>
+    </mc:Choice>
+    <mc:Fallback>
+      <p:transition spd="slow" advTm="28084"/>
+    </mc:Fallback>
+  </mc:AlternateContent>
 </p:sld>
 </file>
 
@@ -16828,6 +19698,14 @@
   <p:clrMapOvr>
     <a:masterClrMapping/>
   </p:clrMapOvr>
+  <mc:AlternateContent xmlns:mc="http://schemas.openxmlformats.org/markup-compatibility/2006">
+    <mc:Choice xmlns:p14="http://schemas.microsoft.com/office/powerpoint/2010/main" Requires="p14">
+      <p:transition spd="slow" p14:dur="2000" advTm="27538"/>
+    </mc:Choice>
+    <mc:Fallback>
+      <p:transition spd="slow" advTm="27538"/>
+    </mc:Fallback>
+  </mc:AlternateContent>
 </p:sld>
 </file>
 
@@ -17318,7 +20196,7 @@
         <p:spPr>
           <a:xfrm>
             <a:off x="3001496" y="3620948"/>
-            <a:ext cx="6094378" cy="400110"/>
+            <a:ext cx="2578503" cy="400110"/>
           </a:xfrm>
           <a:prstGeom prst="rect">
             <a:avLst/>
@@ -17618,6 +20496,14 @@
   <p:clrMapOvr>
     <a:masterClrMapping/>
   </p:clrMapOvr>
+  <mc:AlternateContent xmlns:mc="http://schemas.openxmlformats.org/markup-compatibility/2006">
+    <mc:Choice xmlns:p14="http://schemas.microsoft.com/office/powerpoint/2010/main" Requires="p14">
+      <p:transition spd="slow" p14:dur="2000" advTm="47021"/>
+    </mc:Choice>
+    <mc:Fallback>
+      <p:transition spd="slow" advTm="47021"/>
+    </mc:Fallback>
+  </mc:AlternateContent>
 </p:sld>
 </file>
 
@@ -18425,6 +21311,14 @@
   <p:clrMapOvr>
     <a:masterClrMapping/>
   </p:clrMapOvr>
+  <mc:AlternateContent xmlns:mc="http://schemas.openxmlformats.org/markup-compatibility/2006">
+    <mc:Choice xmlns:p14="http://schemas.microsoft.com/office/powerpoint/2010/main" Requires="p14">
+      <p:transition spd="slow" p14:dur="2000" advTm="34083"/>
+    </mc:Choice>
+    <mc:Fallback>
+      <p:transition spd="slow" advTm="34083"/>
+    </mc:Fallback>
+  </mc:AlternateContent>
 </p:sld>
 </file>
 
@@ -18972,6 +21866,14 @@
   <p:clrMapOvr>
     <a:masterClrMapping/>
   </p:clrMapOvr>
+  <mc:AlternateContent xmlns:mc="http://schemas.openxmlformats.org/markup-compatibility/2006">
+    <mc:Choice xmlns:p14="http://schemas.microsoft.com/office/powerpoint/2010/main" Requires="p14">
+      <p:transition spd="slow" p14:dur="2000" advTm="26989"/>
+    </mc:Choice>
+    <mc:Fallback>
+      <p:transition spd="slow" advTm="26989"/>
+    </mc:Fallback>
+  </mc:AlternateContent>
 </p:sld>
 </file>
 
@@ -20108,6 +23010,14 @@
   <p:clrMapOvr>
     <a:masterClrMapping/>
   </p:clrMapOvr>
+  <mc:AlternateContent xmlns:mc="http://schemas.openxmlformats.org/markup-compatibility/2006">
+    <mc:Choice xmlns:p14="http://schemas.microsoft.com/office/powerpoint/2010/main" Requires="p14">
+      <p:transition spd="slow" p14:dur="2000" advTm="58973"/>
+    </mc:Choice>
+    <mc:Fallback>
+      <p:transition spd="slow" advTm="58973"/>
+    </mc:Fallback>
+  </mc:AlternateContent>
 </p:sld>
 </file>
 
@@ -20516,6 +23426,14 @@
   <p:clrMapOvr>
     <a:masterClrMapping/>
   </p:clrMapOvr>
+  <mc:AlternateContent xmlns:mc="http://schemas.openxmlformats.org/markup-compatibility/2006">
+    <mc:Choice xmlns:p14="http://schemas.microsoft.com/office/powerpoint/2010/main" Requires="p14">
+      <p:transition spd="slow" p14:dur="2000" advTm="7507"/>
+    </mc:Choice>
+    <mc:Fallback>
+      <p:transition spd="slow" advTm="7507"/>
+    </mc:Fallback>
+  </mc:AlternateContent>
 </p:sld>
 </file>
 
@@ -21314,6 +24232,14 @@
   <p:clrMapOvr>
     <a:masterClrMapping/>
   </p:clrMapOvr>
+  <mc:AlternateContent xmlns:mc="http://schemas.openxmlformats.org/markup-compatibility/2006">
+    <mc:Choice xmlns:p14="http://schemas.microsoft.com/office/powerpoint/2010/main" Requires="p14">
+      <p:transition spd="slow" p14:dur="2000" advTm="19269"/>
+    </mc:Choice>
+    <mc:Fallback>
+      <p:transition spd="slow" advTm="19269"/>
+    </mc:Fallback>
+  </mc:AlternateContent>
 </p:sld>
 </file>
 
@@ -21644,6 +24570,14 @@
   <p:clrMapOvr>
     <a:masterClrMapping/>
   </p:clrMapOvr>
+  <mc:AlternateContent xmlns:mc="http://schemas.openxmlformats.org/markup-compatibility/2006">
+    <mc:Choice xmlns:p14="http://schemas.microsoft.com/office/powerpoint/2010/main" Requires="p14">
+      <p:transition spd="slow" p14:dur="2000" advTm="14806"/>
+    </mc:Choice>
+    <mc:Fallback>
+      <p:transition spd="slow" advTm="14806"/>
+    </mc:Fallback>
+  </mc:AlternateContent>
 </p:sld>
 </file>
 
@@ -22109,6 +25043,14 @@
   <p:clrMapOvr>
     <a:masterClrMapping/>
   </p:clrMapOvr>
+  <mc:AlternateContent xmlns:mc="http://schemas.openxmlformats.org/markup-compatibility/2006">
+    <mc:Choice xmlns:p14="http://schemas.microsoft.com/office/powerpoint/2010/main" Requires="p14">
+      <p:transition spd="slow" p14:dur="2000" advTm="5522"/>
+    </mc:Choice>
+    <mc:Fallback>
+      <p:transition spd="slow" advTm="5522"/>
+    </mc:Fallback>
+  </mc:AlternateContent>
 </p:sld>
 </file>
 
@@ -23523,6 +26465,14 @@
   <p:clrMapOvr>
     <a:masterClrMapping/>
   </p:clrMapOvr>
+  <mc:AlternateContent xmlns:mc="http://schemas.openxmlformats.org/markup-compatibility/2006">
+    <mc:Choice xmlns:p14="http://schemas.microsoft.com/office/powerpoint/2010/main" Requires="p14">
+      <p:transition spd="slow" p14:dur="2000" advTm="22049"/>
+    </mc:Choice>
+    <mc:Fallback>
+      <p:transition spd="slow" advTm="22049"/>
+    </mc:Fallback>
+  </mc:AlternateContent>
 </p:sld>
 </file>
 
@@ -24822,7 +27772,7 @@
         </p:nvSpPr>
         <p:spPr>
           <a:xfrm>
-            <a:off x="3187995" y="1941093"/>
+            <a:off x="3187995" y="1956333"/>
             <a:ext cx="3526684" cy="553998"/>
           </a:xfrm>
           <a:prstGeom prst="rect">
@@ -24922,7 +27872,7 @@
         </p:nvSpPr>
         <p:spPr>
           <a:xfrm>
-            <a:off x="2793115" y="2448357"/>
+            <a:off x="2793115" y="2471217"/>
             <a:ext cx="3611886" cy="246221"/>
           </a:xfrm>
           <a:prstGeom prst="rect">
@@ -24966,7 +27916,7 @@
         </p:nvSpPr>
         <p:spPr>
           <a:xfrm>
-            <a:off x="2626746" y="2660354"/>
+            <a:off x="2626746" y="2675594"/>
             <a:ext cx="3732112" cy="400110"/>
           </a:xfrm>
           <a:prstGeom prst="rect">
@@ -26102,6 +29052,9 @@
         </p:txBody>
       </p:sp>
     </p:spTree>
+    <p:custDataLst>
+      <p:tags r:id="rId1"/>
+    </p:custDataLst>
     <p:extLst>
       <p:ext uri="{BB962C8B-B14F-4D97-AF65-F5344CB8AC3E}">
         <p14:creationId xmlns:p14="http://schemas.microsoft.com/office/powerpoint/2010/main" val="1879856846"/>
@@ -26111,6 +29064,14 @@
   <p:clrMapOvr>
     <a:masterClrMapping/>
   </p:clrMapOvr>
+  <mc:AlternateContent xmlns:mc="http://schemas.openxmlformats.org/markup-compatibility/2006">
+    <mc:Choice xmlns:p14="http://schemas.microsoft.com/office/powerpoint/2010/main" Requires="p14">
+      <p:transition spd="slow" p14:dur="2000" advTm="40249"/>
+    </mc:Choice>
+    <mc:Fallback>
+      <p:transition spd="slow" advTm="40249"/>
+    </mc:Fallback>
+  </mc:AlternateContent>
   <p:timing>
     <p:tnLst>
       <p:par>
@@ -26139,7 +29100,7 @@
                                   <p:childTnLst>
                                     <p:animClr clrSpc="rgb" dir="cw">
                                       <p:cBhvr>
-                                        <p:cTn id="6" dur="2000" fill="hold"/>
+                                        <p:cTn id="6" dur="500" fill="hold"/>
                                         <p:tgtEl>
                                           <p:spTgt spid="14"/>
                                         </p:tgtEl>
@@ -26153,7 +29114,7 @@
                                     </p:animClr>
                                     <p:set>
                                       <p:cBhvr>
-                                        <p:cTn id="7" dur="2000" fill="hold"/>
+                                        <p:cTn id="7" dur="500" fill="hold"/>
                                         <p:tgtEl>
                                           <p:spTgt spid="14"/>
                                         </p:tgtEl>
@@ -26168,33 +29129,15 @@
                                   </p:childTnLst>
                                 </p:cTn>
                               </p:par>
-                            </p:childTnLst>
-                          </p:cTn>
-                        </p:par>
-                      </p:childTnLst>
-                    </p:cTn>
-                  </p:par>
-                  <p:par>
-                    <p:cTn id="8" fill="hold">
-                      <p:stCondLst>
-                        <p:cond delay="indefinite"/>
-                      </p:stCondLst>
-                      <p:childTnLst>
-                        <p:par>
-                          <p:cTn id="9" fill="hold">
-                            <p:stCondLst>
-                              <p:cond delay="0"/>
-                            </p:stCondLst>
-                            <p:childTnLst>
                               <p:par>
-                                <p:cTn id="10" presetID="7" presetClass="emph" presetSubtype="2" fill="hold" nodeType="clickEffect">
+                                <p:cTn id="8" presetID="7" presetClass="emph" presetSubtype="2" fill="hold" nodeType="withEffect">
                                   <p:stCondLst>
                                     <p:cond delay="0"/>
                                   </p:stCondLst>
                                   <p:childTnLst>
                                     <p:animClr clrSpc="rgb" dir="cw">
                                       <p:cBhvr>
-                                        <p:cTn id="11" dur="2000" fill="hold"/>
+                                        <p:cTn id="9" dur="500" fill="hold"/>
                                         <p:tgtEl>
                                           <p:spTgt spid="15"/>
                                         </p:tgtEl>
@@ -26208,7 +29151,7 @@
                                     </p:animClr>
                                     <p:set>
                                       <p:cBhvr>
-                                        <p:cTn id="12" dur="2000" fill="hold"/>
+                                        <p:cTn id="10" dur="500" fill="hold"/>
                                         <p:tgtEl>
                                           <p:spTgt spid="15"/>
                                         </p:tgtEl>
@@ -26223,33 +29166,15 @@
                                   </p:childTnLst>
                                 </p:cTn>
                               </p:par>
-                            </p:childTnLst>
-                          </p:cTn>
-                        </p:par>
-                      </p:childTnLst>
-                    </p:cTn>
-                  </p:par>
-                  <p:par>
-                    <p:cTn id="13" fill="hold">
-                      <p:stCondLst>
-                        <p:cond delay="indefinite"/>
-                      </p:stCondLst>
-                      <p:childTnLst>
-                        <p:par>
-                          <p:cTn id="14" fill="hold">
-                            <p:stCondLst>
-                              <p:cond delay="0"/>
-                            </p:stCondLst>
-                            <p:childTnLst>
                               <p:par>
-                                <p:cTn id="15" presetID="7" presetClass="emph" presetSubtype="2" fill="hold" nodeType="clickEffect">
+                                <p:cTn id="11" presetID="7" presetClass="emph" presetSubtype="2" fill="hold" nodeType="withEffect">
                                   <p:stCondLst>
                                     <p:cond delay="0"/>
                                   </p:stCondLst>
                                   <p:childTnLst>
                                     <p:animClr clrSpc="rgb" dir="cw">
                                       <p:cBhvr>
-                                        <p:cTn id="16" dur="2000" fill="hold"/>
+                                        <p:cTn id="12" dur="500" fill="hold"/>
                                         <p:tgtEl>
                                           <p:spTgt spid="36"/>
                                         </p:tgtEl>
@@ -26263,7 +29188,7 @@
                                     </p:animClr>
                                     <p:set>
                                       <p:cBhvr>
-                                        <p:cTn id="17" dur="2000" fill="hold"/>
+                                        <p:cTn id="13" dur="500" fill="hold"/>
                                         <p:tgtEl>
                                           <p:spTgt spid="36"/>
                                         </p:tgtEl>
@@ -26285,26 +29210,26 @@
                     </p:cTn>
                   </p:par>
                   <p:par>
-                    <p:cTn id="18" fill="hold">
+                    <p:cTn id="14" fill="hold">
                       <p:stCondLst>
                         <p:cond delay="indefinite"/>
                       </p:stCondLst>
                       <p:childTnLst>
                         <p:par>
-                          <p:cTn id="19" fill="hold">
+                          <p:cTn id="15" fill="hold">
                             <p:stCondLst>
                               <p:cond delay="0"/>
                             </p:stCondLst>
                             <p:childTnLst>
                               <p:par>
-                                <p:cTn id="20" presetID="7" presetClass="emph" presetSubtype="2" fill="hold" nodeType="clickEffect">
+                                <p:cTn id="16" presetID="7" presetClass="emph" presetSubtype="2" fill="hold" nodeType="clickEffect">
                                   <p:stCondLst>
                                     <p:cond delay="0"/>
                                   </p:stCondLst>
                                   <p:childTnLst>
                                     <p:animClr clrSpc="rgb" dir="cw">
                                       <p:cBhvr>
-                                        <p:cTn id="21" dur="2000" fill="hold"/>
+                                        <p:cTn id="17" dur="500" fill="hold"/>
                                         <p:tgtEl>
                                           <p:spTgt spid="20"/>
                                         </p:tgtEl>
@@ -26318,7 +29243,7 @@
                                     </p:animClr>
                                     <p:set>
                                       <p:cBhvr>
-                                        <p:cTn id="22" dur="2000" fill="hold"/>
+                                        <p:cTn id="18" dur="500" fill="hold"/>
                                         <p:tgtEl>
                                           <p:spTgt spid="20"/>
                                         </p:tgtEl>
@@ -26333,33 +29258,15 @@
                                   </p:childTnLst>
                                 </p:cTn>
                               </p:par>
-                            </p:childTnLst>
-                          </p:cTn>
-                        </p:par>
-                      </p:childTnLst>
-                    </p:cTn>
-                  </p:par>
-                  <p:par>
-                    <p:cTn id="23" fill="hold">
-                      <p:stCondLst>
-                        <p:cond delay="indefinite"/>
-                      </p:stCondLst>
-                      <p:childTnLst>
-                        <p:par>
-                          <p:cTn id="24" fill="hold">
-                            <p:stCondLst>
-                              <p:cond delay="0"/>
-                            </p:stCondLst>
-                            <p:childTnLst>
                               <p:par>
-                                <p:cTn id="25" presetID="7" presetClass="emph" presetSubtype="2" fill="hold" nodeType="clickEffect">
+                                <p:cTn id="19" presetID="7" presetClass="emph" presetSubtype="2" fill="hold" nodeType="withEffect">
                                   <p:stCondLst>
                                     <p:cond delay="0"/>
                                   </p:stCondLst>
                                   <p:childTnLst>
                                     <p:animClr clrSpc="rgb" dir="cw">
                                       <p:cBhvr>
-                                        <p:cTn id="26" dur="2000" fill="hold"/>
+                                        <p:cTn id="20" dur="500" fill="hold"/>
                                         <p:tgtEl>
                                           <p:spTgt spid="23"/>
                                         </p:tgtEl>
@@ -26373,7 +29280,7 @@
                                     </p:animClr>
                                     <p:set>
                                       <p:cBhvr>
-                                        <p:cTn id="27" dur="2000" fill="hold"/>
+                                        <p:cTn id="21" dur="500" fill="hold"/>
                                         <p:tgtEl>
                                           <p:spTgt spid="23"/>
                                         </p:tgtEl>
@@ -26388,33 +29295,15 @@
                                   </p:childTnLst>
                                 </p:cTn>
                               </p:par>
-                            </p:childTnLst>
-                          </p:cTn>
-                        </p:par>
-                      </p:childTnLst>
-                    </p:cTn>
-                  </p:par>
-                  <p:par>
-                    <p:cTn id="28" fill="hold">
-                      <p:stCondLst>
-                        <p:cond delay="indefinite"/>
-                      </p:stCondLst>
-                      <p:childTnLst>
-                        <p:par>
-                          <p:cTn id="29" fill="hold">
-                            <p:stCondLst>
-                              <p:cond delay="0"/>
-                            </p:stCondLst>
-                            <p:childTnLst>
                               <p:par>
-                                <p:cTn id="30" presetID="7" presetClass="emph" presetSubtype="2" fill="hold" nodeType="clickEffect">
+                                <p:cTn id="22" presetID="7" presetClass="emph" presetSubtype="2" fill="hold" nodeType="withEffect">
                                   <p:stCondLst>
                                     <p:cond delay="0"/>
                                   </p:stCondLst>
                                   <p:childTnLst>
                                     <p:animClr clrSpc="rgb" dir="cw">
                                       <p:cBhvr>
-                                        <p:cTn id="31" dur="2000" fill="hold"/>
+                                        <p:cTn id="23" dur="500" fill="hold"/>
                                         <p:tgtEl>
                                           <p:spTgt spid="24"/>
                                         </p:tgtEl>
@@ -26428,7 +29317,7 @@
                                     </p:animClr>
                                     <p:set>
                                       <p:cBhvr>
-                                        <p:cTn id="32" dur="2000" fill="hold"/>
+                                        <p:cTn id="24" dur="500" fill="hold"/>
                                         <p:tgtEl>
                                           <p:spTgt spid="24"/>
                                         </p:tgtEl>
@@ -26443,33 +29332,15 @@
                                   </p:childTnLst>
                                 </p:cTn>
                               </p:par>
-                            </p:childTnLst>
-                          </p:cTn>
-                        </p:par>
-                      </p:childTnLst>
-                    </p:cTn>
-                  </p:par>
-                  <p:par>
-                    <p:cTn id="33" fill="hold">
-                      <p:stCondLst>
-                        <p:cond delay="indefinite"/>
-                      </p:stCondLst>
-                      <p:childTnLst>
-                        <p:par>
-                          <p:cTn id="34" fill="hold">
-                            <p:stCondLst>
-                              <p:cond delay="0"/>
-                            </p:stCondLst>
-                            <p:childTnLst>
                               <p:par>
-                                <p:cTn id="35" presetID="7" presetClass="emph" presetSubtype="2" fill="hold" nodeType="clickEffect">
+                                <p:cTn id="25" presetID="7" presetClass="emph" presetSubtype="2" fill="hold" nodeType="withEffect">
                                   <p:stCondLst>
                                     <p:cond delay="0"/>
                                   </p:stCondLst>
                                   <p:childTnLst>
                                     <p:animClr clrSpc="rgb" dir="cw">
                                       <p:cBhvr>
-                                        <p:cTn id="36" dur="2000" fill="hold"/>
+                                        <p:cTn id="26" dur="500" fill="hold"/>
                                         <p:tgtEl>
                                           <p:spTgt spid="28"/>
                                         </p:tgtEl>
@@ -26483,7 +29354,7 @@
                                     </p:animClr>
                                     <p:set>
                                       <p:cBhvr>
-                                        <p:cTn id="37" dur="2000" fill="hold"/>
+                                        <p:cTn id="27" dur="500" fill="hold"/>
                                         <p:tgtEl>
                                           <p:spTgt spid="28"/>
                                         </p:tgtEl>
@@ -26498,33 +29369,15 @@
                                   </p:childTnLst>
                                 </p:cTn>
                               </p:par>
-                            </p:childTnLst>
-                          </p:cTn>
-                        </p:par>
-                      </p:childTnLst>
-                    </p:cTn>
-                  </p:par>
-                  <p:par>
-                    <p:cTn id="38" fill="hold">
-                      <p:stCondLst>
-                        <p:cond delay="indefinite"/>
-                      </p:stCondLst>
-                      <p:childTnLst>
-                        <p:par>
-                          <p:cTn id="39" fill="hold">
-                            <p:stCondLst>
-                              <p:cond delay="0"/>
-                            </p:stCondLst>
-                            <p:childTnLst>
                               <p:par>
-                                <p:cTn id="40" presetID="7" presetClass="emph" presetSubtype="2" fill="hold" nodeType="clickEffect">
+                                <p:cTn id="28" presetID="7" presetClass="emph" presetSubtype="2" fill="hold" nodeType="withEffect">
                                   <p:stCondLst>
                                     <p:cond delay="0"/>
                                   </p:stCondLst>
                                   <p:childTnLst>
                                     <p:animClr clrSpc="rgb" dir="cw">
                                       <p:cBhvr>
-                                        <p:cTn id="41" dur="2000" fill="hold"/>
+                                        <p:cTn id="29" dur="500" fill="hold"/>
                                         <p:tgtEl>
                                           <p:spTgt spid="38"/>
                                         </p:tgtEl>
@@ -26538,7 +29391,7 @@
                                     </p:animClr>
                                     <p:set>
                                       <p:cBhvr>
-                                        <p:cTn id="42" dur="2000" fill="hold"/>
+                                        <p:cTn id="30" dur="500" fill="hold"/>
                                         <p:tgtEl>
                                           <p:spTgt spid="38"/>
                                         </p:tgtEl>
@@ -26553,33 +29406,15 @@
                                   </p:childTnLst>
                                 </p:cTn>
                               </p:par>
-                            </p:childTnLst>
-                          </p:cTn>
-                        </p:par>
-                      </p:childTnLst>
-                    </p:cTn>
-                  </p:par>
-                  <p:par>
-                    <p:cTn id="43" fill="hold">
-                      <p:stCondLst>
-                        <p:cond delay="indefinite"/>
-                      </p:stCondLst>
-                      <p:childTnLst>
-                        <p:par>
-                          <p:cTn id="44" fill="hold">
-                            <p:stCondLst>
-                              <p:cond delay="0"/>
-                            </p:stCondLst>
-                            <p:childTnLst>
                               <p:par>
-                                <p:cTn id="45" presetID="7" presetClass="emph" presetSubtype="2" fill="hold" nodeType="clickEffect">
+                                <p:cTn id="31" presetID="7" presetClass="emph" presetSubtype="2" fill="hold" nodeType="withEffect">
                                   <p:stCondLst>
                                     <p:cond delay="0"/>
                                   </p:stCondLst>
                                   <p:childTnLst>
                                     <p:animClr clrSpc="rgb" dir="cw">
                                       <p:cBhvr>
-                                        <p:cTn id="46" dur="2000" fill="hold"/>
+                                        <p:cTn id="32" dur="500" fill="hold"/>
                                         <p:tgtEl>
                                           <p:spTgt spid="54"/>
                                         </p:tgtEl>
@@ -26593,7 +29428,7 @@
                                     </p:animClr>
                                     <p:set>
                                       <p:cBhvr>
-                                        <p:cTn id="47" dur="2000" fill="hold"/>
+                                        <p:cTn id="33" dur="500" fill="hold"/>
                                         <p:tgtEl>
                                           <p:spTgt spid="54"/>
                                         </p:tgtEl>
@@ -26608,33 +29443,15 @@
                                   </p:childTnLst>
                                 </p:cTn>
                               </p:par>
-                            </p:childTnLst>
-                          </p:cTn>
-                        </p:par>
-                      </p:childTnLst>
-                    </p:cTn>
-                  </p:par>
-                  <p:par>
-                    <p:cTn id="48" fill="hold">
-                      <p:stCondLst>
-                        <p:cond delay="indefinite"/>
-                      </p:stCondLst>
-                      <p:childTnLst>
-                        <p:par>
-                          <p:cTn id="49" fill="hold">
-                            <p:stCondLst>
-                              <p:cond delay="0"/>
-                            </p:stCondLst>
-                            <p:childTnLst>
                               <p:par>
-                                <p:cTn id="50" presetID="7" presetClass="emph" presetSubtype="2" fill="hold" nodeType="clickEffect">
+                                <p:cTn id="34" presetID="7" presetClass="emph" presetSubtype="2" fill="hold" nodeType="withEffect">
                                   <p:stCondLst>
                                     <p:cond delay="0"/>
                                   </p:stCondLst>
                                   <p:childTnLst>
                                     <p:animClr clrSpc="rgb" dir="cw">
                                       <p:cBhvr>
-                                        <p:cTn id="51" dur="2000" fill="hold"/>
+                                        <p:cTn id="35" dur="500" fill="hold"/>
                                         <p:tgtEl>
                                           <p:spTgt spid="66"/>
                                         </p:tgtEl>
@@ -26648,7 +29465,7 @@
                                     </p:animClr>
                                     <p:set>
                                       <p:cBhvr>
-                                        <p:cTn id="52" dur="2000" fill="hold"/>
+                                        <p:cTn id="36" dur="500" fill="hold"/>
                                         <p:tgtEl>
                                           <p:spTgt spid="66"/>
                                         </p:tgtEl>
@@ -26670,26 +29487,26 @@
                     </p:cTn>
                   </p:par>
                   <p:par>
-                    <p:cTn id="53" fill="hold">
+                    <p:cTn id="37" fill="hold">
                       <p:stCondLst>
                         <p:cond delay="indefinite"/>
                       </p:stCondLst>
                       <p:childTnLst>
                         <p:par>
-                          <p:cTn id="54" fill="hold">
+                          <p:cTn id="38" fill="hold">
                             <p:stCondLst>
                               <p:cond delay="0"/>
                             </p:stCondLst>
                             <p:childTnLst>
                               <p:par>
-                                <p:cTn id="55" presetID="7" presetClass="emph" presetSubtype="2" fill="hold" nodeType="clickEffect">
+                                <p:cTn id="39" presetID="7" presetClass="emph" presetSubtype="2" fill="hold" nodeType="clickEffect">
                                   <p:stCondLst>
                                     <p:cond delay="0"/>
                                   </p:stCondLst>
                                   <p:childTnLst>
                                     <p:animClr clrSpc="rgb" dir="cw">
                                       <p:cBhvr>
-                                        <p:cTn id="56" dur="2000" fill="hold"/>
+                                        <p:cTn id="40" dur="500" fill="hold"/>
                                         <p:tgtEl>
                                           <p:spTgt spid="52"/>
                                         </p:tgtEl>
@@ -26703,7 +29520,7 @@
                                     </p:animClr>
                                     <p:set>
                                       <p:cBhvr>
-                                        <p:cTn id="57" dur="2000" fill="hold"/>
+                                        <p:cTn id="41" dur="500" fill="hold"/>
                                         <p:tgtEl>
                                           <p:spTgt spid="52"/>
                                         </p:tgtEl>
@@ -26725,26 +29542,26 @@
                     </p:cTn>
                   </p:par>
                   <p:par>
-                    <p:cTn id="58" fill="hold">
+                    <p:cTn id="42" fill="hold">
                       <p:stCondLst>
                         <p:cond delay="indefinite"/>
                       </p:stCondLst>
                       <p:childTnLst>
                         <p:par>
-                          <p:cTn id="59" fill="hold">
+                          <p:cTn id="43" fill="hold">
                             <p:stCondLst>
                               <p:cond delay="0"/>
                             </p:stCondLst>
                             <p:childTnLst>
                               <p:par>
-                                <p:cTn id="60" presetID="7" presetClass="emph" presetSubtype="2" fill="hold" nodeType="clickEffect">
+                                <p:cTn id="44" presetID="7" presetClass="emph" presetSubtype="2" fill="hold" nodeType="clickEffect">
                                   <p:stCondLst>
                                     <p:cond delay="0"/>
                                   </p:stCondLst>
                                   <p:childTnLst>
                                     <p:animClr clrSpc="rgb" dir="cw">
                                       <p:cBhvr>
-                                        <p:cTn id="61" dur="2000" fill="hold"/>
+                                        <p:cTn id="45" dur="500" fill="hold"/>
                                         <p:tgtEl>
                                           <p:spTgt spid="40"/>
                                         </p:tgtEl>
@@ -26758,7 +29575,7 @@
                                     </p:animClr>
                                     <p:set>
                                       <p:cBhvr>
-                                        <p:cTn id="62" dur="2000" fill="hold"/>
+                                        <p:cTn id="46" dur="500" fill="hold"/>
                                         <p:tgtEl>
                                           <p:spTgt spid="40"/>
                                         </p:tgtEl>
@@ -26773,33 +29590,15 @@
                                   </p:childTnLst>
                                 </p:cTn>
                               </p:par>
-                            </p:childTnLst>
-                          </p:cTn>
-                        </p:par>
-                      </p:childTnLst>
-                    </p:cTn>
-                  </p:par>
-                  <p:par>
-                    <p:cTn id="63" fill="hold">
-                      <p:stCondLst>
-                        <p:cond delay="indefinite"/>
-                      </p:stCondLst>
-                      <p:childTnLst>
-                        <p:par>
-                          <p:cTn id="64" fill="hold">
-                            <p:stCondLst>
-                              <p:cond delay="0"/>
-                            </p:stCondLst>
-                            <p:childTnLst>
                               <p:par>
-                                <p:cTn id="65" presetID="7" presetClass="emph" presetSubtype="2" fill="hold" nodeType="clickEffect">
+                                <p:cTn id="47" presetID="7" presetClass="emph" presetSubtype="2" fill="hold" nodeType="withEffect">
                                   <p:stCondLst>
                                     <p:cond delay="0"/>
                                   </p:stCondLst>
                                   <p:childTnLst>
                                     <p:animClr clrSpc="rgb" dir="cw">
                                       <p:cBhvr>
-                                        <p:cTn id="66" dur="2000" fill="hold"/>
+                                        <p:cTn id="48" dur="500" fill="hold"/>
                                         <p:tgtEl>
                                           <p:spTgt spid="42"/>
                                         </p:tgtEl>
@@ -26813,7 +29612,7 @@
                                     </p:animClr>
                                     <p:set>
                                       <p:cBhvr>
-                                        <p:cTn id="67" dur="2000" fill="hold"/>
+                                        <p:cTn id="49" dur="500" fill="hold"/>
                                         <p:tgtEl>
                                           <p:spTgt spid="42"/>
                                         </p:tgtEl>
@@ -26971,7 +29770,7 @@
           <p:nvPr/>
         </p:nvPicPr>
         <p:blipFill>
-          <a:blip r:embed="rId3">
+          <a:blip r:embed="rId4">
             <a:extLst>
               <a:ext uri="{28A0092B-C50C-407E-A947-70E740481C1C}">
                 <a14:useLocalDpi xmlns:a14="http://schemas.microsoft.com/office/drawing/2010/main" val="0"/>
@@ -27448,13 +30247,13 @@
           <p:nvPr/>
         </p:nvPicPr>
         <p:blipFill>
-          <a:blip r:embed="rId4">
+          <a:blip r:embed="rId5">
             <a:extLst>
               <a:ext uri="{28A0092B-C50C-407E-A947-70E740481C1C}">
                 <a14:useLocalDpi xmlns:a14="http://schemas.microsoft.com/office/drawing/2010/main" val="0"/>
               </a:ext>
               <a:ext uri="{96DAC541-7B7A-43D3-8B79-37D633B846F1}">
-                <asvg:svgBlip xmlns:asvg="http://schemas.microsoft.com/office/drawing/2016/SVG/main" r:embed="rId5"/>
+                <asvg:svgBlip xmlns:asvg="http://schemas.microsoft.com/office/drawing/2016/SVG/main" r:embed="rId6"/>
               </a:ext>
             </a:extLst>
           </a:blip>
@@ -27721,6 +30520,9 @@
         </p:style>
       </p:cxnSp>
     </p:spTree>
+    <p:custDataLst>
+      <p:tags r:id="rId1"/>
+    </p:custDataLst>
     <p:extLst>
       <p:ext uri="{BB962C8B-B14F-4D97-AF65-F5344CB8AC3E}">
         <p14:creationId xmlns:p14="http://schemas.microsoft.com/office/powerpoint/2010/main" val="1851126680"/>
@@ -27730,6 +30532,14 @@
   <p:clrMapOvr>
     <a:masterClrMapping/>
   </p:clrMapOvr>
+  <mc:AlternateContent xmlns:mc="http://schemas.openxmlformats.org/markup-compatibility/2006">
+    <mc:Choice xmlns:p14="http://schemas.microsoft.com/office/powerpoint/2010/main" Requires="p14">
+      <p:transition spd="slow" p14:dur="2000" advTm="50476"/>
+    </mc:Choice>
+    <mc:Fallback>
+      <p:transition spd="slow" advTm="50476"/>
+    </mc:Fallback>
+  </mc:AlternateContent>
   <p:timing>
     <p:tnLst>
       <p:par>
@@ -28270,7 +31080,7 @@
               <a:rPr lang="it-IT" smtClean="0"/>
               <a:t>7</a:t>
             </a:fld>
-            <a:endParaRPr lang="it-IT"/>
+            <a:endParaRPr lang="it-IT" dirty="0"/>
           </a:p>
         </p:txBody>
       </p:sp>
@@ -28583,8 +31393,8 @@
         </p:nvSpPr>
         <p:spPr>
           <a:xfrm>
-            <a:off x="2173956" y="5392908"/>
-            <a:ext cx="11934323" cy="923330"/>
+            <a:off x="2173957" y="5392908"/>
+            <a:ext cx="11526804" cy="923330"/>
           </a:xfrm>
           <a:prstGeom prst="rect">
             <a:avLst/>
@@ -28715,11 +31525,19 @@
   <p:clrMapOvr>
     <a:masterClrMapping/>
   </p:clrMapOvr>
+  <mc:AlternateContent xmlns:mc="http://schemas.openxmlformats.org/markup-compatibility/2006">
+    <mc:Choice xmlns:p14="http://schemas.microsoft.com/office/powerpoint/2010/main" Requires="p14">
+      <p:transition spd="slow" p14:dur="2000" advTm="18232"/>
+    </mc:Choice>
+    <mc:Fallback>
+      <p:transition spd="slow" advTm="18232"/>
+    </mc:Fallback>
+  </mc:AlternateContent>
 </p:sld>
 </file>
 
 <file path=ppt/slides/slide8.xml><?xml version="1.0" encoding="utf-8"?>
-<p:sld xmlns:a="http://schemas.openxmlformats.org/drawingml/2006/main" xmlns:r="http://schemas.openxmlformats.org/officeDocument/2006/relationships" xmlns:p="http://schemas.openxmlformats.org/presentationml/2006/main">
+<p:sld xmlns:a="http://schemas.openxmlformats.org/drawingml/2006/main" xmlns:r="http://schemas.openxmlformats.org/officeDocument/2006/relationships" xmlns:p="http://schemas.openxmlformats.org/presentationml/2006/main" show="0">
   <p:cSld>
     <p:spTree>
       <p:nvGrpSpPr>
@@ -28852,12 +31670,8 @@
           <a:lstStyle/>
           <a:p>
             <a:r>
-              <a:rPr lang="en-US" dirty="0" err="1"/>
-              <a:t>Taceability</a:t>
-            </a:r>
-            <a:r>
               <a:rPr lang="en-US" dirty="0"/>
-              <a:t> matrix:</a:t>
+              <a:t>Traceability matrix:</a:t>
             </a:r>
             <a:endParaRPr lang="it-IT" dirty="0"/>
           </a:p>
@@ -33848,7 +36662,27 @@
   <p:clrMapOvr>
     <a:masterClrMapping/>
   </p:clrMapOvr>
+  <mc:AlternateContent xmlns:mc="http://schemas.openxmlformats.org/markup-compatibility/2006">
+    <mc:Choice xmlns:p14="http://schemas.microsoft.com/office/powerpoint/2010/main" Requires="p14">
+      <p:transition spd="slow" p14:dur="2000" advTm="45699"/>
+    </mc:Choice>
+    <mc:Fallback>
+      <p:transition spd="slow" advTm="45699"/>
+    </mc:Fallback>
+  </mc:AlternateContent>
 </p:sld>
+</file>
+
+<file path=ppt/tags/tag1.xml><?xml version="1.0" encoding="utf-8"?>
+<p:tagLst xmlns:a="http://schemas.openxmlformats.org/drawingml/2006/main" xmlns:r="http://schemas.openxmlformats.org/officeDocument/2006/relationships" xmlns:p="http://schemas.openxmlformats.org/presentationml/2006/main">
+  <p:tag name="TIMING" val="|3.4|5.1|13|8.1"/>
+</p:tagLst>
+</file>
+
+<file path=ppt/tags/tag2.xml><?xml version="1.0" encoding="utf-8"?>
+<p:tagLst xmlns:a="http://schemas.openxmlformats.org/drawingml/2006/main" xmlns:r="http://schemas.openxmlformats.org/officeDocument/2006/relationships" xmlns:p="http://schemas.openxmlformats.org/presentationml/2006/main">
+  <p:tag name="TIMING" val="|8.9|11.2|3.7|6.4"/>
+</p:tagLst>
 </file>
 
 <file path=ppt/theme/theme1.xml><?xml version="1.0" encoding="utf-8"?>

--- a/presentation/Presentation - Ferlin Orsenigo Saccani.pptx
+++ b/presentation/Presentation - Ferlin Orsenigo Saccani.pptx
@@ -7319,52 +7319,56 @@
               <a:t> the Build and Test Service </a:t>
             </a:r>
             <a:r>
-              <a:rPr lang="it-IT" dirty="0" err="1"/>
+              <a:rPr lang="it-IT" b="1" dirty="0" err="1"/>
               <a:t>we</a:t>
             </a:r>
             <a:r>
+              <a:rPr lang="it-IT" b="1" dirty="0"/>
+              <a:t> </a:t>
+            </a:r>
+            <a:r>
+              <a:rPr lang="it-IT" b="1" dirty="0" err="1"/>
+              <a:t>decided</a:t>
+            </a:r>
+            <a:r>
+              <a:rPr lang="it-IT" b="1" dirty="0"/>
+              <a:t> to </a:t>
+            </a:r>
+            <a:r>
+              <a:rPr lang="it-IT" b="1" dirty="0" err="1"/>
+              <a:t>adopt</a:t>
+            </a:r>
+            <a:r>
+              <a:rPr lang="it-IT" b="1" dirty="0"/>
+              <a:t> and </a:t>
+            </a:r>
+            <a:r>
+              <a:rPr lang="it-IT" b="1" dirty="0" err="1"/>
+              <a:t>already</a:t>
+            </a:r>
+            <a:r>
+              <a:rPr lang="it-IT" b="1" dirty="0"/>
+              <a:t> </a:t>
+            </a:r>
+            <a:r>
+              <a:rPr lang="it-IT" b="1" dirty="0" err="1"/>
+              <a:t>existing</a:t>
+            </a:r>
+            <a:r>
+              <a:rPr lang="it-IT" b="1" dirty="0"/>
+              <a:t> system </a:t>
+            </a:r>
+            <a:r>
+              <a:rPr lang="it-IT" b="1" dirty="0" err="1"/>
+              <a:t>called</a:t>
+            </a:r>
+            <a:r>
+              <a:rPr lang="it-IT" b="1" dirty="0"/>
+              <a:t> Jenkins</a:t>
+            </a:r>
+            <a:r>
               <a:rPr lang="it-IT" dirty="0"/>
-              <a:t> </a:t>
-            </a:r>
-            <a:r>
-              <a:rPr lang="it-IT" dirty="0" err="1"/>
-              <a:t>decided</a:t>
-            </a:r>
-            <a:r>
-              <a:rPr lang="it-IT" dirty="0"/>
-              <a:t> to </a:t>
-            </a:r>
-            <a:r>
-              <a:rPr lang="it-IT" dirty="0" err="1"/>
-              <a:t>adopt</a:t>
-            </a:r>
-            <a:r>
-              <a:rPr lang="it-IT" dirty="0"/>
-              <a:t> and </a:t>
-            </a:r>
-            <a:r>
-              <a:rPr lang="it-IT" dirty="0" err="1"/>
-              <a:t>already</a:t>
-            </a:r>
-            <a:r>
-              <a:rPr lang="it-IT" dirty="0"/>
-              <a:t> </a:t>
-            </a:r>
-            <a:r>
-              <a:rPr lang="it-IT" dirty="0" err="1"/>
-              <a:t>existing</a:t>
-            </a:r>
-            <a:r>
-              <a:rPr lang="it-IT" dirty="0"/>
-              <a:t> system </a:t>
-            </a:r>
-            <a:r>
-              <a:rPr lang="it-IT" dirty="0" err="1"/>
-              <a:t>called</a:t>
-            </a:r>
-            <a:r>
-              <a:rPr lang="it-IT" dirty="0"/>
-              <a:t> Jenkins.</a:t>
+              <a:t>.</a:t>
             </a:r>
             <a:br>
               <a:rPr lang="it-IT" dirty="0"/>
@@ -7383,11 +7387,39 @@
             </a:r>
             <a:r>
               <a:rPr lang="it-IT" dirty="0"/>
-              <a:t> </a:t>
+              <a:t> Jenkins </a:t>
             </a:r>
             <a:r>
               <a:rPr lang="it-IT" dirty="0" err="1"/>
-              <a:t>it</a:t>
+              <a:t>already</a:t>
+            </a:r>
+            <a:r>
+              <a:rPr lang="it-IT" dirty="0"/>
+              <a:t> supports (</a:t>
+            </a:r>
+            <a:r>
+              <a:rPr lang="it-IT" dirty="0">
+                <a:solidFill>
+                  <a:srgbClr val="FF0000"/>
+                </a:solidFill>
+              </a:rPr>
+              <a:t>with plugins</a:t>
+            </a:r>
+            <a:r>
+              <a:rPr lang="it-IT" dirty="0"/>
+              <a:t>) </a:t>
+            </a:r>
+            <a:r>
+              <a:rPr lang="it-IT" dirty="0" err="1"/>
+              <a:t>most</a:t>
+            </a:r>
+            <a:r>
+              <a:rPr lang="it-IT" dirty="0"/>
+              <a:t> of the programming </a:t>
+            </a:r>
+            <a:r>
+              <a:rPr lang="it-IT" dirty="0" err="1"/>
+              <a:t>languages</a:t>
             </a:r>
             <a:r>
               <a:rPr lang="it-IT" dirty="0"/>
@@ -7395,23 +7427,7 @@
             </a:r>
             <a:r>
               <a:rPr lang="it-IT" dirty="0" err="1"/>
-              <a:t>already</a:t>
-            </a:r>
-            <a:r>
-              <a:rPr lang="it-IT" dirty="0"/>
-              <a:t> supports (with plugins) </a:t>
-            </a:r>
-            <a:r>
-              <a:rPr lang="it-IT" dirty="0" err="1"/>
-              <a:t>most</a:t>
-            </a:r>
-            <a:r>
-              <a:rPr lang="it-IT" dirty="0"/>
-              <a:t> of the programming </a:t>
-            </a:r>
-            <a:r>
-              <a:rPr lang="it-IT" dirty="0" err="1"/>
-              <a:t>languages</a:t>
+              <a:t>that</a:t>
             </a:r>
             <a:r>
               <a:rPr lang="it-IT" dirty="0"/>
@@ -7419,7 +7435,7 @@
             </a:r>
             <a:r>
               <a:rPr lang="it-IT" dirty="0" err="1"/>
-              <a:t>that</a:t>
+              <a:t>might</a:t>
             </a:r>
             <a:r>
               <a:rPr lang="it-IT" dirty="0"/>
@@ -7427,7 +7443,7 @@
             </a:r>
             <a:r>
               <a:rPr lang="it-IT" dirty="0" err="1"/>
-              <a:t>might</a:t>
+              <a:t>get</a:t>
             </a:r>
             <a:r>
               <a:rPr lang="it-IT" dirty="0"/>
@@ -7435,27 +7451,97 @@
             </a:r>
             <a:r>
               <a:rPr lang="it-IT" dirty="0" err="1"/>
-              <a:t>get</a:t>
+              <a:t>used</a:t>
+            </a:r>
+            <a:r>
+              <a:rPr lang="it-IT" dirty="0"/>
+              <a:t> in </a:t>
+            </a:r>
+            <a:r>
+              <a:rPr lang="it-IT" dirty="0" err="1"/>
+              <a:t>battles</a:t>
+            </a:r>
+            <a:r>
+              <a:rPr lang="it-IT" dirty="0"/>
+              <a:t>.</a:t>
+            </a:r>
+            <a:br>
+              <a:rPr lang="it-IT" dirty="0"/>
+            </a:br>
+            <a:endParaRPr lang="it-IT" dirty="0"/>
+          </a:p>
+          <a:p>
+            <a:pPr marL="228600" indent="-228600">
+              <a:buFont typeface="+mj-lt"/>
+              <a:buAutoNum type="arabicPeriod"/>
+            </a:pPr>
+            <a:r>
+              <a:rPr lang="it-IT" dirty="0" err="1"/>
+              <a:t>Additionally</a:t>
             </a:r>
             <a:r>
               <a:rPr lang="it-IT" dirty="0"/>
               <a:t> </a:t>
             </a:r>
             <a:r>
+              <a:rPr lang="it-IT" b="1" dirty="0" err="1"/>
+              <a:t>it</a:t>
+            </a:r>
+            <a:r>
+              <a:rPr lang="it-IT" b="1" dirty="0"/>
+              <a:t> </a:t>
+            </a:r>
+            <a:r>
+              <a:rPr lang="it-IT" b="1" dirty="0" err="1"/>
+              <a:t>already</a:t>
+            </a:r>
+            <a:r>
+              <a:rPr lang="it-IT" b="1" dirty="0"/>
+              <a:t> </a:t>
+            </a:r>
+            <a:r>
+              <a:rPr lang="it-IT" b="1" dirty="0" err="1"/>
+              <a:t>implements</a:t>
+            </a:r>
+            <a:r>
+              <a:rPr lang="it-IT" b="1" dirty="0"/>
+              <a:t> an </a:t>
+            </a:r>
+            <a:r>
+              <a:rPr lang="it-IT" b="1" dirty="0" err="1"/>
+              <a:t>internal</a:t>
+            </a:r>
+            <a:r>
+              <a:rPr lang="it-IT" b="1" dirty="0"/>
+              <a:t> </a:t>
+            </a:r>
+            <a:r>
+              <a:rPr lang="it-IT" b="1" dirty="0" err="1"/>
+              <a:t>queue</a:t>
+            </a:r>
+            <a:r>
+              <a:rPr lang="it-IT" b="1" dirty="0"/>
+              <a:t> </a:t>
+            </a:r>
+            <a:r>
+              <a:rPr lang="it-IT" dirty="0"/>
+              <a:t>(</a:t>
+            </a:r>
+            <a:r>
               <a:rPr lang="it-IT" dirty="0" err="1"/>
-              <a:t>used</a:t>
+              <a:t>allowing</a:t>
             </a:r>
             <a:r>
               <a:rPr lang="it-IT" dirty="0"/>
-              <a:t> in </a:t>
+              <a:t> </a:t>
             </a:r>
             <a:r>
               <a:rPr lang="it-IT" dirty="0" err="1"/>
-              <a:t>battles</a:t>
+              <a:t>async</a:t>
             </a:r>
             <a:r>
               <a:rPr lang="it-IT" dirty="0"/>
-              <a:t>.</a:t>
+              <a:t> interaction) </a:t>
             </a:r>
             <a:br>
               <a:rPr lang="it-IT" dirty="0"/>
@@ -7464,76 +7550,54 @@
               <a:rPr lang="it-IT" dirty="0"/>
             </a:br>
             <a:r>
+              <a:rPr lang="it-IT" dirty="0"/>
+              <a:t>and </a:t>
+            </a:r>
+            <a:br>
+              <a:rPr lang="it-IT" dirty="0"/>
+            </a:br>
+            <a:endParaRPr lang="it-IT" dirty="0"/>
+          </a:p>
+          <a:p>
+            <a:pPr marL="228600" indent="-228600">
+              <a:buFont typeface="+mj-lt"/>
+              <a:buAutoNum type="arabicPeriod"/>
+            </a:pPr>
+            <a:r>
+              <a:rPr lang="it-IT" dirty="0"/>
+              <a:t>can </a:t>
+            </a:r>
+            <a:r>
+              <a:rPr lang="it-IT" b="1" dirty="0"/>
+              <a:t>schedule builds to </a:t>
+            </a:r>
+            <a:r>
+              <a:rPr lang="it-IT" b="1" dirty="0" err="1"/>
+              <a:t>dedicated</a:t>
+            </a:r>
+            <a:r>
+              <a:rPr lang="it-IT" b="1" dirty="0"/>
+              <a:t> </a:t>
+            </a:r>
+            <a:r>
+              <a:rPr lang="it-IT" b="1" dirty="0" err="1"/>
+              <a:t>nodes</a:t>
+            </a:r>
+            <a:r>
+              <a:rPr lang="it-IT" b="1" dirty="0"/>
+              <a:t> </a:t>
+            </a:r>
+            <a:r>
+              <a:rPr lang="it-IT" dirty="0"/>
+              <a:t>(</a:t>
+            </a:r>
+            <a:r>
               <a:rPr lang="it-IT" dirty="0" err="1"/>
-              <a:t>Additionally</a:t>
+              <a:t>called</a:t>
             </a:r>
             <a:r>
               <a:rPr lang="it-IT" dirty="0"/>
-              <a:t> </a:t>
-            </a:r>
-            <a:r>
-              <a:rPr lang="it-IT" dirty="0" err="1"/>
-              <a:t>it</a:t>
-            </a:r>
-            <a:r>
-              <a:rPr lang="it-IT" dirty="0"/>
-              <a:t> </a:t>
-            </a:r>
-            <a:r>
-              <a:rPr lang="it-IT" dirty="0" err="1"/>
-              <a:t>already</a:t>
-            </a:r>
-            <a:r>
-              <a:rPr lang="it-IT" dirty="0"/>
-              <a:t> </a:t>
-            </a:r>
-            <a:r>
-              <a:rPr lang="it-IT" dirty="0" err="1"/>
-              <a:t>implements</a:t>
-            </a:r>
-            <a:r>
-              <a:rPr lang="it-IT" dirty="0"/>
-              <a:t> an </a:t>
-            </a:r>
-            <a:r>
-              <a:rPr lang="it-IT" dirty="0" err="1"/>
-              <a:t>internal</a:t>
-            </a:r>
-            <a:r>
-              <a:rPr lang="it-IT" dirty="0"/>
-              <a:t> </a:t>
-            </a:r>
-            <a:r>
-              <a:rPr lang="it-IT" dirty="0" err="1"/>
-              <a:t>queue</a:t>
-            </a:r>
-            <a:r>
-              <a:rPr lang="it-IT" dirty="0"/>
-              <a:t> (</a:t>
-            </a:r>
-            <a:r>
-              <a:rPr lang="it-IT" dirty="0" err="1"/>
-              <a:t>async</a:t>
-            </a:r>
-            <a:r>
-              <a:rPr lang="it-IT" dirty="0"/>
-              <a:t> interaction) and can schedule builds to </a:t>
-            </a:r>
-            <a:r>
-              <a:rPr lang="it-IT" dirty="0" err="1"/>
-              <a:t>dedicated</a:t>
-            </a:r>
-            <a:r>
-              <a:rPr lang="it-IT" dirty="0"/>
-              <a:t> </a:t>
-            </a:r>
-            <a:r>
-              <a:rPr lang="it-IT" dirty="0" err="1"/>
-              <a:t>nodes</a:t>
-            </a:r>
-            <a:r>
-              <a:rPr lang="it-IT" dirty="0"/>
-              <a:t> (agents) </a:t>
+              <a:t> agents) </a:t>
             </a:r>
             <a:r>
               <a:rPr lang="it-IT" dirty="0" err="1"/>
@@ -7549,7 +7613,7 @@
             </a:r>
             <a:r>
               <a:rPr lang="it-IT" dirty="0"/>
-              <a:t> to scale.</a:t>
+              <a:t> to scale up the system on demand.</a:t>
             </a:r>
           </a:p>
           <a:p>
@@ -7791,8 +7855,42 @@
           <a:lstStyle/>
           <a:p>
             <a:r>
+              <a:rPr lang="it-IT" b="1" dirty="0" err="1"/>
+              <a:t>Considering</a:t>
+            </a:r>
+            <a:r>
+              <a:rPr lang="it-IT" b="1" dirty="0"/>
+              <a:t> </a:t>
+            </a:r>
+            <a:r>
+              <a:rPr lang="it-IT" b="1" dirty="0" err="1"/>
+              <a:t>now</a:t>
+            </a:r>
+            <a:r>
+              <a:rPr lang="it-IT" b="1" dirty="0"/>
+              <a:t> the </a:t>
+            </a:r>
+            <a:r>
+              <a:rPr lang="it-IT" b="1" dirty="0" err="1"/>
+              <a:t>static</a:t>
+            </a:r>
+            <a:r>
+              <a:rPr lang="it-IT" b="1" dirty="0"/>
+              <a:t> </a:t>
+            </a:r>
+            <a:r>
+              <a:rPr lang="it-IT" b="1" dirty="0" err="1"/>
+              <a:t>analysis</a:t>
+            </a:r>
+            <a:r>
+              <a:rPr lang="it-IT" b="1" dirty="0"/>
+              <a:t> service</a:t>
+            </a:r>
+          </a:p>
+          <a:p>
+            <a:r>
               <a:rPr lang="it-IT" dirty="0" err="1"/>
-              <a:t>As</a:t>
+              <a:t>This</a:t>
             </a:r>
             <a:r>
               <a:rPr lang="it-IT" dirty="0"/>
@@ -7800,7 +7898,7 @@
             </a:r>
             <a:r>
               <a:rPr lang="it-IT" dirty="0" err="1"/>
-              <a:t>we</a:t>
+              <a:t>is</a:t>
             </a:r>
             <a:r>
               <a:rPr lang="it-IT" dirty="0"/>
@@ -7808,7 +7906,87 @@
             </a:r>
             <a:r>
               <a:rPr lang="it-IT" dirty="0" err="1"/>
-              <a:t>said</a:t>
+              <a:t>also</a:t>
+            </a:r>
+            <a:r>
+              <a:rPr lang="it-IT" dirty="0"/>
+              <a:t> a CPU intensive task </a:t>
+            </a:r>
+            <a:r>
+              <a:rPr lang="it-IT" b="1" dirty="0"/>
+              <a:t>and </a:t>
+            </a:r>
+            <a:r>
+              <a:rPr lang="it-IT" b="1" dirty="0" err="1"/>
+              <a:t>thus</a:t>
+            </a:r>
+            <a:r>
+              <a:rPr lang="it-IT" b="1" dirty="0"/>
+              <a:t> </a:t>
+            </a:r>
+            <a:r>
+              <a:rPr lang="it-IT" b="1" dirty="0" err="1"/>
+              <a:t>we</a:t>
+            </a:r>
+            <a:r>
+              <a:rPr lang="it-IT" b="1" dirty="0"/>
+              <a:t> </a:t>
+            </a:r>
+            <a:r>
+              <a:rPr lang="it-IT" b="1" dirty="0" err="1"/>
+              <a:t>decided</a:t>
+            </a:r>
+            <a:r>
+              <a:rPr lang="it-IT" b="1" dirty="0"/>
+              <a:t> to </a:t>
+            </a:r>
+            <a:r>
+              <a:rPr lang="it-IT" b="1" dirty="0" err="1"/>
+              <a:t>implement</a:t>
+            </a:r>
+            <a:r>
+              <a:rPr lang="it-IT" b="1" dirty="0"/>
+              <a:t> </a:t>
+            </a:r>
+            <a:r>
+              <a:rPr lang="it-IT" b="1" dirty="0" err="1"/>
+              <a:t>this</a:t>
+            </a:r>
+            <a:r>
+              <a:rPr lang="it-IT" b="1" dirty="0"/>
+              <a:t> feature with an </a:t>
+            </a:r>
+            <a:r>
+              <a:rPr lang="it-IT" b="1" dirty="0" err="1"/>
+              <a:t>already</a:t>
+            </a:r>
+            <a:r>
+              <a:rPr lang="it-IT" b="1" dirty="0"/>
+              <a:t> </a:t>
+            </a:r>
+            <a:r>
+              <a:rPr lang="it-IT" b="1" dirty="0" err="1"/>
+              <a:t>existing</a:t>
+            </a:r>
+            <a:r>
+              <a:rPr lang="it-IT" b="1" dirty="0"/>
+              <a:t> </a:t>
+            </a:r>
+            <a:r>
+              <a:rPr lang="it-IT" b="1" dirty="0" err="1"/>
+              <a:t>external</a:t>
+            </a:r>
+            <a:r>
+              <a:rPr lang="it-IT" b="1" dirty="0"/>
+              <a:t> </a:t>
+            </a:r>
+            <a:r>
+              <a:rPr lang="it-IT" dirty="0"/>
+              <a:t>service </a:t>
+            </a:r>
+            <a:r>
+              <a:rPr lang="it-IT" dirty="0" err="1"/>
+              <a:t>called</a:t>
             </a:r>
             <a:r>
               <a:rPr lang="it-IT" dirty="0"/>
@@ -7816,145 +7994,75 @@
             </a:r>
             <a:r>
               <a:rPr lang="it-IT" dirty="0" err="1"/>
-              <a:t>before</a:t>
-            </a:r>
-            <a:r>
-              <a:rPr lang="it-IT" dirty="0"/>
-              <a:t> </a:t>
-            </a:r>
-            <a:r>
-              <a:rPr lang="it-IT" dirty="0" err="1"/>
-              <a:t>this</a:t>
-            </a:r>
-            <a:r>
-              <a:rPr lang="it-IT" dirty="0"/>
-              <a:t> </a:t>
-            </a:r>
-            <a:r>
-              <a:rPr lang="it-IT" dirty="0" err="1"/>
-              <a:t>is</a:t>
-            </a:r>
-            <a:r>
-              <a:rPr lang="it-IT" dirty="0"/>
-              <a:t> </a:t>
-            </a:r>
-            <a:r>
-              <a:rPr lang="it-IT" dirty="0" err="1"/>
-              <a:t>also</a:t>
-            </a:r>
-            <a:r>
-              <a:rPr lang="it-IT" dirty="0"/>
-              <a:t> a CPU intensive task so </a:t>
-            </a:r>
-            <a:r>
-              <a:rPr lang="it-IT" dirty="0" err="1"/>
-              <a:t>we</a:t>
-            </a:r>
-            <a:r>
-              <a:rPr lang="it-IT" dirty="0"/>
-              <a:t> </a:t>
-            </a:r>
-            <a:r>
-              <a:rPr lang="it-IT" dirty="0" err="1"/>
-              <a:t>also</a:t>
-            </a:r>
-            <a:r>
-              <a:rPr lang="it-IT" dirty="0"/>
-              <a:t> </a:t>
-            </a:r>
-            <a:r>
-              <a:rPr lang="it-IT" dirty="0" err="1"/>
-              <a:t>used</a:t>
-            </a:r>
-            <a:r>
-              <a:rPr lang="it-IT" dirty="0"/>
-              <a:t> an </a:t>
-            </a:r>
-            <a:r>
-              <a:rPr lang="it-IT" dirty="0" err="1"/>
-              <a:t>external</a:t>
-            </a:r>
-            <a:r>
-              <a:rPr lang="it-IT" dirty="0"/>
-              <a:t> service </a:t>
-            </a:r>
-            <a:r>
-              <a:rPr lang="it-IT" dirty="0" err="1"/>
-              <a:t>called</a:t>
-            </a:r>
-            <a:r>
-              <a:rPr lang="it-IT" dirty="0"/>
-              <a:t> </a:t>
-            </a:r>
-            <a:r>
-              <a:rPr lang="it-IT" dirty="0" err="1"/>
               <a:t>sonarCloud</a:t>
             </a:r>
             <a:r>
               <a:rPr lang="it-IT" dirty="0"/>
               <a:t>.</a:t>
             </a:r>
+          </a:p>
+          <a:p>
             <a:br>
               <a:rPr lang="it-IT" dirty="0"/>
             </a:br>
             <a:r>
-              <a:rPr lang="it-IT" dirty="0" err="1"/>
+              <a:rPr lang="it-IT" b="1" dirty="0" err="1"/>
               <a:t>It</a:t>
             </a:r>
             <a:r>
-              <a:rPr lang="it-IT" dirty="0"/>
+              <a:rPr lang="it-IT" b="1" dirty="0"/>
               <a:t> </a:t>
             </a:r>
             <a:r>
-              <a:rPr lang="it-IT" dirty="0" err="1"/>
+              <a:rPr lang="it-IT" b="1" dirty="0" err="1"/>
               <a:t>would</a:t>
             </a:r>
             <a:r>
-              <a:rPr lang="it-IT" dirty="0"/>
+              <a:rPr lang="it-IT" b="1" dirty="0"/>
               <a:t> </a:t>
             </a:r>
             <a:r>
-              <a:rPr lang="it-IT" dirty="0" err="1"/>
+              <a:rPr lang="it-IT" b="1" dirty="0" err="1"/>
               <a:t>have</a:t>
             </a:r>
             <a:r>
-              <a:rPr lang="it-IT" dirty="0"/>
+              <a:rPr lang="it-IT" b="1" dirty="0"/>
               <a:t> </a:t>
             </a:r>
             <a:r>
-              <a:rPr lang="it-IT" dirty="0" err="1"/>
+              <a:rPr lang="it-IT" b="1" dirty="0" err="1"/>
               <a:t>been</a:t>
             </a:r>
             <a:r>
-              <a:rPr lang="it-IT" dirty="0"/>
+              <a:rPr lang="it-IT" b="1" dirty="0"/>
               <a:t> </a:t>
             </a:r>
             <a:r>
-              <a:rPr lang="it-IT" dirty="0" err="1"/>
+              <a:rPr lang="it-IT" b="1" dirty="0" err="1"/>
               <a:t>not</a:t>
             </a:r>
             <a:r>
-              <a:rPr lang="it-IT" dirty="0"/>
+              <a:rPr lang="it-IT" b="1" dirty="0"/>
               <a:t> </a:t>
             </a:r>
             <a:r>
-              <a:rPr lang="it-IT" dirty="0" err="1"/>
+              <a:rPr lang="it-IT" b="1" dirty="0" err="1"/>
               <a:t>trivial</a:t>
             </a:r>
             <a:r>
-              <a:rPr lang="it-IT" dirty="0"/>
+              <a:rPr lang="it-IT" b="1" dirty="0"/>
               <a:t> </a:t>
             </a:r>
             <a:r>
-              <a:rPr lang="it-IT" dirty="0" err="1"/>
+              <a:rPr lang="it-IT" b="1" dirty="0" err="1"/>
               <a:t>reimplement</a:t>
             </a:r>
             <a:r>
-              <a:rPr lang="it-IT" dirty="0"/>
+              <a:rPr lang="it-IT" b="1" dirty="0"/>
               <a:t> </a:t>
             </a:r>
             <a:r>
-              <a:rPr lang="it-IT" dirty="0" err="1"/>
+              <a:rPr lang="it-IT" b="1" dirty="0" err="1"/>
               <a:t>all</a:t>
             </a:r>
             <a:r>
@@ -8048,49 +8156,141 @@
               <a:rPr lang="it-IT" dirty="0"/>
             </a:br>
             <a:r>
+              <a:rPr lang="it-IT" dirty="0" err="1"/>
+              <a:t>Each</a:t>
+            </a:r>
+            <a:r>
               <a:rPr lang="it-IT" dirty="0"/>
-              <a:t>(</a:t>
+              <a:t> </a:t>
             </a:r>
             <a:r>
               <a:rPr lang="it-IT" dirty="0" err="1"/>
-              <a:t>sonarQube</a:t>
+              <a:t>battle</a:t>
             </a:r>
             <a:r>
               <a:rPr lang="it-IT" dirty="0"/>
-              <a:t> è in locale ma costa di </a:t>
+              <a:t> </a:t>
             </a:r>
             <a:r>
               <a:rPr lang="it-IT" dirty="0" err="1"/>
-              <a:t>piú</a:t>
+              <a:t>contains</a:t>
             </a:r>
             <a:r>
               <a:rPr lang="it-IT" dirty="0"/>
-              <a:t> e inoltre solo la versione datacenter è scalabile (gli altri no cluster di worker),</a:t>
-            </a:r>
-          </a:p>
-          <a:p>
+              <a:t> a </a:t>
+            </a:r>
+            <a:r>
+              <a:rPr lang="it-IT" dirty="0" err="1"/>
+              <a:t>sonarRules</a:t>
+            </a:r>
+            <a:r>
+              <a:rPr lang="it-IT" dirty="0"/>
+              <a:t> field </a:t>
+            </a:r>
+            <a:r>
+              <a:rPr lang="it-IT" dirty="0" err="1"/>
+              <a:t>that</a:t>
+            </a:r>
+            <a:r>
+              <a:rPr lang="it-IT" dirty="0"/>
+              <a:t> </a:t>
+            </a:r>
             <a:r>
               <a:rPr lang="it-IT" dirty="0" err="1"/>
               <a:t>sonarCloud</a:t>
             </a:r>
             <a:r>
               <a:rPr lang="it-IT" dirty="0"/>
+              <a:t> must </a:t>
+            </a:r>
+            <a:r>
+              <a:rPr lang="it-IT" dirty="0" err="1"/>
+              <a:t>consider</a:t>
+            </a:r>
+            <a:r>
+              <a:rPr lang="it-IT" dirty="0"/>
+              <a:t> in </a:t>
+            </a:r>
+            <a:r>
+              <a:rPr lang="it-IT" dirty="0" err="1"/>
+              <a:t>order</a:t>
+            </a:r>
+            <a:r>
+              <a:rPr lang="it-IT" dirty="0"/>
+              <a:t> to </a:t>
+            </a:r>
+            <a:r>
+              <a:rPr lang="it-IT" dirty="0" err="1"/>
+              <a:t>analyse</a:t>
+            </a:r>
+            <a:r>
+              <a:rPr lang="it-IT" dirty="0"/>
+              <a:t> the source code </a:t>
+            </a:r>
+            <a:r>
+              <a:rPr lang="it-IT" dirty="0" err="1"/>
+              <a:t>correctly</a:t>
+            </a:r>
+            <a:r>
+              <a:rPr lang="it-IT" dirty="0"/>
+              <a:t>.</a:t>
+            </a:r>
+          </a:p>
+          <a:p>
+            <a:endParaRPr lang="it-IT" dirty="0"/>
+          </a:p>
+          <a:p>
+            <a:r>
+              <a:rPr lang="it-IT" dirty="0"/>
+              <a:t>-------</a:t>
+            </a:r>
+            <a:br>
+              <a:rPr lang="it-IT" dirty="0"/>
+            </a:br>
+            <a:r>
+              <a:rPr lang="it-IT" b="0" i="1" dirty="0"/>
+              <a:t>(</a:t>
+            </a:r>
+            <a:r>
+              <a:rPr lang="it-IT" b="0" i="1" dirty="0" err="1"/>
+              <a:t>sonarQube</a:t>
+            </a:r>
+            <a:r>
+              <a:rPr lang="it-IT" b="0" i="1" dirty="0"/>
+              <a:t> è in locale ma costa di </a:t>
+            </a:r>
+            <a:r>
+              <a:rPr lang="it-IT" b="0" i="1" dirty="0" err="1"/>
+              <a:t>piú</a:t>
+            </a:r>
+            <a:r>
+              <a:rPr lang="it-IT" b="0" i="1" dirty="0"/>
+              <a:t> e inoltre solo la versione datacenter è scalabile (gli altri no cluster di worker),</a:t>
+            </a:r>
+          </a:p>
+          <a:p>
+            <a:r>
+              <a:rPr lang="it-IT" b="0" i="1" dirty="0" err="1"/>
+              <a:t>sonarCloud</a:t>
+            </a:r>
+            <a:r>
+              <a:rPr lang="it-IT" b="0" i="1" dirty="0"/>
               <a:t> costa 100k righe di codice 11 </a:t>
             </a:r>
             <a:r>
-              <a:rPr lang="it-IT" dirty="0" err="1"/>
+              <a:rPr lang="it-IT" b="0" i="1" dirty="0" err="1"/>
               <a:t>eu</a:t>
             </a:r>
             <a:r>
-              <a:rPr lang="it-IT" dirty="0"/>
+              <a:rPr lang="it-IT" b="0" i="1" dirty="0"/>
               <a:t>/mese, 250k 80eu/mese, .. Fino a 20mln righe al mese 5’250 </a:t>
             </a:r>
             <a:r>
-              <a:rPr lang="it-IT" dirty="0" err="1"/>
+              <a:rPr lang="it-IT" b="0" i="1" dirty="0" err="1"/>
               <a:t>eu</a:t>
             </a:r>
             <a:r>
-              <a:rPr lang="it-IT" dirty="0"/>
+              <a:rPr lang="it-IT" b="0" i="1" dirty="0"/>
               <a:t>/mese,</a:t>
             </a:r>
           </a:p>
@@ -8113,7 +8313,7 @@
               <a:defRPr/>
             </a:pPr>
             <a:r>
-              <a:rPr lang="en-US" b="1" i="0" dirty="0">
+              <a:rPr lang="en-US" b="0" i="1" dirty="0">
                 <a:solidFill>
                   <a:srgbClr val="000000"/>
                 </a:solidFill>
@@ -8123,7 +8323,7 @@
               <a:t>Public projects (open source) analysis is always free</a:t>
             </a:r>
             <a:r>
-              <a:rPr lang="it-IT" b="0" i="0" dirty="0">
+              <a:rPr lang="it-IT" b="0" i="1" dirty="0">
                 <a:solidFill>
                   <a:srgbClr val="000000"/>
                 </a:solidFill>
@@ -8131,6 +8331,29 @@
                 <a:latin typeface="Maven Pro"/>
               </a:rPr>
               <a:t>)</a:t>
+            </a:r>
+          </a:p>
+          <a:p>
+            <a:pPr marL="0" marR="0" lvl="0" indent="0" algn="l" defTabSz="914400" rtl="0" eaLnBrk="1" fontAlgn="auto" latinLnBrk="0" hangingPunct="1">
+              <a:lnSpc>
+                <a:spcPct val="100000"/>
+              </a:lnSpc>
+              <a:spcBef>
+                <a:spcPts val="0"/>
+              </a:spcBef>
+              <a:spcAft>
+                <a:spcPts val="0"/>
+              </a:spcAft>
+              <a:buClrTx/>
+              <a:buSzTx/>
+              <a:buFontTx/>
+              <a:buNone/>
+              <a:tabLst/>
+              <a:defRPr/>
+            </a:pPr>
+            <a:r>
+              <a:rPr lang="it-IT" dirty="0"/>
+              <a:t>-------</a:t>
             </a:r>
           </a:p>
           <a:p>
@@ -8307,55 +8530,55 @@
               <a:t> service </a:t>
             </a:r>
             <a:r>
-              <a:rPr lang="it-IT" dirty="0" err="1"/>
+              <a:rPr lang="it-IT" b="1" dirty="0" err="1"/>
               <a:t>we</a:t>
             </a:r>
             <a:r>
-              <a:rPr lang="it-IT" dirty="0"/>
+              <a:rPr lang="it-IT" b="1" dirty="0"/>
               <a:t> </a:t>
             </a:r>
             <a:r>
-              <a:rPr lang="it-IT" dirty="0" err="1"/>
+              <a:rPr lang="it-IT" b="1" dirty="0" err="1"/>
               <a:t>decided</a:t>
             </a:r>
             <a:r>
-              <a:rPr lang="it-IT" dirty="0"/>
+              <a:rPr lang="it-IT" b="1" dirty="0"/>
               <a:t> to </a:t>
             </a:r>
             <a:r>
-              <a:rPr lang="it-IT" dirty="0" err="1"/>
+              <a:rPr lang="it-IT" b="1" dirty="0" err="1"/>
               <a:t>implement</a:t>
             </a:r>
             <a:r>
-              <a:rPr lang="it-IT" dirty="0"/>
+              <a:rPr lang="it-IT" b="1" dirty="0"/>
               <a:t> </a:t>
             </a:r>
             <a:r>
-              <a:rPr lang="it-IT" dirty="0" err="1"/>
+              <a:rPr lang="it-IT" b="1" dirty="0" err="1"/>
               <a:t>it</a:t>
             </a:r>
             <a:r>
-              <a:rPr lang="it-IT" dirty="0"/>
+              <a:rPr lang="it-IT" b="1" dirty="0"/>
               <a:t> </a:t>
             </a:r>
             <a:r>
-              <a:rPr lang="it-IT" dirty="0" err="1"/>
+              <a:rPr lang="it-IT" b="1" dirty="0" err="1"/>
               <a:t>asynchrously</a:t>
             </a:r>
             <a:r>
-              <a:rPr lang="it-IT" dirty="0"/>
+              <a:rPr lang="it-IT" b="1" dirty="0"/>
               <a:t> </a:t>
             </a:r>
             <a:r>
-              <a:rPr lang="it-IT" dirty="0" err="1"/>
+              <a:rPr lang="it-IT" b="1" dirty="0" err="1"/>
               <a:t>using</a:t>
             </a:r>
             <a:r>
-              <a:rPr lang="it-IT" dirty="0"/>
+              <a:rPr lang="it-IT" b="1" dirty="0"/>
               <a:t> a pub-sub style pattern with </a:t>
             </a:r>
             <a:r>
-              <a:rPr lang="it-IT" dirty="0" err="1"/>
+              <a:rPr lang="it-IT" b="1" dirty="0" err="1"/>
               <a:t>RabbitMQ</a:t>
             </a:r>
             <a:r>
@@ -8387,7 +8610,14 @@
             </a:pPr>
             <a:r>
               <a:rPr lang="en-US" sz="1200" b="1" dirty="0"/>
-              <a:t>Queue used by the Platform Service to push messages asynchronously</a:t>
+              <a:t>How we do it?</a:t>
+            </a:r>
+            <a:br>
+              <a:rPr lang="en-US" sz="1200" b="1" dirty="0"/>
+            </a:br>
+            <a:r>
+              <a:rPr lang="en-US" sz="1200" b="1" dirty="0"/>
+              <a:t>The Platform Service uses the queue to push messages asynchronously</a:t>
             </a:r>
             <a:br>
               <a:rPr lang="en-US" sz="1200" b="1" dirty="0"/>
@@ -9598,19 +9828,27 @@
           <a:p>
             <a:r>
               <a:rPr lang="it-IT" dirty="0"/>
-              <a:t>No more </a:t>
+              <a:t>A </a:t>
             </a:r>
             <a:r>
               <a:rPr lang="it-IT" dirty="0" err="1"/>
-              <a:t>animations</a:t>
+              <a:t>meaningful</a:t>
             </a:r>
             <a:r>
               <a:rPr lang="it-IT" dirty="0"/>
-              <a:t> after </a:t>
+              <a:t> use case </a:t>
             </a:r>
             <a:r>
               <a:rPr lang="it-IT" dirty="0" err="1"/>
-              <a:t>purple</a:t>
+              <a:t>is</a:t>
+            </a:r>
+            <a:r>
+              <a:rPr lang="it-IT" dirty="0"/>
+              <a:t> the UC7: «</a:t>
+            </a:r>
+            <a:r>
+              <a:rPr lang="it-IT" dirty="0" err="1"/>
+              <a:t>Student</a:t>
             </a:r>
             <a:r>
               <a:rPr lang="it-IT" dirty="0"/>
@@ -9618,11 +9856,515 @@
             </a:r>
             <a:r>
               <a:rPr lang="it-IT" dirty="0" err="1"/>
-              <a:t>animation</a:t>
-            </a:r>
-            <a:endParaRPr lang="it-IT" dirty="0"/>
-          </a:p>
-          <a:p>
+              <a:t>pushes</a:t>
+            </a:r>
+            <a:r>
+              <a:rPr lang="it-IT" dirty="0"/>
+              <a:t> and triggers </a:t>
+            </a:r>
+            <a:r>
+              <a:rPr lang="it-IT" dirty="0" err="1"/>
+              <a:t>automatic</a:t>
+            </a:r>
+            <a:r>
+              <a:rPr lang="it-IT" dirty="0"/>
+              <a:t> </a:t>
+            </a:r>
+            <a:r>
+              <a:rPr lang="it-IT" dirty="0" err="1"/>
+              <a:t>evaluation</a:t>
+            </a:r>
+            <a:r>
+              <a:rPr lang="it-IT" dirty="0"/>
+              <a:t>»</a:t>
+            </a:r>
+            <a:br>
+              <a:rPr lang="it-IT" dirty="0"/>
+            </a:br>
+            <a:r>
+              <a:rPr lang="it-IT" dirty="0" err="1"/>
+              <a:t>We</a:t>
+            </a:r>
+            <a:r>
+              <a:rPr lang="it-IT" dirty="0"/>
+              <a:t> </a:t>
+            </a:r>
+            <a:r>
+              <a:rPr lang="it-IT" dirty="0" err="1"/>
+              <a:t>decided</a:t>
+            </a:r>
+            <a:r>
+              <a:rPr lang="it-IT" dirty="0"/>
+              <a:t> to </a:t>
+            </a:r>
+            <a:r>
+              <a:rPr lang="it-IT" dirty="0" err="1"/>
+              <a:t>present</a:t>
+            </a:r>
+            <a:r>
+              <a:rPr lang="it-IT" dirty="0"/>
+              <a:t> </a:t>
+            </a:r>
+            <a:r>
+              <a:rPr lang="it-IT" dirty="0" err="1"/>
+              <a:t>this</a:t>
+            </a:r>
+            <a:r>
+              <a:rPr lang="it-IT" dirty="0"/>
+              <a:t> use case </a:t>
+            </a:r>
+            <a:r>
+              <a:rPr lang="it-IT" dirty="0" err="1"/>
+              <a:t>because</a:t>
+            </a:r>
+            <a:r>
+              <a:rPr lang="it-IT" dirty="0"/>
+              <a:t> </a:t>
+            </a:r>
+            <a:r>
+              <a:rPr lang="it-IT" dirty="0" err="1"/>
+              <a:t>it</a:t>
+            </a:r>
+            <a:r>
+              <a:rPr lang="it-IT" dirty="0"/>
+              <a:t> </a:t>
+            </a:r>
+            <a:r>
+              <a:rPr lang="it-IT" dirty="0" err="1"/>
+              <a:t>includes</a:t>
+            </a:r>
+            <a:r>
+              <a:rPr lang="it-IT" dirty="0"/>
+              <a:t> some of the </a:t>
+            </a:r>
+            <a:r>
+              <a:rPr lang="it-IT" dirty="0" err="1"/>
+              <a:t>most</a:t>
+            </a:r>
+            <a:r>
+              <a:rPr lang="it-IT" dirty="0"/>
+              <a:t> </a:t>
+            </a:r>
+            <a:r>
+              <a:rPr lang="it-IT" dirty="0" err="1"/>
+              <a:t>important</a:t>
+            </a:r>
+            <a:r>
+              <a:rPr lang="it-IT" dirty="0"/>
+              <a:t> </a:t>
+            </a:r>
+            <a:r>
+              <a:rPr lang="it-IT" dirty="0" err="1"/>
+              <a:t>actors</a:t>
+            </a:r>
+            <a:r>
+              <a:rPr lang="it-IT" dirty="0"/>
+              <a:t> like «the system», «the </a:t>
+            </a:r>
+            <a:r>
+              <a:rPr lang="it-IT" dirty="0" err="1"/>
+              <a:t>static</a:t>
+            </a:r>
+            <a:r>
+              <a:rPr lang="it-IT" dirty="0"/>
+              <a:t> </a:t>
+            </a:r>
+            <a:r>
+              <a:rPr lang="it-IT" dirty="0" err="1"/>
+              <a:t>analysis</a:t>
+            </a:r>
+            <a:r>
+              <a:rPr lang="it-IT" dirty="0"/>
+              <a:t> tool», «the </a:t>
+            </a:r>
+            <a:r>
+              <a:rPr lang="it-IT" dirty="0" err="1"/>
+              <a:t>github</a:t>
+            </a:r>
+            <a:r>
+              <a:rPr lang="it-IT" dirty="0"/>
+              <a:t> </a:t>
+            </a:r>
+            <a:r>
+              <a:rPr lang="it-IT" dirty="0" err="1"/>
+              <a:t>platform</a:t>
+            </a:r>
+            <a:r>
+              <a:rPr lang="it-IT" dirty="0"/>
+              <a:t>» and «the </a:t>
+            </a:r>
+            <a:r>
+              <a:rPr lang="it-IT" dirty="0" err="1"/>
+              <a:t>students</a:t>
+            </a:r>
+            <a:r>
+              <a:rPr lang="it-IT" dirty="0"/>
+              <a:t> in the team».</a:t>
+            </a:r>
+          </a:p>
+          <a:p>
+            <a:pPr marL="228600" indent="-228600">
+              <a:buFont typeface="+mj-lt"/>
+              <a:buAutoNum type="arabicPeriod"/>
+            </a:pPr>
+            <a:r>
+              <a:rPr lang="it-IT" dirty="0"/>
+              <a:t>The event flow starts with the </a:t>
+            </a:r>
+            <a:r>
+              <a:rPr lang="it-IT" dirty="0" err="1"/>
+              <a:t>student</a:t>
+            </a:r>
+            <a:r>
+              <a:rPr lang="it-IT" dirty="0"/>
+              <a:t> </a:t>
+            </a:r>
+            <a:r>
+              <a:rPr lang="it-IT" dirty="0" err="1"/>
+              <a:t>committing</a:t>
+            </a:r>
+            <a:r>
+              <a:rPr lang="it-IT" dirty="0"/>
+              <a:t> and </a:t>
+            </a:r>
+            <a:r>
+              <a:rPr lang="it-IT" dirty="0" err="1"/>
+              <a:t>pushing</a:t>
+            </a:r>
+            <a:r>
+              <a:rPr lang="it-IT" dirty="0"/>
+              <a:t> the new source code to the </a:t>
+            </a:r>
+            <a:r>
+              <a:rPr lang="it-IT" dirty="0" err="1"/>
+              <a:t>github</a:t>
+            </a:r>
+            <a:r>
+              <a:rPr lang="it-IT" dirty="0"/>
+              <a:t> repo.</a:t>
+            </a:r>
+          </a:p>
+          <a:p>
+            <a:pPr marL="228600" indent="-228600">
+              <a:buFont typeface="+mj-lt"/>
+              <a:buAutoNum type="arabicPeriod"/>
+            </a:pPr>
+            <a:r>
+              <a:rPr lang="it-IT" dirty="0" err="1"/>
+              <a:t>Then</a:t>
+            </a:r>
+            <a:r>
+              <a:rPr lang="it-IT" dirty="0"/>
+              <a:t>, the GitHub Action </a:t>
+            </a:r>
+            <a:r>
+              <a:rPr lang="it-IT" dirty="0" err="1"/>
+              <a:t>platform</a:t>
+            </a:r>
+            <a:r>
+              <a:rPr lang="it-IT" dirty="0"/>
+              <a:t> </a:t>
+            </a:r>
+            <a:r>
+              <a:rPr lang="it-IT" dirty="0" err="1"/>
+              <a:t>notifies</a:t>
+            </a:r>
+            <a:r>
+              <a:rPr lang="it-IT" dirty="0"/>
+              <a:t> the system </a:t>
+            </a:r>
+            <a:r>
+              <a:rPr lang="it-IT" dirty="0" err="1"/>
+              <a:t>about</a:t>
+            </a:r>
+            <a:r>
+              <a:rPr lang="it-IT" dirty="0"/>
+              <a:t> the </a:t>
+            </a:r>
+            <a:r>
+              <a:rPr lang="it-IT" dirty="0" err="1"/>
+              <a:t>the</a:t>
+            </a:r>
+            <a:r>
+              <a:rPr lang="it-IT" dirty="0"/>
+              <a:t> </a:t>
+            </a:r>
+            <a:r>
+              <a:rPr lang="it-IT" dirty="0" err="1"/>
+              <a:t>push</a:t>
+            </a:r>
+            <a:r>
+              <a:rPr lang="it-IT" dirty="0"/>
+              <a:t>.</a:t>
+            </a:r>
+          </a:p>
+          <a:p>
+            <a:pPr marL="228600" indent="-228600">
+              <a:buFont typeface="+mj-lt"/>
+              <a:buAutoNum type="arabicPeriod"/>
+            </a:pPr>
+            <a:r>
+              <a:rPr lang="it-IT" dirty="0"/>
+              <a:t>The system can </a:t>
+            </a:r>
+            <a:r>
+              <a:rPr lang="it-IT" dirty="0" err="1"/>
+              <a:t>now</a:t>
+            </a:r>
+            <a:r>
+              <a:rPr lang="it-IT" dirty="0"/>
+              <a:t> pull the new </a:t>
+            </a:r>
+            <a:r>
+              <a:rPr lang="it-IT" dirty="0" err="1"/>
+              <a:t>updated</a:t>
+            </a:r>
+            <a:r>
+              <a:rPr lang="it-IT" dirty="0"/>
+              <a:t> source code and start </a:t>
+            </a:r>
+            <a:r>
+              <a:rPr lang="it-IT" dirty="0" err="1"/>
+              <a:t>analyzing</a:t>
+            </a:r>
+            <a:r>
+              <a:rPr lang="it-IT" dirty="0"/>
+              <a:t> </a:t>
+            </a:r>
+            <a:r>
+              <a:rPr lang="it-IT" dirty="0" err="1"/>
+              <a:t>it</a:t>
+            </a:r>
+            <a:r>
+              <a:rPr lang="it-IT" dirty="0"/>
+              <a:t>.</a:t>
+            </a:r>
+          </a:p>
+          <a:p>
+            <a:pPr marL="228600" indent="-228600">
+              <a:buFont typeface="+mj-lt"/>
+              <a:buAutoNum type="arabicPeriod"/>
+            </a:pPr>
+            <a:r>
+              <a:rPr lang="it-IT" dirty="0"/>
+              <a:t>The first </a:t>
+            </a:r>
+            <a:r>
+              <a:rPr lang="it-IT" dirty="0" err="1"/>
+              <a:t>thing</a:t>
+            </a:r>
+            <a:r>
+              <a:rPr lang="it-IT" dirty="0"/>
+              <a:t> the system </a:t>
+            </a:r>
+            <a:r>
+              <a:rPr lang="it-IT" dirty="0" err="1"/>
+              <a:t>does</a:t>
+            </a:r>
+            <a:r>
+              <a:rPr lang="it-IT" dirty="0"/>
+              <a:t> </a:t>
+            </a:r>
+            <a:r>
+              <a:rPr lang="it-IT" dirty="0" err="1"/>
+              <a:t>is</a:t>
+            </a:r>
+            <a:r>
+              <a:rPr lang="it-IT" dirty="0"/>
+              <a:t> building the project and after </a:t>
+            </a:r>
+            <a:r>
+              <a:rPr lang="it-IT" dirty="0" err="1"/>
+              <a:t>that</a:t>
+            </a:r>
+            <a:r>
+              <a:rPr lang="it-IT" dirty="0"/>
+              <a:t> </a:t>
+            </a:r>
+            <a:r>
+              <a:rPr lang="it-IT" dirty="0" err="1"/>
+              <a:t>it</a:t>
+            </a:r>
+            <a:r>
+              <a:rPr lang="it-IT" dirty="0"/>
+              <a:t> can </a:t>
+            </a:r>
+            <a:r>
+              <a:rPr lang="it-IT" dirty="0" err="1"/>
+              <a:t>perform</a:t>
+            </a:r>
+            <a:r>
+              <a:rPr lang="it-IT" dirty="0"/>
+              <a:t> in </a:t>
+            </a:r>
+            <a:r>
+              <a:rPr lang="it-IT" dirty="0" err="1"/>
+              <a:t>parallel</a:t>
+            </a:r>
+            <a:r>
+              <a:rPr lang="it-IT" dirty="0"/>
+              <a:t> 3 </a:t>
+            </a:r>
+            <a:r>
+              <a:rPr lang="it-IT" dirty="0" err="1"/>
+              <a:t>different</a:t>
+            </a:r>
+            <a:r>
+              <a:rPr lang="it-IT" dirty="0"/>
+              <a:t> </a:t>
+            </a:r>
+            <a:r>
+              <a:rPr lang="it-IT" dirty="0" err="1"/>
+              <a:t>operations</a:t>
+            </a:r>
+            <a:r>
+              <a:rPr lang="it-IT" dirty="0"/>
+              <a:t> in </a:t>
+            </a:r>
+            <a:r>
+              <a:rPr lang="it-IT" dirty="0" err="1"/>
+              <a:t>order</a:t>
+            </a:r>
+            <a:r>
+              <a:rPr lang="it-IT" dirty="0"/>
+              <a:t> to </a:t>
+            </a:r>
+            <a:r>
+              <a:rPr lang="it-IT" dirty="0" err="1"/>
+              <a:t>calculate</a:t>
+            </a:r>
+            <a:r>
+              <a:rPr lang="it-IT" dirty="0"/>
+              <a:t> the score.\</a:t>
+            </a:r>
+          </a:p>
+          <a:p>
+            <a:pPr marL="0" indent="0">
+              <a:buFont typeface="+mj-lt"/>
+              <a:buNone/>
+            </a:pPr>
+            <a:br>
+              <a:rPr lang="it-IT" dirty="0"/>
+            </a:br>
+            <a:r>
+              <a:rPr lang="it-IT" dirty="0"/>
+              <a:t>After </a:t>
+            </a:r>
+            <a:r>
+              <a:rPr lang="it-IT" dirty="0" err="1"/>
+              <a:t>all</a:t>
+            </a:r>
+            <a:r>
+              <a:rPr lang="it-IT" dirty="0"/>
+              <a:t> the </a:t>
+            </a:r>
+            <a:r>
+              <a:rPr lang="it-IT" dirty="0" err="1"/>
+              <a:t>three</a:t>
+            </a:r>
+            <a:r>
+              <a:rPr lang="it-IT" dirty="0"/>
+              <a:t> </a:t>
+            </a:r>
+            <a:r>
+              <a:rPr lang="it-IT" dirty="0" err="1"/>
+              <a:t>different</a:t>
+            </a:r>
+            <a:r>
+              <a:rPr lang="it-IT" dirty="0"/>
+              <a:t> </a:t>
+            </a:r>
+            <a:r>
+              <a:rPr lang="it-IT" dirty="0" err="1"/>
+              <a:t>operations</a:t>
+            </a:r>
+            <a:r>
+              <a:rPr lang="it-IT" dirty="0"/>
+              <a:t> </a:t>
+            </a:r>
+            <a:r>
+              <a:rPr lang="it-IT" dirty="0" err="1"/>
+              <a:t>has</a:t>
+            </a:r>
+            <a:r>
+              <a:rPr lang="it-IT" dirty="0"/>
+              <a:t> </a:t>
+            </a:r>
+            <a:r>
+              <a:rPr lang="it-IT" dirty="0" err="1"/>
+              <a:t>been</a:t>
+            </a:r>
+            <a:r>
+              <a:rPr lang="it-IT" dirty="0"/>
+              <a:t> </a:t>
+            </a:r>
+            <a:r>
+              <a:rPr lang="it-IT" dirty="0" err="1"/>
+              <a:t>completed</a:t>
+            </a:r>
+            <a:r>
+              <a:rPr lang="it-IT" dirty="0"/>
+              <a:t>, the system can </a:t>
+            </a:r>
+            <a:r>
+              <a:rPr lang="it-IT" dirty="0" err="1"/>
+              <a:t>calculate</a:t>
+            </a:r>
+            <a:r>
+              <a:rPr lang="it-IT" dirty="0"/>
+              <a:t> the score and </a:t>
+            </a:r>
+            <a:r>
+              <a:rPr lang="it-IT" dirty="0" err="1"/>
+              <a:t>modify</a:t>
+            </a:r>
+            <a:r>
+              <a:rPr lang="it-IT" dirty="0"/>
+              <a:t> the </a:t>
+            </a:r>
+            <a:r>
+              <a:rPr lang="it-IT" dirty="0" err="1"/>
+              <a:t>battle</a:t>
+            </a:r>
+            <a:r>
+              <a:rPr lang="it-IT" dirty="0"/>
+              <a:t> team score, </a:t>
+            </a:r>
+            <a:r>
+              <a:rPr lang="it-IT" dirty="0" err="1"/>
+              <a:t>notifing</a:t>
+            </a:r>
+            <a:r>
+              <a:rPr lang="it-IT" dirty="0"/>
+              <a:t> </a:t>
+            </a:r>
+            <a:r>
+              <a:rPr lang="it-IT" dirty="0" err="1"/>
+              <a:t>all</a:t>
+            </a:r>
+            <a:r>
+              <a:rPr lang="it-IT" dirty="0"/>
+              <a:t> </a:t>
+            </a:r>
+            <a:r>
+              <a:rPr lang="it-IT" dirty="0" err="1"/>
+              <a:t>students</a:t>
+            </a:r>
+            <a:r>
+              <a:rPr lang="it-IT" dirty="0"/>
+              <a:t> </a:t>
+            </a:r>
+            <a:r>
+              <a:rPr lang="it-IT" dirty="0" err="1"/>
+              <a:t>partecipating</a:t>
+            </a:r>
+            <a:r>
+              <a:rPr lang="it-IT" dirty="0"/>
+              <a:t> in the team.</a:t>
+            </a:r>
+            <a:br>
+              <a:rPr lang="it-IT" dirty="0"/>
+            </a:br>
             <a:endParaRPr lang="it-IT" dirty="0"/>
           </a:p>
           <a:p>
@@ -9741,6 +10483,37 @@
           <a:lstStyle/>
           <a:p>
             <a:r>
+              <a:rPr lang="it-IT" b="1" dirty="0" err="1"/>
+              <a:t>Now</a:t>
+            </a:r>
+            <a:r>
+              <a:rPr lang="it-IT" b="1" dirty="0"/>
+              <a:t> </a:t>
+            </a:r>
+            <a:r>
+              <a:rPr lang="it-IT" b="1" dirty="0" err="1"/>
+              <a:t>let’s</a:t>
+            </a:r>
+            <a:r>
+              <a:rPr lang="it-IT" b="1" dirty="0"/>
+              <a:t> talk </a:t>
+            </a:r>
+            <a:r>
+              <a:rPr lang="it-IT" b="1" dirty="0" err="1"/>
+              <a:t>about</a:t>
+            </a:r>
+            <a:r>
+              <a:rPr lang="it-IT" b="1" dirty="0"/>
+              <a:t> the </a:t>
+            </a:r>
+            <a:r>
+              <a:rPr lang="it-IT" b="1" dirty="0" err="1"/>
+              <a:t>requirements</a:t>
+            </a:r>
+            <a:endParaRPr lang="it-IT" b="1" dirty="0"/>
+          </a:p>
+          <a:p>
+            <a:r>
               <a:rPr lang="it-IT" dirty="0" err="1"/>
               <a:t>Trought</a:t>
             </a:r>
@@ -9813,43 +10586,49 @@
               <a:t> </a:t>
             </a:r>
             <a:r>
-              <a:rPr lang="it-IT" dirty="0" err="1"/>
+              <a:rPr lang="it-IT" b="1" dirty="0" err="1"/>
               <a:t>they</a:t>
             </a:r>
             <a:r>
+              <a:rPr lang="it-IT" b="1" dirty="0"/>
+              <a:t> </a:t>
+            </a:r>
+            <a:r>
+              <a:rPr lang="it-IT" b="1" dirty="0" err="1"/>
+              <a:t>rappresent</a:t>
+            </a:r>
+            <a:r>
+              <a:rPr lang="it-IT" b="1" dirty="0"/>
+              <a:t> the </a:t>
+            </a:r>
+            <a:r>
+              <a:rPr lang="it-IT" b="1" dirty="0" err="1"/>
+              <a:t>basic</a:t>
+            </a:r>
+            <a:r>
+              <a:rPr lang="it-IT" b="1" dirty="0"/>
+              <a:t> </a:t>
+            </a:r>
+            <a:r>
+              <a:rPr lang="it-IT" b="1" dirty="0" err="1"/>
+              <a:t>functionality</a:t>
+            </a:r>
+            <a:r>
+              <a:rPr lang="it-IT" b="1" dirty="0"/>
+              <a:t> of the system</a:t>
+            </a:r>
+            <a:r>
               <a:rPr lang="it-IT" dirty="0"/>
-              <a:t> </a:t>
-            </a:r>
-            <a:r>
-              <a:rPr lang="it-IT" dirty="0" err="1"/>
-              <a:t>rappresent</a:t>
-            </a:r>
-            <a:r>
-              <a:rPr lang="it-IT" dirty="0"/>
-              <a:t> the </a:t>
-            </a:r>
-            <a:r>
-              <a:rPr lang="it-IT" dirty="0" err="1"/>
-              <a:t>basic</a:t>
-            </a:r>
-            <a:r>
-              <a:rPr lang="it-IT" dirty="0"/>
-              <a:t> </a:t>
-            </a:r>
-            <a:r>
-              <a:rPr lang="it-IT" dirty="0" err="1"/>
-              <a:t>functionality</a:t>
-            </a:r>
-            <a:r>
-              <a:rPr lang="it-IT" dirty="0"/>
-              <a:t> of the system.</a:t>
-            </a:r>
+              <a:t>.</a:t>
+            </a:r>
+          </a:p>
+          <a:p>
             <a:br>
               <a:rPr lang="it-IT" dirty="0"/>
             </a:br>
             <a:r>
               <a:rPr lang="it-IT" dirty="0" err="1"/>
-              <a:t>We</a:t>
+              <a:t>As</a:t>
             </a:r>
             <a:r>
               <a:rPr lang="it-IT" dirty="0"/>
@@ -9857,7 +10636,7 @@
             </a:r>
             <a:r>
               <a:rPr lang="it-IT" dirty="0" err="1"/>
-              <a:t>have</a:t>
+              <a:t>we</a:t>
             </a:r>
             <a:r>
               <a:rPr lang="it-IT" dirty="0"/>
@@ -9865,7 +10644,7 @@
             </a:r>
             <a:r>
               <a:rPr lang="it-IT" dirty="0" err="1"/>
-              <a:t>as</a:t>
+              <a:t>already</a:t>
             </a:r>
             <a:r>
               <a:rPr lang="it-IT" dirty="0"/>
@@ -9873,6 +10652,22 @@
             </a:r>
             <a:r>
               <a:rPr lang="it-IT" dirty="0" err="1"/>
+              <a:t>highlighted</a:t>
+            </a:r>
+            <a:r>
+              <a:rPr lang="it-IT" dirty="0"/>
+              <a:t> in the </a:t>
+            </a:r>
+            <a:r>
+              <a:rPr lang="it-IT" dirty="0" err="1"/>
+              <a:t>previous</a:t>
+            </a:r>
+            <a:r>
+              <a:rPr lang="it-IT" dirty="0"/>
+              <a:t> slides </a:t>
+            </a:r>
+            <a:r>
+              <a:rPr lang="it-IT" dirty="0" err="1"/>
               <a:t>we</a:t>
             </a:r>
             <a:r>
@@ -9881,19 +10676,21 @@
             </a:r>
             <a:r>
               <a:rPr lang="it-IT" dirty="0" err="1"/>
-              <a:t>said</a:t>
+              <a:t>have</a:t>
             </a:r>
             <a:r>
               <a:rPr lang="it-IT" dirty="0"/>
-              <a:t> in </a:t>
-            </a:r>
-            <a:r>
-              <a:rPr lang="it-IT" dirty="0" err="1"/>
-              <a:t>previous</a:t>
-            </a:r>
+              <a:t>:</a:t>
+            </a:r>
+          </a:p>
+          <a:p>
+            <a:pPr marL="228600" indent="-228600">
+              <a:buFont typeface="+mj-lt"/>
+              <a:buAutoNum type="arabicPeriod"/>
+            </a:pPr>
             <a:r>
               <a:rPr lang="it-IT" dirty="0"/>
-              <a:t> slide the </a:t>
+              <a:t>the </a:t>
             </a:r>
             <a:r>
               <a:rPr lang="it-IT" dirty="0" err="1"/>
@@ -9901,7 +10698,7 @@
             </a:r>
             <a:r>
               <a:rPr lang="it-IT" dirty="0"/>
-              <a:t>, the </a:t>
+              <a:t> and </a:t>
             </a:r>
             <a:r>
               <a:rPr lang="it-IT" dirty="0" err="1"/>
@@ -9927,9 +10724,27 @@
               <a:rPr lang="it-IT" dirty="0"/>
               <a:t>, </a:t>
             </a:r>
+          </a:p>
+          <a:p>
+            <a:pPr marL="228600" indent="-228600">
+              <a:buFont typeface="+mj-lt"/>
+              <a:buAutoNum type="arabicPeriod"/>
+            </a:pPr>
+            <a:r>
+              <a:rPr lang="it-IT" dirty="0"/>
+              <a:t>the </a:t>
+            </a:r>
             <a:r>
               <a:rPr lang="it-IT" dirty="0" err="1"/>
-              <a:t>then</a:t>
+              <a:t>ability</a:t>
+            </a:r>
+            <a:r>
+              <a:rPr lang="it-IT" dirty="0"/>
+              <a:t> to </a:t>
+            </a:r>
+            <a:r>
+              <a:rPr lang="it-IT" dirty="0" err="1"/>
+              <a:t>see</a:t>
             </a:r>
             <a:r>
               <a:rPr lang="it-IT" dirty="0"/>
@@ -9937,27 +10752,111 @@
             </a:r>
             <a:r>
               <a:rPr lang="it-IT" dirty="0" err="1"/>
-              <a:t>ability</a:t>
+              <a:t>result</a:t>
             </a:r>
             <a:r>
               <a:rPr lang="it-IT" dirty="0"/>
-              <a:t> to </a:t>
+              <a:t> </a:t>
+            </a:r>
+          </a:p>
+          <a:p>
+            <a:pPr marL="228600" indent="-228600">
+              <a:buFont typeface="+mj-lt"/>
+              <a:buAutoNum type="arabicPeriod"/>
+            </a:pPr>
+            <a:r>
+              <a:rPr lang="it-IT" dirty="0"/>
+              <a:t>the feature to create and </a:t>
             </a:r>
             <a:r>
               <a:rPr lang="it-IT" dirty="0" err="1"/>
-              <a:t>see</a:t>
+              <a:t>manage</a:t>
             </a:r>
             <a:r>
               <a:rPr lang="it-IT" dirty="0"/>
-              <a:t> the </a:t>
+              <a:t> the badges.</a:t>
+            </a:r>
+          </a:p>
+          <a:p>
+            <a:endParaRPr lang="it-IT" dirty="0"/>
+          </a:p>
+          <a:p>
+            <a:pPr marL="0" marR="0" lvl="0" indent="0" algn="l" defTabSz="914400" rtl="0" eaLnBrk="1" fontAlgn="auto" latinLnBrk="0" hangingPunct="1">
+              <a:lnSpc>
+                <a:spcPct val="100000"/>
+              </a:lnSpc>
+              <a:spcBef>
+                <a:spcPts val="0"/>
+              </a:spcBef>
+              <a:spcAft>
+                <a:spcPts val="0"/>
+              </a:spcAft>
+              <a:buClrTx/>
+              <a:buSzTx/>
+              <a:buFontTx/>
+              <a:buNone/>
+              <a:tabLst/>
+              <a:defRPr/>
+            </a:pPr>
+            <a:r>
+              <a:rPr lang="it-IT" dirty="0"/>
+              <a:t>After </a:t>
             </a:r>
             <a:r>
               <a:rPr lang="it-IT" dirty="0" err="1"/>
-              <a:t>result</a:t>
+              <a:t>this</a:t>
             </a:r>
             <a:r>
               <a:rPr lang="it-IT" dirty="0"/>
-              <a:t> and the feature to create the badges.</a:t>
+              <a:t> slide </a:t>
+            </a:r>
+            <a:r>
+              <a:rPr lang="it-IT" b="1" dirty="0" err="1"/>
+              <a:t>change</a:t>
+            </a:r>
+            <a:r>
+              <a:rPr lang="it-IT" b="1" dirty="0"/>
+              <a:t> </a:t>
+            </a:r>
+            <a:r>
+              <a:rPr lang="it-IT" b="1" dirty="0" err="1"/>
+              <a:t>person</a:t>
+            </a:r>
+            <a:r>
+              <a:rPr lang="it-IT" b="1" dirty="0"/>
+              <a:t> </a:t>
+            </a:r>
+            <a:r>
+              <a:rPr lang="it-IT" b="1" dirty="0" err="1"/>
+              <a:t>speaking</a:t>
+            </a:r>
+            <a:r>
+              <a:rPr lang="it-IT" b="1" dirty="0"/>
+              <a:t> (</a:t>
+            </a:r>
+            <a:r>
+              <a:rPr lang="it-IT" b="1" dirty="0" err="1"/>
+              <a:t>Ferlin</a:t>
+            </a:r>
+            <a:r>
+              <a:rPr lang="it-IT" b="1" dirty="0"/>
+              <a:t> </a:t>
+            </a:r>
+            <a:r>
+              <a:rPr lang="it-IT" b="1" dirty="0" err="1"/>
+              <a:t>now</a:t>
+            </a:r>
+            <a:r>
+              <a:rPr lang="it-IT" b="1" dirty="0"/>
+              <a:t> </a:t>
+            </a:r>
+            <a:r>
+              <a:rPr lang="it-IT" b="1" dirty="0" err="1"/>
+              <a:t>talking</a:t>
+            </a:r>
+            <a:r>
+              <a:rPr lang="it-IT" b="1" dirty="0"/>
+              <a:t>)</a:t>
             </a:r>
           </a:p>
           <a:p>
@@ -31122,7 +32021,11 @@
             </a:r>
             <a:r>
               <a:rPr lang="en-US" dirty="0"/>
-              <a:t>The system shall allow the educator to create a tournament</a:t>
+              <a:t>The system shall allow the educator to </a:t>
+            </a:r>
+            <a:r>
+              <a:rPr lang="en-US" b="1" i="1" dirty="0"/>
+              <a:t>create a tournament</a:t>
             </a:r>
           </a:p>
           <a:p>
@@ -31172,9 +32075,13 @@
             </a:r>
             <a:r>
               <a:rPr lang="en-US" dirty="0"/>
-              <a:t>The system shall allow students to subscribe to a tournament</a:t>
-            </a:r>
-            <a:endParaRPr lang="it-IT" dirty="0"/>
+              <a:t>The system shall allow students to </a:t>
+            </a:r>
+            <a:r>
+              <a:rPr lang="en-US" b="1" i="1" dirty="0"/>
+              <a:t>subscribe to a tournament</a:t>
+            </a:r>
+            <a:endParaRPr lang="it-IT" b="1" i="1" dirty="0"/>
           </a:p>
         </p:txBody>
       </p:sp>
@@ -31216,7 +32123,15 @@
             </a:r>
             <a:r>
               <a:rPr lang="en-US" dirty="0"/>
-              <a:t>The system shall allow the educator to create a battle within the context of a specific tournament.</a:t>
+              <a:t>The system shall allow the educator to </a:t>
+            </a:r>
+            <a:r>
+              <a:rPr lang="en-US" b="1" i="1" dirty="0"/>
+              <a:t>create a battle </a:t>
+            </a:r>
+            <a:r>
+              <a:rPr lang="en-US" dirty="0"/>
+              <a:t>within the context of a specific tournament.</a:t>
             </a:r>
           </a:p>
           <a:p>
@@ -31266,7 +32181,15 @@
             </a:r>
             <a:r>
               <a:rPr lang="en-US" dirty="0"/>
-              <a:t>The system shall allow students to join a battle, respecting the minimum </a:t>
+              <a:t>The system shall allow students to </a:t>
+            </a:r>
+            <a:r>
+              <a:rPr lang="en-US" b="1" i="1" dirty="0"/>
+              <a:t>join a battle</a:t>
+            </a:r>
+            <a:r>
+              <a:rPr lang="en-US" dirty="0"/>
+              <a:t>, respecting the minimum </a:t>
             </a:r>
           </a:p>
           <a:p>
@@ -31322,7 +32245,15 @@
             </a:r>
             <a:r>
               <a:rPr lang="en-US" dirty="0"/>
-              <a:t>The system shall expose an API that can by called by the GitHub Action platform</a:t>
+              <a:t>The system shall </a:t>
+            </a:r>
+            <a:r>
+              <a:rPr lang="en-US" b="1" i="1" dirty="0"/>
+              <a:t>expose an API </a:t>
+            </a:r>
+            <a:r>
+              <a:rPr lang="en-US" dirty="0"/>
+              <a:t>that can by called by the GitHub Action platform</a:t>
             </a:r>
             <a:endParaRPr lang="it-IT" dirty="0"/>
           </a:p>
@@ -31366,7 +32297,15 @@
             </a:r>
             <a:r>
               <a:rPr lang="en-US" dirty="0"/>
-              <a:t>On each push, the system shall calculate and update the battle score of the team</a:t>
+              <a:t>On each push, the system shall </a:t>
+            </a:r>
+            <a:r>
+              <a:rPr lang="en-US" b="1" i="1" dirty="0"/>
+              <a:t>calculate and update the battle score </a:t>
+            </a:r>
+            <a:r>
+              <a:rPr lang="en-US" dirty="0"/>
+              <a:t>of the team</a:t>
             </a:r>
             <a:br>
               <a:rPr lang="en-US" dirty="0"/>
@@ -31417,7 +32356,15 @@
             </a:r>
             <a:r>
               <a:rPr lang="en-US" dirty="0"/>
-              <a:t>The system shall allow the educator who create a tournament, to create badges within </a:t>
+              <a:t>The system shall allow the educator who create a tournament, to </a:t>
+            </a:r>
+            <a:r>
+              <a:rPr lang="en-US" b="1" i="1" dirty="0"/>
+              <a:t>create badges </a:t>
+            </a:r>
+            <a:r>
+              <a:rPr lang="en-US" dirty="0"/>
+              <a:t>within </a:t>
             </a:r>
           </a:p>
           <a:p>

--- a/presentation/Presentation - Ferlin Orsenigo Saccani.pptx
+++ b/presentation/Presentation - Ferlin Orsenigo Saccani.pptx
@@ -4909,7 +4909,7 @@
           <a:p>
             <a:fld id="{7202ABAD-4209-4CCF-B9B2-BA8F1A4DE14A}" type="datetimeFigureOut">
               <a:rPr lang="it-IT" smtClean="0"/>
-              <a:t>26/01/2024</a:t>
+              <a:t>29/01/2024</a:t>
             </a:fld>
             <a:endParaRPr lang="it-IT"/>
           </a:p>
@@ -6065,6 +6065,206 @@
                   <a:srgbClr val="FF0000"/>
                 </a:solidFill>
               </a:rPr>
+              <a:t>Low </a:t>
+            </a:r>
+            <a:r>
+              <a:rPr lang="it-IT" b="1" dirty="0" err="1">
+                <a:solidFill>
+                  <a:srgbClr val="FF0000"/>
+                </a:solidFill>
+              </a:rPr>
+              <a:t>coupling</a:t>
+            </a:r>
+            <a:r>
+              <a:rPr lang="it-IT" b="1" dirty="0">
+                <a:solidFill>
+                  <a:srgbClr val="FF0000"/>
+                </a:solidFill>
+              </a:rPr>
+              <a:t>: </a:t>
+            </a:r>
+            <a:r>
+              <a:rPr lang="it-IT" b="0" dirty="0" err="1">
+                <a:solidFill>
+                  <a:srgbClr val="FF0000"/>
+                </a:solidFill>
+              </a:rPr>
+              <a:t>each</a:t>
+            </a:r>
+            <a:r>
+              <a:rPr lang="it-IT" b="0" dirty="0">
+                <a:solidFill>
+                  <a:srgbClr val="FF0000"/>
+                </a:solidFill>
+              </a:rPr>
+              <a:t> </a:t>
+            </a:r>
+            <a:r>
+              <a:rPr lang="it-IT" b="0" dirty="0" err="1">
+                <a:solidFill>
+                  <a:srgbClr val="FF0000"/>
+                </a:solidFill>
+              </a:rPr>
+              <a:t>microservice</a:t>
+            </a:r>
+            <a:r>
+              <a:rPr lang="it-IT" b="0" dirty="0">
+                <a:solidFill>
+                  <a:srgbClr val="FF0000"/>
+                </a:solidFill>
+              </a:rPr>
+              <a:t> </a:t>
+            </a:r>
+            <a:r>
+              <a:rPr lang="it-IT" b="0" dirty="0" err="1">
+                <a:solidFill>
+                  <a:srgbClr val="FF0000"/>
+                </a:solidFill>
+              </a:rPr>
+              <a:t>is</a:t>
+            </a:r>
+            <a:r>
+              <a:rPr lang="it-IT" b="0" dirty="0">
+                <a:solidFill>
+                  <a:srgbClr val="FF0000"/>
+                </a:solidFill>
+              </a:rPr>
+              <a:t> </a:t>
+            </a:r>
+            <a:r>
+              <a:rPr lang="it-IT" b="0" dirty="0" err="1">
+                <a:solidFill>
+                  <a:srgbClr val="FF0000"/>
+                </a:solidFill>
+              </a:rPr>
+              <a:t>independent</a:t>
+            </a:r>
+            <a:r>
+              <a:rPr lang="it-IT" b="0" dirty="0">
+                <a:solidFill>
+                  <a:srgbClr val="FF0000"/>
+                </a:solidFill>
+              </a:rPr>
+              <a:t> of the </a:t>
+            </a:r>
+            <a:r>
+              <a:rPr lang="it-IT" b="0" dirty="0" err="1">
+                <a:solidFill>
+                  <a:srgbClr val="FF0000"/>
+                </a:solidFill>
+              </a:rPr>
+              <a:t>others</a:t>
+            </a:r>
+            <a:endParaRPr lang="it-IT" b="0" dirty="0">
+              <a:solidFill>
+                <a:srgbClr val="FF0000"/>
+              </a:solidFill>
+            </a:endParaRPr>
+          </a:p>
+          <a:p>
+            <a:pPr marL="0" marR="0" lvl="0" indent="0" algn="l" defTabSz="914400" rtl="0" eaLnBrk="1" fontAlgn="auto" latinLnBrk="0" hangingPunct="1">
+              <a:lnSpc>
+                <a:spcPct val="100000"/>
+              </a:lnSpc>
+              <a:spcBef>
+                <a:spcPts val="0"/>
+              </a:spcBef>
+              <a:spcAft>
+                <a:spcPts val="0"/>
+              </a:spcAft>
+              <a:buClrTx/>
+              <a:buSzTx/>
+              <a:buFontTx/>
+              <a:buNone/>
+              <a:tabLst/>
+              <a:defRPr/>
+            </a:pPr>
+            <a:r>
+              <a:rPr lang="it-IT" b="1" dirty="0">
+                <a:solidFill>
+                  <a:srgbClr val="FF0000"/>
+                </a:solidFill>
+              </a:rPr>
+              <a:t>High </a:t>
+            </a:r>
+            <a:r>
+              <a:rPr lang="it-IT" b="1" dirty="0" err="1">
+                <a:solidFill>
+                  <a:srgbClr val="FF0000"/>
+                </a:solidFill>
+              </a:rPr>
+              <a:t>cohesion</a:t>
+            </a:r>
+            <a:r>
+              <a:rPr lang="it-IT" b="1" dirty="0">
+                <a:solidFill>
+                  <a:srgbClr val="FF0000"/>
+                </a:solidFill>
+              </a:rPr>
+              <a:t>: </a:t>
+            </a:r>
+            <a:r>
+              <a:rPr lang="en-US" b="0" dirty="0">
+                <a:solidFill>
+                  <a:srgbClr val="FF0000"/>
+                </a:solidFill>
+              </a:rPr>
+              <a:t>the tasks performed by each microservice are related</a:t>
+            </a:r>
+            <a:endParaRPr lang="it-IT" b="1" dirty="0">
+              <a:solidFill>
+                <a:srgbClr val="FF0000"/>
+              </a:solidFill>
+            </a:endParaRPr>
+          </a:p>
+          <a:p>
+            <a:pPr marL="0" marR="0" lvl="0" indent="0" algn="l" defTabSz="914400" rtl="0" eaLnBrk="1" fontAlgn="auto" latinLnBrk="0" hangingPunct="1">
+              <a:lnSpc>
+                <a:spcPct val="100000"/>
+              </a:lnSpc>
+              <a:spcBef>
+                <a:spcPts val="0"/>
+              </a:spcBef>
+              <a:spcAft>
+                <a:spcPts val="0"/>
+              </a:spcAft>
+              <a:buClrTx/>
+              <a:buSzTx/>
+              <a:buFontTx/>
+              <a:buNone/>
+              <a:tabLst/>
+              <a:defRPr/>
+            </a:pPr>
+            <a:endParaRPr lang="it-IT" b="1" dirty="0">
+              <a:solidFill>
+                <a:srgbClr val="FF0000"/>
+              </a:solidFill>
+            </a:endParaRPr>
+          </a:p>
+          <a:p>
+            <a:pPr marL="0" marR="0" lvl="0" indent="0" algn="l" defTabSz="914400" rtl="0" eaLnBrk="1" fontAlgn="auto" latinLnBrk="0" hangingPunct="1">
+              <a:lnSpc>
+                <a:spcPct val="100000"/>
+              </a:lnSpc>
+              <a:spcBef>
+                <a:spcPts val="0"/>
+              </a:spcBef>
+              <a:spcAft>
+                <a:spcPts val="0"/>
+              </a:spcAft>
+              <a:buClrTx/>
+              <a:buSzTx/>
+              <a:buFontTx/>
+              <a:buNone/>
+              <a:tabLst/>
+              <a:defRPr/>
+            </a:pPr>
+            <a:r>
+              <a:rPr lang="it-IT" b="1" dirty="0">
+                <a:solidFill>
+                  <a:srgbClr val="FF0000"/>
+                </a:solidFill>
+              </a:rPr>
               <a:t>4,15s-4,55s</a:t>
             </a:r>
           </a:p>
@@ -6293,6 +6493,26 @@
               <a:rPr lang="it-IT" dirty="0" err="1"/>
               <a:t>components</a:t>
             </a:r>
+            <a:endParaRPr lang="it-IT" dirty="0"/>
+          </a:p>
+          <a:p>
+            <a:pPr marL="0" marR="0" lvl="0" indent="0" algn="l" defTabSz="914400" rtl="0" eaLnBrk="1" fontAlgn="auto" latinLnBrk="0" hangingPunct="1">
+              <a:lnSpc>
+                <a:spcPct val="100000"/>
+              </a:lnSpc>
+              <a:spcBef>
+                <a:spcPts val="0"/>
+              </a:spcBef>
+              <a:spcAft>
+                <a:spcPts val="0"/>
+              </a:spcAft>
+              <a:buClrTx/>
+              <a:buSzTx/>
+              <a:buFontTx/>
+              <a:buNone/>
+              <a:tabLst/>
+              <a:defRPr/>
+            </a:pPr>
             <a:br>
               <a:rPr lang="it-IT" dirty="0"/>
             </a:br>
@@ -6552,7 +6772,7 @@
                   <a:srgbClr val="FF0000"/>
                 </a:solidFill>
               </a:rPr>
-              <a:t>5,00s-5,50s</a:t>
+              <a:t>5,00s-5,35s</a:t>
             </a:r>
           </a:p>
           <a:p>
@@ -6721,7 +6941,7 @@
             </a:r>
             <a:r>
               <a:rPr lang="it-IT" dirty="0" err="1"/>
-              <a:t>allow</a:t>
+              <a:t>allows</a:t>
             </a:r>
             <a:r>
               <a:rPr lang="it-IT" dirty="0"/>
@@ -6936,7 +7156,7 @@
                   <a:srgbClr val="FF0000"/>
                 </a:solidFill>
               </a:rPr>
-              <a:t>5,50s-6,20s</a:t>
+              <a:t>5,35s-6,05s</a:t>
             </a:r>
           </a:p>
           <a:p>
@@ -7026,7 +7246,7 @@
           <a:p>
             <a:r>
               <a:rPr lang="it-IT" dirty="0" err="1"/>
-              <a:t>Those</a:t>
+              <a:t>These</a:t>
             </a:r>
             <a:r>
               <a:rPr lang="it-IT" dirty="0"/>
@@ -7038,7 +7258,17 @@
             </a:r>
             <a:r>
               <a:rPr lang="it-IT" dirty="0"/>
-              <a:t> of the api gateway and note </a:t>
+              <a:t> of the api gateway.</a:t>
+            </a:r>
+          </a:p>
+          <a:p>
+            <a:r>
+              <a:rPr lang="it-IT" dirty="0" err="1"/>
+              <a:t>We</a:t>
+            </a:r>
+            <a:r>
+              <a:rPr lang="it-IT" dirty="0"/>
+              <a:t> can note </a:t>
             </a:r>
             <a:r>
               <a:rPr lang="it-IT" dirty="0" err="1"/>
@@ -7078,15 +7308,15 @@
             </a:r>
             <a:r>
               <a:rPr lang="it-IT" dirty="0"/>
-              <a:t> </a:t>
+              <a:t> the api gateway </a:t>
             </a:r>
             <a:r>
               <a:rPr lang="it-IT" dirty="0" err="1"/>
-              <a:t>it’s</a:t>
+              <a:t>is</a:t>
             </a:r>
             <a:r>
               <a:rPr lang="it-IT" dirty="0"/>
-              <a:t> the api gateway in </a:t>
+              <a:t> in </a:t>
             </a:r>
             <a:r>
               <a:rPr lang="it-IT" dirty="0" err="1"/>
@@ -7094,7 +7324,15 @@
             </a:r>
             <a:r>
               <a:rPr lang="it-IT" dirty="0"/>
-              <a:t> to validate </a:t>
+              <a:t> of </a:t>
+            </a:r>
+            <a:r>
+              <a:rPr lang="it-IT" dirty="0" err="1"/>
+              <a:t>validating</a:t>
+            </a:r>
+            <a:r>
+              <a:rPr lang="it-IT" dirty="0"/>
+              <a:t> </a:t>
             </a:r>
             <a:r>
               <a:rPr lang="it-IT" dirty="0" err="1"/>
@@ -7102,7 +7340,7 @@
             </a:r>
             <a:r>
               <a:rPr lang="it-IT" dirty="0"/>
-              <a:t> </a:t>
+              <a:t>, </a:t>
             </a:r>
             <a:r>
               <a:rPr lang="it-IT" dirty="0" err="1"/>
@@ -7222,7 +7460,7 @@
                   <a:srgbClr val="FF0000"/>
                 </a:solidFill>
               </a:rPr>
-              <a:t>6,20s-6,50s</a:t>
+              <a:t>6,05s-6,35s</a:t>
             </a:r>
           </a:p>
           <a:p>
@@ -7643,7 +7881,7 @@
                   <a:srgbClr val="FF0000"/>
                 </a:solidFill>
               </a:rPr>
-              <a:t>6,50s-7,40s</a:t>
+              <a:t>6,35s-7,25s</a:t>
             </a:r>
           </a:p>
           <a:p>
@@ -8406,7 +8644,7 @@
                   <a:srgbClr val="FF0000"/>
                 </a:solidFill>
               </a:rPr>
-              <a:t>7,40s-8,15s</a:t>
+              <a:t>7,25s-8,00s</a:t>
             </a:r>
           </a:p>
           <a:p>
@@ -8722,7 +8960,7 @@
                   <a:srgbClr val="FF0000"/>
                 </a:solidFill>
               </a:rPr>
-              <a:t>8,15s-8,45s</a:t>
+              <a:t>8,00s-8,30s</a:t>
             </a:r>
           </a:p>
           <a:p>
@@ -8853,7 +9091,7 @@
                   <a:srgbClr val="FF0000"/>
                 </a:solidFill>
               </a:rPr>
-              <a:t>8,45s-9,45s</a:t>
+              <a:t>8,30s-9,30s</a:t>
             </a:r>
           </a:p>
           <a:p>
@@ -9025,7 +9263,7 @@
                   <a:srgbClr val="FF0000"/>
                 </a:solidFill>
               </a:rPr>
-              <a:t>9,45s-10,00s</a:t>
+              <a:t>9,30s-9,45s</a:t>
             </a:r>
           </a:p>
           <a:p>
@@ -9136,7 +9374,7 @@
                   <a:srgbClr val="FF0000"/>
                 </a:solidFill>
               </a:rPr>
-              <a:t>10,00s-10,20s</a:t>
+              <a:t>9,45s-10,05s</a:t>
             </a:r>
           </a:p>
           <a:p>
@@ -9243,7 +9481,7 @@
             </a:pPr>
             <a:r>
               <a:rPr lang="it-IT" b="1" dirty="0"/>
-              <a:t>10,20s-10,35s</a:t>
+              <a:t>10,05s-10,20s</a:t>
             </a:r>
           </a:p>
           <a:p>
@@ -11520,7 +11758,7 @@
           <a:p>
             <a:fld id="{E5A64DBF-7161-4EA8-95C9-E19D638F8A86}" type="datetime1">
               <a:rPr lang="it-IT" smtClean="0"/>
-              <a:t>26/01/2024</a:t>
+              <a:t>29/01/2024</a:t>
             </a:fld>
             <a:endParaRPr lang="en-US"/>
           </a:p>
@@ -11692,7 +11930,7 @@
           <a:p>
             <a:fld id="{E215BCEA-145B-4DD8-BFB8-2B5F347EE37B}" type="datetime1">
               <a:rPr lang="it-IT" smtClean="0"/>
-              <a:t>26/01/2024</a:t>
+              <a:t>29/01/2024</a:t>
             </a:fld>
             <a:endParaRPr lang="en-US"/>
           </a:p>
@@ -11874,7 +12112,7 @@
           <a:p>
             <a:fld id="{0E479271-4B3A-4899-BE3D-A5B5388EB193}" type="datetime1">
               <a:rPr lang="it-IT" smtClean="0"/>
-              <a:t>26/01/2024</a:t>
+              <a:t>29/01/2024</a:t>
             </a:fld>
             <a:endParaRPr lang="en-US"/>
           </a:p>
@@ -12112,7 +12350,7 @@
           <a:p>
             <a:fld id="{0B13A35A-4FB3-4273-A700-E6041718318E}" type="datetime1">
               <a:rPr lang="it-IT" smtClean="0"/>
-              <a:t>26/01/2024</a:t>
+              <a:t>29/01/2024</a:t>
             </a:fld>
             <a:endParaRPr lang="it-IT" dirty="0"/>
           </a:p>
@@ -12295,7 +12533,7 @@
           <a:p>
             <a:fld id="{29104CC2-F95F-45F0-913D-F36C99762219}" type="datetime1">
               <a:rPr lang="it-IT" smtClean="0"/>
-              <a:t>26/01/2024</a:t>
+              <a:t>29/01/2024</a:t>
             </a:fld>
             <a:endParaRPr lang="en-US"/>
           </a:p>
@@ -12544,7 +12782,7 @@
           <a:p>
             <a:fld id="{06648BC1-280A-4E50-A272-AA116EA42599}" type="datetime1">
               <a:rPr lang="it-IT" smtClean="0"/>
-              <a:t>26/01/2024</a:t>
+              <a:t>29/01/2024</a:t>
             </a:fld>
             <a:endParaRPr lang="en-US"/>
           </a:p>
@@ -12777,7 +13015,7 @@
           <a:p>
             <a:fld id="{D32BB0D9-996D-47AA-BD91-66DF540EFC2A}" type="datetime1">
               <a:rPr lang="it-IT" smtClean="0"/>
-              <a:t>26/01/2024</a:t>
+              <a:t>29/01/2024</a:t>
             </a:fld>
             <a:endParaRPr lang="en-US"/>
           </a:p>
@@ -13145,7 +13383,7 @@
           <a:p>
             <a:fld id="{7F46B0A3-2298-4D03-B0C3-43C4FC666B6B}" type="datetime1">
               <a:rPr lang="it-IT" smtClean="0"/>
-              <a:t>26/01/2024</a:t>
+              <a:t>29/01/2024</a:t>
             </a:fld>
             <a:endParaRPr lang="en-US"/>
           </a:p>
@@ -13266,7 +13504,7 @@
           <a:p>
             <a:fld id="{9498587E-2DC0-4A5E-8AED-CF7575629163}" type="datetime1">
               <a:rPr lang="it-IT" smtClean="0"/>
-              <a:t>26/01/2024</a:t>
+              <a:t>29/01/2024</a:t>
             </a:fld>
             <a:endParaRPr lang="en-US"/>
           </a:p>
@@ -13365,7 +13603,7 @@
           <a:p>
             <a:fld id="{9EFD05EE-AC27-4DD7-A212-18D7350A6914}" type="datetime1">
               <a:rPr lang="it-IT" smtClean="0"/>
-              <a:t>26/01/2024</a:t>
+              <a:t>29/01/2024</a:t>
             </a:fld>
             <a:endParaRPr lang="en-US"/>
           </a:p>
@@ -13644,7 +13882,7 @@
           <a:p>
             <a:fld id="{401F7625-73EE-4A54-8E51-142CFE45A555}" type="datetime1">
               <a:rPr lang="it-IT" smtClean="0"/>
-              <a:t>26/01/2024</a:t>
+              <a:t>29/01/2024</a:t>
             </a:fld>
             <a:endParaRPr lang="en-US"/>
           </a:p>
@@ -13900,7 +14138,7 @@
           <a:p>
             <a:fld id="{26591E3B-AF6F-45F2-BB77-5E2C0987DC7A}" type="datetime1">
               <a:rPr lang="it-IT" smtClean="0"/>
-              <a:t>26/01/2024</a:t>
+              <a:t>29/01/2024</a:t>
             </a:fld>
             <a:endParaRPr lang="en-US"/>
           </a:p>
@@ -14115,7 +14353,7 @@
           <a:p>
             <a:fld id="{BB7AE348-75D9-4CB5-8FE3-6812842EA045}" type="datetime1">
               <a:rPr lang="it-IT" smtClean="0"/>
-              <a:t>26/01/2024</a:t>
+              <a:t>29/01/2024</a:t>
             </a:fld>
             <a:endParaRPr lang="en-US"/>
           </a:p>
@@ -17336,11 +17574,11 @@
   <p:clrMapOvr>
     <a:masterClrMapping/>
   </p:clrMapOvr>
-  <mc:AlternateContent xmlns:mc="http://schemas.openxmlformats.org/markup-compatibility/2006">
-    <mc:Choice xmlns:p14="http://schemas.microsoft.com/office/powerpoint/2010/main" Requires="p14">
+  <mc:AlternateContent xmlns:mc="http://schemas.openxmlformats.org/markup-compatibility/2006" xmlns:p14="http://schemas.microsoft.com/office/powerpoint/2010/main">
+    <mc:Choice Requires="p14">
       <p:transition spd="slow" p14:dur="2000" advTm="7440"/>
     </mc:Choice>
-    <mc:Fallback>
+    <mc:Fallback xmlns="">
       <p:transition spd="slow" advTm="7440"/>
     </mc:Fallback>
   </mc:AlternateContent>
@@ -17514,11 +17752,11 @@
   <p:clrMapOvr>
     <a:masterClrMapping/>
   </p:clrMapOvr>
-  <mc:AlternateContent xmlns:mc="http://schemas.openxmlformats.org/markup-compatibility/2006">
-    <mc:Choice xmlns:p14="http://schemas.microsoft.com/office/powerpoint/2010/main" Requires="p14">
+  <mc:AlternateContent xmlns:mc="http://schemas.openxmlformats.org/markup-compatibility/2006" xmlns:p14="http://schemas.microsoft.com/office/powerpoint/2010/main">
+    <mc:Choice Requires="p14">
       <p:transition spd="slow" p14:dur="2000" advTm="55467"/>
     </mc:Choice>
-    <mc:Fallback>
+    <mc:Fallback xmlns="">
       <p:transition spd="slow" advTm="55467"/>
     </mc:Fallback>
   </mc:AlternateContent>
@@ -17816,11 +18054,11 @@
   <p:clrMapOvr>
     <a:masterClrMapping/>
   </p:clrMapOvr>
-  <mc:AlternateContent xmlns:mc="http://schemas.openxmlformats.org/markup-compatibility/2006">
-    <mc:Choice xmlns:p14="http://schemas.microsoft.com/office/powerpoint/2010/main" Requires="p14">
+  <mc:AlternateContent xmlns:mc="http://schemas.openxmlformats.org/markup-compatibility/2006" xmlns:p14="http://schemas.microsoft.com/office/powerpoint/2010/main">
+    <mc:Choice Requires="p14">
       <p:transition spd="slow" p14:dur="2000" advTm="12117"/>
     </mc:Choice>
-    <mc:Fallback>
+    <mc:Fallback xmlns="">
       <p:transition spd="slow" advTm="12117"/>
     </mc:Fallback>
   </mc:AlternateContent>
@@ -17963,11 +18201,11 @@
   <p:clrMapOvr>
     <a:masterClrMapping/>
   </p:clrMapOvr>
-  <mc:AlternateContent xmlns:mc="http://schemas.openxmlformats.org/markup-compatibility/2006">
-    <mc:Choice xmlns:p14="http://schemas.microsoft.com/office/powerpoint/2010/main" Requires="p14">
+  <mc:AlternateContent xmlns:mc="http://schemas.openxmlformats.org/markup-compatibility/2006" xmlns:p14="http://schemas.microsoft.com/office/powerpoint/2010/main">
+    <mc:Choice Requires="p14">
       <p:transition spd="slow" p14:dur="2000" advTm="511"/>
     </mc:Choice>
-    <mc:Fallback>
+    <mc:Fallback xmlns="">
       <p:transition spd="slow" advTm="511"/>
     </mc:Fallback>
   </mc:AlternateContent>
@@ -18347,11 +18585,11 @@
   <p:clrMapOvr>
     <a:masterClrMapping/>
   </p:clrMapOvr>
-  <mc:AlternateContent xmlns:mc="http://schemas.openxmlformats.org/markup-compatibility/2006">
-    <mc:Choice xmlns:p14="http://schemas.microsoft.com/office/powerpoint/2010/main" Requires="p14">
+  <mc:AlternateContent xmlns:mc="http://schemas.openxmlformats.org/markup-compatibility/2006" xmlns:p14="http://schemas.microsoft.com/office/powerpoint/2010/main">
+    <mc:Choice Requires="p14">
       <p:transition spd="slow" p14:dur="2000" advTm="39576"/>
     </mc:Choice>
-    <mc:Fallback>
+    <mc:Fallback xmlns="">
       <p:transition spd="slow" advTm="39576"/>
     </mc:Fallback>
   </mc:AlternateContent>
@@ -19018,11 +19256,11 @@
   <p:clrMapOvr>
     <a:masterClrMapping/>
   </p:clrMapOvr>
-  <mc:AlternateContent xmlns:mc="http://schemas.openxmlformats.org/markup-compatibility/2006">
-    <mc:Choice xmlns:p14="http://schemas.microsoft.com/office/powerpoint/2010/main" Requires="p14">
+  <mc:AlternateContent xmlns:mc="http://schemas.openxmlformats.org/markup-compatibility/2006" xmlns:p14="http://schemas.microsoft.com/office/powerpoint/2010/main">
+    <mc:Choice Requires="p14">
       <p:transition spd="slow" p14:dur="2000" advTm="5738"/>
     </mc:Choice>
-    <mc:Fallback>
+    <mc:Fallback xmlns="">
       <p:transition spd="slow" advTm="5738"/>
     </mc:Fallback>
   </mc:AlternateContent>
@@ -19413,11 +19651,11 @@
   <p:clrMapOvr>
     <a:masterClrMapping/>
   </p:clrMapOvr>
-  <mc:AlternateContent xmlns:mc="http://schemas.openxmlformats.org/markup-compatibility/2006">
-    <mc:Choice xmlns:p14="http://schemas.microsoft.com/office/powerpoint/2010/main" Requires="p14">
+  <mc:AlternateContent xmlns:mc="http://schemas.openxmlformats.org/markup-compatibility/2006" xmlns:p14="http://schemas.microsoft.com/office/powerpoint/2010/main">
+    <mc:Choice Requires="p14">
       <p:transition spd="slow" p14:dur="2000" advTm="15618"/>
     </mc:Choice>
-    <mc:Fallback>
+    <mc:Fallback xmlns="">
       <p:transition spd="slow" advTm="15618"/>
     </mc:Fallback>
   </mc:AlternateContent>
@@ -20069,11 +20307,11 @@
   <p:clrMapOvr>
     <a:masterClrMapping/>
   </p:clrMapOvr>
-  <mc:AlternateContent xmlns:mc="http://schemas.openxmlformats.org/markup-compatibility/2006">
-    <mc:Choice xmlns:p14="http://schemas.microsoft.com/office/powerpoint/2010/main" Requires="p14">
+  <mc:AlternateContent xmlns:mc="http://schemas.openxmlformats.org/markup-compatibility/2006" xmlns:p14="http://schemas.microsoft.com/office/powerpoint/2010/main">
+    <mc:Choice Requires="p14">
       <p:transition spd="slow" p14:dur="2000" advTm="28084"/>
     </mc:Choice>
-    <mc:Fallback>
+    <mc:Fallback xmlns="">
       <p:transition spd="slow" advTm="28084"/>
     </mc:Fallback>
   </mc:AlternateContent>
@@ -20597,11 +20835,11 @@
   <p:clrMapOvr>
     <a:masterClrMapping/>
   </p:clrMapOvr>
-  <mc:AlternateContent xmlns:mc="http://schemas.openxmlformats.org/markup-compatibility/2006">
-    <mc:Choice xmlns:p14="http://schemas.microsoft.com/office/powerpoint/2010/main" Requires="p14">
+  <mc:AlternateContent xmlns:mc="http://schemas.openxmlformats.org/markup-compatibility/2006" xmlns:p14="http://schemas.microsoft.com/office/powerpoint/2010/main">
+    <mc:Choice Requires="p14">
       <p:transition spd="slow" p14:dur="2000" advTm="27538"/>
     </mc:Choice>
-    <mc:Fallback>
+    <mc:Fallback xmlns="">
       <p:transition spd="slow" advTm="27538"/>
     </mc:Fallback>
   </mc:AlternateContent>
@@ -21395,11 +21633,11 @@
   <p:clrMapOvr>
     <a:masterClrMapping/>
   </p:clrMapOvr>
-  <mc:AlternateContent xmlns:mc="http://schemas.openxmlformats.org/markup-compatibility/2006">
-    <mc:Choice xmlns:p14="http://schemas.microsoft.com/office/powerpoint/2010/main" Requires="p14">
+  <mc:AlternateContent xmlns:mc="http://schemas.openxmlformats.org/markup-compatibility/2006" xmlns:p14="http://schemas.microsoft.com/office/powerpoint/2010/main">
+    <mc:Choice Requires="p14">
       <p:transition spd="slow" p14:dur="2000" advTm="47021"/>
     </mc:Choice>
-    <mc:Fallback>
+    <mc:Fallback xmlns="">
       <p:transition spd="slow" advTm="47021"/>
     </mc:Fallback>
   </mc:AlternateContent>
@@ -22210,11 +22448,11 @@
   <p:clrMapOvr>
     <a:masterClrMapping/>
   </p:clrMapOvr>
-  <mc:AlternateContent xmlns:mc="http://schemas.openxmlformats.org/markup-compatibility/2006">
-    <mc:Choice xmlns:p14="http://schemas.microsoft.com/office/powerpoint/2010/main" Requires="p14">
+  <mc:AlternateContent xmlns:mc="http://schemas.openxmlformats.org/markup-compatibility/2006" xmlns:p14="http://schemas.microsoft.com/office/powerpoint/2010/main">
+    <mc:Choice Requires="p14">
       <p:transition spd="slow" p14:dur="2000" advTm="34083"/>
     </mc:Choice>
-    <mc:Fallback>
+    <mc:Fallback xmlns="">
       <p:transition spd="slow" advTm="34083"/>
     </mc:Fallback>
   </mc:AlternateContent>
@@ -22765,11 +23003,11 @@
   <p:clrMapOvr>
     <a:masterClrMapping/>
   </p:clrMapOvr>
-  <mc:AlternateContent xmlns:mc="http://schemas.openxmlformats.org/markup-compatibility/2006">
-    <mc:Choice xmlns:p14="http://schemas.microsoft.com/office/powerpoint/2010/main" Requires="p14">
+  <mc:AlternateContent xmlns:mc="http://schemas.openxmlformats.org/markup-compatibility/2006" xmlns:p14="http://schemas.microsoft.com/office/powerpoint/2010/main">
+    <mc:Choice Requires="p14">
       <p:transition spd="slow" p14:dur="2000" advTm="26989"/>
     </mc:Choice>
-    <mc:Fallback>
+    <mc:Fallback xmlns="">
       <p:transition spd="slow" advTm="26989"/>
     </mc:Fallback>
   </mc:AlternateContent>
@@ -23909,11 +24147,11 @@
   <p:clrMapOvr>
     <a:masterClrMapping/>
   </p:clrMapOvr>
-  <mc:AlternateContent xmlns:mc="http://schemas.openxmlformats.org/markup-compatibility/2006">
-    <mc:Choice xmlns:p14="http://schemas.microsoft.com/office/powerpoint/2010/main" Requires="p14">
+  <mc:AlternateContent xmlns:mc="http://schemas.openxmlformats.org/markup-compatibility/2006" xmlns:p14="http://schemas.microsoft.com/office/powerpoint/2010/main">
+    <mc:Choice Requires="p14">
       <p:transition spd="slow" p14:dur="2000" advTm="58973"/>
     </mc:Choice>
-    <mc:Fallback>
+    <mc:Fallback xmlns="">
       <p:transition spd="slow" advTm="58973"/>
     </mc:Fallback>
   </mc:AlternateContent>
@@ -24325,11 +24563,11 @@
   <p:clrMapOvr>
     <a:masterClrMapping/>
   </p:clrMapOvr>
-  <mc:AlternateContent xmlns:mc="http://schemas.openxmlformats.org/markup-compatibility/2006">
-    <mc:Choice xmlns:p14="http://schemas.microsoft.com/office/powerpoint/2010/main" Requires="p14">
+  <mc:AlternateContent xmlns:mc="http://schemas.openxmlformats.org/markup-compatibility/2006" xmlns:p14="http://schemas.microsoft.com/office/powerpoint/2010/main">
+    <mc:Choice Requires="p14">
       <p:transition spd="slow" p14:dur="2000" advTm="7507"/>
     </mc:Choice>
-    <mc:Fallback>
+    <mc:Fallback xmlns="">
       <p:transition spd="slow" advTm="7507"/>
     </mc:Fallback>
   </mc:AlternateContent>
@@ -25131,11 +25369,11 @@
   <p:clrMapOvr>
     <a:masterClrMapping/>
   </p:clrMapOvr>
-  <mc:AlternateContent xmlns:mc="http://schemas.openxmlformats.org/markup-compatibility/2006">
-    <mc:Choice xmlns:p14="http://schemas.microsoft.com/office/powerpoint/2010/main" Requires="p14">
+  <mc:AlternateContent xmlns:mc="http://schemas.openxmlformats.org/markup-compatibility/2006" xmlns:p14="http://schemas.microsoft.com/office/powerpoint/2010/main">
+    <mc:Choice Requires="p14">
       <p:transition spd="slow" p14:dur="2000" advTm="19269"/>
     </mc:Choice>
-    <mc:Fallback>
+    <mc:Fallback xmlns="">
       <p:transition spd="slow" advTm="19269"/>
     </mc:Fallback>
   </mc:AlternateContent>
@@ -25469,11 +25707,11 @@
   <p:clrMapOvr>
     <a:masterClrMapping/>
   </p:clrMapOvr>
-  <mc:AlternateContent xmlns:mc="http://schemas.openxmlformats.org/markup-compatibility/2006">
-    <mc:Choice xmlns:p14="http://schemas.microsoft.com/office/powerpoint/2010/main" Requires="p14">
+  <mc:AlternateContent xmlns:mc="http://schemas.openxmlformats.org/markup-compatibility/2006" xmlns:p14="http://schemas.microsoft.com/office/powerpoint/2010/main">
+    <mc:Choice Requires="p14">
       <p:transition spd="slow" p14:dur="2000" advTm="14806"/>
     </mc:Choice>
-    <mc:Fallback>
+    <mc:Fallback xmlns="">
       <p:transition spd="slow" advTm="14806"/>
     </mc:Fallback>
   </mc:AlternateContent>
@@ -25942,11 +26180,11 @@
   <p:clrMapOvr>
     <a:masterClrMapping/>
   </p:clrMapOvr>
-  <mc:AlternateContent xmlns:mc="http://schemas.openxmlformats.org/markup-compatibility/2006">
-    <mc:Choice xmlns:p14="http://schemas.microsoft.com/office/powerpoint/2010/main" Requires="p14">
+  <mc:AlternateContent xmlns:mc="http://schemas.openxmlformats.org/markup-compatibility/2006" xmlns:p14="http://schemas.microsoft.com/office/powerpoint/2010/main">
+    <mc:Choice Requires="p14">
       <p:transition spd="slow" p14:dur="2000" advTm="5522"/>
     </mc:Choice>
-    <mc:Fallback>
+    <mc:Fallback xmlns="">
       <p:transition spd="slow" advTm="5522"/>
     </mc:Fallback>
   </mc:AlternateContent>
@@ -27364,11 +27602,11 @@
   <p:clrMapOvr>
     <a:masterClrMapping/>
   </p:clrMapOvr>
-  <mc:AlternateContent xmlns:mc="http://schemas.openxmlformats.org/markup-compatibility/2006">
-    <mc:Choice xmlns:p14="http://schemas.microsoft.com/office/powerpoint/2010/main" Requires="p14">
+  <mc:AlternateContent xmlns:mc="http://schemas.openxmlformats.org/markup-compatibility/2006" xmlns:p14="http://schemas.microsoft.com/office/powerpoint/2010/main">
+    <mc:Choice Requires="p14">
       <p:transition spd="slow" p14:dur="2000" advTm="22049"/>
     </mc:Choice>
-    <mc:Fallback>
+    <mc:Fallback xmlns="">
       <p:transition spd="slow" advTm="22049"/>
     </mc:Fallback>
   </mc:AlternateContent>
@@ -29963,11 +30201,11 @@
   <p:clrMapOvr>
     <a:masterClrMapping/>
   </p:clrMapOvr>
-  <mc:AlternateContent xmlns:mc="http://schemas.openxmlformats.org/markup-compatibility/2006">
-    <mc:Choice xmlns:p14="http://schemas.microsoft.com/office/powerpoint/2010/main" Requires="p14">
+  <mc:AlternateContent xmlns:mc="http://schemas.openxmlformats.org/markup-compatibility/2006" xmlns:p14="http://schemas.microsoft.com/office/powerpoint/2010/main">
+    <mc:Choice Requires="p14">
       <p:transition spd="slow" p14:dur="2000" advTm="40249"/>
     </mc:Choice>
-    <mc:Fallback>
+    <mc:Fallback xmlns="">
       <p:transition spd="slow" advTm="40249"/>
     </mc:Fallback>
   </mc:AlternateContent>
@@ -31431,11 +31669,11 @@
   <p:clrMapOvr>
     <a:masterClrMapping/>
   </p:clrMapOvr>
-  <mc:AlternateContent xmlns:mc="http://schemas.openxmlformats.org/markup-compatibility/2006">
-    <mc:Choice xmlns:p14="http://schemas.microsoft.com/office/powerpoint/2010/main" Requires="p14">
+  <mc:AlternateContent xmlns:mc="http://schemas.openxmlformats.org/markup-compatibility/2006" xmlns:p14="http://schemas.microsoft.com/office/powerpoint/2010/main">
+    <mc:Choice Requires="p14">
       <p:transition spd="slow" p14:dur="2000" advTm="50476"/>
     </mc:Choice>
-    <mc:Fallback>
+    <mc:Fallback xmlns="">
       <p:transition spd="slow" advTm="50476"/>
     </mc:Fallback>
   </mc:AlternateContent>
@@ -32472,11 +32710,11 @@
   <p:clrMapOvr>
     <a:masterClrMapping/>
   </p:clrMapOvr>
-  <mc:AlternateContent xmlns:mc="http://schemas.openxmlformats.org/markup-compatibility/2006">
-    <mc:Choice xmlns:p14="http://schemas.microsoft.com/office/powerpoint/2010/main" Requires="p14">
+  <mc:AlternateContent xmlns:mc="http://schemas.openxmlformats.org/markup-compatibility/2006" xmlns:p14="http://schemas.microsoft.com/office/powerpoint/2010/main">
+    <mc:Choice Requires="p14">
       <p:transition spd="slow" p14:dur="2000" advTm="18232"/>
     </mc:Choice>
-    <mc:Fallback>
+    <mc:Fallback xmlns="">
       <p:transition spd="slow" advTm="18232"/>
     </mc:Fallback>
   </mc:AlternateContent>
@@ -37609,11 +37847,11 @@
   <p:clrMapOvr>
     <a:masterClrMapping/>
   </p:clrMapOvr>
-  <mc:AlternateContent xmlns:mc="http://schemas.openxmlformats.org/markup-compatibility/2006">
-    <mc:Choice xmlns:p14="http://schemas.microsoft.com/office/powerpoint/2010/main" Requires="p14">
+  <mc:AlternateContent xmlns:mc="http://schemas.openxmlformats.org/markup-compatibility/2006" xmlns:p14="http://schemas.microsoft.com/office/powerpoint/2010/main">
+    <mc:Choice Requires="p14">
       <p:transition spd="slow" p14:dur="2000" advTm="45699"/>
     </mc:Choice>
-    <mc:Fallback>
+    <mc:Fallback xmlns="">
       <p:transition spd="slow" advTm="45699"/>
     </mc:Fallback>
   </mc:AlternateContent>
